--- a/ADA Presentation.pptx
+++ b/ADA Presentation.pptx
@@ -4,12 +4,23 @@
   <p:sldMasterIdLst>
     <p:sldMasterId id="2147483648" r:id="rId1"/>
   </p:sldMasterIdLst>
+  <p:notesMasterIdLst>
+    <p:notesMasterId r:id="rId15"/>
+  </p:notesMasterIdLst>
   <p:sldIdLst>
     <p:sldId id="256" r:id="rId2"/>
     <p:sldId id="257" r:id="rId3"/>
     <p:sldId id="258" r:id="rId4"/>
-    <p:sldId id="259" r:id="rId5"/>
-    <p:sldId id="260" r:id="rId6"/>
+    <p:sldId id="263" r:id="rId5"/>
+    <p:sldId id="267" r:id="rId6"/>
+    <p:sldId id="268" r:id="rId7"/>
+    <p:sldId id="270" r:id="rId8"/>
+    <p:sldId id="264" r:id="rId9"/>
+    <p:sldId id="269" r:id="rId10"/>
+    <p:sldId id="259" r:id="rId11"/>
+    <p:sldId id="262" r:id="rId12"/>
+    <p:sldId id="271" r:id="rId13"/>
+    <p:sldId id="260" r:id="rId14"/>
   </p:sldIdLst>
   <p:sldSz cx="12192000" cy="6858000"/>
   <p:notesSz cx="6858000" cy="9144000"/>
@@ -108,7 +119,474 @@
       </a:defRPr>
     </a:lvl9pPr>
   </p:defaultTextStyle>
+  <p:extLst>
+    <p:ext uri="{EFAFB233-063F-42B5-8137-9DF3F51BA10A}">
+      <p15:sldGuideLst xmlns:p15="http://schemas.microsoft.com/office/powerpoint/2012/main"/>
+    </p:ext>
+  </p:extLst>
 </p:presentation>
+</file>
+
+<file path=ppt/notesMasters/notesMaster1.xml><?xml version="1.0" encoding="utf-8"?>
+<p:notesMaster xmlns:a="http://schemas.openxmlformats.org/drawingml/2006/main" xmlns:r="http://schemas.openxmlformats.org/officeDocument/2006/relationships" xmlns:p="http://schemas.openxmlformats.org/presentationml/2006/main">
+  <p:cSld>
+    <p:bg>
+      <p:bgRef idx="1001">
+        <a:schemeClr val="bg1"/>
+      </p:bgRef>
+    </p:bg>
+    <p:spTree>
+      <p:nvGrpSpPr>
+        <p:cNvPr id="1" name=""/>
+        <p:cNvGrpSpPr/>
+        <p:nvPr/>
+      </p:nvGrpSpPr>
+      <p:grpSpPr>
+        <a:xfrm>
+          <a:off x="0" y="0"/>
+          <a:ext cx="0" cy="0"/>
+          <a:chOff x="0" y="0"/>
+          <a:chExt cx="0" cy="0"/>
+        </a:xfrm>
+      </p:grpSpPr>
+      <p:sp>
+        <p:nvSpPr>
+          <p:cNvPr id="2" name="Header Placeholder 1"/>
+          <p:cNvSpPr>
+            <a:spLocks noGrp="1"/>
+          </p:cNvSpPr>
+          <p:nvPr>
+            <p:ph type="hdr" sz="quarter"/>
+          </p:nvPr>
+        </p:nvSpPr>
+        <p:spPr>
+          <a:xfrm>
+            <a:off x="0" y="0"/>
+            <a:ext cx="2971800" cy="458788"/>
+          </a:xfrm>
+          <a:prstGeom prst="rect">
+            <a:avLst/>
+          </a:prstGeom>
+        </p:spPr>
+        <p:txBody>
+          <a:bodyPr vert="horz" lIns="91440" tIns="45720" rIns="91440" bIns="45720" rtlCol="0"/>
+          <a:lstStyle>
+            <a:lvl1pPr algn="l">
+              <a:defRPr sz="1200"/>
+            </a:lvl1pPr>
+          </a:lstStyle>
+          <a:p>
+            <a:endParaRPr lang="en-US"/>
+          </a:p>
+        </p:txBody>
+      </p:sp>
+      <p:sp>
+        <p:nvSpPr>
+          <p:cNvPr id="3" name="Date Placeholder 2"/>
+          <p:cNvSpPr>
+            <a:spLocks noGrp="1"/>
+          </p:cNvSpPr>
+          <p:nvPr>
+            <p:ph type="dt" idx="1"/>
+          </p:nvPr>
+        </p:nvSpPr>
+        <p:spPr>
+          <a:xfrm>
+            <a:off x="3884613" y="0"/>
+            <a:ext cx="2971800" cy="458788"/>
+          </a:xfrm>
+          <a:prstGeom prst="rect">
+            <a:avLst/>
+          </a:prstGeom>
+        </p:spPr>
+        <p:txBody>
+          <a:bodyPr vert="horz" lIns="91440" tIns="45720" rIns="91440" bIns="45720" rtlCol="0"/>
+          <a:lstStyle>
+            <a:lvl1pPr algn="r">
+              <a:defRPr sz="1200"/>
+            </a:lvl1pPr>
+          </a:lstStyle>
+          <a:p>
+            <a:fld id="{CA34A5C0-8DAA-433F-B401-C4218944FFFA}" type="datetimeFigureOut">
+              <a:rPr lang="en-US" smtClean="0"/>
+              <a:t>4/23/2019</a:t>
+            </a:fld>
+            <a:endParaRPr lang="en-US"/>
+          </a:p>
+        </p:txBody>
+      </p:sp>
+      <p:sp>
+        <p:nvSpPr>
+          <p:cNvPr id="4" name="Slide Image Placeholder 3"/>
+          <p:cNvSpPr>
+            <a:spLocks noGrp="1" noRot="1" noChangeAspect="1"/>
+          </p:cNvSpPr>
+          <p:nvPr>
+            <p:ph type="sldImg" idx="2"/>
+          </p:nvPr>
+        </p:nvSpPr>
+        <p:spPr>
+          <a:xfrm>
+            <a:off x="685800" y="1143000"/>
+            <a:ext cx="5486400" cy="3086100"/>
+          </a:xfrm>
+          <a:prstGeom prst="rect">
+            <a:avLst/>
+          </a:prstGeom>
+          <a:noFill/>
+          <a:ln w="12700">
+            <a:solidFill>
+              <a:prstClr val="black"/>
+            </a:solidFill>
+          </a:ln>
+        </p:spPr>
+        <p:txBody>
+          <a:bodyPr vert="horz" lIns="91440" tIns="45720" rIns="91440" bIns="45720" rtlCol="0" anchor="ctr"/>
+          <a:lstStyle/>
+          <a:p>
+            <a:endParaRPr lang="en-US"/>
+          </a:p>
+        </p:txBody>
+      </p:sp>
+      <p:sp>
+        <p:nvSpPr>
+          <p:cNvPr id="5" name="Notes Placeholder 4"/>
+          <p:cNvSpPr>
+            <a:spLocks noGrp="1"/>
+          </p:cNvSpPr>
+          <p:nvPr>
+            <p:ph type="body" sz="quarter" idx="3"/>
+          </p:nvPr>
+        </p:nvSpPr>
+        <p:spPr>
+          <a:xfrm>
+            <a:off x="685800" y="4400550"/>
+            <a:ext cx="5486400" cy="3600450"/>
+          </a:xfrm>
+          <a:prstGeom prst="rect">
+            <a:avLst/>
+          </a:prstGeom>
+        </p:spPr>
+        <p:txBody>
+          <a:bodyPr vert="horz" lIns="91440" tIns="45720" rIns="91440" bIns="45720" rtlCol="0"/>
+          <a:lstStyle/>
+          <a:p>
+            <a:pPr lvl="0"/>
+            <a:r>
+              <a:rPr lang="en-US" smtClean="0"/>
+              <a:t>Click to edit Master text styles</a:t>
+            </a:r>
+          </a:p>
+          <a:p>
+            <a:pPr lvl="1"/>
+            <a:r>
+              <a:rPr lang="en-US" smtClean="0"/>
+              <a:t>Second level</a:t>
+            </a:r>
+          </a:p>
+          <a:p>
+            <a:pPr lvl="2"/>
+            <a:r>
+              <a:rPr lang="en-US" smtClean="0"/>
+              <a:t>Third level</a:t>
+            </a:r>
+          </a:p>
+          <a:p>
+            <a:pPr lvl="3"/>
+            <a:r>
+              <a:rPr lang="en-US" smtClean="0"/>
+              <a:t>Fourth level</a:t>
+            </a:r>
+          </a:p>
+          <a:p>
+            <a:pPr lvl="4"/>
+            <a:r>
+              <a:rPr lang="en-US" smtClean="0"/>
+              <a:t>Fifth level</a:t>
+            </a:r>
+            <a:endParaRPr lang="en-US"/>
+          </a:p>
+        </p:txBody>
+      </p:sp>
+      <p:sp>
+        <p:nvSpPr>
+          <p:cNvPr id="6" name="Footer Placeholder 5"/>
+          <p:cNvSpPr>
+            <a:spLocks noGrp="1"/>
+          </p:cNvSpPr>
+          <p:nvPr>
+            <p:ph type="ftr" sz="quarter" idx="4"/>
+          </p:nvPr>
+        </p:nvSpPr>
+        <p:spPr>
+          <a:xfrm>
+            <a:off x="0" y="8685213"/>
+            <a:ext cx="2971800" cy="458787"/>
+          </a:xfrm>
+          <a:prstGeom prst="rect">
+            <a:avLst/>
+          </a:prstGeom>
+        </p:spPr>
+        <p:txBody>
+          <a:bodyPr vert="horz" lIns="91440" tIns="45720" rIns="91440" bIns="45720" rtlCol="0" anchor="b"/>
+          <a:lstStyle>
+            <a:lvl1pPr algn="l">
+              <a:defRPr sz="1200"/>
+            </a:lvl1pPr>
+          </a:lstStyle>
+          <a:p>
+            <a:endParaRPr lang="en-US"/>
+          </a:p>
+        </p:txBody>
+      </p:sp>
+      <p:sp>
+        <p:nvSpPr>
+          <p:cNvPr id="7" name="Slide Number Placeholder 6"/>
+          <p:cNvSpPr>
+            <a:spLocks noGrp="1"/>
+          </p:cNvSpPr>
+          <p:nvPr>
+            <p:ph type="sldNum" sz="quarter" idx="5"/>
+          </p:nvPr>
+        </p:nvSpPr>
+        <p:spPr>
+          <a:xfrm>
+            <a:off x="3884613" y="8685213"/>
+            <a:ext cx="2971800" cy="458787"/>
+          </a:xfrm>
+          <a:prstGeom prst="rect">
+            <a:avLst/>
+          </a:prstGeom>
+        </p:spPr>
+        <p:txBody>
+          <a:bodyPr vert="horz" lIns="91440" tIns="45720" rIns="91440" bIns="45720" rtlCol="0" anchor="b"/>
+          <a:lstStyle>
+            <a:lvl1pPr algn="r">
+              <a:defRPr sz="1200"/>
+            </a:lvl1pPr>
+          </a:lstStyle>
+          <a:p>
+            <a:fld id="{E430F88C-0C91-48B6-A583-38B85C06078E}" type="slidenum">
+              <a:rPr lang="en-US" smtClean="0"/>
+              <a:t>‹#›</a:t>
+            </a:fld>
+            <a:endParaRPr lang="en-US"/>
+          </a:p>
+        </p:txBody>
+      </p:sp>
+    </p:spTree>
+    <p:extLst>
+      <p:ext uri="{BB962C8B-B14F-4D97-AF65-F5344CB8AC3E}">
+        <p14:creationId xmlns:p14="http://schemas.microsoft.com/office/powerpoint/2010/main" val="4263121478"/>
+      </p:ext>
+    </p:extLst>
+  </p:cSld>
+  <p:clrMap bg1="lt1" tx1="dk1" bg2="lt2" tx2="dk2" accent1="accent1" accent2="accent2" accent3="accent3" accent4="accent4" accent5="accent5" accent6="accent6" hlink="hlink" folHlink="folHlink"/>
+  <p:notesStyle>
+    <a:lvl1pPr marL="0" algn="l" defTabSz="914400" rtl="0" eaLnBrk="1" latinLnBrk="0" hangingPunct="1">
+      <a:defRPr sz="1200" kern="1200">
+        <a:solidFill>
+          <a:schemeClr val="tx1"/>
+        </a:solidFill>
+        <a:latin typeface="+mn-lt"/>
+        <a:ea typeface="+mn-ea"/>
+        <a:cs typeface="+mn-cs"/>
+      </a:defRPr>
+    </a:lvl1pPr>
+    <a:lvl2pPr marL="457200" algn="l" defTabSz="914400" rtl="0" eaLnBrk="1" latinLnBrk="0" hangingPunct="1">
+      <a:defRPr sz="1200" kern="1200">
+        <a:solidFill>
+          <a:schemeClr val="tx1"/>
+        </a:solidFill>
+        <a:latin typeface="+mn-lt"/>
+        <a:ea typeface="+mn-ea"/>
+        <a:cs typeface="+mn-cs"/>
+      </a:defRPr>
+    </a:lvl2pPr>
+    <a:lvl3pPr marL="914400" algn="l" defTabSz="914400" rtl="0" eaLnBrk="1" latinLnBrk="0" hangingPunct="1">
+      <a:defRPr sz="1200" kern="1200">
+        <a:solidFill>
+          <a:schemeClr val="tx1"/>
+        </a:solidFill>
+        <a:latin typeface="+mn-lt"/>
+        <a:ea typeface="+mn-ea"/>
+        <a:cs typeface="+mn-cs"/>
+      </a:defRPr>
+    </a:lvl3pPr>
+    <a:lvl4pPr marL="1371600" algn="l" defTabSz="914400" rtl="0" eaLnBrk="1" latinLnBrk="0" hangingPunct="1">
+      <a:defRPr sz="1200" kern="1200">
+        <a:solidFill>
+          <a:schemeClr val="tx1"/>
+        </a:solidFill>
+        <a:latin typeface="+mn-lt"/>
+        <a:ea typeface="+mn-ea"/>
+        <a:cs typeface="+mn-cs"/>
+      </a:defRPr>
+    </a:lvl4pPr>
+    <a:lvl5pPr marL="1828800" algn="l" defTabSz="914400" rtl="0" eaLnBrk="1" latinLnBrk="0" hangingPunct="1">
+      <a:defRPr sz="1200" kern="1200">
+        <a:solidFill>
+          <a:schemeClr val="tx1"/>
+        </a:solidFill>
+        <a:latin typeface="+mn-lt"/>
+        <a:ea typeface="+mn-ea"/>
+        <a:cs typeface="+mn-cs"/>
+      </a:defRPr>
+    </a:lvl5pPr>
+    <a:lvl6pPr marL="2286000" algn="l" defTabSz="914400" rtl="0" eaLnBrk="1" latinLnBrk="0" hangingPunct="1">
+      <a:defRPr sz="1200" kern="1200">
+        <a:solidFill>
+          <a:schemeClr val="tx1"/>
+        </a:solidFill>
+        <a:latin typeface="+mn-lt"/>
+        <a:ea typeface="+mn-ea"/>
+        <a:cs typeface="+mn-cs"/>
+      </a:defRPr>
+    </a:lvl6pPr>
+    <a:lvl7pPr marL="2743200" algn="l" defTabSz="914400" rtl="0" eaLnBrk="1" latinLnBrk="0" hangingPunct="1">
+      <a:defRPr sz="1200" kern="1200">
+        <a:solidFill>
+          <a:schemeClr val="tx1"/>
+        </a:solidFill>
+        <a:latin typeface="+mn-lt"/>
+        <a:ea typeface="+mn-ea"/>
+        <a:cs typeface="+mn-cs"/>
+      </a:defRPr>
+    </a:lvl7pPr>
+    <a:lvl8pPr marL="3200400" algn="l" defTabSz="914400" rtl="0" eaLnBrk="1" latinLnBrk="0" hangingPunct="1">
+      <a:defRPr sz="1200" kern="1200">
+        <a:solidFill>
+          <a:schemeClr val="tx1"/>
+        </a:solidFill>
+        <a:latin typeface="+mn-lt"/>
+        <a:ea typeface="+mn-ea"/>
+        <a:cs typeface="+mn-cs"/>
+      </a:defRPr>
+    </a:lvl8pPr>
+    <a:lvl9pPr marL="3657600" algn="l" defTabSz="914400" rtl="0" eaLnBrk="1" latinLnBrk="0" hangingPunct="1">
+      <a:defRPr sz="1200" kern="1200">
+        <a:solidFill>
+          <a:schemeClr val="tx1"/>
+        </a:solidFill>
+        <a:latin typeface="+mn-lt"/>
+        <a:ea typeface="+mn-ea"/>
+        <a:cs typeface="+mn-cs"/>
+      </a:defRPr>
+    </a:lvl9pPr>
+  </p:notesStyle>
+</p:notesMaster>
+</file>
+
+<file path=ppt/notesSlides/notesSlide1.xml><?xml version="1.0" encoding="utf-8"?>
+<p:notes xmlns:a="http://schemas.openxmlformats.org/drawingml/2006/main" xmlns:r="http://schemas.openxmlformats.org/officeDocument/2006/relationships" xmlns:p="http://schemas.openxmlformats.org/presentationml/2006/main">
+  <p:cSld>
+    <p:spTree>
+      <p:nvGrpSpPr>
+        <p:cNvPr id="1" name=""/>
+        <p:cNvGrpSpPr/>
+        <p:nvPr/>
+      </p:nvGrpSpPr>
+      <p:grpSpPr>
+        <a:xfrm>
+          <a:off x="0" y="0"/>
+          <a:ext cx="0" cy="0"/>
+          <a:chOff x="0" y="0"/>
+          <a:chExt cx="0" cy="0"/>
+        </a:xfrm>
+      </p:grpSpPr>
+      <p:sp>
+        <p:nvSpPr>
+          <p:cNvPr id="2" name="Slide Image Placeholder 1"/>
+          <p:cNvSpPr>
+            <a:spLocks noGrp="1" noRot="1" noChangeAspect="1"/>
+          </p:cNvSpPr>
+          <p:nvPr>
+            <p:ph type="sldImg"/>
+          </p:nvPr>
+        </p:nvSpPr>
+        <p:spPr/>
+      </p:sp>
+      <p:sp>
+        <p:nvSpPr>
+          <p:cNvPr id="3" name="Notes Placeholder 2"/>
+          <p:cNvSpPr>
+            <a:spLocks noGrp="1"/>
+          </p:cNvSpPr>
+          <p:nvPr>
+            <p:ph type="body" idx="1"/>
+          </p:nvPr>
+        </p:nvSpPr>
+        <p:spPr/>
+        <p:txBody>
+          <a:bodyPr/>
+          <a:lstStyle/>
+          <a:p>
+            <a:pPr marL="0" marR="0" lvl="0" indent="0" algn="l" defTabSz="914400" rtl="0" eaLnBrk="1" fontAlgn="auto" latinLnBrk="0" hangingPunct="1">
+              <a:lnSpc>
+                <a:spcPct val="100000"/>
+              </a:lnSpc>
+              <a:spcBef>
+                <a:spcPts val="0"/>
+              </a:spcBef>
+              <a:spcAft>
+                <a:spcPts val="0"/>
+              </a:spcAft>
+              <a:buClrTx/>
+              <a:buSzTx/>
+              <a:buFontTx/>
+              <a:buNone/>
+              <a:tabLst/>
+              <a:defRPr/>
+            </a:pPr>
+            <a:r>
+              <a:rPr lang="en-US" sz="1200" dirty="0" smtClean="0">
+                <a:solidFill>
+                  <a:srgbClr val="FF0000"/>
+                </a:solidFill>
+                <a:latin typeface="Trebuchet MS" panose="020B0603020202020204" pitchFamily="34" charset="0"/>
+              </a:rPr>
+              <a:t>Perceived honesty of information sources is negatively associated with the social distance of the recipient from the source, where social distance is determined by whether agencies and officials are local, state or federal.</a:t>
+            </a:r>
+          </a:p>
+          <a:p>
+            <a:endParaRPr lang="en-US" dirty="0"/>
+          </a:p>
+        </p:txBody>
+      </p:sp>
+      <p:sp>
+        <p:nvSpPr>
+          <p:cNvPr id="4" name="Slide Number Placeholder 3"/>
+          <p:cNvSpPr>
+            <a:spLocks noGrp="1"/>
+          </p:cNvSpPr>
+          <p:nvPr>
+            <p:ph type="sldNum" sz="quarter" idx="10"/>
+          </p:nvPr>
+        </p:nvSpPr>
+        <p:spPr/>
+        <p:txBody>
+          <a:bodyPr/>
+          <a:lstStyle/>
+          <a:p>
+            <a:fld id="{E430F88C-0C91-48B6-A583-38B85C06078E}" type="slidenum">
+              <a:rPr lang="en-US" smtClean="0"/>
+              <a:t>8</a:t>
+            </a:fld>
+            <a:endParaRPr lang="en-US"/>
+          </a:p>
+        </p:txBody>
+      </p:sp>
+    </p:spTree>
+    <p:extLst>
+      <p:ext uri="{BB962C8B-B14F-4D97-AF65-F5344CB8AC3E}">
+        <p14:creationId xmlns:p14="http://schemas.microsoft.com/office/powerpoint/2010/main" val="3259241362"/>
+      </p:ext>
+    </p:extLst>
+  </p:cSld>
+  <p:clrMapOvr>
+    <a:masterClrMapping/>
+  </p:clrMapOvr>
+</p:notes>
 </file>
 
 <file path=ppt/slideLayouts/slideLayout1.xml><?xml version="1.0" encoding="utf-8"?>
@@ -242,7 +720,7 @@
           <a:p>
             <a:fld id="{BBB629E2-F62A-44D5-B3F8-B590F085B231}" type="datetimeFigureOut">
               <a:rPr lang="en-US" smtClean="0"/>
-              <a:t>4/17/2019</a:t>
+              <a:t>4/22/2019</a:t>
             </a:fld>
             <a:endParaRPr lang="en-US"/>
           </a:p>
@@ -412,7 +890,7 @@
           <a:p>
             <a:fld id="{BBB629E2-F62A-44D5-B3F8-B590F085B231}" type="datetimeFigureOut">
               <a:rPr lang="en-US" smtClean="0"/>
-              <a:t>4/17/2019</a:t>
+              <a:t>4/22/2019</a:t>
             </a:fld>
             <a:endParaRPr lang="en-US"/>
           </a:p>
@@ -592,7 +1070,7 @@
           <a:p>
             <a:fld id="{BBB629E2-F62A-44D5-B3F8-B590F085B231}" type="datetimeFigureOut">
               <a:rPr lang="en-US" smtClean="0"/>
-              <a:t>4/17/2019</a:t>
+              <a:t>4/22/2019</a:t>
             </a:fld>
             <a:endParaRPr lang="en-US"/>
           </a:p>
@@ -762,7 +1240,7 @@
           <a:p>
             <a:fld id="{BBB629E2-F62A-44D5-B3F8-B590F085B231}" type="datetimeFigureOut">
               <a:rPr lang="en-US" smtClean="0"/>
-              <a:t>4/17/2019</a:t>
+              <a:t>4/22/2019</a:t>
             </a:fld>
             <a:endParaRPr lang="en-US"/>
           </a:p>
@@ -1008,7 +1486,7 @@
           <a:p>
             <a:fld id="{BBB629E2-F62A-44D5-B3F8-B590F085B231}" type="datetimeFigureOut">
               <a:rPr lang="en-US" smtClean="0"/>
-              <a:t>4/17/2019</a:t>
+              <a:t>4/22/2019</a:t>
             </a:fld>
             <a:endParaRPr lang="en-US"/>
           </a:p>
@@ -1240,7 +1718,7 @@
           <a:p>
             <a:fld id="{BBB629E2-F62A-44D5-B3F8-B590F085B231}" type="datetimeFigureOut">
               <a:rPr lang="en-US" smtClean="0"/>
-              <a:t>4/17/2019</a:t>
+              <a:t>4/22/2019</a:t>
             </a:fld>
             <a:endParaRPr lang="en-US"/>
           </a:p>
@@ -1607,7 +2085,7 @@
           <a:p>
             <a:fld id="{BBB629E2-F62A-44D5-B3F8-B590F085B231}" type="datetimeFigureOut">
               <a:rPr lang="en-US" smtClean="0"/>
-              <a:t>4/17/2019</a:t>
+              <a:t>4/22/2019</a:t>
             </a:fld>
             <a:endParaRPr lang="en-US"/>
           </a:p>
@@ -1725,7 +2203,7 @@
           <a:p>
             <a:fld id="{BBB629E2-F62A-44D5-B3F8-B590F085B231}" type="datetimeFigureOut">
               <a:rPr lang="en-US" smtClean="0"/>
-              <a:t>4/17/2019</a:t>
+              <a:t>4/22/2019</a:t>
             </a:fld>
             <a:endParaRPr lang="en-US"/>
           </a:p>
@@ -1820,7 +2298,7 @@
           <a:p>
             <a:fld id="{BBB629E2-F62A-44D5-B3F8-B590F085B231}" type="datetimeFigureOut">
               <a:rPr lang="en-US" smtClean="0"/>
-              <a:t>4/17/2019</a:t>
+              <a:t>4/22/2019</a:t>
             </a:fld>
             <a:endParaRPr lang="en-US"/>
           </a:p>
@@ -2097,7 +2575,7 @@
           <a:p>
             <a:fld id="{BBB629E2-F62A-44D5-B3F8-B590F085B231}" type="datetimeFigureOut">
               <a:rPr lang="en-US" smtClean="0"/>
-              <a:t>4/17/2019</a:t>
+              <a:t>4/22/2019</a:t>
             </a:fld>
             <a:endParaRPr lang="en-US"/>
           </a:p>
@@ -2350,7 +2828,7 @@
           <a:p>
             <a:fld id="{BBB629E2-F62A-44D5-B3F8-B590F085B231}" type="datetimeFigureOut">
               <a:rPr lang="en-US" smtClean="0"/>
-              <a:t>4/17/2019</a:t>
+              <a:t>4/22/2019</a:t>
             </a:fld>
             <a:endParaRPr lang="en-US"/>
           </a:p>
@@ -2563,7 +3041,7 @@
           <a:p>
             <a:fld id="{BBB629E2-F62A-44D5-B3F8-B590F085B231}" type="datetimeFigureOut">
               <a:rPr lang="en-US" smtClean="0"/>
-              <a:t>4/17/2019</a:t>
+              <a:t>4/22/2019</a:t>
             </a:fld>
             <a:endParaRPr lang="en-US"/>
           </a:p>
@@ -2980,29 +3458,239 @@
         </p:nvSpPr>
         <p:spPr/>
         <p:txBody>
+          <a:bodyPr>
+            <a:normAutofit/>
+          </a:bodyPr>
+          <a:lstStyle/>
+          <a:p>
+            <a:r>
+              <a:rPr lang="en-US" dirty="0"/>
+              <a:t>What are you afraid of? </a:t>
+            </a:r>
+            <a:endParaRPr lang="en-US" dirty="0"/>
+          </a:p>
+        </p:txBody>
+      </p:sp>
+      <p:sp>
+        <p:nvSpPr>
+          <p:cNvPr id="3" name="Subtitle 2"/>
+          <p:cNvSpPr>
+            <a:spLocks noGrp="1"/>
+          </p:cNvSpPr>
+          <p:nvPr>
+            <p:ph type="subTitle" idx="1"/>
+          </p:nvPr>
+        </p:nvSpPr>
+        <p:spPr/>
+        <p:txBody>
           <a:bodyPr/>
           <a:lstStyle/>
           <a:p>
-            <a:endParaRPr lang="en-US"/>
-          </a:p>
-        </p:txBody>
-      </p:sp>
-      <p:sp>
-        <p:nvSpPr>
-          <p:cNvPr id="3" name="Subtitle 2"/>
-          <p:cNvSpPr>
-            <a:spLocks noGrp="1"/>
-          </p:cNvSpPr>
-          <p:nvPr>
-            <p:ph type="subTitle" idx="1"/>
-          </p:nvPr>
-        </p:nvSpPr>
-        <p:spPr/>
-        <p:txBody>
-          <a:bodyPr/>
-          <a:lstStyle/>
-          <a:p>
-            <a:endParaRPr lang="en-US"/>
+            <a:r>
+              <a:rPr lang="en-US" dirty="0"/>
+              <a:t>Examining belief in government agencies to protect against terrorism and trust in the honesty of the information they provide</a:t>
+            </a:r>
+          </a:p>
+          <a:p>
+            <a:endParaRPr lang="en-US" dirty="0"/>
+          </a:p>
+        </p:txBody>
+      </p:sp>
+      <p:sp>
+        <p:nvSpPr>
+          <p:cNvPr id="4" name="Subtitle 2"/>
+          <p:cNvSpPr txBox="1">
+            <a:spLocks/>
+          </p:cNvSpPr>
+          <p:nvPr/>
+        </p:nvSpPr>
+        <p:spPr>
+          <a:xfrm>
+            <a:off x="1665514" y="4429919"/>
+            <a:ext cx="9144000" cy="1655762"/>
+          </a:xfrm>
+          <a:prstGeom prst="rect">
+            <a:avLst/>
+          </a:prstGeom>
+        </p:spPr>
+        <p:txBody>
+          <a:bodyPr vert="horz" lIns="91440" tIns="45720" rIns="91440" bIns="45720" rtlCol="0">
+            <a:normAutofit/>
+          </a:bodyPr>
+          <a:lstStyle>
+            <a:lvl1pPr marL="0" indent="0" algn="ctr" defTabSz="914400" rtl="0" eaLnBrk="1" latinLnBrk="0" hangingPunct="1">
+              <a:lnSpc>
+                <a:spcPct val="90000"/>
+              </a:lnSpc>
+              <a:spcBef>
+                <a:spcPts val="1000"/>
+              </a:spcBef>
+              <a:buFont typeface="Arial" panose="020B0604020202020204" pitchFamily="34" charset="0"/>
+              <a:buNone/>
+              <a:defRPr sz="2400" kern="1200">
+                <a:solidFill>
+                  <a:schemeClr val="tx1"/>
+                </a:solidFill>
+                <a:latin typeface="+mn-lt"/>
+                <a:ea typeface="+mn-ea"/>
+                <a:cs typeface="+mn-cs"/>
+              </a:defRPr>
+            </a:lvl1pPr>
+            <a:lvl2pPr marL="457200" indent="0" algn="ctr" defTabSz="914400" rtl="0" eaLnBrk="1" latinLnBrk="0" hangingPunct="1">
+              <a:lnSpc>
+                <a:spcPct val="90000"/>
+              </a:lnSpc>
+              <a:spcBef>
+                <a:spcPts val="500"/>
+              </a:spcBef>
+              <a:buFont typeface="Arial" panose="020B0604020202020204" pitchFamily="34" charset="0"/>
+              <a:buNone/>
+              <a:defRPr sz="2000" kern="1200">
+                <a:solidFill>
+                  <a:schemeClr val="tx1"/>
+                </a:solidFill>
+                <a:latin typeface="+mn-lt"/>
+                <a:ea typeface="+mn-ea"/>
+                <a:cs typeface="+mn-cs"/>
+              </a:defRPr>
+            </a:lvl2pPr>
+            <a:lvl3pPr marL="914400" indent="0" algn="ctr" defTabSz="914400" rtl="0" eaLnBrk="1" latinLnBrk="0" hangingPunct="1">
+              <a:lnSpc>
+                <a:spcPct val="90000"/>
+              </a:lnSpc>
+              <a:spcBef>
+                <a:spcPts val="500"/>
+              </a:spcBef>
+              <a:buFont typeface="Arial" panose="020B0604020202020204" pitchFamily="34" charset="0"/>
+              <a:buNone/>
+              <a:defRPr sz="1800" kern="1200">
+                <a:solidFill>
+                  <a:schemeClr val="tx1"/>
+                </a:solidFill>
+                <a:latin typeface="+mn-lt"/>
+                <a:ea typeface="+mn-ea"/>
+                <a:cs typeface="+mn-cs"/>
+              </a:defRPr>
+            </a:lvl3pPr>
+            <a:lvl4pPr marL="1371600" indent="0" algn="ctr" defTabSz="914400" rtl="0" eaLnBrk="1" latinLnBrk="0" hangingPunct="1">
+              <a:lnSpc>
+                <a:spcPct val="90000"/>
+              </a:lnSpc>
+              <a:spcBef>
+                <a:spcPts val="500"/>
+              </a:spcBef>
+              <a:buFont typeface="Arial" panose="020B0604020202020204" pitchFamily="34" charset="0"/>
+              <a:buNone/>
+              <a:defRPr sz="1600" kern="1200">
+                <a:solidFill>
+                  <a:schemeClr val="tx1"/>
+                </a:solidFill>
+                <a:latin typeface="+mn-lt"/>
+                <a:ea typeface="+mn-ea"/>
+                <a:cs typeface="+mn-cs"/>
+              </a:defRPr>
+            </a:lvl4pPr>
+            <a:lvl5pPr marL="1828800" indent="0" algn="ctr" defTabSz="914400" rtl="0" eaLnBrk="1" latinLnBrk="0" hangingPunct="1">
+              <a:lnSpc>
+                <a:spcPct val="90000"/>
+              </a:lnSpc>
+              <a:spcBef>
+                <a:spcPts val="500"/>
+              </a:spcBef>
+              <a:buFont typeface="Arial" panose="020B0604020202020204" pitchFamily="34" charset="0"/>
+              <a:buNone/>
+              <a:defRPr sz="1600" kern="1200">
+                <a:solidFill>
+                  <a:schemeClr val="tx1"/>
+                </a:solidFill>
+                <a:latin typeface="+mn-lt"/>
+                <a:ea typeface="+mn-ea"/>
+                <a:cs typeface="+mn-cs"/>
+              </a:defRPr>
+            </a:lvl5pPr>
+            <a:lvl6pPr marL="2286000" indent="0" algn="ctr" defTabSz="914400" rtl="0" eaLnBrk="1" latinLnBrk="0" hangingPunct="1">
+              <a:lnSpc>
+                <a:spcPct val="90000"/>
+              </a:lnSpc>
+              <a:spcBef>
+                <a:spcPts val="500"/>
+              </a:spcBef>
+              <a:buFont typeface="Arial" panose="020B0604020202020204" pitchFamily="34" charset="0"/>
+              <a:buNone/>
+              <a:defRPr sz="1600" kern="1200">
+                <a:solidFill>
+                  <a:schemeClr val="tx1"/>
+                </a:solidFill>
+                <a:latin typeface="+mn-lt"/>
+                <a:ea typeface="+mn-ea"/>
+                <a:cs typeface="+mn-cs"/>
+              </a:defRPr>
+            </a:lvl6pPr>
+            <a:lvl7pPr marL="2743200" indent="0" algn="ctr" defTabSz="914400" rtl="0" eaLnBrk="1" latinLnBrk="0" hangingPunct="1">
+              <a:lnSpc>
+                <a:spcPct val="90000"/>
+              </a:lnSpc>
+              <a:spcBef>
+                <a:spcPts val="500"/>
+              </a:spcBef>
+              <a:buFont typeface="Arial" panose="020B0604020202020204" pitchFamily="34" charset="0"/>
+              <a:buNone/>
+              <a:defRPr sz="1600" kern="1200">
+                <a:solidFill>
+                  <a:schemeClr val="tx1"/>
+                </a:solidFill>
+                <a:latin typeface="+mn-lt"/>
+                <a:ea typeface="+mn-ea"/>
+                <a:cs typeface="+mn-cs"/>
+              </a:defRPr>
+            </a:lvl7pPr>
+            <a:lvl8pPr marL="3200400" indent="0" algn="ctr" defTabSz="914400" rtl="0" eaLnBrk="1" latinLnBrk="0" hangingPunct="1">
+              <a:lnSpc>
+                <a:spcPct val="90000"/>
+              </a:lnSpc>
+              <a:spcBef>
+                <a:spcPts val="500"/>
+              </a:spcBef>
+              <a:buFont typeface="Arial" panose="020B0604020202020204" pitchFamily="34" charset="0"/>
+              <a:buNone/>
+              <a:defRPr sz="1600" kern="1200">
+                <a:solidFill>
+                  <a:schemeClr val="tx1"/>
+                </a:solidFill>
+                <a:latin typeface="+mn-lt"/>
+                <a:ea typeface="+mn-ea"/>
+                <a:cs typeface="+mn-cs"/>
+              </a:defRPr>
+            </a:lvl8pPr>
+            <a:lvl9pPr marL="3657600" indent="0" algn="ctr" defTabSz="914400" rtl="0" eaLnBrk="1" latinLnBrk="0" hangingPunct="1">
+              <a:lnSpc>
+                <a:spcPct val="90000"/>
+              </a:lnSpc>
+              <a:spcBef>
+                <a:spcPts val="500"/>
+              </a:spcBef>
+              <a:buFont typeface="Arial" panose="020B0604020202020204" pitchFamily="34" charset="0"/>
+              <a:buNone/>
+              <a:defRPr sz="1600" kern="1200">
+                <a:solidFill>
+                  <a:schemeClr val="tx1"/>
+                </a:solidFill>
+                <a:latin typeface="+mn-lt"/>
+                <a:ea typeface="+mn-ea"/>
+                <a:cs typeface="+mn-cs"/>
+              </a:defRPr>
+            </a:lvl9pPr>
+          </a:lstStyle>
+          <a:p>
+            <a:r>
+              <a:rPr lang="en-US" dirty="0" err="1" smtClean="0"/>
+              <a:t>Lat’Anna</a:t>
+            </a:r>
+            <a:r>
+              <a:rPr lang="en-US" dirty="0" smtClean="0"/>
+              <a:t> Davis and Stephanie Kern-Allely</a:t>
+            </a:r>
+            <a:endParaRPr lang="en-US" dirty="0"/>
           </a:p>
         </p:txBody>
       </p:sp>
@@ -3016,6 +3704,2821 @@
   <p:clrMapOvr>
     <a:masterClrMapping/>
   </p:clrMapOvr>
+  <p:timing>
+    <p:tnLst>
+      <p:par>
+        <p:cTn id="1" dur="indefinite" restart="never" nodeType="tmRoot"/>
+      </p:par>
+    </p:tnLst>
+  </p:timing>
+</p:sld>
+</file>
+
+<file path=ppt/slides/slide10.xml><?xml version="1.0" encoding="utf-8"?>
+<p:sld xmlns:a="http://schemas.openxmlformats.org/drawingml/2006/main" xmlns:r="http://schemas.openxmlformats.org/officeDocument/2006/relationships" xmlns:p="http://schemas.openxmlformats.org/presentationml/2006/main">
+  <p:cSld>
+    <p:spTree>
+      <p:nvGrpSpPr>
+        <p:cNvPr id="1" name=""/>
+        <p:cNvGrpSpPr/>
+        <p:nvPr/>
+      </p:nvGrpSpPr>
+      <p:grpSpPr>
+        <a:xfrm>
+          <a:off x="0" y="0"/>
+          <a:ext cx="0" cy="0"/>
+          <a:chOff x="0" y="0"/>
+          <a:chExt cx="0" cy="0"/>
+        </a:xfrm>
+      </p:grpSpPr>
+      <p:sp>
+        <p:nvSpPr>
+          <p:cNvPr id="2" name="Title 1"/>
+          <p:cNvSpPr>
+            <a:spLocks noGrp="1"/>
+          </p:cNvSpPr>
+          <p:nvPr>
+            <p:ph type="title"/>
+          </p:nvPr>
+        </p:nvSpPr>
+        <p:spPr/>
+        <p:txBody>
+          <a:bodyPr/>
+          <a:lstStyle/>
+          <a:p>
+            <a:r>
+              <a:rPr lang="en-US" dirty="0" smtClean="0"/>
+              <a:t>Results</a:t>
+            </a:r>
+            <a:endParaRPr lang="en-US" dirty="0"/>
+          </a:p>
+        </p:txBody>
+      </p:sp>
+      <p:sp>
+        <p:nvSpPr>
+          <p:cNvPr id="3" name="Content Placeholder 2"/>
+          <p:cNvSpPr>
+            <a:spLocks noGrp="1"/>
+          </p:cNvSpPr>
+          <p:nvPr>
+            <p:ph type="body" idx="1"/>
+          </p:nvPr>
+        </p:nvSpPr>
+        <p:spPr/>
+        <p:txBody>
+          <a:bodyPr/>
+          <a:lstStyle/>
+          <a:p>
+            <a:endParaRPr lang="en-US" dirty="0"/>
+          </a:p>
+        </p:txBody>
+      </p:sp>
+    </p:spTree>
+    <p:extLst>
+      <p:ext uri="{BB962C8B-B14F-4D97-AF65-F5344CB8AC3E}">
+        <p14:creationId xmlns:p14="http://schemas.microsoft.com/office/powerpoint/2010/main" val="315219825"/>
+      </p:ext>
+    </p:extLst>
+  </p:cSld>
+  <p:clrMapOvr>
+    <a:masterClrMapping/>
+  </p:clrMapOvr>
+  <p:timing>
+    <p:tnLst>
+      <p:par>
+        <p:cTn id="1" dur="indefinite" restart="never" nodeType="tmRoot"/>
+      </p:par>
+    </p:tnLst>
+  </p:timing>
+</p:sld>
+</file>
+
+<file path=ppt/slides/slide11.xml><?xml version="1.0" encoding="utf-8"?>
+<p:sld xmlns:a="http://schemas.openxmlformats.org/drawingml/2006/main" xmlns:r="http://schemas.openxmlformats.org/officeDocument/2006/relationships" xmlns:p="http://schemas.openxmlformats.org/presentationml/2006/main">
+  <p:cSld>
+    <p:spTree>
+      <p:nvGrpSpPr>
+        <p:cNvPr id="1" name=""/>
+        <p:cNvGrpSpPr/>
+        <p:nvPr/>
+      </p:nvGrpSpPr>
+      <p:grpSpPr>
+        <a:xfrm>
+          <a:off x="0" y="0"/>
+          <a:ext cx="0" cy="0"/>
+          <a:chOff x="0" y="0"/>
+          <a:chExt cx="0" cy="0"/>
+        </a:xfrm>
+      </p:grpSpPr>
+      <p:sp>
+        <p:nvSpPr>
+          <p:cNvPr id="2" name="Title 1"/>
+          <p:cNvSpPr>
+            <a:spLocks noGrp="1"/>
+          </p:cNvSpPr>
+          <p:nvPr>
+            <p:ph type="title"/>
+          </p:nvPr>
+        </p:nvSpPr>
+        <p:spPr/>
+        <p:txBody>
+          <a:bodyPr/>
+          <a:lstStyle/>
+          <a:p>
+            <a:r>
+              <a:rPr lang="en-US" dirty="0" smtClean="0"/>
+              <a:t>Results</a:t>
+            </a:r>
+            <a:endParaRPr lang="en-US" dirty="0"/>
+          </a:p>
+        </p:txBody>
+      </p:sp>
+      <p:sp>
+        <p:nvSpPr>
+          <p:cNvPr id="3" name="Content Placeholder 2"/>
+          <p:cNvSpPr>
+            <a:spLocks noGrp="1"/>
+          </p:cNvSpPr>
+          <p:nvPr>
+            <p:ph idx="1"/>
+          </p:nvPr>
+        </p:nvSpPr>
+        <p:spPr/>
+        <p:txBody>
+          <a:bodyPr/>
+          <a:lstStyle/>
+          <a:p>
+            <a:r>
+              <a:rPr lang="en-US" b="1" dirty="0"/>
+              <a:t>Results. </a:t>
+            </a:r>
+            <a:r>
+              <a:rPr lang="en-US" dirty="0"/>
+              <a:t>After adjusting for covariates, the odds</a:t>
+            </a:r>
+            <a:r>
+              <a:rPr lang="en-US" b="1" dirty="0"/>
+              <a:t> </a:t>
+            </a:r>
+            <a:r>
+              <a:rPr lang="en-US" dirty="0"/>
+              <a:t>of believing any level of government could protect against future terrorism were 23.2 times higher among those who trust the government to be honest about terrorism than those who do not. The association was strongest at the local government level (OR=5.78, 95% CI [3.89-8.59]) compared to state (OR=5.58, 95% CI [4.07-7.63]) and federal (OR=4.56, 95% CI [3.62-5.73]). </a:t>
+            </a:r>
+          </a:p>
+          <a:p>
+            <a:endParaRPr lang="en-US" dirty="0"/>
+          </a:p>
+        </p:txBody>
+      </p:sp>
+    </p:spTree>
+    <p:extLst>
+      <p:ext uri="{BB962C8B-B14F-4D97-AF65-F5344CB8AC3E}">
+        <p14:creationId xmlns:p14="http://schemas.microsoft.com/office/powerpoint/2010/main" val="2043562801"/>
+      </p:ext>
+    </p:extLst>
+  </p:cSld>
+  <p:clrMapOvr>
+    <a:masterClrMapping/>
+  </p:clrMapOvr>
+  <p:timing>
+    <p:tnLst>
+      <p:par>
+        <p:cTn id="1" dur="indefinite" restart="never" nodeType="tmRoot"/>
+      </p:par>
+    </p:tnLst>
+  </p:timing>
+</p:sld>
+</file>
+
+<file path=ppt/slides/slide12.xml><?xml version="1.0" encoding="utf-8"?>
+<p:sld xmlns:a="http://schemas.openxmlformats.org/drawingml/2006/main" xmlns:r="http://schemas.openxmlformats.org/officeDocument/2006/relationships" xmlns:p="http://schemas.openxmlformats.org/presentationml/2006/main">
+  <p:cSld>
+    <p:spTree>
+      <p:nvGrpSpPr>
+        <p:cNvPr id="1" name=""/>
+        <p:cNvGrpSpPr/>
+        <p:nvPr/>
+      </p:nvGrpSpPr>
+      <p:grpSpPr>
+        <a:xfrm>
+          <a:off x="0" y="0"/>
+          <a:ext cx="0" cy="0"/>
+          <a:chOff x="0" y="0"/>
+          <a:chExt cx="0" cy="0"/>
+        </a:xfrm>
+      </p:grpSpPr>
+      <p:sp>
+        <p:nvSpPr>
+          <p:cNvPr id="2" name="Title 1"/>
+          <p:cNvSpPr>
+            <a:spLocks noGrp="1"/>
+          </p:cNvSpPr>
+          <p:nvPr>
+            <p:ph type="title"/>
+          </p:nvPr>
+        </p:nvSpPr>
+        <p:spPr/>
+        <p:txBody>
+          <a:bodyPr/>
+          <a:lstStyle/>
+          <a:p>
+            <a:r>
+              <a:rPr lang="en-US" dirty="0" smtClean="0"/>
+              <a:t>Results - Demographics</a:t>
+            </a:r>
+            <a:endParaRPr lang="en-US" dirty="0"/>
+          </a:p>
+        </p:txBody>
+      </p:sp>
+      <p:sp>
+        <p:nvSpPr>
+          <p:cNvPr id="3" name="Content Placeholder 2"/>
+          <p:cNvSpPr>
+            <a:spLocks noGrp="1"/>
+          </p:cNvSpPr>
+          <p:nvPr>
+            <p:ph idx="1"/>
+          </p:nvPr>
+        </p:nvSpPr>
+        <p:spPr>
+          <a:xfrm>
+            <a:off x="838201" y="1825625"/>
+            <a:ext cx="3536092" cy="4351338"/>
+          </a:xfrm>
+        </p:spPr>
+        <p:txBody>
+          <a:bodyPr>
+            <a:normAutofit/>
+          </a:bodyPr>
+          <a:lstStyle/>
+          <a:p>
+            <a:r>
+              <a:rPr lang="en-US" sz="2000" b="1" dirty="0">
+                <a:latin typeface="Calibri" panose="020F0502020204030204" pitchFamily="34" charset="0"/>
+                <a:ea typeface="SimSun" panose="02010600030101010101" pitchFamily="2" charset="-122"/>
+                <a:cs typeface="Times New Roman" panose="02020603050405020304" pitchFamily="18" charset="0"/>
+              </a:rPr>
+              <a:t>Table 1. Characteristics of </a:t>
+            </a:r>
+            <a:r>
+              <a:rPr lang="en-US" sz="2000" b="1" dirty="0" smtClean="0">
+                <a:latin typeface="Calibri" panose="020F0502020204030204" pitchFamily="34" charset="0"/>
+                <a:ea typeface="SimSun" panose="02010600030101010101" pitchFamily="2" charset="-122"/>
+                <a:cs typeface="Times New Roman" panose="02020603050405020304" pitchFamily="18" charset="0"/>
+              </a:rPr>
+              <a:t>participants </a:t>
+            </a:r>
+            <a:r>
+              <a:rPr lang="en-US" sz="2000" b="1" dirty="0" smtClean="0"/>
+              <a:t>who do or do not trust </a:t>
+            </a:r>
+            <a:r>
+              <a:rPr lang="en-US" sz="2000" b="1" dirty="0"/>
+              <a:t>that government can protect from terrorism </a:t>
+            </a:r>
+            <a:endParaRPr lang="en-US" sz="2000" dirty="0"/>
+          </a:p>
+        </p:txBody>
+      </p:sp>
+      <p:graphicFrame>
+        <p:nvGraphicFramePr>
+          <p:cNvPr id="6" name="Table 5"/>
+          <p:cNvGraphicFramePr>
+            <a:graphicFrameLocks noGrp="1"/>
+          </p:cNvGraphicFramePr>
+          <p:nvPr>
+            <p:extLst>
+              <p:ext uri="{D42A27DB-BD31-4B8C-83A1-F6EECF244321}">
+                <p14:modId xmlns:p14="http://schemas.microsoft.com/office/powerpoint/2010/main" val="182566436"/>
+              </p:ext>
+            </p:extLst>
+          </p:nvPr>
+        </p:nvGraphicFramePr>
+        <p:xfrm>
+          <a:off x="6351372" y="601038"/>
+          <a:ext cx="5847837" cy="6070324"/>
+        </p:xfrm>
+        <a:graphic>
+          <a:graphicData uri="http://schemas.openxmlformats.org/drawingml/2006/table">
+            <a:tbl>
+              <a:tblPr/>
+              <a:tblGrid>
+                <a:gridCol w="1949279"/>
+                <a:gridCol w="1949279"/>
+                <a:gridCol w="1949279"/>
+              </a:tblGrid>
+              <a:tr h="430118">
+                <a:tc>
+                  <a:txBody>
+                    <a:bodyPr/>
+                    <a:lstStyle/>
+                    <a:p>
+                      <a:endParaRPr lang="en-US" sz="3600" dirty="0"/>
+                    </a:p>
+                  </a:txBody>
+                  <a:tcPr marL="34263" marR="34263" marT="17131" marB="17131" anchor="ctr">
+                    <a:lnL>
+                      <a:noFill/>
+                    </a:lnL>
+                    <a:lnR>
+                      <a:noFill/>
+                    </a:lnR>
+                    <a:lnT w="25400" cap="flat" cmpd="sng" algn="ctr">
+                      <a:solidFill>
+                        <a:srgbClr val="000000"/>
+                      </a:solidFill>
+                      <a:prstDash val="solid"/>
+                      <a:round/>
+                      <a:headEnd type="none" w="med" len="med"/>
+                      <a:tailEnd type="none" w="med" len="med"/>
+                    </a:lnT>
+                    <a:lnB w="12700" cap="flat" cmpd="sng" algn="ctr">
+                      <a:solidFill>
+                        <a:srgbClr val="000000"/>
+                      </a:solidFill>
+                      <a:prstDash val="solid"/>
+                      <a:round/>
+                      <a:headEnd type="none" w="med" len="med"/>
+                      <a:tailEnd type="none" w="med" len="med"/>
+                    </a:lnB>
+                  </a:tcPr>
+                </a:tc>
+                <a:tc>
+                  <a:txBody>
+                    <a:bodyPr/>
+                    <a:lstStyle/>
+                    <a:p>
+                      <a:pPr algn="ctr"/>
+                      <a:r>
+                        <a:rPr lang="en-US" sz="1100" dirty="0" smtClean="0">
+                          <a:effectLst/>
+                        </a:rPr>
+                        <a:t>Does not trust in government protection from terrorism</a:t>
+                      </a:r>
+                      <a:r>
+                        <a:rPr lang="en-US" sz="1100" dirty="0">
+                          <a:effectLst/>
+                        </a:rPr>
+                        <a:t/>
+                      </a:r>
+                      <a:br>
+                        <a:rPr lang="en-US" sz="1100" dirty="0">
+                          <a:effectLst/>
+                        </a:rPr>
+                      </a:br>
+                      <a:r>
+                        <a:rPr lang="en-US" sz="1100" dirty="0">
+                          <a:effectLst/>
+                        </a:rPr>
+                        <a:t>(</a:t>
+                      </a:r>
+                      <a:r>
+                        <a:rPr lang="en-US" sz="1100" dirty="0" smtClean="0">
+                          <a:effectLst/>
+                        </a:rPr>
+                        <a:t>n=1741)</a:t>
+                      </a:r>
+                    </a:p>
+                    <a:p>
+                      <a:pPr algn="ctr"/>
+                      <a:r>
+                        <a:rPr lang="en-US" sz="1100" dirty="0" smtClean="0">
+                          <a:effectLst/>
+                        </a:rPr>
+                        <a:t>n (%)</a:t>
+                      </a:r>
+                      <a:endParaRPr lang="en-US" sz="1100" dirty="0">
+                        <a:effectLst/>
+                      </a:endParaRPr>
+                    </a:p>
+                  </a:txBody>
+                  <a:tcPr marL="34263" marR="34263" marT="17131" marB="17131" anchor="ctr">
+                    <a:lnL>
+                      <a:noFill/>
+                    </a:lnL>
+                    <a:lnR>
+                      <a:noFill/>
+                    </a:lnR>
+                    <a:lnT w="25400" cap="flat" cmpd="sng" algn="ctr">
+                      <a:solidFill>
+                        <a:srgbClr val="000000"/>
+                      </a:solidFill>
+                      <a:prstDash val="solid"/>
+                      <a:round/>
+                      <a:headEnd type="none" w="med" len="med"/>
+                      <a:tailEnd type="none" w="med" len="med"/>
+                    </a:lnT>
+                    <a:lnB w="12700" cap="flat" cmpd="sng" algn="ctr">
+                      <a:solidFill>
+                        <a:srgbClr val="000000"/>
+                      </a:solidFill>
+                      <a:prstDash val="solid"/>
+                      <a:round/>
+                      <a:headEnd type="none" w="med" len="med"/>
+                      <a:tailEnd type="none" w="med" len="med"/>
+                    </a:lnB>
+                  </a:tcPr>
+                </a:tc>
+                <a:tc>
+                  <a:txBody>
+                    <a:bodyPr/>
+                    <a:lstStyle/>
+                    <a:p>
+                      <a:pPr marL="0" marR="0" lvl="0" indent="0" algn="ctr" defTabSz="914400" rtl="0" eaLnBrk="1" fontAlgn="auto" latinLnBrk="0" hangingPunct="1">
+                        <a:lnSpc>
+                          <a:spcPct val="100000"/>
+                        </a:lnSpc>
+                        <a:spcBef>
+                          <a:spcPts val="0"/>
+                        </a:spcBef>
+                        <a:spcAft>
+                          <a:spcPts val="0"/>
+                        </a:spcAft>
+                        <a:buClrTx/>
+                        <a:buSzTx/>
+                        <a:buFontTx/>
+                        <a:buNone/>
+                        <a:tabLst/>
+                        <a:defRPr/>
+                      </a:pPr>
+                      <a:r>
+                        <a:rPr lang="en-US" sz="1100" dirty="0" smtClean="0">
+                          <a:effectLst/>
+                        </a:rPr>
+                        <a:t>Does trust in government protection from terrorism</a:t>
+                      </a:r>
+                      <a:r>
+                        <a:rPr lang="en-US" sz="1100" dirty="0">
+                          <a:effectLst/>
+                        </a:rPr>
+                        <a:t/>
+                      </a:r>
+                      <a:br>
+                        <a:rPr lang="en-US" sz="1100" dirty="0">
+                          <a:effectLst/>
+                        </a:rPr>
+                      </a:br>
+                      <a:r>
+                        <a:rPr lang="en-US" sz="1100" dirty="0">
+                          <a:effectLst/>
+                        </a:rPr>
+                        <a:t>(n=288</a:t>
+                      </a:r>
+                      <a:r>
+                        <a:rPr lang="en-US" sz="1100" dirty="0" smtClean="0">
+                          <a:effectLst/>
+                        </a:rPr>
+                        <a:t>)</a:t>
+                      </a:r>
+                    </a:p>
+                    <a:p>
+                      <a:pPr marL="0" marR="0" lvl="0" indent="0" algn="ctr" defTabSz="914400" rtl="0" eaLnBrk="1" fontAlgn="auto" latinLnBrk="0" hangingPunct="1">
+                        <a:lnSpc>
+                          <a:spcPct val="100000"/>
+                        </a:lnSpc>
+                        <a:spcBef>
+                          <a:spcPts val="0"/>
+                        </a:spcBef>
+                        <a:spcAft>
+                          <a:spcPts val="0"/>
+                        </a:spcAft>
+                        <a:buClrTx/>
+                        <a:buSzTx/>
+                        <a:buFontTx/>
+                        <a:buNone/>
+                        <a:tabLst/>
+                        <a:defRPr/>
+                      </a:pPr>
+                      <a:r>
+                        <a:rPr lang="en-US" sz="1100" dirty="0" smtClean="0">
+                          <a:effectLst/>
+                        </a:rPr>
+                        <a:t>N</a:t>
+                      </a:r>
+                      <a:r>
+                        <a:rPr lang="en-US" sz="1100" baseline="0" dirty="0" smtClean="0">
+                          <a:effectLst/>
+                        </a:rPr>
+                        <a:t> </a:t>
+                      </a:r>
+                      <a:r>
+                        <a:rPr lang="en-US" sz="1100" dirty="0" smtClean="0">
+                          <a:effectLst/>
+                        </a:rPr>
+                        <a:t>(%)</a:t>
+                      </a:r>
+                      <a:endParaRPr lang="en-US" sz="1100" dirty="0">
+                        <a:effectLst/>
+                      </a:endParaRPr>
+                    </a:p>
+                  </a:txBody>
+                  <a:tcPr marL="34263" marR="34263" marT="17131" marB="17131" anchor="ctr">
+                    <a:lnL>
+                      <a:noFill/>
+                    </a:lnL>
+                    <a:lnR>
+                      <a:noFill/>
+                    </a:lnR>
+                    <a:lnT w="25400" cap="flat" cmpd="sng" algn="ctr">
+                      <a:solidFill>
+                        <a:srgbClr val="000000"/>
+                      </a:solidFill>
+                      <a:prstDash val="solid"/>
+                      <a:round/>
+                      <a:headEnd type="none" w="med" len="med"/>
+                      <a:tailEnd type="none" w="med" len="med"/>
+                    </a:lnT>
+                    <a:lnB w="12700" cap="flat" cmpd="sng" algn="ctr">
+                      <a:solidFill>
+                        <a:srgbClr val="000000"/>
+                      </a:solidFill>
+                      <a:prstDash val="solid"/>
+                      <a:round/>
+                      <a:headEnd type="none" w="med" len="med"/>
+                      <a:tailEnd type="none" w="med" len="med"/>
+                    </a:lnB>
+                  </a:tcPr>
+                </a:tc>
+              </a:tr>
+              <a:tr h="171102">
+                <a:tc>
+                  <a:txBody>
+                    <a:bodyPr/>
+                    <a:lstStyle/>
+                    <a:p>
+                      <a:pPr algn="l"/>
+                      <a:r>
+                        <a:rPr lang="en-US" sz="1100" b="1" dirty="0" smtClean="0">
+                          <a:effectLst/>
+                        </a:rPr>
+                        <a:t>Education</a:t>
+                      </a:r>
+                      <a:endParaRPr lang="en-US" sz="1100" b="1" dirty="0">
+                        <a:effectLst/>
+                      </a:endParaRPr>
+                    </a:p>
+                  </a:txBody>
+                  <a:tcPr marL="34263" marR="34263" marT="17131" marB="17131" anchor="ctr">
+                    <a:lnL>
+                      <a:noFill/>
+                    </a:lnL>
+                    <a:lnR>
+                      <a:noFill/>
+                    </a:lnR>
+                    <a:lnT w="12700" cap="flat" cmpd="sng" algn="ctr">
+                      <a:solidFill>
+                        <a:srgbClr val="000000"/>
+                      </a:solidFill>
+                      <a:prstDash val="solid"/>
+                      <a:round/>
+                      <a:headEnd type="none" w="med" len="med"/>
+                      <a:tailEnd type="none" w="med" len="med"/>
+                    </a:lnT>
+                    <a:lnB>
+                      <a:noFill/>
+                    </a:lnB>
+                  </a:tcPr>
+                </a:tc>
+                <a:tc>
+                  <a:txBody>
+                    <a:bodyPr/>
+                    <a:lstStyle/>
+                    <a:p>
+                      <a:pPr algn="ctr"/>
+                      <a:endParaRPr lang="en-US" sz="1100">
+                        <a:effectLst/>
+                      </a:endParaRPr>
+                    </a:p>
+                  </a:txBody>
+                  <a:tcPr marL="34263" marR="34263" marT="17131" marB="17131" anchor="ctr">
+                    <a:lnL>
+                      <a:noFill/>
+                    </a:lnL>
+                    <a:lnR>
+                      <a:noFill/>
+                    </a:lnR>
+                    <a:lnT w="12700" cap="flat" cmpd="sng" algn="ctr">
+                      <a:solidFill>
+                        <a:srgbClr val="000000"/>
+                      </a:solidFill>
+                      <a:prstDash val="solid"/>
+                      <a:round/>
+                      <a:headEnd type="none" w="med" len="med"/>
+                      <a:tailEnd type="none" w="med" len="med"/>
+                    </a:lnT>
+                    <a:lnB>
+                      <a:noFill/>
+                    </a:lnB>
+                  </a:tcPr>
+                </a:tc>
+                <a:tc>
+                  <a:txBody>
+                    <a:bodyPr/>
+                    <a:lstStyle/>
+                    <a:p>
+                      <a:pPr algn="ctr"/>
+                      <a:endParaRPr lang="en-US" sz="1100">
+                        <a:effectLst/>
+                      </a:endParaRPr>
+                    </a:p>
+                  </a:txBody>
+                  <a:tcPr marL="34263" marR="34263" marT="17131" marB="17131" anchor="ctr">
+                    <a:lnL>
+                      <a:noFill/>
+                    </a:lnL>
+                    <a:lnR>
+                      <a:noFill/>
+                    </a:lnR>
+                    <a:lnT w="12700" cap="flat" cmpd="sng" algn="ctr">
+                      <a:solidFill>
+                        <a:srgbClr val="000000"/>
+                      </a:solidFill>
+                      <a:prstDash val="solid"/>
+                      <a:round/>
+                      <a:headEnd type="none" w="med" len="med"/>
+                      <a:tailEnd type="none" w="med" len="med"/>
+                    </a:lnT>
+                    <a:lnB>
+                      <a:noFill/>
+                    </a:lnB>
+                  </a:tcPr>
+                </a:tc>
+              </a:tr>
+              <a:tr h="430118">
+                <a:tc>
+                  <a:txBody>
+                    <a:bodyPr/>
+                    <a:lstStyle/>
+                    <a:p>
+                      <a:pPr algn="l"/>
+                      <a:r>
+                        <a:rPr lang="en-US" sz="1100" dirty="0" smtClean="0">
+                          <a:effectLst/>
+                        </a:rPr>
+                        <a:t>HIGH </a:t>
+                      </a:r>
+                      <a:r>
+                        <a:rPr lang="en-US" sz="1100" dirty="0">
+                          <a:effectLst/>
+                        </a:rPr>
+                        <a:t>SCHOOL DIPLOMA/GED (OR EQUIVALENT)</a:t>
+                      </a:r>
+                    </a:p>
+                  </a:txBody>
+                  <a:tcPr marL="34263" marR="34263" marT="17131" marB="17131" anchor="ctr">
+                    <a:lnL>
+                      <a:noFill/>
+                    </a:lnL>
+                    <a:lnR>
+                      <a:noFill/>
+                    </a:lnR>
+                    <a:lnT>
+                      <a:noFill/>
+                    </a:lnT>
+                    <a:lnB>
+                      <a:noFill/>
+                    </a:lnB>
+                  </a:tcPr>
+                </a:tc>
+                <a:tc>
+                  <a:txBody>
+                    <a:bodyPr/>
+                    <a:lstStyle/>
+                    <a:p>
+                      <a:pPr algn="ctr"/>
+                      <a:r>
+                        <a:rPr lang="en-US" sz="1100">
+                          <a:effectLst/>
+                        </a:rPr>
+                        <a:t>546 (31.4%)</a:t>
+                      </a:r>
+                    </a:p>
+                  </a:txBody>
+                  <a:tcPr marL="34263" marR="34263" marT="17131" marB="17131" anchor="ctr">
+                    <a:lnL>
+                      <a:noFill/>
+                    </a:lnL>
+                    <a:lnR>
+                      <a:noFill/>
+                    </a:lnR>
+                    <a:lnT>
+                      <a:noFill/>
+                    </a:lnT>
+                    <a:lnB>
+                      <a:noFill/>
+                    </a:lnB>
+                  </a:tcPr>
+                </a:tc>
+                <a:tc>
+                  <a:txBody>
+                    <a:bodyPr/>
+                    <a:lstStyle/>
+                    <a:p>
+                      <a:pPr algn="ctr"/>
+                      <a:r>
+                        <a:rPr lang="en-US" sz="1100">
+                          <a:effectLst/>
+                        </a:rPr>
+                        <a:t>103 (35.8%)</a:t>
+                      </a:r>
+                    </a:p>
+                  </a:txBody>
+                  <a:tcPr marL="34263" marR="34263" marT="17131" marB="17131" anchor="ctr">
+                    <a:lnL>
+                      <a:noFill/>
+                    </a:lnL>
+                    <a:lnR>
+                      <a:noFill/>
+                    </a:lnR>
+                    <a:lnT>
+                      <a:noFill/>
+                    </a:lnT>
+                    <a:lnB>
+                      <a:noFill/>
+                    </a:lnB>
+                  </a:tcPr>
+                </a:tc>
+              </a:tr>
+              <a:tr h="300610">
+                <a:tc>
+                  <a:txBody>
+                    <a:bodyPr/>
+                    <a:lstStyle/>
+                    <a:p>
+                      <a:pPr algn="l"/>
+                      <a:r>
+                        <a:rPr lang="en-US" sz="1100" dirty="0" smtClean="0">
+                          <a:effectLst/>
+                        </a:rPr>
+                        <a:t>JUNIOR </a:t>
+                      </a:r>
+                      <a:r>
+                        <a:rPr lang="en-US" sz="1100" dirty="0">
+                          <a:effectLst/>
+                        </a:rPr>
+                        <a:t>COLLEGE DEGREE (A.A.)</a:t>
+                      </a:r>
+                    </a:p>
+                  </a:txBody>
+                  <a:tcPr marL="34263" marR="34263" marT="17131" marB="17131" anchor="ctr">
+                    <a:lnL>
+                      <a:noFill/>
+                    </a:lnL>
+                    <a:lnR>
+                      <a:noFill/>
+                    </a:lnR>
+                    <a:lnT>
+                      <a:noFill/>
+                    </a:lnT>
+                    <a:lnB>
+                      <a:noFill/>
+                    </a:lnB>
+                  </a:tcPr>
+                </a:tc>
+                <a:tc>
+                  <a:txBody>
+                    <a:bodyPr/>
+                    <a:lstStyle/>
+                    <a:p>
+                      <a:pPr algn="ctr"/>
+                      <a:r>
+                        <a:rPr lang="en-US" sz="1100">
+                          <a:effectLst/>
+                        </a:rPr>
+                        <a:t>160 (9.2%)</a:t>
+                      </a:r>
+                    </a:p>
+                  </a:txBody>
+                  <a:tcPr marL="34263" marR="34263" marT="17131" marB="17131" anchor="ctr">
+                    <a:lnL>
+                      <a:noFill/>
+                    </a:lnL>
+                    <a:lnR>
+                      <a:noFill/>
+                    </a:lnR>
+                    <a:lnT>
+                      <a:noFill/>
+                    </a:lnT>
+                    <a:lnB>
+                      <a:noFill/>
+                    </a:lnB>
+                  </a:tcPr>
+                </a:tc>
+                <a:tc>
+                  <a:txBody>
+                    <a:bodyPr/>
+                    <a:lstStyle/>
+                    <a:p>
+                      <a:pPr algn="ctr"/>
+                      <a:r>
+                        <a:rPr lang="en-US" sz="1100">
+                          <a:effectLst/>
+                        </a:rPr>
+                        <a:t>30 (10.4%)</a:t>
+                      </a:r>
+                    </a:p>
+                  </a:txBody>
+                  <a:tcPr marL="34263" marR="34263" marT="17131" marB="17131" anchor="ctr">
+                    <a:lnL>
+                      <a:noFill/>
+                    </a:lnL>
+                    <a:lnR>
+                      <a:noFill/>
+                    </a:lnR>
+                    <a:lnT>
+                      <a:noFill/>
+                    </a:lnT>
+                    <a:lnB>
+                      <a:noFill/>
+                    </a:lnB>
+                  </a:tcPr>
+                </a:tc>
+              </a:tr>
+              <a:tr h="300610">
+                <a:tc>
+                  <a:txBody>
+                    <a:bodyPr/>
+                    <a:lstStyle/>
+                    <a:p>
+                      <a:pPr algn="l"/>
+                      <a:r>
+                        <a:rPr lang="en-US" sz="1100" dirty="0" smtClean="0">
+                          <a:effectLst/>
+                        </a:rPr>
+                        <a:t>BACHELORS </a:t>
+                      </a:r>
+                      <a:r>
+                        <a:rPr lang="en-US" sz="1100" dirty="0">
+                          <a:effectLst/>
+                        </a:rPr>
+                        <a:t>DEGREE (B.A.,B.S.)</a:t>
+                      </a:r>
+                    </a:p>
+                  </a:txBody>
+                  <a:tcPr marL="34263" marR="34263" marT="17131" marB="17131" anchor="ctr">
+                    <a:lnL>
+                      <a:noFill/>
+                    </a:lnL>
+                    <a:lnR>
+                      <a:noFill/>
+                    </a:lnR>
+                    <a:lnT>
+                      <a:noFill/>
+                    </a:lnT>
+                    <a:lnB>
+                      <a:noFill/>
+                    </a:lnB>
+                  </a:tcPr>
+                </a:tc>
+                <a:tc>
+                  <a:txBody>
+                    <a:bodyPr/>
+                    <a:lstStyle/>
+                    <a:p>
+                      <a:pPr algn="ctr"/>
+                      <a:r>
+                        <a:rPr lang="en-US" sz="1100">
+                          <a:effectLst/>
+                        </a:rPr>
+                        <a:t>403 (23.1%)</a:t>
+                      </a:r>
+                    </a:p>
+                  </a:txBody>
+                  <a:tcPr marL="34263" marR="34263" marT="17131" marB="17131" anchor="ctr">
+                    <a:lnL>
+                      <a:noFill/>
+                    </a:lnL>
+                    <a:lnR>
+                      <a:noFill/>
+                    </a:lnR>
+                    <a:lnT>
+                      <a:noFill/>
+                    </a:lnT>
+                    <a:lnB>
+                      <a:noFill/>
+                    </a:lnB>
+                  </a:tcPr>
+                </a:tc>
+                <a:tc>
+                  <a:txBody>
+                    <a:bodyPr/>
+                    <a:lstStyle/>
+                    <a:p>
+                      <a:pPr algn="ctr"/>
+                      <a:r>
+                        <a:rPr lang="en-US" sz="1100" dirty="0">
+                          <a:effectLst/>
+                        </a:rPr>
+                        <a:t>53 (18.4%)</a:t>
+                      </a:r>
+                    </a:p>
+                  </a:txBody>
+                  <a:tcPr marL="34263" marR="34263" marT="17131" marB="17131" anchor="ctr">
+                    <a:lnL>
+                      <a:noFill/>
+                    </a:lnL>
+                    <a:lnR>
+                      <a:noFill/>
+                    </a:lnR>
+                    <a:lnT>
+                      <a:noFill/>
+                    </a:lnT>
+                    <a:lnB>
+                      <a:noFill/>
+                    </a:lnB>
+                  </a:tcPr>
+                </a:tc>
+              </a:tr>
+              <a:tr h="300610">
+                <a:tc>
+                  <a:txBody>
+                    <a:bodyPr/>
+                    <a:lstStyle/>
+                    <a:p>
+                      <a:pPr algn="l"/>
+                      <a:r>
+                        <a:rPr lang="en-US" sz="1100" dirty="0" smtClean="0">
+                          <a:effectLst/>
+                        </a:rPr>
+                        <a:t>MASTERS </a:t>
+                      </a:r>
+                      <a:r>
+                        <a:rPr lang="en-US" sz="1100" dirty="0">
+                          <a:effectLst/>
+                        </a:rPr>
+                        <a:t>DEGREE (M.A., M.S.)</a:t>
+                      </a:r>
+                    </a:p>
+                  </a:txBody>
+                  <a:tcPr marL="34263" marR="34263" marT="17131" marB="17131" anchor="ctr">
+                    <a:lnL>
+                      <a:noFill/>
+                    </a:lnL>
+                    <a:lnR>
+                      <a:noFill/>
+                    </a:lnR>
+                    <a:lnT>
+                      <a:noFill/>
+                    </a:lnT>
+                    <a:lnB>
+                      <a:noFill/>
+                    </a:lnB>
+                  </a:tcPr>
+                </a:tc>
+                <a:tc>
+                  <a:txBody>
+                    <a:bodyPr/>
+                    <a:lstStyle/>
+                    <a:p>
+                      <a:pPr algn="ctr"/>
+                      <a:r>
+                        <a:rPr lang="en-US" sz="1100">
+                          <a:effectLst/>
+                        </a:rPr>
+                        <a:t>247 (14.2%)</a:t>
+                      </a:r>
+                    </a:p>
+                  </a:txBody>
+                  <a:tcPr marL="34263" marR="34263" marT="17131" marB="17131" anchor="ctr">
+                    <a:lnL>
+                      <a:noFill/>
+                    </a:lnL>
+                    <a:lnR>
+                      <a:noFill/>
+                    </a:lnR>
+                    <a:lnT>
+                      <a:noFill/>
+                    </a:lnT>
+                    <a:lnB>
+                      <a:noFill/>
+                    </a:lnB>
+                  </a:tcPr>
+                </a:tc>
+                <a:tc>
+                  <a:txBody>
+                    <a:bodyPr/>
+                    <a:lstStyle/>
+                    <a:p>
+                      <a:pPr algn="ctr"/>
+                      <a:r>
+                        <a:rPr lang="en-US" sz="1100">
+                          <a:effectLst/>
+                        </a:rPr>
+                        <a:t>24 (8.3%)</a:t>
+                      </a:r>
+                    </a:p>
+                  </a:txBody>
+                  <a:tcPr marL="34263" marR="34263" marT="17131" marB="17131" anchor="ctr">
+                    <a:lnL>
+                      <a:noFill/>
+                    </a:lnL>
+                    <a:lnR>
+                      <a:noFill/>
+                    </a:lnR>
+                    <a:lnT>
+                      <a:noFill/>
+                    </a:lnT>
+                    <a:lnB>
+                      <a:noFill/>
+                    </a:lnB>
+                  </a:tcPr>
+                </a:tc>
+              </a:tr>
+              <a:tr h="171102">
+                <a:tc>
+                  <a:txBody>
+                    <a:bodyPr/>
+                    <a:lstStyle/>
+                    <a:p>
+                      <a:pPr algn="l"/>
+                      <a:r>
+                        <a:rPr lang="en-US" sz="1100" dirty="0" smtClean="0">
+                          <a:effectLst/>
+                        </a:rPr>
+                        <a:t>DOCTORATE </a:t>
+                      </a:r>
+                      <a:r>
+                        <a:rPr lang="en-US" sz="1100" dirty="0">
+                          <a:effectLst/>
+                        </a:rPr>
+                        <a:t>(PH.D.)</a:t>
+                      </a:r>
+                    </a:p>
+                  </a:txBody>
+                  <a:tcPr marL="34263" marR="34263" marT="17131" marB="17131" anchor="ctr">
+                    <a:lnL>
+                      <a:noFill/>
+                    </a:lnL>
+                    <a:lnR>
+                      <a:noFill/>
+                    </a:lnR>
+                    <a:lnT>
+                      <a:noFill/>
+                    </a:lnT>
+                    <a:lnB>
+                      <a:noFill/>
+                    </a:lnB>
+                  </a:tcPr>
+                </a:tc>
+                <a:tc>
+                  <a:txBody>
+                    <a:bodyPr/>
+                    <a:lstStyle/>
+                    <a:p>
+                      <a:pPr algn="ctr"/>
+                      <a:r>
+                        <a:rPr lang="en-US" sz="1100">
+                          <a:effectLst/>
+                        </a:rPr>
+                        <a:t>45 (2.6%)</a:t>
+                      </a:r>
+                    </a:p>
+                  </a:txBody>
+                  <a:tcPr marL="34263" marR="34263" marT="17131" marB="17131" anchor="ctr">
+                    <a:lnL>
+                      <a:noFill/>
+                    </a:lnL>
+                    <a:lnR>
+                      <a:noFill/>
+                    </a:lnR>
+                    <a:lnT>
+                      <a:noFill/>
+                    </a:lnT>
+                    <a:lnB>
+                      <a:noFill/>
+                    </a:lnB>
+                  </a:tcPr>
+                </a:tc>
+                <a:tc>
+                  <a:txBody>
+                    <a:bodyPr/>
+                    <a:lstStyle/>
+                    <a:p>
+                      <a:pPr algn="ctr"/>
+                      <a:r>
+                        <a:rPr lang="en-US" sz="1100">
+                          <a:effectLst/>
+                        </a:rPr>
+                        <a:t>1 (0.3%)</a:t>
+                      </a:r>
+                    </a:p>
+                  </a:txBody>
+                  <a:tcPr marL="34263" marR="34263" marT="17131" marB="17131" anchor="ctr">
+                    <a:lnL>
+                      <a:noFill/>
+                    </a:lnL>
+                    <a:lnR>
+                      <a:noFill/>
+                    </a:lnR>
+                    <a:lnT>
+                      <a:noFill/>
+                    </a:lnT>
+                    <a:lnB>
+                      <a:noFill/>
+                    </a:lnB>
+                  </a:tcPr>
+                </a:tc>
+              </a:tr>
+              <a:tr h="300610">
+                <a:tc>
+                  <a:txBody>
+                    <a:bodyPr/>
+                    <a:lstStyle/>
+                    <a:p>
+                      <a:pPr algn="l"/>
+                      <a:r>
+                        <a:rPr lang="fr-FR" sz="1100" dirty="0" smtClean="0">
+                          <a:effectLst/>
+                        </a:rPr>
+                        <a:t>PROFESSIONAL </a:t>
+                      </a:r>
+                      <a:r>
+                        <a:rPr lang="fr-FR" sz="1100" dirty="0">
+                          <a:effectLst/>
+                        </a:rPr>
+                        <a:t>(M.D., J.D., ETC.)</a:t>
+                      </a:r>
+                    </a:p>
+                  </a:txBody>
+                  <a:tcPr marL="34263" marR="34263" marT="17131" marB="17131" anchor="ctr">
+                    <a:lnL>
+                      <a:noFill/>
+                    </a:lnL>
+                    <a:lnR>
+                      <a:noFill/>
+                    </a:lnR>
+                    <a:lnT>
+                      <a:noFill/>
+                    </a:lnT>
+                    <a:lnB>
+                      <a:noFill/>
+                    </a:lnB>
+                  </a:tcPr>
+                </a:tc>
+                <a:tc>
+                  <a:txBody>
+                    <a:bodyPr/>
+                    <a:lstStyle/>
+                    <a:p>
+                      <a:pPr algn="ctr"/>
+                      <a:r>
+                        <a:rPr lang="en-US" sz="1100">
+                          <a:effectLst/>
+                        </a:rPr>
+                        <a:t>38 (2.2%)</a:t>
+                      </a:r>
+                    </a:p>
+                  </a:txBody>
+                  <a:tcPr marL="34263" marR="34263" marT="17131" marB="17131" anchor="ctr">
+                    <a:lnL>
+                      <a:noFill/>
+                    </a:lnL>
+                    <a:lnR>
+                      <a:noFill/>
+                    </a:lnR>
+                    <a:lnT>
+                      <a:noFill/>
+                    </a:lnT>
+                    <a:lnB>
+                      <a:noFill/>
+                    </a:lnB>
+                  </a:tcPr>
+                </a:tc>
+                <a:tc>
+                  <a:txBody>
+                    <a:bodyPr/>
+                    <a:lstStyle/>
+                    <a:p>
+                      <a:pPr algn="ctr"/>
+                      <a:r>
+                        <a:rPr lang="en-US" sz="1100">
+                          <a:effectLst/>
+                        </a:rPr>
+                        <a:t>2 (0.7%)</a:t>
+                      </a:r>
+                    </a:p>
+                  </a:txBody>
+                  <a:tcPr marL="34263" marR="34263" marT="17131" marB="17131" anchor="ctr">
+                    <a:lnL>
+                      <a:noFill/>
+                    </a:lnL>
+                    <a:lnR>
+                      <a:noFill/>
+                    </a:lnR>
+                    <a:lnT>
+                      <a:noFill/>
+                    </a:lnT>
+                    <a:lnB>
+                      <a:noFill/>
+                    </a:lnB>
+                  </a:tcPr>
+                </a:tc>
+              </a:tr>
+              <a:tr h="171102">
+                <a:tc>
+                  <a:txBody>
+                    <a:bodyPr/>
+                    <a:lstStyle/>
+                    <a:p>
+                      <a:pPr algn="l"/>
+                      <a:r>
+                        <a:rPr lang="en-US" sz="1100" dirty="0" smtClean="0">
+                          <a:effectLst/>
+                        </a:rPr>
+                        <a:t>NONE</a:t>
+                      </a:r>
+                      <a:endParaRPr lang="en-US" sz="1100" dirty="0">
+                        <a:effectLst/>
+                      </a:endParaRPr>
+                    </a:p>
+                  </a:txBody>
+                  <a:tcPr marL="34263" marR="34263" marT="17131" marB="17131" anchor="ctr">
+                    <a:lnL>
+                      <a:noFill/>
+                    </a:lnL>
+                    <a:lnR>
+                      <a:noFill/>
+                    </a:lnR>
+                    <a:lnT>
+                      <a:noFill/>
+                    </a:lnT>
+                    <a:lnB>
+                      <a:noFill/>
+                    </a:lnB>
+                  </a:tcPr>
+                </a:tc>
+                <a:tc>
+                  <a:txBody>
+                    <a:bodyPr/>
+                    <a:lstStyle/>
+                    <a:p>
+                      <a:pPr algn="ctr"/>
+                      <a:r>
+                        <a:rPr lang="en-US" sz="1100">
+                          <a:effectLst/>
+                        </a:rPr>
+                        <a:t>156 (9.0%)</a:t>
+                      </a:r>
+                    </a:p>
+                  </a:txBody>
+                  <a:tcPr marL="34263" marR="34263" marT="17131" marB="17131" anchor="ctr">
+                    <a:lnL>
+                      <a:noFill/>
+                    </a:lnL>
+                    <a:lnR>
+                      <a:noFill/>
+                    </a:lnR>
+                    <a:lnT>
+                      <a:noFill/>
+                    </a:lnT>
+                    <a:lnB>
+                      <a:noFill/>
+                    </a:lnB>
+                  </a:tcPr>
+                </a:tc>
+                <a:tc>
+                  <a:txBody>
+                    <a:bodyPr/>
+                    <a:lstStyle/>
+                    <a:p>
+                      <a:pPr algn="ctr"/>
+                      <a:r>
+                        <a:rPr lang="en-US" sz="1100">
+                          <a:effectLst/>
+                        </a:rPr>
+                        <a:t>46 (16.0%)</a:t>
+                      </a:r>
+                    </a:p>
+                  </a:txBody>
+                  <a:tcPr marL="34263" marR="34263" marT="17131" marB="17131" anchor="ctr">
+                    <a:lnL>
+                      <a:noFill/>
+                    </a:lnL>
+                    <a:lnR>
+                      <a:noFill/>
+                    </a:lnR>
+                    <a:lnT>
+                      <a:noFill/>
+                    </a:lnT>
+                    <a:lnB>
+                      <a:noFill/>
+                    </a:lnB>
+                  </a:tcPr>
+                </a:tc>
+              </a:tr>
+              <a:tr h="171102">
+                <a:tc>
+                  <a:txBody>
+                    <a:bodyPr/>
+                    <a:lstStyle/>
+                    <a:p>
+                      <a:pPr algn="l"/>
+                      <a:r>
+                        <a:rPr lang="en-US" sz="1100" dirty="0" smtClean="0">
+                          <a:effectLst/>
+                        </a:rPr>
+                        <a:t>OTHER</a:t>
+                      </a:r>
+                      <a:endParaRPr lang="en-US" sz="1100" dirty="0">
+                        <a:effectLst/>
+                      </a:endParaRPr>
+                    </a:p>
+                  </a:txBody>
+                  <a:tcPr marL="34263" marR="34263" marT="17131" marB="17131" anchor="ctr">
+                    <a:lnL>
+                      <a:noFill/>
+                    </a:lnL>
+                    <a:lnR>
+                      <a:noFill/>
+                    </a:lnR>
+                    <a:lnT>
+                      <a:noFill/>
+                    </a:lnT>
+                    <a:lnB>
+                      <a:noFill/>
+                    </a:lnB>
+                  </a:tcPr>
+                </a:tc>
+                <a:tc>
+                  <a:txBody>
+                    <a:bodyPr/>
+                    <a:lstStyle/>
+                    <a:p>
+                      <a:pPr algn="ctr"/>
+                      <a:r>
+                        <a:rPr lang="en-US" sz="1100">
+                          <a:effectLst/>
+                        </a:rPr>
+                        <a:t>146 (8.4%)</a:t>
+                      </a:r>
+                    </a:p>
+                  </a:txBody>
+                  <a:tcPr marL="34263" marR="34263" marT="17131" marB="17131" anchor="ctr">
+                    <a:lnL>
+                      <a:noFill/>
+                    </a:lnL>
+                    <a:lnR>
+                      <a:noFill/>
+                    </a:lnR>
+                    <a:lnT>
+                      <a:noFill/>
+                    </a:lnT>
+                    <a:lnB>
+                      <a:noFill/>
+                    </a:lnB>
+                  </a:tcPr>
+                </a:tc>
+                <a:tc>
+                  <a:txBody>
+                    <a:bodyPr/>
+                    <a:lstStyle/>
+                    <a:p>
+                      <a:pPr algn="ctr"/>
+                      <a:r>
+                        <a:rPr lang="en-US" sz="1100">
+                          <a:effectLst/>
+                        </a:rPr>
+                        <a:t>29 (10.1%)</a:t>
+                      </a:r>
+                    </a:p>
+                  </a:txBody>
+                  <a:tcPr marL="34263" marR="34263" marT="17131" marB="17131" anchor="ctr">
+                    <a:lnL>
+                      <a:noFill/>
+                    </a:lnL>
+                    <a:lnR>
+                      <a:noFill/>
+                    </a:lnR>
+                    <a:lnT>
+                      <a:noFill/>
+                    </a:lnT>
+                    <a:lnB>
+                      <a:noFill/>
+                    </a:lnB>
+                  </a:tcPr>
+                </a:tc>
+              </a:tr>
+              <a:tr h="171102">
+                <a:tc>
+                  <a:txBody>
+                    <a:bodyPr/>
+                    <a:lstStyle/>
+                    <a:p>
+                      <a:pPr algn="l"/>
+                      <a:endParaRPr lang="en-US" sz="1100" b="1" dirty="0">
+                        <a:effectLst/>
+                      </a:endParaRPr>
+                    </a:p>
+                  </a:txBody>
+                  <a:tcPr marL="34263" marR="34263" marT="17131" marB="17131" anchor="ctr">
+                    <a:lnL>
+                      <a:noFill/>
+                    </a:lnL>
+                    <a:lnR>
+                      <a:noFill/>
+                    </a:lnR>
+                    <a:lnT>
+                      <a:noFill/>
+                    </a:lnT>
+                    <a:lnB>
+                      <a:noFill/>
+                    </a:lnB>
+                  </a:tcPr>
+                </a:tc>
+                <a:tc>
+                  <a:txBody>
+                    <a:bodyPr/>
+                    <a:lstStyle/>
+                    <a:p>
+                      <a:pPr algn="ctr"/>
+                      <a:endParaRPr lang="en-US" sz="1100">
+                        <a:effectLst/>
+                      </a:endParaRPr>
+                    </a:p>
+                  </a:txBody>
+                  <a:tcPr marL="34263" marR="34263" marT="17131" marB="17131" anchor="ctr">
+                    <a:lnL>
+                      <a:noFill/>
+                    </a:lnL>
+                    <a:lnR>
+                      <a:noFill/>
+                    </a:lnR>
+                    <a:lnT>
+                      <a:noFill/>
+                    </a:lnT>
+                    <a:lnB>
+                      <a:noFill/>
+                    </a:lnB>
+                  </a:tcPr>
+                </a:tc>
+                <a:tc>
+                  <a:txBody>
+                    <a:bodyPr/>
+                    <a:lstStyle/>
+                    <a:p>
+                      <a:pPr algn="ctr"/>
+                      <a:endParaRPr lang="en-US" sz="1100">
+                        <a:effectLst/>
+                      </a:endParaRPr>
+                    </a:p>
+                  </a:txBody>
+                  <a:tcPr marL="34263" marR="34263" marT="17131" marB="17131" anchor="ctr">
+                    <a:lnL>
+                      <a:noFill/>
+                    </a:lnL>
+                    <a:lnR>
+                      <a:noFill/>
+                    </a:lnR>
+                    <a:lnT>
+                      <a:noFill/>
+                    </a:lnT>
+                    <a:lnB>
+                      <a:noFill/>
+                    </a:lnB>
+                  </a:tcPr>
+                </a:tc>
+              </a:tr>
+              <a:tr h="171102">
+                <a:tc>
+                  <a:txBody>
+                    <a:bodyPr/>
+                    <a:lstStyle/>
+                    <a:p>
+                      <a:pPr algn="l"/>
+                      <a:r>
+                        <a:rPr lang="en-US" sz="1100" b="1" dirty="0" smtClean="0">
+                          <a:effectLst/>
+                        </a:rPr>
+                        <a:t>Age </a:t>
+                      </a:r>
+                      <a:r>
+                        <a:rPr lang="en-US" sz="1100" dirty="0" smtClean="0">
+                          <a:effectLst/>
+                        </a:rPr>
+                        <a:t>Median </a:t>
+                      </a:r>
+                      <a:r>
+                        <a:rPr lang="en-US" sz="1100" dirty="0">
+                          <a:effectLst/>
+                        </a:rPr>
+                        <a:t>[Min, Max]</a:t>
+                      </a:r>
+                    </a:p>
+                  </a:txBody>
+                  <a:tcPr marL="34263" marR="34263" marT="17131" marB="17131" anchor="ctr">
+                    <a:lnL>
+                      <a:noFill/>
+                    </a:lnL>
+                    <a:lnR>
+                      <a:noFill/>
+                    </a:lnR>
+                    <a:lnT>
+                      <a:noFill/>
+                    </a:lnT>
+                    <a:lnB>
+                      <a:noFill/>
+                    </a:lnB>
+                  </a:tcPr>
+                </a:tc>
+                <a:tc>
+                  <a:txBody>
+                    <a:bodyPr/>
+                    <a:lstStyle/>
+                    <a:p>
+                      <a:pPr algn="ctr"/>
+                      <a:r>
+                        <a:rPr lang="en-US" sz="1100" dirty="0">
+                          <a:effectLst/>
+                        </a:rPr>
+                        <a:t>50.0 [18.0, 98.0]</a:t>
+                      </a:r>
+                    </a:p>
+                  </a:txBody>
+                  <a:tcPr marL="34263" marR="34263" marT="17131" marB="17131" anchor="ctr">
+                    <a:lnL>
+                      <a:noFill/>
+                    </a:lnL>
+                    <a:lnR>
+                      <a:noFill/>
+                    </a:lnR>
+                    <a:lnT>
+                      <a:noFill/>
+                    </a:lnT>
+                    <a:lnB>
+                      <a:noFill/>
+                    </a:lnB>
+                  </a:tcPr>
+                </a:tc>
+                <a:tc>
+                  <a:txBody>
+                    <a:bodyPr/>
+                    <a:lstStyle/>
+                    <a:p>
+                      <a:pPr algn="ctr"/>
+                      <a:r>
+                        <a:rPr lang="en-US" sz="1100" dirty="0">
+                          <a:effectLst/>
+                        </a:rPr>
+                        <a:t>46.0 [18.0, 88.0]</a:t>
+                      </a:r>
+                    </a:p>
+                  </a:txBody>
+                  <a:tcPr marL="34263" marR="34263" marT="17131" marB="17131" anchor="ctr">
+                    <a:lnL>
+                      <a:noFill/>
+                    </a:lnL>
+                    <a:lnR>
+                      <a:noFill/>
+                    </a:lnR>
+                    <a:lnT>
+                      <a:noFill/>
+                    </a:lnT>
+                    <a:lnB>
+                      <a:noFill/>
+                    </a:lnB>
+                  </a:tcPr>
+                </a:tc>
+              </a:tr>
+              <a:tr h="171102">
+                <a:tc>
+                  <a:txBody>
+                    <a:bodyPr/>
+                    <a:lstStyle/>
+                    <a:p>
+                      <a:r>
+                        <a:rPr lang="en-US" sz="1100" b="1" dirty="0" smtClean="0"/>
+                        <a:t>Belief of information received</a:t>
+                      </a:r>
+                      <a:endParaRPr lang="en-US" sz="1100" b="1" dirty="0"/>
+                    </a:p>
+                  </a:txBody>
+                  <a:tcPr marL="34263" marR="34263" marT="17131" marB="17131" anchor="ctr">
+                    <a:lnL>
+                      <a:noFill/>
+                    </a:lnL>
+                    <a:lnR>
+                      <a:noFill/>
+                    </a:lnR>
+                    <a:lnT>
+                      <a:noFill/>
+                    </a:lnT>
+                    <a:lnB>
+                      <a:noFill/>
+                    </a:lnB>
+                  </a:tcPr>
+                </a:tc>
+                <a:tc>
+                  <a:txBody>
+                    <a:bodyPr/>
+                    <a:lstStyle/>
+                    <a:p>
+                      <a:pPr algn="ctr"/>
+                      <a:endParaRPr lang="en-US" sz="1100">
+                        <a:effectLst/>
+                      </a:endParaRPr>
+                    </a:p>
+                  </a:txBody>
+                  <a:tcPr marL="34263" marR="34263" marT="17131" marB="17131" anchor="ctr">
+                    <a:lnL>
+                      <a:noFill/>
+                    </a:lnL>
+                    <a:lnR>
+                      <a:noFill/>
+                    </a:lnR>
+                    <a:lnT>
+                      <a:noFill/>
+                    </a:lnT>
+                    <a:lnB>
+                      <a:noFill/>
+                    </a:lnB>
+                  </a:tcPr>
+                </a:tc>
+                <a:tc>
+                  <a:txBody>
+                    <a:bodyPr/>
+                    <a:lstStyle/>
+                    <a:p>
+                      <a:pPr algn="ctr"/>
+                      <a:endParaRPr lang="en-US" sz="1100">
+                        <a:effectLst/>
+                      </a:endParaRPr>
+                    </a:p>
+                  </a:txBody>
+                  <a:tcPr marL="34263" marR="34263" marT="17131" marB="17131" anchor="ctr">
+                    <a:lnL>
+                      <a:noFill/>
+                    </a:lnL>
+                    <a:lnR>
+                      <a:noFill/>
+                    </a:lnR>
+                    <a:lnT>
+                      <a:noFill/>
+                    </a:lnT>
+                    <a:lnB>
+                      <a:noFill/>
+                    </a:lnB>
+                  </a:tcPr>
+                </a:tc>
+              </a:tr>
+              <a:tr h="300610">
+                <a:tc>
+                  <a:txBody>
+                    <a:bodyPr/>
+                    <a:lstStyle/>
+                    <a:p>
+                      <a:pPr algn="l"/>
+                      <a:r>
+                        <a:rPr lang="en-US" sz="1100" dirty="0" smtClean="0">
+                          <a:effectLst/>
+                        </a:rPr>
+                        <a:t>1</a:t>
+                      </a:r>
+                      <a:r>
+                        <a:rPr lang="en-US" sz="1100" baseline="0" dirty="0" smtClean="0">
+                          <a:effectLst/>
+                        </a:rPr>
+                        <a:t> - </a:t>
+                      </a:r>
+                      <a:r>
+                        <a:rPr lang="en-US" sz="1100" dirty="0" smtClean="0">
+                          <a:effectLst/>
+                        </a:rPr>
+                        <a:t>Did </a:t>
+                      </a:r>
+                      <a:r>
+                        <a:rPr lang="en-US" sz="1100" dirty="0">
+                          <a:effectLst/>
+                        </a:rPr>
+                        <a:t>not believe any of it</a:t>
+                      </a:r>
+                    </a:p>
+                  </a:txBody>
+                  <a:tcPr marL="34263" marR="34263" marT="17131" marB="17131" anchor="ctr">
+                    <a:lnL>
+                      <a:noFill/>
+                    </a:lnL>
+                    <a:lnR>
+                      <a:noFill/>
+                    </a:lnR>
+                    <a:lnT>
+                      <a:noFill/>
+                    </a:lnT>
+                    <a:lnB>
+                      <a:noFill/>
+                    </a:lnB>
+                  </a:tcPr>
+                </a:tc>
+                <a:tc>
+                  <a:txBody>
+                    <a:bodyPr/>
+                    <a:lstStyle/>
+                    <a:p>
+                      <a:pPr algn="ctr"/>
+                      <a:r>
+                        <a:rPr lang="en-US" sz="1100">
+                          <a:effectLst/>
+                        </a:rPr>
+                        <a:t>102 (5.9%)</a:t>
+                      </a:r>
+                    </a:p>
+                  </a:txBody>
+                  <a:tcPr marL="34263" marR="34263" marT="17131" marB="17131" anchor="ctr">
+                    <a:lnL>
+                      <a:noFill/>
+                    </a:lnL>
+                    <a:lnR>
+                      <a:noFill/>
+                    </a:lnR>
+                    <a:lnT>
+                      <a:noFill/>
+                    </a:lnT>
+                    <a:lnB>
+                      <a:noFill/>
+                    </a:lnB>
+                  </a:tcPr>
+                </a:tc>
+                <a:tc>
+                  <a:txBody>
+                    <a:bodyPr/>
+                    <a:lstStyle/>
+                    <a:p>
+                      <a:pPr algn="ctr"/>
+                      <a:r>
+                        <a:rPr lang="en-US" sz="1100">
+                          <a:effectLst/>
+                        </a:rPr>
+                        <a:t>6 (2.1%)</a:t>
+                      </a:r>
+                    </a:p>
+                  </a:txBody>
+                  <a:tcPr marL="34263" marR="34263" marT="17131" marB="17131" anchor="ctr">
+                    <a:lnL>
+                      <a:noFill/>
+                    </a:lnL>
+                    <a:lnR>
+                      <a:noFill/>
+                    </a:lnR>
+                    <a:lnT>
+                      <a:noFill/>
+                    </a:lnT>
+                    <a:lnB>
+                      <a:noFill/>
+                    </a:lnB>
+                  </a:tcPr>
+                </a:tc>
+              </a:tr>
+              <a:tr h="171102">
+                <a:tc>
+                  <a:txBody>
+                    <a:bodyPr/>
+                    <a:lstStyle/>
+                    <a:p>
+                      <a:pPr algn="l"/>
+                      <a:r>
+                        <a:rPr lang="en-US" sz="1100" dirty="0" smtClean="0">
+                          <a:effectLst/>
+                        </a:rPr>
+                        <a:t>2</a:t>
+                      </a:r>
+                      <a:endParaRPr lang="en-US" sz="1100" dirty="0">
+                        <a:effectLst/>
+                      </a:endParaRPr>
+                    </a:p>
+                  </a:txBody>
+                  <a:tcPr marL="34263" marR="34263" marT="17131" marB="17131" anchor="ctr">
+                    <a:lnL>
+                      <a:noFill/>
+                    </a:lnL>
+                    <a:lnR>
+                      <a:noFill/>
+                    </a:lnR>
+                    <a:lnT>
+                      <a:noFill/>
+                    </a:lnT>
+                    <a:lnB>
+                      <a:noFill/>
+                    </a:lnB>
+                  </a:tcPr>
+                </a:tc>
+                <a:tc>
+                  <a:txBody>
+                    <a:bodyPr/>
+                    <a:lstStyle/>
+                    <a:p>
+                      <a:pPr algn="ctr"/>
+                      <a:r>
+                        <a:rPr lang="en-US" sz="1100">
+                          <a:effectLst/>
+                        </a:rPr>
+                        <a:t>294 (16.9%)</a:t>
+                      </a:r>
+                    </a:p>
+                  </a:txBody>
+                  <a:tcPr marL="34263" marR="34263" marT="17131" marB="17131" anchor="ctr">
+                    <a:lnL>
+                      <a:noFill/>
+                    </a:lnL>
+                    <a:lnR>
+                      <a:noFill/>
+                    </a:lnR>
+                    <a:lnT>
+                      <a:noFill/>
+                    </a:lnT>
+                    <a:lnB>
+                      <a:noFill/>
+                    </a:lnB>
+                  </a:tcPr>
+                </a:tc>
+                <a:tc>
+                  <a:txBody>
+                    <a:bodyPr/>
+                    <a:lstStyle/>
+                    <a:p>
+                      <a:pPr algn="ctr"/>
+                      <a:r>
+                        <a:rPr lang="en-US" sz="1100">
+                          <a:effectLst/>
+                        </a:rPr>
+                        <a:t>16 (5.6%)</a:t>
+                      </a:r>
+                    </a:p>
+                  </a:txBody>
+                  <a:tcPr marL="34263" marR="34263" marT="17131" marB="17131" anchor="ctr">
+                    <a:lnL>
+                      <a:noFill/>
+                    </a:lnL>
+                    <a:lnR>
+                      <a:noFill/>
+                    </a:lnR>
+                    <a:lnT>
+                      <a:noFill/>
+                    </a:lnT>
+                    <a:lnB>
+                      <a:noFill/>
+                    </a:lnB>
+                  </a:tcPr>
+                </a:tc>
+              </a:tr>
+              <a:tr h="171102">
+                <a:tc>
+                  <a:txBody>
+                    <a:bodyPr/>
+                    <a:lstStyle/>
+                    <a:p>
+                      <a:pPr algn="l"/>
+                      <a:r>
+                        <a:rPr lang="en-US" sz="1100" dirty="0" smtClean="0">
+                          <a:effectLst/>
+                        </a:rPr>
+                        <a:t>3</a:t>
+                      </a:r>
+                      <a:endParaRPr lang="en-US" sz="1100" dirty="0">
+                        <a:effectLst/>
+                      </a:endParaRPr>
+                    </a:p>
+                  </a:txBody>
+                  <a:tcPr marL="34263" marR="34263" marT="17131" marB="17131" anchor="ctr">
+                    <a:lnL>
+                      <a:noFill/>
+                    </a:lnL>
+                    <a:lnR>
+                      <a:noFill/>
+                    </a:lnR>
+                    <a:lnT>
+                      <a:noFill/>
+                    </a:lnT>
+                    <a:lnB>
+                      <a:noFill/>
+                    </a:lnB>
+                  </a:tcPr>
+                </a:tc>
+                <a:tc>
+                  <a:txBody>
+                    <a:bodyPr/>
+                    <a:lstStyle/>
+                    <a:p>
+                      <a:pPr algn="ctr"/>
+                      <a:r>
+                        <a:rPr lang="en-US" sz="1100">
+                          <a:effectLst/>
+                        </a:rPr>
+                        <a:t>738 (42.4%)</a:t>
+                      </a:r>
+                    </a:p>
+                  </a:txBody>
+                  <a:tcPr marL="34263" marR="34263" marT="17131" marB="17131" anchor="ctr">
+                    <a:lnL>
+                      <a:noFill/>
+                    </a:lnL>
+                    <a:lnR>
+                      <a:noFill/>
+                    </a:lnR>
+                    <a:lnT>
+                      <a:noFill/>
+                    </a:lnT>
+                    <a:lnB>
+                      <a:noFill/>
+                    </a:lnB>
+                  </a:tcPr>
+                </a:tc>
+                <a:tc>
+                  <a:txBody>
+                    <a:bodyPr/>
+                    <a:lstStyle/>
+                    <a:p>
+                      <a:pPr algn="ctr"/>
+                      <a:r>
+                        <a:rPr lang="en-US" sz="1100">
+                          <a:effectLst/>
+                        </a:rPr>
+                        <a:t>74 (25.7%)</a:t>
+                      </a:r>
+                    </a:p>
+                  </a:txBody>
+                  <a:tcPr marL="34263" marR="34263" marT="17131" marB="17131" anchor="ctr">
+                    <a:lnL>
+                      <a:noFill/>
+                    </a:lnL>
+                    <a:lnR>
+                      <a:noFill/>
+                    </a:lnR>
+                    <a:lnT>
+                      <a:noFill/>
+                    </a:lnT>
+                    <a:lnB>
+                      <a:noFill/>
+                    </a:lnB>
+                  </a:tcPr>
+                </a:tc>
+              </a:tr>
+              <a:tr h="171102">
+                <a:tc>
+                  <a:txBody>
+                    <a:bodyPr/>
+                    <a:lstStyle/>
+                    <a:p>
+                      <a:pPr algn="l"/>
+                      <a:r>
+                        <a:rPr lang="en-US" sz="1100" dirty="0" smtClean="0">
+                          <a:effectLst/>
+                        </a:rPr>
+                        <a:t>4</a:t>
+                      </a:r>
+                      <a:endParaRPr lang="en-US" sz="1100" dirty="0">
+                        <a:effectLst/>
+                      </a:endParaRPr>
+                    </a:p>
+                  </a:txBody>
+                  <a:tcPr marL="34263" marR="34263" marT="17131" marB="17131" anchor="ctr">
+                    <a:lnL>
+                      <a:noFill/>
+                    </a:lnL>
+                    <a:lnR>
+                      <a:noFill/>
+                    </a:lnR>
+                    <a:lnT>
+                      <a:noFill/>
+                    </a:lnT>
+                    <a:lnB>
+                      <a:noFill/>
+                    </a:lnB>
+                  </a:tcPr>
+                </a:tc>
+                <a:tc>
+                  <a:txBody>
+                    <a:bodyPr/>
+                    <a:lstStyle/>
+                    <a:p>
+                      <a:pPr algn="ctr"/>
+                      <a:r>
+                        <a:rPr lang="en-US" sz="1100">
+                          <a:effectLst/>
+                        </a:rPr>
+                        <a:t>395 (22.7%)</a:t>
+                      </a:r>
+                    </a:p>
+                  </a:txBody>
+                  <a:tcPr marL="34263" marR="34263" marT="17131" marB="17131" anchor="ctr">
+                    <a:lnL>
+                      <a:noFill/>
+                    </a:lnL>
+                    <a:lnR>
+                      <a:noFill/>
+                    </a:lnR>
+                    <a:lnT>
+                      <a:noFill/>
+                    </a:lnT>
+                    <a:lnB>
+                      <a:noFill/>
+                    </a:lnB>
+                  </a:tcPr>
+                </a:tc>
+                <a:tc>
+                  <a:txBody>
+                    <a:bodyPr/>
+                    <a:lstStyle/>
+                    <a:p>
+                      <a:pPr algn="ctr"/>
+                      <a:r>
+                        <a:rPr lang="en-US" sz="1100">
+                          <a:effectLst/>
+                        </a:rPr>
+                        <a:t>102 (35.4%)</a:t>
+                      </a:r>
+                    </a:p>
+                  </a:txBody>
+                  <a:tcPr marL="34263" marR="34263" marT="17131" marB="17131" anchor="ctr">
+                    <a:lnL>
+                      <a:noFill/>
+                    </a:lnL>
+                    <a:lnR>
+                      <a:noFill/>
+                    </a:lnR>
+                    <a:lnT>
+                      <a:noFill/>
+                    </a:lnT>
+                    <a:lnB>
+                      <a:noFill/>
+                    </a:lnB>
+                  </a:tcPr>
+                </a:tc>
+              </a:tr>
+              <a:tr h="171102">
+                <a:tc>
+                  <a:txBody>
+                    <a:bodyPr/>
+                    <a:lstStyle/>
+                    <a:p>
+                      <a:pPr algn="l"/>
+                      <a:r>
+                        <a:rPr lang="en-US" sz="1100" dirty="0" smtClean="0">
+                          <a:effectLst/>
+                        </a:rPr>
+                        <a:t>5 - </a:t>
+                      </a:r>
+                      <a:r>
+                        <a:rPr lang="en-US" sz="1100" dirty="0">
+                          <a:effectLst/>
+                        </a:rPr>
+                        <a:t>Believed all of it</a:t>
+                      </a:r>
+                    </a:p>
+                  </a:txBody>
+                  <a:tcPr marL="34263" marR="34263" marT="17131" marB="17131" anchor="ctr">
+                    <a:lnL>
+                      <a:noFill/>
+                    </a:lnL>
+                    <a:lnR>
+                      <a:noFill/>
+                    </a:lnR>
+                    <a:lnT>
+                      <a:noFill/>
+                    </a:lnT>
+                    <a:lnB>
+                      <a:noFill/>
+                    </a:lnB>
+                  </a:tcPr>
+                </a:tc>
+                <a:tc>
+                  <a:txBody>
+                    <a:bodyPr/>
+                    <a:lstStyle/>
+                    <a:p>
+                      <a:pPr algn="ctr"/>
+                      <a:r>
+                        <a:rPr lang="en-US" sz="1100">
+                          <a:effectLst/>
+                        </a:rPr>
+                        <a:t>212 (12.2%)</a:t>
+                      </a:r>
+                    </a:p>
+                  </a:txBody>
+                  <a:tcPr marL="34263" marR="34263" marT="17131" marB="17131" anchor="ctr">
+                    <a:lnL>
+                      <a:noFill/>
+                    </a:lnL>
+                    <a:lnR>
+                      <a:noFill/>
+                    </a:lnR>
+                    <a:lnT>
+                      <a:noFill/>
+                    </a:lnT>
+                    <a:lnB>
+                      <a:noFill/>
+                    </a:lnB>
+                  </a:tcPr>
+                </a:tc>
+                <a:tc>
+                  <a:txBody>
+                    <a:bodyPr/>
+                    <a:lstStyle/>
+                    <a:p>
+                      <a:pPr algn="ctr"/>
+                      <a:r>
+                        <a:rPr lang="en-US" sz="1100">
+                          <a:effectLst/>
+                        </a:rPr>
+                        <a:t>90 (31.2%)</a:t>
+                      </a:r>
+                    </a:p>
+                  </a:txBody>
+                  <a:tcPr marL="34263" marR="34263" marT="17131" marB="17131" anchor="ctr">
+                    <a:lnL>
+                      <a:noFill/>
+                    </a:lnL>
+                    <a:lnR>
+                      <a:noFill/>
+                    </a:lnR>
+                    <a:lnT>
+                      <a:noFill/>
+                    </a:lnT>
+                    <a:lnB>
+                      <a:noFill/>
+                    </a:lnB>
+                  </a:tcPr>
+                </a:tc>
+              </a:tr>
+              <a:tr h="171102">
+                <a:tc>
+                  <a:txBody>
+                    <a:bodyPr/>
+                    <a:lstStyle/>
+                    <a:p>
+                      <a:r>
+                        <a:rPr lang="en-US" sz="1100" b="1" dirty="0" smtClean="0"/>
+                        <a:t>Perceived risk of terrorism</a:t>
+                      </a:r>
+                      <a:endParaRPr lang="en-US" sz="1100" b="1" dirty="0"/>
+                    </a:p>
+                  </a:txBody>
+                  <a:tcPr marL="34263" marR="34263" marT="17131" marB="17131" anchor="ctr">
+                    <a:lnL>
+                      <a:noFill/>
+                    </a:lnL>
+                    <a:lnR>
+                      <a:noFill/>
+                    </a:lnR>
+                    <a:lnT>
+                      <a:noFill/>
+                    </a:lnT>
+                    <a:lnB>
+                      <a:noFill/>
+                    </a:lnB>
+                  </a:tcPr>
+                </a:tc>
+                <a:tc>
+                  <a:txBody>
+                    <a:bodyPr/>
+                    <a:lstStyle/>
+                    <a:p>
+                      <a:pPr algn="ctr"/>
+                      <a:endParaRPr lang="en-US" sz="1100">
+                        <a:effectLst/>
+                      </a:endParaRPr>
+                    </a:p>
+                  </a:txBody>
+                  <a:tcPr marL="34263" marR="34263" marT="17131" marB="17131" anchor="ctr">
+                    <a:lnL>
+                      <a:noFill/>
+                    </a:lnL>
+                    <a:lnR>
+                      <a:noFill/>
+                    </a:lnR>
+                    <a:lnT>
+                      <a:noFill/>
+                    </a:lnT>
+                    <a:lnB>
+                      <a:noFill/>
+                    </a:lnB>
+                  </a:tcPr>
+                </a:tc>
+                <a:tc>
+                  <a:txBody>
+                    <a:bodyPr/>
+                    <a:lstStyle/>
+                    <a:p>
+                      <a:pPr algn="ctr"/>
+                      <a:endParaRPr lang="en-US" sz="1100">
+                        <a:effectLst/>
+                      </a:endParaRPr>
+                    </a:p>
+                  </a:txBody>
+                  <a:tcPr marL="34263" marR="34263" marT="17131" marB="17131" anchor="ctr">
+                    <a:lnL>
+                      <a:noFill/>
+                    </a:lnL>
+                    <a:lnR>
+                      <a:noFill/>
+                    </a:lnR>
+                    <a:lnT>
+                      <a:noFill/>
+                    </a:lnT>
+                    <a:lnB>
+                      <a:noFill/>
+                    </a:lnB>
+                  </a:tcPr>
+                </a:tc>
+              </a:tr>
+              <a:tr h="171102">
+                <a:tc>
+                  <a:txBody>
+                    <a:bodyPr/>
+                    <a:lstStyle/>
+                    <a:p>
+                      <a:pPr algn="l"/>
+                      <a:r>
+                        <a:rPr lang="en-US" sz="1100" dirty="0" smtClean="0">
+                          <a:effectLst/>
+                        </a:rPr>
+                        <a:t>1</a:t>
+                      </a:r>
+                      <a:r>
+                        <a:rPr lang="en-US" sz="1100" baseline="0" dirty="0" smtClean="0">
+                          <a:effectLst/>
+                        </a:rPr>
+                        <a:t> - </a:t>
+                      </a:r>
+                      <a:r>
+                        <a:rPr lang="en-US" sz="1100" dirty="0" smtClean="0">
+                          <a:effectLst/>
+                        </a:rPr>
+                        <a:t>Not </a:t>
+                      </a:r>
+                      <a:r>
+                        <a:rPr lang="en-US" sz="1100" dirty="0">
+                          <a:effectLst/>
+                        </a:rPr>
+                        <a:t>at all likely</a:t>
+                      </a:r>
+                    </a:p>
+                  </a:txBody>
+                  <a:tcPr marL="34263" marR="34263" marT="17131" marB="17131" anchor="ctr">
+                    <a:lnL>
+                      <a:noFill/>
+                    </a:lnL>
+                    <a:lnR>
+                      <a:noFill/>
+                    </a:lnR>
+                    <a:lnT>
+                      <a:noFill/>
+                    </a:lnT>
+                    <a:lnB>
+                      <a:noFill/>
+                    </a:lnB>
+                  </a:tcPr>
+                </a:tc>
+                <a:tc>
+                  <a:txBody>
+                    <a:bodyPr/>
+                    <a:lstStyle/>
+                    <a:p>
+                      <a:pPr algn="ctr"/>
+                      <a:r>
+                        <a:rPr lang="en-US" sz="1100">
+                          <a:effectLst/>
+                        </a:rPr>
+                        <a:t>521 (29.9%)</a:t>
+                      </a:r>
+                    </a:p>
+                  </a:txBody>
+                  <a:tcPr marL="34263" marR="34263" marT="17131" marB="17131" anchor="ctr">
+                    <a:lnL>
+                      <a:noFill/>
+                    </a:lnL>
+                    <a:lnR>
+                      <a:noFill/>
+                    </a:lnR>
+                    <a:lnT>
+                      <a:noFill/>
+                    </a:lnT>
+                    <a:lnB>
+                      <a:noFill/>
+                    </a:lnB>
+                  </a:tcPr>
+                </a:tc>
+                <a:tc>
+                  <a:txBody>
+                    <a:bodyPr/>
+                    <a:lstStyle/>
+                    <a:p>
+                      <a:pPr algn="ctr"/>
+                      <a:r>
+                        <a:rPr lang="en-US" sz="1100">
+                          <a:effectLst/>
+                        </a:rPr>
+                        <a:t>97 (33.7%)</a:t>
+                      </a:r>
+                    </a:p>
+                  </a:txBody>
+                  <a:tcPr marL="34263" marR="34263" marT="17131" marB="17131" anchor="ctr">
+                    <a:lnL>
+                      <a:noFill/>
+                    </a:lnL>
+                    <a:lnR>
+                      <a:noFill/>
+                    </a:lnR>
+                    <a:lnT>
+                      <a:noFill/>
+                    </a:lnT>
+                    <a:lnB>
+                      <a:noFill/>
+                    </a:lnB>
+                  </a:tcPr>
+                </a:tc>
+              </a:tr>
+              <a:tr h="171102">
+                <a:tc>
+                  <a:txBody>
+                    <a:bodyPr/>
+                    <a:lstStyle/>
+                    <a:p>
+                      <a:pPr algn="l"/>
+                      <a:r>
+                        <a:rPr lang="en-US" sz="1100" dirty="0" smtClean="0">
+                          <a:effectLst/>
+                        </a:rPr>
+                        <a:t>2</a:t>
+                      </a:r>
+                      <a:endParaRPr lang="en-US" sz="1100" dirty="0">
+                        <a:effectLst/>
+                      </a:endParaRPr>
+                    </a:p>
+                  </a:txBody>
+                  <a:tcPr marL="34263" marR="34263" marT="17131" marB="17131" anchor="ctr">
+                    <a:lnL>
+                      <a:noFill/>
+                    </a:lnL>
+                    <a:lnR>
+                      <a:noFill/>
+                    </a:lnR>
+                    <a:lnT>
+                      <a:noFill/>
+                    </a:lnT>
+                    <a:lnB>
+                      <a:noFill/>
+                    </a:lnB>
+                  </a:tcPr>
+                </a:tc>
+                <a:tc>
+                  <a:txBody>
+                    <a:bodyPr/>
+                    <a:lstStyle/>
+                    <a:p>
+                      <a:pPr algn="ctr"/>
+                      <a:r>
+                        <a:rPr lang="en-US" sz="1100">
+                          <a:effectLst/>
+                        </a:rPr>
+                        <a:t>416 (23.9%)</a:t>
+                      </a:r>
+                    </a:p>
+                  </a:txBody>
+                  <a:tcPr marL="34263" marR="34263" marT="17131" marB="17131" anchor="ctr">
+                    <a:lnL>
+                      <a:noFill/>
+                    </a:lnL>
+                    <a:lnR>
+                      <a:noFill/>
+                    </a:lnR>
+                    <a:lnT>
+                      <a:noFill/>
+                    </a:lnT>
+                    <a:lnB>
+                      <a:noFill/>
+                    </a:lnB>
+                  </a:tcPr>
+                </a:tc>
+                <a:tc>
+                  <a:txBody>
+                    <a:bodyPr/>
+                    <a:lstStyle/>
+                    <a:p>
+                      <a:pPr algn="ctr"/>
+                      <a:r>
+                        <a:rPr lang="en-US" sz="1100">
+                          <a:effectLst/>
+                        </a:rPr>
+                        <a:t>52 (18.1%)</a:t>
+                      </a:r>
+                    </a:p>
+                  </a:txBody>
+                  <a:tcPr marL="34263" marR="34263" marT="17131" marB="17131" anchor="ctr">
+                    <a:lnL>
+                      <a:noFill/>
+                    </a:lnL>
+                    <a:lnR>
+                      <a:noFill/>
+                    </a:lnR>
+                    <a:lnT>
+                      <a:noFill/>
+                    </a:lnT>
+                    <a:lnB>
+                      <a:noFill/>
+                    </a:lnB>
+                  </a:tcPr>
+                </a:tc>
+              </a:tr>
+              <a:tr h="171102">
+                <a:tc>
+                  <a:txBody>
+                    <a:bodyPr/>
+                    <a:lstStyle/>
+                    <a:p>
+                      <a:pPr algn="l"/>
+                      <a:r>
+                        <a:rPr lang="en-US" sz="1100" dirty="0" smtClean="0">
+                          <a:effectLst/>
+                        </a:rPr>
+                        <a:t>3</a:t>
+                      </a:r>
+                      <a:endParaRPr lang="en-US" sz="1100" dirty="0">
+                        <a:effectLst/>
+                      </a:endParaRPr>
+                    </a:p>
+                  </a:txBody>
+                  <a:tcPr marL="34263" marR="34263" marT="17131" marB="17131" anchor="ctr">
+                    <a:lnL>
+                      <a:noFill/>
+                    </a:lnL>
+                    <a:lnR>
+                      <a:noFill/>
+                    </a:lnR>
+                    <a:lnT>
+                      <a:noFill/>
+                    </a:lnT>
+                    <a:lnB>
+                      <a:noFill/>
+                    </a:lnB>
+                  </a:tcPr>
+                </a:tc>
+                <a:tc>
+                  <a:txBody>
+                    <a:bodyPr/>
+                    <a:lstStyle/>
+                    <a:p>
+                      <a:pPr algn="ctr"/>
+                      <a:r>
+                        <a:rPr lang="en-US" sz="1100">
+                          <a:effectLst/>
+                        </a:rPr>
+                        <a:t>370 (21.3%)</a:t>
+                      </a:r>
+                    </a:p>
+                  </a:txBody>
+                  <a:tcPr marL="34263" marR="34263" marT="17131" marB="17131" anchor="ctr">
+                    <a:lnL>
+                      <a:noFill/>
+                    </a:lnL>
+                    <a:lnR>
+                      <a:noFill/>
+                    </a:lnR>
+                    <a:lnT>
+                      <a:noFill/>
+                    </a:lnT>
+                    <a:lnB>
+                      <a:noFill/>
+                    </a:lnB>
+                  </a:tcPr>
+                </a:tc>
+                <a:tc>
+                  <a:txBody>
+                    <a:bodyPr/>
+                    <a:lstStyle/>
+                    <a:p>
+                      <a:pPr algn="ctr"/>
+                      <a:r>
+                        <a:rPr lang="en-US" sz="1100">
+                          <a:effectLst/>
+                        </a:rPr>
+                        <a:t>71 (24.7%)</a:t>
+                      </a:r>
+                    </a:p>
+                  </a:txBody>
+                  <a:tcPr marL="34263" marR="34263" marT="17131" marB="17131" anchor="ctr">
+                    <a:lnL>
+                      <a:noFill/>
+                    </a:lnL>
+                    <a:lnR>
+                      <a:noFill/>
+                    </a:lnR>
+                    <a:lnT>
+                      <a:noFill/>
+                    </a:lnT>
+                    <a:lnB>
+                      <a:noFill/>
+                    </a:lnB>
+                  </a:tcPr>
+                </a:tc>
+              </a:tr>
+              <a:tr h="171102">
+                <a:tc>
+                  <a:txBody>
+                    <a:bodyPr/>
+                    <a:lstStyle/>
+                    <a:p>
+                      <a:pPr algn="l"/>
+                      <a:r>
+                        <a:rPr lang="en-US" sz="1100" dirty="0" smtClean="0">
+                          <a:effectLst/>
+                        </a:rPr>
+                        <a:t>4</a:t>
+                      </a:r>
+                      <a:endParaRPr lang="en-US" sz="1100" dirty="0">
+                        <a:effectLst/>
+                      </a:endParaRPr>
+                    </a:p>
+                  </a:txBody>
+                  <a:tcPr marL="34263" marR="34263" marT="17131" marB="17131" anchor="ctr">
+                    <a:lnL>
+                      <a:noFill/>
+                    </a:lnL>
+                    <a:lnR>
+                      <a:noFill/>
+                    </a:lnR>
+                    <a:lnT>
+                      <a:noFill/>
+                    </a:lnT>
+                    <a:lnB>
+                      <a:noFill/>
+                    </a:lnB>
+                  </a:tcPr>
+                </a:tc>
+                <a:tc>
+                  <a:txBody>
+                    <a:bodyPr/>
+                    <a:lstStyle/>
+                    <a:p>
+                      <a:pPr algn="ctr"/>
+                      <a:r>
+                        <a:rPr lang="en-US" sz="1100">
+                          <a:effectLst/>
+                        </a:rPr>
+                        <a:t>182 (10.5%)</a:t>
+                      </a:r>
+                    </a:p>
+                  </a:txBody>
+                  <a:tcPr marL="34263" marR="34263" marT="17131" marB="17131" anchor="ctr">
+                    <a:lnL>
+                      <a:noFill/>
+                    </a:lnL>
+                    <a:lnR>
+                      <a:noFill/>
+                    </a:lnR>
+                    <a:lnT>
+                      <a:noFill/>
+                    </a:lnT>
+                    <a:lnB>
+                      <a:noFill/>
+                    </a:lnB>
+                  </a:tcPr>
+                </a:tc>
+                <a:tc>
+                  <a:txBody>
+                    <a:bodyPr/>
+                    <a:lstStyle/>
+                    <a:p>
+                      <a:pPr algn="ctr"/>
+                      <a:r>
+                        <a:rPr lang="en-US" sz="1100">
+                          <a:effectLst/>
+                        </a:rPr>
+                        <a:t>30 (10.4%)</a:t>
+                      </a:r>
+                    </a:p>
+                  </a:txBody>
+                  <a:tcPr marL="34263" marR="34263" marT="17131" marB="17131" anchor="ctr">
+                    <a:lnL>
+                      <a:noFill/>
+                    </a:lnL>
+                    <a:lnR>
+                      <a:noFill/>
+                    </a:lnR>
+                    <a:lnT>
+                      <a:noFill/>
+                    </a:lnT>
+                    <a:lnB>
+                      <a:noFill/>
+                    </a:lnB>
+                  </a:tcPr>
+                </a:tc>
+              </a:tr>
+              <a:tr h="171102">
+                <a:tc>
+                  <a:txBody>
+                    <a:bodyPr/>
+                    <a:lstStyle/>
+                    <a:p>
+                      <a:pPr algn="l"/>
+                      <a:r>
+                        <a:rPr lang="en-US" sz="1100" dirty="0" smtClean="0">
+                          <a:effectLst/>
+                        </a:rPr>
+                        <a:t>5 - </a:t>
+                      </a:r>
+                      <a:r>
+                        <a:rPr lang="en-US" sz="1100" dirty="0">
+                          <a:effectLst/>
+                        </a:rPr>
+                        <a:t>Definitely will occur</a:t>
+                      </a:r>
+                    </a:p>
+                  </a:txBody>
+                  <a:tcPr marL="34263" marR="34263" marT="17131" marB="17131" anchor="ctr">
+                    <a:lnL>
+                      <a:noFill/>
+                    </a:lnL>
+                    <a:lnR>
+                      <a:noFill/>
+                    </a:lnR>
+                    <a:lnT>
+                      <a:noFill/>
+                    </a:lnT>
+                    <a:lnB w="25400" cap="flat" cmpd="sng" algn="ctr">
+                      <a:solidFill>
+                        <a:srgbClr val="000000"/>
+                      </a:solidFill>
+                      <a:prstDash val="solid"/>
+                      <a:round/>
+                      <a:headEnd type="none" w="med" len="med"/>
+                      <a:tailEnd type="none" w="med" len="med"/>
+                    </a:lnB>
+                  </a:tcPr>
+                </a:tc>
+                <a:tc>
+                  <a:txBody>
+                    <a:bodyPr/>
+                    <a:lstStyle/>
+                    <a:p>
+                      <a:pPr algn="ctr"/>
+                      <a:r>
+                        <a:rPr lang="en-US" sz="1100">
+                          <a:effectLst/>
+                        </a:rPr>
+                        <a:t>252 (14.5%)</a:t>
+                      </a:r>
+                    </a:p>
+                  </a:txBody>
+                  <a:tcPr marL="34263" marR="34263" marT="17131" marB="17131" anchor="ctr">
+                    <a:lnL>
+                      <a:noFill/>
+                    </a:lnL>
+                    <a:lnR>
+                      <a:noFill/>
+                    </a:lnR>
+                    <a:lnT>
+                      <a:noFill/>
+                    </a:lnT>
+                    <a:lnB w="25400" cap="flat" cmpd="sng" algn="ctr">
+                      <a:solidFill>
+                        <a:srgbClr val="000000"/>
+                      </a:solidFill>
+                      <a:prstDash val="solid"/>
+                      <a:round/>
+                      <a:headEnd type="none" w="med" len="med"/>
+                      <a:tailEnd type="none" w="med" len="med"/>
+                    </a:lnB>
+                  </a:tcPr>
+                </a:tc>
+                <a:tc>
+                  <a:txBody>
+                    <a:bodyPr/>
+                    <a:lstStyle/>
+                    <a:p>
+                      <a:pPr algn="ctr"/>
+                      <a:r>
+                        <a:rPr lang="en-US" sz="1100" dirty="0">
+                          <a:effectLst/>
+                        </a:rPr>
+                        <a:t>38 (13.2%)</a:t>
+                      </a:r>
+                    </a:p>
+                  </a:txBody>
+                  <a:tcPr marL="34263" marR="34263" marT="17131" marB="17131" anchor="ctr">
+                    <a:lnL>
+                      <a:noFill/>
+                    </a:lnL>
+                    <a:lnR>
+                      <a:noFill/>
+                    </a:lnR>
+                    <a:lnT>
+                      <a:noFill/>
+                    </a:lnT>
+                    <a:lnB w="25400" cap="flat" cmpd="sng" algn="ctr">
+                      <a:solidFill>
+                        <a:srgbClr val="000000"/>
+                      </a:solidFill>
+                      <a:prstDash val="solid"/>
+                      <a:round/>
+                      <a:headEnd type="none" w="med" len="med"/>
+                      <a:tailEnd type="none" w="med" len="med"/>
+                    </a:lnB>
+                  </a:tcPr>
+                </a:tc>
+              </a:tr>
+            </a:tbl>
+          </a:graphicData>
+        </a:graphic>
+      </p:graphicFrame>
+    </p:spTree>
+    <p:extLst>
+      <p:ext uri="{BB962C8B-B14F-4D97-AF65-F5344CB8AC3E}">
+        <p14:creationId xmlns:p14="http://schemas.microsoft.com/office/powerpoint/2010/main" val="3822291010"/>
+      </p:ext>
+    </p:extLst>
+  </p:cSld>
+  <p:clrMapOvr>
+    <a:masterClrMapping/>
+  </p:clrMapOvr>
+  <p:timing>
+    <p:tnLst>
+      <p:par>
+        <p:cTn id="1" dur="indefinite" restart="never" nodeType="tmRoot"/>
+      </p:par>
+    </p:tnLst>
+  </p:timing>
+</p:sld>
+</file>
+
+<file path=ppt/slides/slide13.xml><?xml version="1.0" encoding="utf-8"?>
+<p:sld xmlns:a="http://schemas.openxmlformats.org/drawingml/2006/main" xmlns:r="http://schemas.openxmlformats.org/officeDocument/2006/relationships" xmlns:p="http://schemas.openxmlformats.org/presentationml/2006/main">
+  <p:cSld>
+    <p:spTree>
+      <p:nvGrpSpPr>
+        <p:cNvPr id="1" name=""/>
+        <p:cNvGrpSpPr/>
+        <p:nvPr/>
+      </p:nvGrpSpPr>
+      <p:grpSpPr>
+        <a:xfrm>
+          <a:off x="0" y="0"/>
+          <a:ext cx="0" cy="0"/>
+          <a:chOff x="0" y="0"/>
+          <a:chExt cx="0" cy="0"/>
+        </a:xfrm>
+      </p:grpSpPr>
+      <p:sp>
+        <p:nvSpPr>
+          <p:cNvPr id="2" name="Title 1"/>
+          <p:cNvSpPr>
+            <a:spLocks noGrp="1"/>
+          </p:cNvSpPr>
+          <p:nvPr>
+            <p:ph type="title"/>
+          </p:nvPr>
+        </p:nvSpPr>
+        <p:spPr/>
+        <p:txBody>
+          <a:bodyPr/>
+          <a:lstStyle/>
+          <a:p>
+            <a:r>
+              <a:rPr lang="en-US" dirty="0" smtClean="0"/>
+              <a:t>Discussion</a:t>
+            </a:r>
+            <a:endParaRPr lang="en-US" dirty="0"/>
+          </a:p>
+        </p:txBody>
+      </p:sp>
+      <p:sp>
+        <p:nvSpPr>
+          <p:cNvPr id="3" name="Content Placeholder 2"/>
+          <p:cNvSpPr>
+            <a:spLocks noGrp="1"/>
+          </p:cNvSpPr>
+          <p:nvPr>
+            <p:ph idx="1"/>
+          </p:nvPr>
+        </p:nvSpPr>
+        <p:spPr/>
+        <p:txBody>
+          <a:bodyPr/>
+          <a:lstStyle/>
+          <a:p>
+            <a:r>
+              <a:rPr lang="en-US" dirty="0" err="1" smtClean="0"/>
+              <a:t>Lati</a:t>
+            </a:r>
+            <a:endParaRPr lang="en-US" dirty="0"/>
+          </a:p>
+        </p:txBody>
+      </p:sp>
+    </p:spTree>
+    <p:extLst>
+      <p:ext uri="{BB962C8B-B14F-4D97-AF65-F5344CB8AC3E}">
+        <p14:creationId xmlns:p14="http://schemas.microsoft.com/office/powerpoint/2010/main" val="1564372526"/>
+      </p:ext>
+    </p:extLst>
+  </p:cSld>
+  <p:clrMapOvr>
+    <a:masterClrMapping/>
+  </p:clrMapOvr>
+  <p:timing>
+    <p:tnLst>
+      <p:par>
+        <p:cTn id="1" dur="indefinite" restart="never" nodeType="tmRoot"/>
+      </p:par>
+    </p:tnLst>
+  </p:timing>
 </p:sld>
 </file>
 
@@ -3092,6 +6595,13 @@
   <p:clrMapOvr>
     <a:masterClrMapping/>
   </p:clrMapOvr>
+  <p:timing>
+    <p:tnLst>
+      <p:par>
+        <p:cTn id="1" dur="indefinite" restart="never" nodeType="tmRoot"/>
+      </p:par>
+    </p:tnLst>
+  </p:timing>
 </p:sld>
 </file>
 
@@ -3142,7 +6652,7 @@
             <a:spLocks noGrp="1"/>
           </p:cNvSpPr>
           <p:nvPr>
-            <p:ph idx="1"/>
+            <p:ph type="body" idx="1"/>
           </p:nvPr>
         </p:nvSpPr>
         <p:spPr/>
@@ -3150,10 +6660,6 @@
           <a:bodyPr/>
           <a:lstStyle/>
           <a:p>
-            <a:r>
-              <a:rPr lang="en-US" dirty="0" smtClean="0"/>
-              <a:t>Stephanie</a:t>
-            </a:r>
             <a:endParaRPr lang="en-US" dirty="0"/>
           </a:p>
         </p:txBody>
@@ -3168,6 +6674,13 @@
   <p:clrMapOvr>
     <a:masterClrMapping/>
   </p:clrMapOvr>
+  <p:timing>
+    <p:tnLst>
+      <p:par>
+        <p:cTn id="1" dur="indefinite" restart="never" nodeType="tmRoot"/>
+      </p:par>
+    </p:tnLst>
+  </p:timing>
 </p:sld>
 </file>
 
@@ -3200,20 +6713,22 @@
         </p:nvSpPr>
         <p:spPr/>
         <p:txBody>
-          <a:bodyPr/>
+          <a:bodyPr>
+            <a:noAutofit/>
+          </a:bodyPr>
           <a:lstStyle/>
           <a:p>
             <a:r>
-              <a:rPr lang="en-US" dirty="0" smtClean="0"/>
-              <a:t>Results</a:t>
-            </a:r>
-            <a:endParaRPr lang="en-US" dirty="0"/>
-          </a:p>
-        </p:txBody>
-      </p:sp>
-      <p:sp>
-        <p:nvSpPr>
-          <p:cNvPr id="3" name="Content Placeholder 2"/>
+              <a:rPr lang="en-US" sz="3200" dirty="0" smtClean="0"/>
+              <a:t>Methods – Dataset</a:t>
+            </a:r>
+            <a:endParaRPr lang="en-US" sz="3200" dirty="0"/>
+          </a:p>
+        </p:txBody>
+      </p:sp>
+      <p:sp>
+        <p:nvSpPr>
+          <p:cNvPr id="3" name="Subtitle 2"/>
           <p:cNvSpPr>
             <a:spLocks noGrp="1"/>
           </p:cNvSpPr>
@@ -3223,27 +6738,162 @@
         </p:nvSpPr>
         <p:spPr/>
         <p:txBody>
-          <a:bodyPr/>
+          <a:bodyPr>
+            <a:normAutofit/>
+          </a:bodyPr>
           <a:lstStyle/>
           <a:p>
             <a:r>
-              <a:rPr lang="en-US" dirty="0" smtClean="0"/>
-              <a:t>Stephanie</a:t>
-            </a:r>
-            <a:endParaRPr lang="en-US" dirty="0"/>
-          </a:p>
-        </p:txBody>
-      </p:sp>
+              <a:rPr lang="en-US" sz="2400" dirty="0" smtClean="0"/>
+              <a:t>National Survey of Disaster Experiences and Preparedness </a:t>
+            </a:r>
+            <a:r>
+              <a:rPr lang="en-US" sz="2400" dirty="0" smtClean="0"/>
+              <a:t>(NSDEP, N = 2,029)</a:t>
+            </a:r>
+          </a:p>
+          <a:p>
+            <a:pPr lvl="1"/>
+            <a:r>
+              <a:rPr lang="en-US" sz="2000" dirty="0" smtClean="0"/>
+              <a:t>National household telephone survey </a:t>
+            </a:r>
+            <a:r>
+              <a:rPr lang="en-US" sz="2000" dirty="0" smtClean="0"/>
+              <a:t>prepared by t</a:t>
+            </a:r>
+            <a:r>
+              <a:rPr lang="en-US" sz="2000" dirty="0" smtClean="0"/>
+              <a:t>he National Consortium for the Study of Terrorism and  Responses to Terrorism (START)</a:t>
+            </a:r>
+          </a:p>
+          <a:p>
+            <a:pPr lvl="1"/>
+            <a:r>
+              <a:rPr lang="en-US" sz="2000" dirty="0" smtClean="0"/>
+              <a:t>Interview administered in English or Spanish with gift incentives offered</a:t>
+            </a:r>
+            <a:endParaRPr lang="en-US" sz="2000" dirty="0" smtClean="0"/>
+          </a:p>
+          <a:p>
+            <a:pPr lvl="1"/>
+            <a:r>
+              <a:rPr lang="en-US" sz="2000" dirty="0" smtClean="0"/>
+              <a:t>Data collected in 2007-2008</a:t>
+            </a:r>
+          </a:p>
+          <a:p>
+            <a:pPr lvl="2"/>
+            <a:r>
+              <a:rPr lang="en-US" sz="1800" dirty="0" smtClean="0"/>
+              <a:t>Adult participants aged 18 and older</a:t>
+            </a:r>
+          </a:p>
+          <a:p>
+            <a:pPr lvl="1"/>
+            <a:endParaRPr lang="en-US" dirty="0" smtClean="0"/>
+          </a:p>
+        </p:txBody>
+      </p:sp>
+      <p:pic>
+        <p:nvPicPr>
+          <p:cNvPr id="1030" name="Picture 6" descr="Image result for National Consortium for the Study of Terrorism and  Responses to Terrorism (START)"/>
+          <p:cNvPicPr>
+            <a:picLocks noChangeAspect="1" noChangeArrowheads="1"/>
+          </p:cNvPicPr>
+          <p:nvPr/>
+        </p:nvPicPr>
+        <p:blipFill>
+          <a:blip r:embed="rId2">
+            <a:extLst>
+              <a:ext uri="{28A0092B-C50C-407E-A947-70E740481C1C}">
+                <a14:useLocalDpi xmlns:a14="http://schemas.microsoft.com/office/drawing/2010/main" val="0"/>
+              </a:ext>
+            </a:extLst>
+          </a:blip>
+          <a:srcRect/>
+          <a:stretch>
+            <a:fillRect/>
+          </a:stretch>
+        </p:blipFill>
+        <p:spPr bwMode="auto">
+          <a:xfrm>
+            <a:off x="1765146" y="4589429"/>
+            <a:ext cx="3988707" cy="1153896"/>
+          </a:xfrm>
+          <a:prstGeom prst="rect">
+            <a:avLst/>
+          </a:prstGeom>
+          <a:noFill/>
+          <a:extLst>
+            <a:ext uri="{909E8E84-426E-40DD-AFC4-6F175D3DCCD1}">
+              <a14:hiddenFill xmlns:a14="http://schemas.microsoft.com/office/drawing/2010/main">
+                <a:solidFill>
+                  <a:srgbClr val="FFFFFF"/>
+                </a:solidFill>
+              </a14:hiddenFill>
+            </a:ext>
+          </a:extLst>
+        </p:spPr>
+      </p:pic>
+      <p:pic>
+        <p:nvPicPr>
+          <p:cNvPr id="1032" name="Picture 8" descr="Image result for us department of homeland security"/>
+          <p:cNvPicPr>
+            <a:picLocks noChangeAspect="1" noChangeArrowheads="1"/>
+          </p:cNvPicPr>
+          <p:nvPr/>
+        </p:nvPicPr>
+        <p:blipFill>
+          <a:blip r:embed="rId3" cstate="print">
+            <a:extLst>
+              <a:ext uri="{28A0092B-C50C-407E-A947-70E740481C1C}">
+                <a14:useLocalDpi xmlns:a14="http://schemas.microsoft.com/office/drawing/2010/main" val="0"/>
+              </a:ext>
+            </a:extLst>
+          </a:blip>
+          <a:srcRect/>
+          <a:stretch>
+            <a:fillRect/>
+          </a:stretch>
+        </p:blipFill>
+        <p:spPr bwMode="auto">
+          <a:xfrm>
+            <a:off x="7501360" y="4015243"/>
+            <a:ext cx="2324860" cy="2319048"/>
+          </a:xfrm>
+          <a:prstGeom prst="rect">
+            <a:avLst/>
+          </a:prstGeom>
+          <a:noFill/>
+          <a:extLst>
+            <a:ext uri="{909E8E84-426E-40DD-AFC4-6F175D3DCCD1}">
+              <a14:hiddenFill xmlns:a14="http://schemas.microsoft.com/office/drawing/2010/main">
+                <a:solidFill>
+                  <a:srgbClr val="FFFFFF"/>
+                </a:solidFill>
+              </a14:hiddenFill>
+            </a:ext>
+          </a:extLst>
+        </p:spPr>
+      </p:pic>
     </p:spTree>
     <p:extLst>
       <p:ext uri="{BB962C8B-B14F-4D97-AF65-F5344CB8AC3E}">
-        <p14:creationId xmlns:p14="http://schemas.microsoft.com/office/powerpoint/2010/main" val="315219825"/>
+        <p14:creationId xmlns:p14="http://schemas.microsoft.com/office/powerpoint/2010/main" val="180588748"/>
       </p:ext>
     </p:extLst>
   </p:cSld>
   <p:clrMapOvr>
     <a:masterClrMapping/>
   </p:clrMapOvr>
+  <p:timing>
+    <p:tnLst>
+      <p:par>
+        <p:cTn id="1" dur="indefinite" restart="never" nodeType="tmRoot"/>
+      </p:par>
+    </p:tnLst>
+  </p:timing>
 </p:sld>
 </file>
 
@@ -3274,56 +6924,1583 @@
             <p:ph type="title"/>
           </p:nvPr>
         </p:nvSpPr>
+        <p:spPr>
+          <a:xfrm>
+            <a:off x="838200" y="365125"/>
+            <a:ext cx="10515600" cy="1325563"/>
+          </a:xfrm>
+        </p:spPr>
+        <p:txBody>
+          <a:bodyPr>
+            <a:noAutofit/>
+          </a:bodyPr>
+          <a:lstStyle/>
+          <a:p>
+            <a:r>
+              <a:rPr lang="en-US" sz="3200" dirty="0" smtClean="0"/>
+              <a:t>Methods – Data Analysis</a:t>
+            </a:r>
+            <a:endParaRPr lang="en-US" sz="3200" dirty="0"/>
+          </a:p>
+        </p:txBody>
+      </p:sp>
+      <p:sp>
+        <p:nvSpPr>
+          <p:cNvPr id="3" name="Subtitle 2"/>
+          <p:cNvSpPr>
+            <a:spLocks noGrp="1"/>
+          </p:cNvSpPr>
+          <p:nvPr>
+            <p:ph idx="1"/>
+          </p:nvPr>
+        </p:nvSpPr>
         <p:spPr/>
         <p:txBody>
-          <a:bodyPr/>
+          <a:bodyPr>
+            <a:normAutofit/>
+          </a:bodyPr>
           <a:lstStyle/>
           <a:p>
             <a:r>
-              <a:rPr lang="en-US" dirty="0" smtClean="0"/>
-              <a:t>Discussion</a:t>
-            </a:r>
-            <a:endParaRPr lang="en-US" dirty="0"/>
-          </a:p>
-        </p:txBody>
-      </p:sp>
-      <p:sp>
-        <p:nvSpPr>
-          <p:cNvPr id="3" name="Content Placeholder 2"/>
-          <p:cNvSpPr>
-            <a:spLocks noGrp="1"/>
-          </p:cNvSpPr>
-          <p:nvPr>
-            <p:ph idx="1"/>
-          </p:nvPr>
-        </p:nvSpPr>
-        <p:spPr/>
-        <p:txBody>
-          <a:bodyPr/>
-          <a:lstStyle/>
-          <a:p>
-            <a:r>
-              <a:rPr lang="en-US" dirty="0" err="1" smtClean="0"/>
-              <a:t>Lati</a:t>
-            </a:r>
-            <a:endParaRPr lang="en-US" dirty="0"/>
+              <a:rPr lang="en-US" sz="2400" dirty="0" smtClean="0"/>
+              <a:t>Logistic regression: Estimate </a:t>
+            </a:r>
+            <a:r>
+              <a:rPr lang="en-US" sz="2400" dirty="0"/>
+              <a:t>the odds of believing the government could protect from future terrorism based on trust in the government to be honest about </a:t>
+            </a:r>
+            <a:r>
+              <a:rPr lang="en-US" sz="2400" dirty="0" smtClean="0"/>
+              <a:t>terrorism. </a:t>
+            </a:r>
+            <a:r>
+              <a:rPr lang="en-US" sz="2400" dirty="0"/>
+              <a:t>The association was also assessed across local, state, and federal levels of government.</a:t>
+            </a:r>
+            <a:endParaRPr lang="en-US" sz="2400" dirty="0" smtClean="0"/>
+          </a:p>
+          <a:p>
+            <a:pPr lvl="1"/>
+            <a:r>
+              <a:rPr lang="en-US" sz="2000" b="1" dirty="0" smtClean="0"/>
+              <a:t>Model 1 </a:t>
+            </a:r>
+            <a:r>
+              <a:rPr lang="en-US" sz="2000" dirty="0" smtClean="0"/>
+              <a:t>- Unadjusted model of bivariate association between </a:t>
+            </a:r>
+            <a:r>
+              <a:rPr lang="en-US" sz="2000" dirty="0"/>
+              <a:t>believing the government could protect from future terrorism based on trust in the government to be honest about terrorism </a:t>
+            </a:r>
+            <a:endParaRPr lang="en-US" sz="2000" dirty="0" smtClean="0"/>
+          </a:p>
+          <a:p>
+            <a:pPr lvl="1"/>
+            <a:r>
+              <a:rPr lang="en-US" sz="2000" b="1" dirty="0" smtClean="0"/>
+              <a:t>Model </a:t>
+            </a:r>
+            <a:r>
+              <a:rPr lang="en-US" sz="2000" b="1" dirty="0" smtClean="0"/>
+              <a:t>2 </a:t>
+            </a:r>
+            <a:r>
+              <a:rPr lang="en-US" sz="2000" dirty="0" smtClean="0"/>
+              <a:t>– Covariate adjusted </a:t>
+            </a:r>
+            <a:r>
+              <a:rPr lang="en-US" sz="2000" dirty="0" smtClean="0"/>
+              <a:t>model </a:t>
+            </a:r>
+            <a:r>
+              <a:rPr lang="en-US" sz="2000" dirty="0" smtClean="0"/>
+              <a:t>(Age</a:t>
+            </a:r>
+            <a:r>
+              <a:rPr lang="en-US" sz="2000" dirty="0" smtClean="0"/>
+              <a:t>, </a:t>
+            </a:r>
+            <a:r>
+              <a:rPr lang="en-US" sz="2000" dirty="0" smtClean="0"/>
+              <a:t>Education, Belief of information received, Perceived risk of terrorism)</a:t>
+            </a:r>
+            <a:endParaRPr lang="en-US" sz="2000" dirty="0" smtClean="0"/>
           </a:p>
         </p:txBody>
       </p:sp>
     </p:spTree>
     <p:extLst>
       <p:ext uri="{BB962C8B-B14F-4D97-AF65-F5344CB8AC3E}">
-        <p14:creationId xmlns:p14="http://schemas.microsoft.com/office/powerpoint/2010/main" val="1564372526"/>
+        <p14:creationId xmlns:p14="http://schemas.microsoft.com/office/powerpoint/2010/main" val="3643511369"/>
       </p:ext>
     </p:extLst>
   </p:cSld>
   <p:clrMapOvr>
     <a:masterClrMapping/>
   </p:clrMapOvr>
+  <p:timing>
+    <p:tnLst>
+      <p:par>
+        <p:cTn id="1" dur="indefinite" restart="never" nodeType="tmRoot"/>
+      </p:par>
+    </p:tnLst>
+  </p:timing>
+</p:sld>
+</file>
+
+<file path=ppt/slides/slide6.xml><?xml version="1.0" encoding="utf-8"?>
+<p:sld xmlns:a="http://schemas.openxmlformats.org/drawingml/2006/main" xmlns:r="http://schemas.openxmlformats.org/officeDocument/2006/relationships" xmlns:p="http://schemas.openxmlformats.org/presentationml/2006/main">
+  <p:cSld>
+    <p:spTree>
+      <p:nvGrpSpPr>
+        <p:cNvPr id="1" name=""/>
+        <p:cNvGrpSpPr/>
+        <p:nvPr/>
+      </p:nvGrpSpPr>
+      <p:grpSpPr>
+        <a:xfrm>
+          <a:off x="0" y="0"/>
+          <a:ext cx="0" cy="0"/>
+          <a:chOff x="0" y="0"/>
+          <a:chExt cx="0" cy="0"/>
+        </a:xfrm>
+      </p:grpSpPr>
+      <p:sp>
+        <p:nvSpPr>
+          <p:cNvPr id="3" name="Content Placeholder 2"/>
+          <p:cNvSpPr>
+            <a:spLocks noGrp="1"/>
+          </p:cNvSpPr>
+          <p:nvPr>
+            <p:ph idx="1"/>
+          </p:nvPr>
+        </p:nvSpPr>
+        <p:spPr>
+          <a:xfrm>
+            <a:off x="555171" y="5475513"/>
+            <a:ext cx="11234058" cy="1197429"/>
+          </a:xfrm>
+        </p:spPr>
+        <p:txBody>
+          <a:bodyPr>
+            <a:normAutofit fontScale="85000" lnSpcReduction="10000"/>
+          </a:bodyPr>
+          <a:lstStyle/>
+          <a:p>
+            <a:pPr marL="0" indent="0">
+              <a:buNone/>
+            </a:pPr>
+            <a:r>
+              <a:rPr lang="en-US" dirty="0" smtClean="0"/>
+              <a:t>Proposed adjusted model: </a:t>
+            </a:r>
+          </a:p>
+          <a:p>
+            <a:pPr marL="0" indent="0">
+              <a:buNone/>
+            </a:pPr>
+            <a:r>
+              <a:rPr lang="en-US" dirty="0" smtClean="0"/>
+              <a:t>Trust that government can protect from terrorism = Trust that government is honest with public + Age + Education + Belief of information received + Perceived risk of terrorism</a:t>
+            </a:r>
+            <a:endParaRPr lang="en-US" dirty="0"/>
+          </a:p>
+        </p:txBody>
+      </p:sp>
+      <p:pic>
+        <p:nvPicPr>
+          <p:cNvPr id="4" name="Picture 3"/>
+          <p:cNvPicPr>
+            <a:picLocks noChangeAspect="1"/>
+          </p:cNvPicPr>
+          <p:nvPr/>
+        </p:nvPicPr>
+        <p:blipFill rotWithShape="1">
+          <a:blip r:embed="rId2"/>
+          <a:srcRect l="15803" t="14921" r="16518" b="11587"/>
+          <a:stretch/>
+        </p:blipFill>
+        <p:spPr>
+          <a:xfrm>
+            <a:off x="1741713" y="337456"/>
+            <a:ext cx="8251373" cy="5040087"/>
+          </a:xfrm>
+          <a:prstGeom prst="rect">
+            <a:avLst/>
+          </a:prstGeom>
+        </p:spPr>
+      </p:pic>
+    </p:spTree>
+    <p:extLst>
+      <p:ext uri="{BB962C8B-B14F-4D97-AF65-F5344CB8AC3E}">
+        <p14:creationId xmlns:p14="http://schemas.microsoft.com/office/powerpoint/2010/main" val="3460989130"/>
+      </p:ext>
+    </p:extLst>
+  </p:cSld>
+  <p:clrMapOvr>
+    <a:masterClrMapping/>
+  </p:clrMapOvr>
+  <p:timing>
+    <p:tnLst>
+      <p:par>
+        <p:cTn id="1" dur="indefinite" restart="never" nodeType="tmRoot"/>
+      </p:par>
+    </p:tnLst>
+  </p:timing>
+</p:sld>
+</file>
+
+<file path=ppt/slides/slide7.xml><?xml version="1.0" encoding="utf-8"?>
+<p:sld xmlns:a="http://schemas.openxmlformats.org/drawingml/2006/main" xmlns:r="http://schemas.openxmlformats.org/officeDocument/2006/relationships" xmlns:p="http://schemas.openxmlformats.org/presentationml/2006/main">
+  <p:cSld>
+    <p:spTree>
+      <p:nvGrpSpPr>
+        <p:cNvPr id="1" name=""/>
+        <p:cNvGrpSpPr/>
+        <p:nvPr/>
+      </p:nvGrpSpPr>
+      <p:grpSpPr>
+        <a:xfrm>
+          <a:off x="0" y="0"/>
+          <a:ext cx="0" cy="0"/>
+          <a:chOff x="0" y="0"/>
+          <a:chExt cx="0" cy="0"/>
+        </a:xfrm>
+      </p:grpSpPr>
+      <p:sp>
+        <p:nvSpPr>
+          <p:cNvPr id="4" name="Rectangle 3"/>
+          <p:cNvSpPr/>
+          <p:nvPr/>
+        </p:nvSpPr>
+        <p:spPr>
+          <a:xfrm>
+            <a:off x="9187472" y="3083697"/>
+            <a:ext cx="2378454" cy="923330"/>
+          </a:xfrm>
+          <a:prstGeom prst="rect">
+            <a:avLst/>
+          </a:prstGeom>
+        </p:spPr>
+        <p:style>
+          <a:lnRef idx="2">
+            <a:schemeClr val="dk1"/>
+          </a:lnRef>
+          <a:fillRef idx="1">
+            <a:schemeClr val="lt1"/>
+          </a:fillRef>
+          <a:effectRef idx="0">
+            <a:schemeClr val="dk1"/>
+          </a:effectRef>
+          <a:fontRef idx="minor">
+            <a:schemeClr val="dk1"/>
+          </a:fontRef>
+        </p:style>
+        <p:txBody>
+          <a:bodyPr wrap="square">
+            <a:spAutoFit/>
+          </a:bodyPr>
+          <a:lstStyle/>
+          <a:p>
+            <a:pPr algn="ctr"/>
+            <a:r>
+              <a:rPr lang="en-US" dirty="0"/>
+              <a:t>Trust that government can protect from terrorism </a:t>
+            </a:r>
+          </a:p>
+        </p:txBody>
+      </p:sp>
+      <p:sp>
+        <p:nvSpPr>
+          <p:cNvPr id="5" name="Rectangle 4"/>
+          <p:cNvSpPr/>
+          <p:nvPr/>
+        </p:nvSpPr>
+        <p:spPr>
+          <a:xfrm>
+            <a:off x="438889" y="3083697"/>
+            <a:ext cx="2378453" cy="923330"/>
+          </a:xfrm>
+          <a:prstGeom prst="rect">
+            <a:avLst/>
+          </a:prstGeom>
+        </p:spPr>
+        <p:style>
+          <a:lnRef idx="2">
+            <a:schemeClr val="dk1"/>
+          </a:lnRef>
+          <a:fillRef idx="1">
+            <a:schemeClr val="lt1"/>
+          </a:fillRef>
+          <a:effectRef idx="0">
+            <a:schemeClr val="dk1"/>
+          </a:effectRef>
+          <a:fontRef idx="minor">
+            <a:schemeClr val="dk1"/>
+          </a:fontRef>
+        </p:style>
+        <p:txBody>
+          <a:bodyPr wrap="square">
+            <a:spAutoFit/>
+          </a:bodyPr>
+          <a:lstStyle/>
+          <a:p>
+            <a:pPr algn="ctr"/>
+            <a:r>
+              <a:rPr lang="en-US" dirty="0"/>
+              <a:t>Trust that government is honest with </a:t>
+            </a:r>
+            <a:r>
+              <a:rPr lang="en-US" dirty="0" smtClean="0"/>
+              <a:t>public about terrorism</a:t>
+            </a:r>
+            <a:endParaRPr lang="en-US" dirty="0"/>
+          </a:p>
+        </p:txBody>
+      </p:sp>
+      <p:sp>
+        <p:nvSpPr>
+          <p:cNvPr id="7" name="Rectangle 6"/>
+          <p:cNvSpPr/>
+          <p:nvPr/>
+        </p:nvSpPr>
+        <p:spPr>
+          <a:xfrm>
+            <a:off x="4399005" y="1437035"/>
+            <a:ext cx="3447536" cy="901440"/>
+          </a:xfrm>
+          <a:prstGeom prst="rect">
+            <a:avLst/>
+          </a:prstGeom>
+        </p:spPr>
+        <p:style>
+          <a:lnRef idx="3">
+            <a:schemeClr val="lt1"/>
+          </a:lnRef>
+          <a:fillRef idx="1">
+            <a:schemeClr val="accent6"/>
+          </a:fillRef>
+          <a:effectRef idx="1">
+            <a:schemeClr val="accent6"/>
+          </a:effectRef>
+          <a:fontRef idx="minor">
+            <a:schemeClr val="lt1"/>
+          </a:fontRef>
+        </p:style>
+        <p:txBody>
+          <a:bodyPr rtlCol="0" anchor="ctr"/>
+          <a:lstStyle/>
+          <a:p>
+            <a:pPr algn="ctr"/>
+            <a:r>
+              <a:rPr lang="en-US" dirty="0" smtClean="0"/>
+              <a:t>Local</a:t>
+            </a:r>
+            <a:endParaRPr lang="en-US" dirty="0"/>
+          </a:p>
+        </p:txBody>
+      </p:sp>
+      <p:sp>
+        <p:nvSpPr>
+          <p:cNvPr id="8" name="Rectangle 7"/>
+          <p:cNvSpPr/>
+          <p:nvPr/>
+        </p:nvSpPr>
+        <p:spPr>
+          <a:xfrm>
+            <a:off x="4399005" y="3081386"/>
+            <a:ext cx="3447536" cy="925641"/>
+          </a:xfrm>
+          <a:prstGeom prst="rect">
+            <a:avLst/>
+          </a:prstGeom>
+        </p:spPr>
+        <p:style>
+          <a:lnRef idx="3">
+            <a:schemeClr val="lt1"/>
+          </a:lnRef>
+          <a:fillRef idx="1">
+            <a:schemeClr val="accent2"/>
+          </a:fillRef>
+          <a:effectRef idx="1">
+            <a:schemeClr val="accent2"/>
+          </a:effectRef>
+          <a:fontRef idx="minor">
+            <a:schemeClr val="lt1"/>
+          </a:fontRef>
+        </p:style>
+        <p:txBody>
+          <a:bodyPr rtlCol="0" anchor="ctr"/>
+          <a:lstStyle/>
+          <a:p>
+            <a:pPr algn="ctr"/>
+            <a:r>
+              <a:rPr lang="en-US" dirty="0" smtClean="0"/>
+              <a:t>State</a:t>
+            </a:r>
+            <a:endParaRPr lang="en-US" dirty="0"/>
+          </a:p>
+        </p:txBody>
+      </p:sp>
+      <p:sp>
+        <p:nvSpPr>
+          <p:cNvPr id="9" name="Rectangle 8"/>
+          <p:cNvSpPr/>
+          <p:nvPr/>
+        </p:nvSpPr>
+        <p:spPr>
+          <a:xfrm>
+            <a:off x="4399005" y="4555275"/>
+            <a:ext cx="3447536" cy="927445"/>
+          </a:xfrm>
+          <a:prstGeom prst="rect">
+            <a:avLst/>
+          </a:prstGeom>
+        </p:spPr>
+        <p:style>
+          <a:lnRef idx="3">
+            <a:schemeClr val="lt1"/>
+          </a:lnRef>
+          <a:fillRef idx="1">
+            <a:schemeClr val="accent4"/>
+          </a:fillRef>
+          <a:effectRef idx="1">
+            <a:schemeClr val="accent4"/>
+          </a:effectRef>
+          <a:fontRef idx="minor">
+            <a:schemeClr val="lt1"/>
+          </a:fontRef>
+        </p:style>
+        <p:txBody>
+          <a:bodyPr rtlCol="0" anchor="ctr"/>
+          <a:lstStyle/>
+          <a:p>
+            <a:pPr algn="ctr"/>
+            <a:r>
+              <a:rPr lang="en-US" dirty="0" smtClean="0"/>
+              <a:t>Federal</a:t>
+            </a:r>
+            <a:endParaRPr lang="en-US" dirty="0"/>
+          </a:p>
+        </p:txBody>
+      </p:sp>
+      <p:cxnSp>
+        <p:nvCxnSpPr>
+          <p:cNvPr id="11" name="Straight Connector 10"/>
+          <p:cNvCxnSpPr>
+            <a:endCxn id="7" idx="1"/>
+          </p:cNvCxnSpPr>
+          <p:nvPr/>
+        </p:nvCxnSpPr>
+        <p:spPr>
+          <a:xfrm flipV="1">
+            <a:off x="2817342" y="1887755"/>
+            <a:ext cx="1581663" cy="1217444"/>
+          </a:xfrm>
+          <a:prstGeom prst="line">
+            <a:avLst/>
+          </a:prstGeom>
+          <a:ln w="38100">
+            <a:solidFill>
+              <a:schemeClr val="tx1"/>
+            </a:solidFill>
+          </a:ln>
+        </p:spPr>
+        <p:style>
+          <a:lnRef idx="1">
+            <a:schemeClr val="accent1"/>
+          </a:lnRef>
+          <a:fillRef idx="0">
+            <a:schemeClr val="accent1"/>
+          </a:fillRef>
+          <a:effectRef idx="0">
+            <a:schemeClr val="accent1"/>
+          </a:effectRef>
+          <a:fontRef idx="minor">
+            <a:schemeClr val="tx1"/>
+          </a:fontRef>
+        </p:style>
+      </p:cxnSp>
+      <p:cxnSp>
+        <p:nvCxnSpPr>
+          <p:cNvPr id="12" name="Straight Connector 11"/>
+          <p:cNvCxnSpPr>
+            <a:stCxn id="5" idx="3"/>
+            <a:endCxn id="8" idx="1"/>
+          </p:cNvCxnSpPr>
+          <p:nvPr/>
+        </p:nvCxnSpPr>
+        <p:spPr>
+          <a:xfrm flipV="1">
+            <a:off x="2817342" y="3544207"/>
+            <a:ext cx="1581663" cy="1155"/>
+          </a:xfrm>
+          <a:prstGeom prst="line">
+            <a:avLst/>
+          </a:prstGeom>
+          <a:ln w="38100">
+            <a:solidFill>
+              <a:schemeClr val="tx1"/>
+            </a:solidFill>
+          </a:ln>
+        </p:spPr>
+        <p:style>
+          <a:lnRef idx="1">
+            <a:schemeClr val="accent1"/>
+          </a:lnRef>
+          <a:fillRef idx="0">
+            <a:schemeClr val="accent1"/>
+          </a:fillRef>
+          <a:effectRef idx="0">
+            <a:schemeClr val="accent1"/>
+          </a:effectRef>
+          <a:fontRef idx="minor">
+            <a:schemeClr val="tx1"/>
+          </a:fontRef>
+        </p:style>
+      </p:cxnSp>
+      <p:cxnSp>
+        <p:nvCxnSpPr>
+          <p:cNvPr id="14" name="Straight Connector 13"/>
+          <p:cNvCxnSpPr>
+            <a:endCxn id="9" idx="1"/>
+          </p:cNvCxnSpPr>
+          <p:nvPr/>
+        </p:nvCxnSpPr>
+        <p:spPr>
+          <a:xfrm>
+            <a:off x="2817342" y="4007027"/>
+            <a:ext cx="1581663" cy="1011971"/>
+          </a:xfrm>
+          <a:prstGeom prst="line">
+            <a:avLst/>
+          </a:prstGeom>
+          <a:ln w="38100">
+            <a:solidFill>
+              <a:schemeClr val="tx1"/>
+            </a:solidFill>
+          </a:ln>
+        </p:spPr>
+        <p:style>
+          <a:lnRef idx="1">
+            <a:schemeClr val="accent1"/>
+          </a:lnRef>
+          <a:fillRef idx="0">
+            <a:schemeClr val="accent1"/>
+          </a:fillRef>
+          <a:effectRef idx="0">
+            <a:schemeClr val="accent1"/>
+          </a:effectRef>
+          <a:fontRef idx="minor">
+            <a:schemeClr val="tx1"/>
+          </a:fontRef>
+        </p:style>
+      </p:cxnSp>
+      <p:cxnSp>
+        <p:nvCxnSpPr>
+          <p:cNvPr id="17" name="Straight Arrow Connector 16"/>
+          <p:cNvCxnSpPr>
+            <a:stCxn id="7" idx="3"/>
+          </p:cNvCxnSpPr>
+          <p:nvPr/>
+        </p:nvCxnSpPr>
+        <p:spPr>
+          <a:xfrm>
+            <a:off x="7846541" y="1887755"/>
+            <a:ext cx="1340931" cy="1217442"/>
+          </a:xfrm>
+          <a:prstGeom prst="straightConnector1">
+            <a:avLst/>
+          </a:prstGeom>
+          <a:ln w="38100">
+            <a:solidFill>
+              <a:schemeClr val="tx1"/>
+            </a:solidFill>
+            <a:tailEnd type="triangle"/>
+          </a:ln>
+        </p:spPr>
+        <p:style>
+          <a:lnRef idx="1">
+            <a:schemeClr val="accent1"/>
+          </a:lnRef>
+          <a:fillRef idx="0">
+            <a:schemeClr val="accent1"/>
+          </a:fillRef>
+          <a:effectRef idx="0">
+            <a:schemeClr val="accent1"/>
+          </a:effectRef>
+          <a:fontRef idx="minor">
+            <a:schemeClr val="tx1"/>
+          </a:fontRef>
+        </p:style>
+      </p:cxnSp>
+      <p:cxnSp>
+        <p:nvCxnSpPr>
+          <p:cNvPr id="18" name="Straight Arrow Connector 17"/>
+          <p:cNvCxnSpPr>
+            <a:stCxn id="8" idx="3"/>
+            <a:endCxn id="4" idx="1"/>
+          </p:cNvCxnSpPr>
+          <p:nvPr/>
+        </p:nvCxnSpPr>
+        <p:spPr>
+          <a:xfrm>
+            <a:off x="7846541" y="3544207"/>
+            <a:ext cx="1340931" cy="1155"/>
+          </a:xfrm>
+          <a:prstGeom prst="straightConnector1">
+            <a:avLst/>
+          </a:prstGeom>
+          <a:ln w="38100">
+            <a:solidFill>
+              <a:schemeClr val="tx1"/>
+            </a:solidFill>
+            <a:tailEnd type="triangle"/>
+          </a:ln>
+        </p:spPr>
+        <p:style>
+          <a:lnRef idx="1">
+            <a:schemeClr val="accent1"/>
+          </a:lnRef>
+          <a:fillRef idx="0">
+            <a:schemeClr val="accent1"/>
+          </a:fillRef>
+          <a:effectRef idx="0">
+            <a:schemeClr val="accent1"/>
+          </a:effectRef>
+          <a:fontRef idx="minor">
+            <a:schemeClr val="tx1"/>
+          </a:fontRef>
+        </p:style>
+      </p:cxnSp>
+      <p:cxnSp>
+        <p:nvCxnSpPr>
+          <p:cNvPr id="22" name="Straight Arrow Connector 21"/>
+          <p:cNvCxnSpPr>
+            <a:stCxn id="9" idx="3"/>
+          </p:cNvCxnSpPr>
+          <p:nvPr/>
+        </p:nvCxnSpPr>
+        <p:spPr>
+          <a:xfrm flipV="1">
+            <a:off x="7846541" y="3994670"/>
+            <a:ext cx="1340931" cy="1024328"/>
+          </a:xfrm>
+          <a:prstGeom prst="straightConnector1">
+            <a:avLst/>
+          </a:prstGeom>
+          <a:ln w="38100">
+            <a:solidFill>
+              <a:schemeClr val="tx1"/>
+            </a:solidFill>
+            <a:tailEnd type="triangle"/>
+          </a:ln>
+        </p:spPr>
+        <p:style>
+          <a:lnRef idx="1">
+            <a:schemeClr val="accent1"/>
+          </a:lnRef>
+          <a:fillRef idx="0">
+            <a:schemeClr val="accent1"/>
+          </a:fillRef>
+          <a:effectRef idx="0">
+            <a:schemeClr val="accent1"/>
+          </a:effectRef>
+          <a:fontRef idx="minor">
+            <a:schemeClr val="tx1"/>
+          </a:fontRef>
+        </p:style>
+      </p:cxnSp>
+      <p:sp>
+        <p:nvSpPr>
+          <p:cNvPr id="61" name="Title 1"/>
+          <p:cNvSpPr txBox="1">
+            <a:spLocks/>
+          </p:cNvSpPr>
+          <p:nvPr/>
+        </p:nvSpPr>
+        <p:spPr>
+          <a:xfrm>
+            <a:off x="838200" y="365125"/>
+            <a:ext cx="10515600" cy="1325563"/>
+          </a:xfrm>
+          <a:prstGeom prst="rect">
+            <a:avLst/>
+          </a:prstGeom>
+        </p:spPr>
+        <p:txBody>
+          <a:bodyPr>
+            <a:noAutofit/>
+          </a:bodyPr>
+          <a:lstStyle>
+            <a:lvl1pPr algn="l" defTabSz="914400" rtl="0" eaLnBrk="1" latinLnBrk="0" hangingPunct="1">
+              <a:lnSpc>
+                <a:spcPct val="90000"/>
+              </a:lnSpc>
+              <a:spcBef>
+                <a:spcPct val="0"/>
+              </a:spcBef>
+              <a:buNone/>
+              <a:defRPr sz="4400" kern="1200">
+                <a:solidFill>
+                  <a:schemeClr val="tx1"/>
+                </a:solidFill>
+                <a:latin typeface="+mj-lt"/>
+                <a:ea typeface="+mj-ea"/>
+                <a:cs typeface="+mj-cs"/>
+              </a:defRPr>
+            </a:lvl1pPr>
+          </a:lstStyle>
+          <a:p>
+            <a:r>
+              <a:rPr lang="en-US" sz="3200" smtClean="0"/>
+              <a:t>Methods – Data Analysis</a:t>
+            </a:r>
+            <a:endParaRPr lang="en-US" sz="3200" dirty="0"/>
+          </a:p>
+        </p:txBody>
+      </p:sp>
+      <p:sp>
+        <p:nvSpPr>
+          <p:cNvPr id="62" name="Rectangle 61"/>
+          <p:cNvSpPr/>
+          <p:nvPr/>
+        </p:nvSpPr>
+        <p:spPr>
+          <a:xfrm>
+            <a:off x="2409567" y="5974622"/>
+            <a:ext cx="7426411" cy="369332"/>
+          </a:xfrm>
+          <a:prstGeom prst="rect">
+            <a:avLst/>
+          </a:prstGeom>
+        </p:spPr>
+        <p:txBody>
+          <a:bodyPr wrap="square">
+            <a:spAutoFit/>
+          </a:bodyPr>
+          <a:lstStyle/>
+          <a:p>
+            <a:r>
+              <a:rPr lang="en-US" dirty="0" smtClean="0"/>
+              <a:t>Age + Education + Belief </a:t>
+            </a:r>
+            <a:r>
+              <a:rPr lang="en-US" dirty="0"/>
+              <a:t>of information </a:t>
+            </a:r>
+            <a:r>
+              <a:rPr lang="en-US" dirty="0" smtClean="0"/>
+              <a:t>received + Perceived </a:t>
+            </a:r>
+            <a:r>
+              <a:rPr lang="en-US" dirty="0"/>
+              <a:t>risk of terrorism</a:t>
+            </a:r>
+          </a:p>
+        </p:txBody>
+      </p:sp>
+      <p:sp>
+        <p:nvSpPr>
+          <p:cNvPr id="63" name="Rectangle 62"/>
+          <p:cNvSpPr/>
+          <p:nvPr/>
+        </p:nvSpPr>
+        <p:spPr>
+          <a:xfrm>
+            <a:off x="4090086" y="1099755"/>
+            <a:ext cx="4028303" cy="4707924"/>
+          </a:xfrm>
+          <a:prstGeom prst="rect">
+            <a:avLst/>
+          </a:prstGeom>
+          <a:noFill/>
+          <a:ln w="57150">
+            <a:solidFill>
+              <a:srgbClr val="00B050"/>
+            </a:solidFill>
+          </a:ln>
+        </p:spPr>
+        <p:style>
+          <a:lnRef idx="2">
+            <a:schemeClr val="accent1"/>
+          </a:lnRef>
+          <a:fillRef idx="1">
+            <a:schemeClr val="lt1"/>
+          </a:fillRef>
+          <a:effectRef idx="0">
+            <a:schemeClr val="accent1"/>
+          </a:effectRef>
+          <a:fontRef idx="minor">
+            <a:schemeClr val="dk1"/>
+          </a:fontRef>
+        </p:style>
+        <p:txBody>
+          <a:bodyPr rtlCol="0" anchor="ctr"/>
+          <a:lstStyle/>
+          <a:p>
+            <a:pPr algn="ctr"/>
+            <a:endParaRPr lang="en-US"/>
+          </a:p>
+        </p:txBody>
+      </p:sp>
+    </p:spTree>
+    <p:extLst>
+      <p:ext uri="{BB962C8B-B14F-4D97-AF65-F5344CB8AC3E}">
+        <p14:creationId xmlns:p14="http://schemas.microsoft.com/office/powerpoint/2010/main" val="919477350"/>
+      </p:ext>
+    </p:extLst>
+  </p:cSld>
+  <p:clrMapOvr>
+    <a:masterClrMapping/>
+  </p:clrMapOvr>
+  <p:timing>
+    <p:tnLst>
+      <p:par>
+        <p:cTn id="1" dur="indefinite" restart="never" nodeType="tmRoot"/>
+      </p:par>
+    </p:tnLst>
+  </p:timing>
+</p:sld>
+</file>
+
+<file path=ppt/slides/slide8.xml><?xml version="1.0" encoding="utf-8"?>
+<p:sld xmlns:a="http://schemas.openxmlformats.org/drawingml/2006/main" xmlns:r="http://schemas.openxmlformats.org/officeDocument/2006/relationships" xmlns:p="http://schemas.openxmlformats.org/presentationml/2006/main">
+  <p:cSld>
+    <p:spTree>
+      <p:nvGrpSpPr>
+        <p:cNvPr id="1" name=""/>
+        <p:cNvGrpSpPr/>
+        <p:nvPr/>
+      </p:nvGrpSpPr>
+      <p:grpSpPr>
+        <a:xfrm>
+          <a:off x="0" y="0"/>
+          <a:ext cx="0" cy="0"/>
+          <a:chOff x="0" y="0"/>
+          <a:chExt cx="0" cy="0"/>
+        </a:xfrm>
+      </p:grpSpPr>
+      <p:sp>
+        <p:nvSpPr>
+          <p:cNvPr id="2" name="Title 1"/>
+          <p:cNvSpPr>
+            <a:spLocks noGrp="1"/>
+          </p:cNvSpPr>
+          <p:nvPr>
+            <p:ph type="title"/>
+          </p:nvPr>
+        </p:nvSpPr>
+        <p:spPr/>
+        <p:txBody>
+          <a:bodyPr>
+            <a:noAutofit/>
+          </a:bodyPr>
+          <a:lstStyle/>
+          <a:p>
+            <a:r>
+              <a:rPr lang="en-US" sz="3200" dirty="0" smtClean="0"/>
+              <a:t>Methods – Variables</a:t>
+            </a:r>
+            <a:endParaRPr lang="en-US" sz="3200" dirty="0"/>
+          </a:p>
+        </p:txBody>
+      </p:sp>
+      <p:sp>
+        <p:nvSpPr>
+          <p:cNvPr id="3" name="Subtitle 2"/>
+          <p:cNvSpPr>
+            <a:spLocks noGrp="1"/>
+          </p:cNvSpPr>
+          <p:nvPr>
+            <p:ph idx="1"/>
+          </p:nvPr>
+        </p:nvSpPr>
+        <p:spPr/>
+        <p:txBody>
+          <a:bodyPr>
+            <a:normAutofit lnSpcReduction="10000"/>
+          </a:bodyPr>
+          <a:lstStyle/>
+          <a:p>
+            <a:r>
+              <a:rPr lang="en-US" sz="2400" b="1" dirty="0" smtClean="0"/>
+              <a:t>Trust </a:t>
+            </a:r>
+            <a:r>
+              <a:rPr lang="en-US" sz="2400" b="1" dirty="0"/>
+              <a:t>that government can protect from </a:t>
+            </a:r>
+            <a:r>
+              <a:rPr lang="en-US" sz="2400" b="1" dirty="0" smtClean="0"/>
+              <a:t>terrorism </a:t>
+            </a:r>
+            <a:r>
+              <a:rPr lang="en-US" sz="2400" dirty="0" smtClean="0"/>
+              <a:t>– Perceived effectiveness</a:t>
+            </a:r>
+          </a:p>
+          <a:p>
+            <a:pPr lvl="1"/>
+            <a:r>
+              <a:rPr lang="en-US" sz="2000" dirty="0" smtClean="0"/>
+              <a:t>“How </a:t>
+            </a:r>
+            <a:r>
+              <a:rPr lang="en-US" sz="2000" dirty="0"/>
+              <a:t>sure are you </a:t>
+            </a:r>
+            <a:r>
+              <a:rPr lang="en-US" sz="2000" dirty="0" smtClean="0"/>
+              <a:t>that &lt; </a:t>
+            </a:r>
+            <a:r>
+              <a:rPr lang="en-US" sz="2000" dirty="0"/>
+              <a:t>... &gt; </a:t>
+            </a:r>
+            <a:r>
+              <a:rPr lang="en-US" sz="2000" dirty="0" smtClean="0"/>
+              <a:t>could </a:t>
+            </a:r>
+            <a:r>
+              <a:rPr lang="en-US" sz="2000" dirty="0"/>
+              <a:t>effectively protect </a:t>
+            </a:r>
+            <a:r>
+              <a:rPr lang="en-US" sz="2000" dirty="0" smtClean="0"/>
+              <a:t>you </a:t>
+            </a:r>
+            <a:r>
+              <a:rPr lang="en-US" sz="2000" dirty="0"/>
+              <a:t>from a future terrorist attack? Would you say </a:t>
+            </a:r>
+            <a:r>
+              <a:rPr lang="en-US" sz="2000" dirty="0" smtClean="0"/>
+              <a:t>‘1</a:t>
+            </a:r>
+            <a:r>
+              <a:rPr lang="en-US" sz="2000" dirty="0"/>
+              <a:t>, not at all sure</a:t>
+            </a:r>
+            <a:r>
+              <a:rPr lang="en-US" sz="2000" dirty="0" smtClean="0"/>
+              <a:t>,’ ‘5</a:t>
+            </a:r>
+            <a:r>
+              <a:rPr lang="en-US" sz="2000" dirty="0"/>
+              <a:t>, extremely sure</a:t>
+            </a:r>
+            <a:r>
+              <a:rPr lang="en-US" sz="2000" dirty="0" smtClean="0"/>
+              <a:t>,’ </a:t>
+            </a:r>
+            <a:r>
+              <a:rPr lang="en-US" sz="2000" dirty="0"/>
+              <a:t>or you may use any number in between</a:t>
+            </a:r>
+            <a:r>
+              <a:rPr lang="en-US" sz="2000" dirty="0" smtClean="0"/>
+              <a:t>?”</a:t>
+            </a:r>
+          </a:p>
+          <a:p>
+            <a:pPr lvl="1"/>
+            <a:r>
+              <a:rPr lang="en-US" sz="2000" dirty="0" smtClean="0"/>
+              <a:t>Levels of government: Local government, State government, Federal government</a:t>
+            </a:r>
+          </a:p>
+          <a:p>
+            <a:r>
+              <a:rPr lang="en-US" sz="2400" b="1" dirty="0" smtClean="0"/>
+              <a:t>Trust </a:t>
+            </a:r>
+            <a:r>
+              <a:rPr lang="en-US" sz="2400" b="1" dirty="0"/>
+              <a:t>that government is honest with </a:t>
+            </a:r>
+            <a:r>
+              <a:rPr lang="en-US" sz="2400" b="1" dirty="0" smtClean="0"/>
+              <a:t>public </a:t>
+            </a:r>
+            <a:r>
+              <a:rPr lang="en-US" sz="2400" dirty="0" smtClean="0"/>
+              <a:t>– </a:t>
+            </a:r>
+            <a:r>
+              <a:rPr lang="en-US" sz="2400" dirty="0"/>
+              <a:t>P</a:t>
+            </a:r>
+            <a:r>
+              <a:rPr lang="en-US" sz="2400" dirty="0" smtClean="0"/>
+              <a:t>erceived honesty </a:t>
+            </a:r>
+            <a:r>
+              <a:rPr lang="en-US" sz="2400" dirty="0"/>
+              <a:t>of information about terrorism received </a:t>
+            </a:r>
+            <a:r>
+              <a:rPr lang="en-US" sz="2400" dirty="0" smtClean="0"/>
+              <a:t>by </a:t>
+            </a:r>
+            <a:r>
+              <a:rPr lang="en-US" sz="2400" dirty="0"/>
+              <a:t>social </a:t>
+            </a:r>
+            <a:r>
+              <a:rPr lang="en-US" sz="2400" dirty="0" smtClean="0"/>
+              <a:t>distance, indicated </a:t>
+            </a:r>
+            <a:r>
+              <a:rPr lang="en-US" sz="2400" dirty="0"/>
+              <a:t>by level of </a:t>
+            </a:r>
+            <a:r>
+              <a:rPr lang="en-US" sz="2400" dirty="0" smtClean="0"/>
+              <a:t>government</a:t>
+            </a:r>
+          </a:p>
+          <a:p>
+            <a:pPr lvl="1"/>
+            <a:r>
+              <a:rPr lang="en-US" sz="2000" dirty="0" smtClean="0"/>
+              <a:t>“In </a:t>
+            </a:r>
+            <a:r>
+              <a:rPr lang="en-US" sz="2000" dirty="0"/>
+              <a:t>your opinion, how honest with the public would you say the </a:t>
+            </a:r>
+            <a:r>
+              <a:rPr lang="en-US" sz="2000" dirty="0" smtClean="0"/>
+              <a:t>&lt; ... &gt; is </a:t>
+            </a:r>
+            <a:r>
+              <a:rPr lang="en-US" sz="2000" dirty="0"/>
+              <a:t>about terrorism?   Would you say </a:t>
+            </a:r>
+            <a:r>
+              <a:rPr lang="en-US" sz="2000" dirty="0" smtClean="0"/>
+              <a:t>‘1, </a:t>
+            </a:r>
+            <a:r>
+              <a:rPr lang="en-US" sz="2000" dirty="0"/>
+              <a:t>never honest</a:t>
+            </a:r>
+            <a:r>
+              <a:rPr lang="en-US" sz="2000" dirty="0" smtClean="0"/>
+              <a:t>,’ ‘5, </a:t>
+            </a:r>
+            <a:r>
+              <a:rPr lang="en-US" sz="2000" dirty="0"/>
+              <a:t>always honest</a:t>
+            </a:r>
+            <a:r>
+              <a:rPr lang="en-US" sz="2000" dirty="0" smtClean="0"/>
+              <a:t>,’ </a:t>
+            </a:r>
+            <a:r>
+              <a:rPr lang="en-US" sz="2000" dirty="0"/>
+              <a:t>or you may use any number in between</a:t>
+            </a:r>
+            <a:r>
+              <a:rPr lang="en-US" sz="2000" dirty="0" smtClean="0"/>
+              <a:t>?”</a:t>
+            </a:r>
+          </a:p>
+          <a:p>
+            <a:pPr lvl="1"/>
+            <a:r>
+              <a:rPr lang="en-US" sz="2000" dirty="0" smtClean="0"/>
+              <a:t>Levels of government: </a:t>
+            </a:r>
+          </a:p>
+          <a:p>
+            <a:pPr lvl="2"/>
+            <a:r>
+              <a:rPr lang="en-US" sz="1600" dirty="0"/>
+              <a:t>State: </a:t>
+            </a:r>
+            <a:r>
+              <a:rPr lang="en-US" sz="1600" dirty="0" smtClean="0"/>
+              <a:t>Governor, State </a:t>
+            </a:r>
+            <a:r>
+              <a:rPr lang="en-US" sz="1600" dirty="0"/>
+              <a:t>Office of Emergency Services, State Health </a:t>
+            </a:r>
+            <a:r>
+              <a:rPr lang="en-US" sz="1600" dirty="0" smtClean="0"/>
+              <a:t>Department</a:t>
+            </a:r>
+          </a:p>
+          <a:p>
+            <a:pPr lvl="2"/>
+            <a:r>
+              <a:rPr lang="en-US" sz="1600" dirty="0" smtClean="0"/>
+              <a:t>Local</a:t>
+            </a:r>
+            <a:r>
+              <a:rPr lang="en-US" sz="1600" dirty="0"/>
+              <a:t>: Mayor, Local Fire Department, Local Police Department, County/City Health </a:t>
+            </a:r>
+            <a:r>
+              <a:rPr lang="en-US" sz="1600" dirty="0" smtClean="0"/>
+              <a:t>Department</a:t>
+            </a:r>
+          </a:p>
+          <a:p>
+            <a:pPr lvl="2"/>
+            <a:r>
+              <a:rPr lang="en-US" sz="1600" dirty="0"/>
+              <a:t>Federal: President of the United States, Department of Homeland Security, Centers for Disease Control, Federal Emergency Management </a:t>
+            </a:r>
+            <a:r>
+              <a:rPr lang="en-US" sz="1600" dirty="0" smtClean="0"/>
+              <a:t>Agency</a:t>
+            </a:r>
+          </a:p>
+        </p:txBody>
+      </p:sp>
+    </p:spTree>
+    <p:extLst>
+      <p:ext uri="{BB962C8B-B14F-4D97-AF65-F5344CB8AC3E}">
+        <p14:creationId xmlns:p14="http://schemas.microsoft.com/office/powerpoint/2010/main" val="3818242140"/>
+      </p:ext>
+    </p:extLst>
+  </p:cSld>
+  <p:clrMapOvr>
+    <a:masterClrMapping/>
+  </p:clrMapOvr>
+  <p:timing>
+    <p:tnLst>
+      <p:par>
+        <p:cTn id="1" dur="indefinite" restart="never" nodeType="tmRoot"/>
+      </p:par>
+    </p:tnLst>
+  </p:timing>
+</p:sld>
+</file>
+
+<file path=ppt/slides/slide9.xml><?xml version="1.0" encoding="utf-8"?>
+<p:sld xmlns:a="http://schemas.openxmlformats.org/drawingml/2006/main" xmlns:r="http://schemas.openxmlformats.org/officeDocument/2006/relationships" xmlns:p="http://schemas.openxmlformats.org/presentationml/2006/main">
+  <p:cSld>
+    <p:spTree>
+      <p:nvGrpSpPr>
+        <p:cNvPr id="1" name=""/>
+        <p:cNvGrpSpPr/>
+        <p:nvPr/>
+      </p:nvGrpSpPr>
+      <p:grpSpPr>
+        <a:xfrm>
+          <a:off x="0" y="0"/>
+          <a:ext cx="0" cy="0"/>
+          <a:chOff x="0" y="0"/>
+          <a:chExt cx="0" cy="0"/>
+        </a:xfrm>
+      </p:grpSpPr>
+      <p:sp>
+        <p:nvSpPr>
+          <p:cNvPr id="4" name="Title 1"/>
+          <p:cNvSpPr>
+            <a:spLocks noGrp="1"/>
+          </p:cNvSpPr>
+          <p:nvPr>
+            <p:ph type="title"/>
+          </p:nvPr>
+        </p:nvSpPr>
+        <p:spPr/>
+        <p:txBody>
+          <a:bodyPr>
+            <a:noAutofit/>
+          </a:bodyPr>
+          <a:lstStyle/>
+          <a:p>
+            <a:r>
+              <a:rPr lang="en-US" sz="3200" dirty="0" smtClean="0"/>
+              <a:t>Methods – Variables</a:t>
+            </a:r>
+            <a:endParaRPr lang="en-US" sz="3200" dirty="0"/>
+          </a:p>
+        </p:txBody>
+      </p:sp>
+      <p:sp>
+        <p:nvSpPr>
+          <p:cNvPr id="3" name="Content Placeholder 2"/>
+          <p:cNvSpPr>
+            <a:spLocks noGrp="1"/>
+          </p:cNvSpPr>
+          <p:nvPr>
+            <p:ph idx="1"/>
+          </p:nvPr>
+        </p:nvSpPr>
+        <p:spPr/>
+        <p:txBody>
+          <a:bodyPr/>
+          <a:lstStyle/>
+          <a:p>
+            <a:r>
+              <a:rPr lang="en-US" sz="2400" b="1" dirty="0"/>
+              <a:t>Belief of information received</a:t>
+            </a:r>
+          </a:p>
+          <a:p>
+            <a:pPr lvl="1"/>
+            <a:r>
+              <a:rPr lang="en-US" sz="2000" dirty="0"/>
+              <a:t>“How much of the information that you heard about protecting yourself from terrorism since September 11th, 2001, did you believe?  Would you say </a:t>
+            </a:r>
+            <a:r>
+              <a:rPr lang="en-US" sz="2000" dirty="0" smtClean="0"/>
+              <a:t>‘1</a:t>
+            </a:r>
+            <a:r>
+              <a:rPr lang="en-US" sz="2000" dirty="0"/>
+              <a:t>, did not believe any of it</a:t>
+            </a:r>
+            <a:r>
+              <a:rPr lang="en-US" sz="2000" dirty="0" smtClean="0"/>
+              <a:t>,’ ‘5</a:t>
+            </a:r>
+            <a:r>
+              <a:rPr lang="en-US" sz="2000" dirty="0"/>
+              <a:t>, believed all of it</a:t>
+            </a:r>
+            <a:r>
+              <a:rPr lang="en-US" sz="2000" dirty="0" smtClean="0"/>
+              <a:t>,’ </a:t>
+            </a:r>
+            <a:r>
+              <a:rPr lang="en-US" sz="2000" dirty="0"/>
+              <a:t>or you may use any number in between?”</a:t>
+            </a:r>
+          </a:p>
+          <a:p>
+            <a:r>
+              <a:rPr lang="en-US" sz="2400" b="1" dirty="0"/>
+              <a:t>Perceived risk of terrorism</a:t>
+            </a:r>
+          </a:p>
+          <a:p>
+            <a:pPr lvl="1"/>
+            <a:r>
+              <a:rPr lang="en-US" sz="2000" dirty="0"/>
+              <a:t>“How likely is it that a terrorism event like an explosion, biological, chemical, or radiological agents being released in your community will occur in your lifetime?  Would you say </a:t>
+            </a:r>
+            <a:r>
+              <a:rPr lang="en-US" sz="2000" dirty="0" smtClean="0"/>
+              <a:t>‘1, </a:t>
+            </a:r>
+            <a:r>
+              <a:rPr lang="en-US" sz="2000" dirty="0"/>
+              <a:t>not at all </a:t>
+            </a:r>
+            <a:r>
+              <a:rPr lang="en-US" sz="2000" dirty="0" smtClean="0"/>
+              <a:t>likely,’ ‘5, </a:t>
+            </a:r>
+            <a:r>
+              <a:rPr lang="en-US" sz="2000" dirty="0"/>
+              <a:t>definitely will </a:t>
+            </a:r>
+            <a:r>
+              <a:rPr lang="en-US" sz="2000" dirty="0" smtClean="0"/>
+              <a:t>occur,’ </a:t>
+            </a:r>
+            <a:r>
+              <a:rPr lang="en-US" sz="2000" dirty="0"/>
+              <a:t>or any number in between</a:t>
+            </a:r>
+            <a:r>
+              <a:rPr lang="en-US" sz="2000" dirty="0" smtClean="0"/>
+              <a:t>?”</a:t>
+            </a:r>
+            <a:endParaRPr lang="en-US" sz="2000" dirty="0"/>
+          </a:p>
+        </p:txBody>
+      </p:sp>
+    </p:spTree>
+    <p:extLst>
+      <p:ext uri="{BB962C8B-B14F-4D97-AF65-F5344CB8AC3E}">
+        <p14:creationId xmlns:p14="http://schemas.microsoft.com/office/powerpoint/2010/main" val="664294555"/>
+      </p:ext>
+    </p:extLst>
+  </p:cSld>
+  <p:clrMapOvr>
+    <a:masterClrMapping/>
+  </p:clrMapOvr>
+  <p:timing>
+    <p:tnLst>
+      <p:par>
+        <p:cTn id="1" dur="indefinite" restart="never" nodeType="tmRoot"/>
+      </p:par>
+    </p:tnLst>
+  </p:timing>
 </p:sld>
 </file>
 
 <file path=ppt/theme/theme1.xml><?xml version="1.0" encoding="utf-8"?>
+<a:theme xmlns:a="http://schemas.openxmlformats.org/drawingml/2006/main" name="Office Theme">
+  <a:themeElements>
+    <a:clrScheme name="Office 2007-2010">
+      <a:dk1>
+        <a:sysClr val="windowText" lastClr="000000"/>
+      </a:dk1>
+      <a:lt1>
+        <a:sysClr val="window" lastClr="FFFFFF"/>
+      </a:lt1>
+      <a:dk2>
+        <a:srgbClr val="1F497D"/>
+      </a:dk2>
+      <a:lt2>
+        <a:srgbClr val="EEECE1"/>
+      </a:lt2>
+      <a:accent1>
+        <a:srgbClr val="4F81BD"/>
+      </a:accent1>
+      <a:accent2>
+        <a:srgbClr val="C0504D"/>
+      </a:accent2>
+      <a:accent3>
+        <a:srgbClr val="9BBB59"/>
+      </a:accent3>
+      <a:accent4>
+        <a:srgbClr val="8064A2"/>
+      </a:accent4>
+      <a:accent5>
+        <a:srgbClr val="4BACC6"/>
+      </a:accent5>
+      <a:accent6>
+        <a:srgbClr val="F79646"/>
+      </a:accent6>
+      <a:hlink>
+        <a:srgbClr val="0000FF"/>
+      </a:hlink>
+      <a:folHlink>
+        <a:srgbClr val="800080"/>
+      </a:folHlink>
+    </a:clrScheme>
+    <a:fontScheme name="Office">
+      <a:majorFont>
+        <a:latin typeface="Calibri Light" panose="020F0302020204030204"/>
+        <a:ea typeface=""/>
+        <a:cs typeface=""/>
+        <a:font script="Jpan" typeface="ＭＳ Ｐゴシック"/>
+        <a:font script="Hang" typeface="맑은 고딕"/>
+        <a:font script="Hans" typeface="宋体"/>
+        <a:font script="Hant" typeface="新細明體"/>
+        <a:font script="Arab" typeface="Times New Roman"/>
+        <a:font script="Hebr" typeface="Times New Roman"/>
+        <a:font script="Thai" typeface="Angsana New"/>
+        <a:font script="Ethi" typeface="Nyala"/>
+        <a:font script="Beng" typeface="Vrinda"/>
+        <a:font script="Gujr" typeface="Shruti"/>
+        <a:font script="Khmr" typeface="MoolBoran"/>
+        <a:font script="Knda" typeface="Tunga"/>
+        <a:font script="Guru" typeface="Raavi"/>
+        <a:font script="Cans" typeface="Euphemia"/>
+        <a:font script="Cher" typeface="Plantagenet Cherokee"/>
+        <a:font script="Yiii" typeface="Microsoft Yi Baiti"/>
+        <a:font script="Tibt" typeface="Microsoft Himalaya"/>
+        <a:font script="Thaa" typeface="MV Boli"/>
+        <a:font script="Deva" typeface="Mangal"/>
+        <a:font script="Telu" typeface="Gautami"/>
+        <a:font script="Taml" typeface="Latha"/>
+        <a:font script="Syrc" typeface="Estrangelo Edessa"/>
+        <a:font script="Orya" typeface="Kalinga"/>
+        <a:font script="Mlym" typeface="Kartika"/>
+        <a:font script="Laoo" typeface="DokChampa"/>
+        <a:font script="Sinh" typeface="Iskoola Pota"/>
+        <a:font script="Mong" typeface="Mongolian Baiti"/>
+        <a:font script="Viet" typeface="Times New Roman"/>
+        <a:font script="Uigh" typeface="Microsoft Uighur"/>
+        <a:font script="Geor" typeface="Sylfaen"/>
+      </a:majorFont>
+      <a:minorFont>
+        <a:latin typeface="Calibri" panose="020F0502020204030204"/>
+        <a:ea typeface=""/>
+        <a:cs typeface=""/>
+        <a:font script="Jpan" typeface="ＭＳ Ｐゴシック"/>
+        <a:font script="Hang" typeface="맑은 고딕"/>
+        <a:font script="Hans" typeface="宋体"/>
+        <a:font script="Hant" typeface="新細明體"/>
+        <a:font script="Arab" typeface="Arial"/>
+        <a:font script="Hebr" typeface="Arial"/>
+        <a:font script="Thai" typeface="Cordia New"/>
+        <a:font script="Ethi" typeface="Nyala"/>
+        <a:font script="Beng" typeface="Vrinda"/>
+        <a:font script="Gujr" typeface="Shruti"/>
+        <a:font script="Khmr" typeface="DaunPenh"/>
+        <a:font script="Knda" typeface="Tunga"/>
+        <a:font script="Guru" typeface="Raavi"/>
+        <a:font script="Cans" typeface="Euphemia"/>
+        <a:font script="Cher" typeface="Plantagenet Cherokee"/>
+        <a:font script="Yiii" typeface="Microsoft Yi Baiti"/>
+        <a:font script="Tibt" typeface="Microsoft Himalaya"/>
+        <a:font script="Thaa" typeface="MV Boli"/>
+        <a:font script="Deva" typeface="Mangal"/>
+        <a:font script="Telu" typeface="Gautami"/>
+        <a:font script="Taml" typeface="Latha"/>
+        <a:font script="Syrc" typeface="Estrangelo Edessa"/>
+        <a:font script="Orya" typeface="Kalinga"/>
+        <a:font script="Mlym" typeface="Kartika"/>
+        <a:font script="Laoo" typeface="DokChampa"/>
+        <a:font script="Sinh" typeface="Iskoola Pota"/>
+        <a:font script="Mong" typeface="Mongolian Baiti"/>
+        <a:font script="Viet" typeface="Arial"/>
+        <a:font script="Uigh" typeface="Microsoft Uighur"/>
+        <a:font script="Geor" typeface="Sylfaen"/>
+      </a:minorFont>
+    </a:fontScheme>
+    <a:fmtScheme name="Office">
+      <a:fillStyleLst>
+        <a:solidFill>
+          <a:schemeClr val="phClr"/>
+        </a:solidFill>
+        <a:gradFill rotWithShape="1">
+          <a:gsLst>
+            <a:gs pos="0">
+              <a:schemeClr val="phClr">
+                <a:lumMod val="110000"/>
+                <a:satMod val="105000"/>
+                <a:tint val="67000"/>
+              </a:schemeClr>
+            </a:gs>
+            <a:gs pos="50000">
+              <a:schemeClr val="phClr">
+                <a:lumMod val="105000"/>
+                <a:satMod val="103000"/>
+                <a:tint val="73000"/>
+              </a:schemeClr>
+            </a:gs>
+            <a:gs pos="100000">
+              <a:schemeClr val="phClr">
+                <a:lumMod val="105000"/>
+                <a:satMod val="109000"/>
+                <a:tint val="81000"/>
+              </a:schemeClr>
+            </a:gs>
+          </a:gsLst>
+          <a:lin ang="5400000" scaled="0"/>
+        </a:gradFill>
+        <a:gradFill rotWithShape="1">
+          <a:gsLst>
+            <a:gs pos="0">
+              <a:schemeClr val="phClr">
+                <a:satMod val="103000"/>
+                <a:lumMod val="102000"/>
+                <a:tint val="94000"/>
+              </a:schemeClr>
+            </a:gs>
+            <a:gs pos="50000">
+              <a:schemeClr val="phClr">
+                <a:satMod val="110000"/>
+                <a:lumMod val="100000"/>
+                <a:shade val="100000"/>
+              </a:schemeClr>
+            </a:gs>
+            <a:gs pos="100000">
+              <a:schemeClr val="phClr">
+                <a:lumMod val="99000"/>
+                <a:satMod val="120000"/>
+                <a:shade val="78000"/>
+              </a:schemeClr>
+            </a:gs>
+          </a:gsLst>
+          <a:lin ang="5400000" scaled="0"/>
+        </a:gradFill>
+      </a:fillStyleLst>
+      <a:lnStyleLst>
+        <a:ln w="6350" cap="flat" cmpd="sng" algn="ctr">
+          <a:solidFill>
+            <a:schemeClr val="phClr"/>
+          </a:solidFill>
+          <a:prstDash val="solid"/>
+          <a:miter lim="800000"/>
+        </a:ln>
+        <a:ln w="12700" cap="flat" cmpd="sng" algn="ctr">
+          <a:solidFill>
+            <a:schemeClr val="phClr"/>
+          </a:solidFill>
+          <a:prstDash val="solid"/>
+          <a:miter lim="800000"/>
+        </a:ln>
+        <a:ln w="19050" cap="flat" cmpd="sng" algn="ctr">
+          <a:solidFill>
+            <a:schemeClr val="phClr"/>
+          </a:solidFill>
+          <a:prstDash val="solid"/>
+          <a:miter lim="800000"/>
+        </a:ln>
+      </a:lnStyleLst>
+      <a:effectStyleLst>
+        <a:effectStyle>
+          <a:effectLst/>
+        </a:effectStyle>
+        <a:effectStyle>
+          <a:effectLst/>
+        </a:effectStyle>
+        <a:effectStyle>
+          <a:effectLst>
+            <a:outerShdw blurRad="57150" dist="19050" dir="5400000" algn="ctr" rotWithShape="0">
+              <a:srgbClr val="000000">
+                <a:alpha val="63000"/>
+              </a:srgbClr>
+            </a:outerShdw>
+          </a:effectLst>
+        </a:effectStyle>
+      </a:effectStyleLst>
+      <a:bgFillStyleLst>
+        <a:solidFill>
+          <a:schemeClr val="phClr"/>
+        </a:solidFill>
+        <a:solidFill>
+          <a:schemeClr val="phClr">
+            <a:tint val="95000"/>
+            <a:satMod val="170000"/>
+          </a:schemeClr>
+        </a:solidFill>
+        <a:gradFill rotWithShape="1">
+          <a:gsLst>
+            <a:gs pos="0">
+              <a:schemeClr val="phClr">
+                <a:tint val="93000"/>
+                <a:satMod val="150000"/>
+                <a:shade val="98000"/>
+                <a:lumMod val="102000"/>
+              </a:schemeClr>
+            </a:gs>
+            <a:gs pos="50000">
+              <a:schemeClr val="phClr">
+                <a:tint val="98000"/>
+                <a:satMod val="130000"/>
+                <a:shade val="90000"/>
+                <a:lumMod val="103000"/>
+              </a:schemeClr>
+            </a:gs>
+            <a:gs pos="100000">
+              <a:schemeClr val="phClr">
+                <a:shade val="63000"/>
+                <a:satMod val="120000"/>
+              </a:schemeClr>
+            </a:gs>
+          </a:gsLst>
+          <a:lin ang="5400000" scaled="0"/>
+        </a:gradFill>
+      </a:bgFillStyleLst>
+    </a:fmtScheme>
+  </a:themeElements>
+  <a:objectDefaults/>
+  <a:extraClrSchemeLst/>
+  <a:extLst>
+    <a:ext uri="{05A4C25C-085E-4340-85A3-A5531E510DB2}">
+      <thm15:themeFamily xmlns:thm15="http://schemas.microsoft.com/office/thememl/2012/main" name="Office Theme" id="{62F939B6-93AF-4DB8-9C6B-D6C7DFDC589F}" vid="{4A3C46E8-61CC-4603-A589-7422A47A8E4A}"/>
+    </a:ext>
+  </a:extLst>
+</a:theme>
+</file>
+
+<file path=ppt/theme/theme2.xml><?xml version="1.0" encoding="utf-8"?>
 <a:theme xmlns:a="http://schemas.openxmlformats.org/drawingml/2006/main" name="Office Theme">
   <a:themeElements>
     <a:clrScheme name="Office">

--- a/ADA Presentation.pptx
+++ b/ADA Presentation.pptx
@@ -5,7 +5,7 @@
     <p:sldMasterId id="2147483648" r:id="rId1"/>
   </p:sldMasterIdLst>
   <p:notesMasterIdLst>
-    <p:notesMasterId r:id="rId15"/>
+    <p:notesMasterId r:id="rId16"/>
   </p:notesMasterIdLst>
   <p:sldIdLst>
     <p:sldId id="256" r:id="rId2"/>
@@ -18,9 +18,10 @@
     <p:sldId id="264" r:id="rId9"/>
     <p:sldId id="269" r:id="rId10"/>
     <p:sldId id="259" r:id="rId11"/>
-    <p:sldId id="262" r:id="rId12"/>
-    <p:sldId id="271" r:id="rId13"/>
-    <p:sldId id="260" r:id="rId14"/>
+    <p:sldId id="271" r:id="rId12"/>
+    <p:sldId id="273" r:id="rId13"/>
+    <p:sldId id="272" r:id="rId14"/>
+    <p:sldId id="260" r:id="rId15"/>
   </p:sldIdLst>
   <p:sldSz cx="12192000" cy="6858000"/>
   <p:notesSz cx="6858000" cy="9144000"/>
@@ -125,6 +126,2160 @@
     </p:ext>
   </p:extLst>
 </p:presentation>
+</file>
+
+<file path=ppt/charts/chart1.xml><?xml version="1.0" encoding="utf-8"?>
+<c:chartSpace xmlns:c="http://schemas.openxmlformats.org/drawingml/2006/chart" xmlns:a="http://schemas.openxmlformats.org/drawingml/2006/main" xmlns:r="http://schemas.openxmlformats.org/officeDocument/2006/relationships">
+  <c:date1904 val="0"/>
+  <c:lang val="en-US"/>
+  <c:roundedCorners val="0"/>
+  <mc:AlternateContent xmlns:mc="http://schemas.openxmlformats.org/markup-compatibility/2006">
+    <mc:Choice xmlns:c14="http://schemas.microsoft.com/office/drawing/2007/8/2/chart" Requires="c14">
+      <c14:style val="102"/>
+    </mc:Choice>
+    <mc:Fallback>
+      <c:style val="2"/>
+    </mc:Fallback>
+  </mc:AlternateContent>
+  <c:chart>
+    <c:title>
+      <c:tx>
+        <c:rich>
+          <a:bodyPr rot="0" spcFirstLastPara="1" vertOverflow="ellipsis" vert="horz" wrap="square" anchor="ctr" anchorCtr="1"/>
+          <a:lstStyle/>
+          <a:p>
+            <a:pPr>
+              <a:defRPr sz="1920" b="0" i="0" u="none" strike="noStrike" kern="1200" spc="0" baseline="0">
+                <a:solidFill>
+                  <a:schemeClr val="tx1">
+                    <a:lumMod val="65000"/>
+                    <a:lumOff val="35000"/>
+                  </a:schemeClr>
+                </a:solidFill>
+                <a:latin typeface="+mn-lt"/>
+                <a:ea typeface="+mn-ea"/>
+                <a:cs typeface="+mn-cs"/>
+              </a:defRPr>
+            </a:pPr>
+            <a:r>
+              <a:rPr lang="en-US"/>
+              <a:t>Figure 1. Odds of trusting all government can protect against terrorism for those who believe the government is honest with the public about terrorism than those who do not</a:t>
+            </a:r>
+          </a:p>
+        </c:rich>
+      </c:tx>
+      <c:layout/>
+      <c:overlay val="0"/>
+      <c:spPr>
+        <a:noFill/>
+        <a:ln>
+          <a:noFill/>
+        </a:ln>
+        <a:effectLst/>
+      </c:spPr>
+      <c:txPr>
+        <a:bodyPr rot="0" spcFirstLastPara="1" vertOverflow="ellipsis" vert="horz" wrap="square" anchor="ctr" anchorCtr="1"/>
+        <a:lstStyle/>
+        <a:p>
+          <a:pPr>
+            <a:defRPr sz="1920" b="0" i="0" u="none" strike="noStrike" kern="1200" spc="0" baseline="0">
+              <a:solidFill>
+                <a:schemeClr val="tx1">
+                  <a:lumMod val="65000"/>
+                  <a:lumOff val="35000"/>
+                </a:schemeClr>
+              </a:solidFill>
+              <a:latin typeface="+mn-lt"/>
+              <a:ea typeface="+mn-ea"/>
+              <a:cs typeface="+mn-cs"/>
+            </a:defRPr>
+          </a:pPr>
+          <a:endParaRPr lang="en-US"/>
+        </a:p>
+      </c:txPr>
+    </c:title>
+    <c:autoTitleDeleted val="0"/>
+    <c:plotArea>
+      <c:layout/>
+      <c:barChart>
+        <c:barDir val="col"/>
+        <c:grouping val="clustered"/>
+        <c:varyColors val="0"/>
+        <c:ser>
+          <c:idx val="0"/>
+          <c:order val="0"/>
+          <c:tx>
+            <c:strRef>
+              <c:f>Sheet1!$A$17</c:f>
+              <c:strCache>
+                <c:ptCount val="1"/>
+                <c:pt idx="0">
+                  <c:v>Model 1 (Unadjusted)</c:v>
+                </c:pt>
+              </c:strCache>
+            </c:strRef>
+          </c:tx>
+          <c:spPr>
+            <a:solidFill>
+              <a:schemeClr val="accent2"/>
+            </a:solidFill>
+            <a:ln>
+              <a:noFill/>
+            </a:ln>
+            <a:effectLst/>
+          </c:spPr>
+          <c:invertIfNegative val="0"/>
+          <c:errBars>
+            <c:errBarType val="both"/>
+            <c:errValType val="cust"/>
+            <c:noEndCap val="0"/>
+            <c:plus>
+              <c:numRef>
+                <c:f>Sheet1!$F$22</c:f>
+                <c:numCache>
+                  <c:formatCode>General</c:formatCode>
+                  <c:ptCount val="1"/>
+                  <c:pt idx="0">
+                    <c:v>19.17136241</c:v>
+                  </c:pt>
+                </c:numCache>
+              </c:numRef>
+            </c:plus>
+            <c:minus>
+              <c:numRef>
+                <c:f>Sheet1!$E$22</c:f>
+                <c:numCache>
+                  <c:formatCode>General</c:formatCode>
+                  <c:ptCount val="1"/>
+                  <c:pt idx="0">
+                    <c:v>10.904570030999999</c:v>
+                  </c:pt>
+                </c:numCache>
+              </c:numRef>
+            </c:minus>
+            <c:spPr>
+              <a:noFill/>
+              <a:ln w="9525" cap="flat" cmpd="sng" algn="ctr">
+                <a:solidFill>
+                  <a:schemeClr val="tx1">
+                    <a:lumMod val="65000"/>
+                    <a:lumOff val="35000"/>
+                  </a:schemeClr>
+                </a:solidFill>
+                <a:round/>
+              </a:ln>
+              <a:effectLst/>
+            </c:spPr>
+          </c:errBars>
+          <c:cat>
+            <c:strRef>
+              <c:f>Sheet1!$A$14</c:f>
+              <c:strCache>
+                <c:ptCount val="1"/>
+                <c:pt idx="0">
+                  <c:v>All government</c:v>
+                </c:pt>
+              </c:strCache>
+            </c:strRef>
+          </c:cat>
+          <c:val>
+            <c:numRef>
+              <c:f>Sheet1!$B$22</c:f>
+              <c:numCache>
+                <c:formatCode>0.00</c:formatCode>
+                <c:ptCount val="1"/>
+                <c:pt idx="0">
+                  <c:v>25.28858279</c:v>
+                </c:pt>
+              </c:numCache>
+            </c:numRef>
+          </c:val>
+        </c:ser>
+        <c:ser>
+          <c:idx val="1"/>
+          <c:order val="1"/>
+          <c:tx>
+            <c:strRef>
+              <c:f>Sheet1!$A$9</c:f>
+              <c:strCache>
+                <c:ptCount val="1"/>
+                <c:pt idx="0">
+                  <c:v>Model 2 (Covariate adjusted)</c:v>
+                </c:pt>
+              </c:strCache>
+            </c:strRef>
+          </c:tx>
+          <c:spPr>
+            <a:solidFill>
+              <a:schemeClr val="accent4"/>
+            </a:solidFill>
+            <a:ln>
+              <a:noFill/>
+            </a:ln>
+            <a:effectLst/>
+          </c:spPr>
+          <c:invertIfNegative val="0"/>
+          <c:errBars>
+            <c:errBarType val="both"/>
+            <c:errValType val="cust"/>
+            <c:noEndCap val="0"/>
+            <c:plus>
+              <c:numRef>
+                <c:f>Sheet1!$F$14</c:f>
+                <c:numCache>
+                  <c:formatCode>General</c:formatCode>
+                  <c:ptCount val="1"/>
+                  <c:pt idx="0">
+                    <c:v>18.175431460000002</c:v>
+                  </c:pt>
+                </c:numCache>
+              </c:numRef>
+            </c:plus>
+            <c:minus>
+              <c:numRef>
+                <c:f>Sheet1!$E$14</c:f>
+                <c:numCache>
+                  <c:formatCode>General</c:formatCode>
+                  <c:ptCount val="1"/>
+                  <c:pt idx="0">
+                    <c:v>10.182270469999999</c:v>
+                  </c:pt>
+                </c:numCache>
+              </c:numRef>
+            </c:minus>
+            <c:spPr>
+              <a:noFill/>
+              <a:ln w="9525" cap="flat" cmpd="sng" algn="ctr">
+                <a:solidFill>
+                  <a:schemeClr val="tx1">
+                    <a:lumMod val="65000"/>
+                    <a:lumOff val="35000"/>
+                  </a:schemeClr>
+                </a:solidFill>
+                <a:round/>
+              </a:ln>
+              <a:effectLst/>
+            </c:spPr>
+          </c:errBars>
+          <c:cat>
+            <c:strRef>
+              <c:f>Sheet1!$A$14</c:f>
+              <c:strCache>
+                <c:ptCount val="1"/>
+                <c:pt idx="0">
+                  <c:v>All government</c:v>
+                </c:pt>
+              </c:strCache>
+            </c:strRef>
+          </c:cat>
+          <c:val>
+            <c:numRef>
+              <c:f>Sheet1!$B$14</c:f>
+              <c:numCache>
+                <c:formatCode>0.00</c:formatCode>
+                <c:ptCount val="1"/>
+                <c:pt idx="0">
+                  <c:v>23.153187939999999</c:v>
+                </c:pt>
+              </c:numCache>
+            </c:numRef>
+          </c:val>
+        </c:ser>
+        <c:dLbls>
+          <c:showLegendKey val="0"/>
+          <c:showVal val="0"/>
+          <c:showCatName val="0"/>
+          <c:showSerName val="0"/>
+          <c:showPercent val="0"/>
+          <c:showBubbleSize val="0"/>
+        </c:dLbls>
+        <c:gapWidth val="219"/>
+        <c:overlap val="-27"/>
+        <c:axId val="504157776"/>
+        <c:axId val="504151896"/>
+      </c:barChart>
+      <c:catAx>
+        <c:axId val="504157776"/>
+        <c:scaling>
+          <c:orientation val="minMax"/>
+        </c:scaling>
+        <c:delete val="0"/>
+        <c:axPos val="b"/>
+        <c:numFmt formatCode="General" sourceLinked="1"/>
+        <c:majorTickMark val="none"/>
+        <c:minorTickMark val="none"/>
+        <c:tickLblPos val="nextTo"/>
+        <c:spPr>
+          <a:noFill/>
+          <a:ln w="9525" cap="flat" cmpd="sng" algn="ctr">
+            <a:solidFill>
+              <a:schemeClr val="tx1">
+                <a:lumMod val="15000"/>
+                <a:lumOff val="85000"/>
+              </a:schemeClr>
+            </a:solidFill>
+            <a:round/>
+          </a:ln>
+          <a:effectLst/>
+        </c:spPr>
+        <c:txPr>
+          <a:bodyPr rot="-60000000" spcFirstLastPara="1" vertOverflow="ellipsis" vert="horz" wrap="square" anchor="ctr" anchorCtr="1"/>
+          <a:lstStyle/>
+          <a:p>
+            <a:pPr>
+              <a:defRPr sz="1600" b="0" i="0" u="none" strike="noStrike" kern="1200" baseline="0">
+                <a:solidFill>
+                  <a:schemeClr val="tx1">
+                    <a:lumMod val="65000"/>
+                    <a:lumOff val="35000"/>
+                  </a:schemeClr>
+                </a:solidFill>
+                <a:latin typeface="+mn-lt"/>
+                <a:ea typeface="+mn-ea"/>
+                <a:cs typeface="+mn-cs"/>
+              </a:defRPr>
+            </a:pPr>
+            <a:endParaRPr lang="en-US"/>
+          </a:p>
+        </c:txPr>
+        <c:crossAx val="504151896"/>
+        <c:crosses val="autoZero"/>
+        <c:auto val="1"/>
+        <c:lblAlgn val="ctr"/>
+        <c:lblOffset val="100"/>
+        <c:noMultiLvlLbl val="0"/>
+      </c:catAx>
+      <c:valAx>
+        <c:axId val="504151896"/>
+        <c:scaling>
+          <c:orientation val="minMax"/>
+          <c:min val="0"/>
+        </c:scaling>
+        <c:delete val="0"/>
+        <c:axPos val="l"/>
+        <c:majorGridlines>
+          <c:spPr>
+            <a:ln w="9525" cap="flat" cmpd="sng" algn="ctr">
+              <a:solidFill>
+                <a:schemeClr val="tx1">
+                  <a:lumMod val="15000"/>
+                  <a:lumOff val="85000"/>
+                </a:schemeClr>
+              </a:solidFill>
+              <a:round/>
+            </a:ln>
+            <a:effectLst/>
+          </c:spPr>
+        </c:majorGridlines>
+        <c:title>
+          <c:tx>
+            <c:rich>
+              <a:bodyPr rot="-5400000" spcFirstLastPara="1" vertOverflow="ellipsis" vert="horz" wrap="square" anchor="ctr" anchorCtr="1"/>
+              <a:lstStyle/>
+              <a:p>
+                <a:pPr>
+                  <a:defRPr sz="1600" b="0" i="0" u="none" strike="noStrike" kern="1200" baseline="0">
+                    <a:solidFill>
+                      <a:schemeClr val="tx1">
+                        <a:lumMod val="65000"/>
+                        <a:lumOff val="35000"/>
+                      </a:schemeClr>
+                    </a:solidFill>
+                    <a:latin typeface="+mn-lt"/>
+                    <a:ea typeface="+mn-ea"/>
+                    <a:cs typeface="+mn-cs"/>
+                  </a:defRPr>
+                </a:pPr>
+                <a:r>
+                  <a:rPr lang="en-US"/>
+                  <a:t>Odds ratio</a:t>
+                </a:r>
+              </a:p>
+            </c:rich>
+          </c:tx>
+          <c:layout/>
+          <c:overlay val="0"/>
+          <c:spPr>
+            <a:noFill/>
+            <a:ln>
+              <a:noFill/>
+            </a:ln>
+            <a:effectLst/>
+          </c:spPr>
+          <c:txPr>
+            <a:bodyPr rot="-5400000" spcFirstLastPara="1" vertOverflow="ellipsis" vert="horz" wrap="square" anchor="ctr" anchorCtr="1"/>
+            <a:lstStyle/>
+            <a:p>
+              <a:pPr>
+                <a:defRPr sz="1600" b="0" i="0" u="none" strike="noStrike" kern="1200" baseline="0">
+                  <a:solidFill>
+                    <a:schemeClr val="tx1">
+                      <a:lumMod val="65000"/>
+                      <a:lumOff val="35000"/>
+                    </a:schemeClr>
+                  </a:solidFill>
+                  <a:latin typeface="+mn-lt"/>
+                  <a:ea typeface="+mn-ea"/>
+                  <a:cs typeface="+mn-cs"/>
+                </a:defRPr>
+              </a:pPr>
+              <a:endParaRPr lang="en-US"/>
+            </a:p>
+          </c:txPr>
+        </c:title>
+        <c:numFmt formatCode="0" sourceLinked="0"/>
+        <c:majorTickMark val="none"/>
+        <c:minorTickMark val="none"/>
+        <c:tickLblPos val="nextTo"/>
+        <c:spPr>
+          <a:noFill/>
+          <a:ln>
+            <a:noFill/>
+          </a:ln>
+          <a:effectLst/>
+        </c:spPr>
+        <c:txPr>
+          <a:bodyPr rot="-60000000" spcFirstLastPara="1" vertOverflow="ellipsis" vert="horz" wrap="square" anchor="ctr" anchorCtr="1"/>
+          <a:lstStyle/>
+          <a:p>
+            <a:pPr>
+              <a:defRPr sz="1600" b="0" i="0" u="none" strike="noStrike" kern="1200" baseline="0">
+                <a:solidFill>
+                  <a:schemeClr val="tx1">
+                    <a:lumMod val="65000"/>
+                    <a:lumOff val="35000"/>
+                  </a:schemeClr>
+                </a:solidFill>
+                <a:latin typeface="+mn-lt"/>
+                <a:ea typeface="+mn-ea"/>
+                <a:cs typeface="+mn-cs"/>
+              </a:defRPr>
+            </a:pPr>
+            <a:endParaRPr lang="en-US"/>
+          </a:p>
+        </c:txPr>
+        <c:crossAx val="504157776"/>
+        <c:crosses val="autoZero"/>
+        <c:crossBetween val="between"/>
+      </c:valAx>
+      <c:spPr>
+        <a:noFill/>
+        <a:ln>
+          <a:noFill/>
+        </a:ln>
+        <a:effectLst/>
+      </c:spPr>
+    </c:plotArea>
+    <c:legend>
+      <c:legendPos val="b"/>
+      <c:layout/>
+      <c:overlay val="0"/>
+      <c:spPr>
+        <a:noFill/>
+        <a:ln>
+          <a:noFill/>
+        </a:ln>
+        <a:effectLst/>
+      </c:spPr>
+      <c:txPr>
+        <a:bodyPr rot="0" spcFirstLastPara="1" vertOverflow="ellipsis" vert="horz" wrap="square" anchor="ctr" anchorCtr="1"/>
+        <a:lstStyle/>
+        <a:p>
+          <a:pPr>
+            <a:defRPr sz="1600" b="0" i="0" u="none" strike="noStrike" kern="1200" baseline="0">
+              <a:solidFill>
+                <a:schemeClr val="tx1">
+                  <a:lumMod val="65000"/>
+                  <a:lumOff val="35000"/>
+                </a:schemeClr>
+              </a:solidFill>
+              <a:latin typeface="+mn-lt"/>
+              <a:ea typeface="+mn-ea"/>
+              <a:cs typeface="+mn-cs"/>
+            </a:defRPr>
+          </a:pPr>
+          <a:endParaRPr lang="en-US"/>
+        </a:p>
+      </c:txPr>
+    </c:legend>
+    <c:plotVisOnly val="1"/>
+    <c:dispBlanksAs val="gap"/>
+    <c:showDLblsOverMax val="0"/>
+  </c:chart>
+  <c:spPr>
+    <a:noFill/>
+    <a:ln>
+      <a:noFill/>
+    </a:ln>
+    <a:effectLst/>
+  </c:spPr>
+  <c:txPr>
+    <a:bodyPr/>
+    <a:lstStyle/>
+    <a:p>
+      <a:pPr>
+        <a:defRPr sz="1600"/>
+      </a:pPr>
+      <a:endParaRPr lang="en-US"/>
+    </a:p>
+  </c:txPr>
+  <c:externalData r:id="rId3">
+    <c:autoUpdate val="0"/>
+  </c:externalData>
+</c:chartSpace>
+</file>
+
+<file path=ppt/charts/chart2.xml><?xml version="1.0" encoding="utf-8"?>
+<c:chartSpace xmlns:c="http://schemas.openxmlformats.org/drawingml/2006/chart" xmlns:a="http://schemas.openxmlformats.org/drawingml/2006/main" xmlns:r="http://schemas.openxmlformats.org/officeDocument/2006/relationships">
+  <c:date1904 val="0"/>
+  <c:lang val="en-US"/>
+  <c:roundedCorners val="0"/>
+  <mc:AlternateContent xmlns:mc="http://schemas.openxmlformats.org/markup-compatibility/2006">
+    <mc:Choice xmlns:c14="http://schemas.microsoft.com/office/drawing/2007/8/2/chart" Requires="c14">
+      <c14:style val="102"/>
+    </mc:Choice>
+    <mc:Fallback>
+      <c:style val="2"/>
+    </mc:Fallback>
+  </mc:AlternateContent>
+  <c:chart>
+    <c:title>
+      <c:tx>
+        <c:rich>
+          <a:bodyPr rot="0" spcFirstLastPara="1" vertOverflow="ellipsis" vert="horz" wrap="square" anchor="ctr" anchorCtr="1"/>
+          <a:lstStyle/>
+          <a:p>
+            <a:pPr>
+              <a:defRPr sz="1920" b="0" i="0" u="none" strike="noStrike" kern="1200" spc="0" baseline="0">
+                <a:solidFill>
+                  <a:schemeClr val="tx1">
+                    <a:lumMod val="65000"/>
+                    <a:lumOff val="35000"/>
+                  </a:schemeClr>
+                </a:solidFill>
+                <a:latin typeface="+mn-lt"/>
+                <a:ea typeface="+mn-ea"/>
+                <a:cs typeface="+mn-cs"/>
+              </a:defRPr>
+            </a:pPr>
+            <a:r>
+              <a:rPr lang="en-US" dirty="0"/>
+              <a:t>Figure </a:t>
+            </a:r>
+            <a:r>
+              <a:rPr lang="en-US" dirty="0" smtClean="0"/>
+              <a:t>2. </a:t>
+            </a:r>
+            <a:r>
+              <a:rPr lang="en-US" sz="1800" b="0" i="0" baseline="0" dirty="0" smtClean="0">
+                <a:effectLst/>
+              </a:rPr>
+              <a:t>Odds of trusting local, state, and federal government can protect against terrorism for those who believe the government is honest with the public about terrorism than those who do not</a:t>
+            </a:r>
+            <a:endParaRPr lang="en-US" dirty="0">
+              <a:effectLst/>
+            </a:endParaRPr>
+          </a:p>
+        </c:rich>
+      </c:tx>
+      <c:layout/>
+      <c:overlay val="0"/>
+      <c:spPr>
+        <a:noFill/>
+        <a:ln>
+          <a:noFill/>
+        </a:ln>
+        <a:effectLst/>
+      </c:spPr>
+      <c:txPr>
+        <a:bodyPr rot="0" spcFirstLastPara="1" vertOverflow="ellipsis" vert="horz" wrap="square" anchor="ctr" anchorCtr="1"/>
+        <a:lstStyle/>
+        <a:p>
+          <a:pPr>
+            <a:defRPr sz="1920" b="0" i="0" u="none" strike="noStrike" kern="1200" spc="0" baseline="0">
+              <a:solidFill>
+                <a:schemeClr val="tx1">
+                  <a:lumMod val="65000"/>
+                  <a:lumOff val="35000"/>
+                </a:schemeClr>
+              </a:solidFill>
+              <a:latin typeface="+mn-lt"/>
+              <a:ea typeface="+mn-ea"/>
+              <a:cs typeface="+mn-cs"/>
+            </a:defRPr>
+          </a:pPr>
+          <a:endParaRPr lang="en-US"/>
+        </a:p>
+      </c:txPr>
+    </c:title>
+    <c:autoTitleDeleted val="0"/>
+    <c:plotArea>
+      <c:layout/>
+      <c:barChart>
+        <c:barDir val="col"/>
+        <c:grouping val="clustered"/>
+        <c:varyColors val="0"/>
+        <c:ser>
+          <c:idx val="1"/>
+          <c:order val="0"/>
+          <c:tx>
+            <c:strRef>
+              <c:f>Sheet1!$A$17</c:f>
+              <c:strCache>
+                <c:ptCount val="1"/>
+                <c:pt idx="0">
+                  <c:v>Model 1 (Unadjusted)</c:v>
+                </c:pt>
+              </c:strCache>
+            </c:strRef>
+          </c:tx>
+          <c:spPr>
+            <a:solidFill>
+              <a:schemeClr val="accent4"/>
+            </a:solidFill>
+            <a:ln>
+              <a:noFill/>
+            </a:ln>
+            <a:effectLst/>
+          </c:spPr>
+          <c:invertIfNegative val="0"/>
+          <c:errBars>
+            <c:errBarType val="both"/>
+            <c:errValType val="cust"/>
+            <c:noEndCap val="0"/>
+            <c:plus>
+              <c:numRef>
+                <c:f>Sheet1!$F$19:$F$22</c:f>
+                <c:numCache>
+                  <c:formatCode>General</c:formatCode>
+                  <c:ptCount val="4"/>
+                  <c:pt idx="0">
+                    <c:v>2.7842057100000002</c:v>
+                  </c:pt>
+                  <c:pt idx="1">
+                    <c:v>1.9391429200000001</c:v>
+                  </c:pt>
+                  <c:pt idx="2">
+                    <c:v>1.2812245999999998</c:v>
+                  </c:pt>
+                  <c:pt idx="3">
+                    <c:v>19.17136241</c:v>
+                  </c:pt>
+                </c:numCache>
+              </c:numRef>
+            </c:plus>
+            <c:minus>
+              <c:numRef>
+                <c:f>Sheet1!$E$19:$E$22</c:f>
+                <c:numCache>
+                  <c:formatCode>General</c:formatCode>
+                  <c:ptCount val="4"/>
+                  <c:pt idx="0">
+                    <c:v>1.9064796199999998</c:v>
+                  </c:pt>
+                  <c:pt idx="1">
+                    <c:v>1.44402206</c:v>
+                  </c:pt>
+                  <c:pt idx="2">
+                    <c:v>1.0330385</c:v>
+                  </c:pt>
+                  <c:pt idx="3">
+                    <c:v>10.904570030999999</c:v>
+                  </c:pt>
+                </c:numCache>
+              </c:numRef>
+            </c:minus>
+            <c:spPr>
+              <a:noFill/>
+              <a:ln w="9525" cap="flat" cmpd="sng" algn="ctr">
+                <a:solidFill>
+                  <a:schemeClr val="tx1">
+                    <a:lumMod val="65000"/>
+                    <a:lumOff val="35000"/>
+                  </a:schemeClr>
+                </a:solidFill>
+                <a:round/>
+              </a:ln>
+              <a:effectLst/>
+            </c:spPr>
+          </c:errBars>
+          <c:cat>
+            <c:strRef>
+              <c:f>Sheet1!$A$11:$A$13</c:f>
+              <c:strCache>
+                <c:ptCount val="3"/>
+                <c:pt idx="0">
+                  <c:v>Local government</c:v>
+                </c:pt>
+                <c:pt idx="1">
+                  <c:v>State government</c:v>
+                </c:pt>
+                <c:pt idx="2">
+                  <c:v>Federal government</c:v>
+                </c:pt>
+              </c:strCache>
+            </c:strRef>
+          </c:cat>
+          <c:val>
+            <c:numRef>
+              <c:f>Sheet1!$B$19:$B$21</c:f>
+              <c:numCache>
+                <c:formatCode>0.00</c:formatCode>
+                <c:ptCount val="3"/>
+                <c:pt idx="0">
+                  <c:v>6.0474809199999999</c:v>
+                </c:pt>
+                <c:pt idx="1">
+                  <c:v>5.6555185400000001</c:v>
+                </c:pt>
+                <c:pt idx="2">
+                  <c:v>5.3329114000000004</c:v>
+                </c:pt>
+              </c:numCache>
+            </c:numRef>
+          </c:val>
+        </c:ser>
+        <c:ser>
+          <c:idx val="0"/>
+          <c:order val="1"/>
+          <c:tx>
+            <c:strRef>
+              <c:f>Sheet1!$A$9</c:f>
+              <c:strCache>
+                <c:ptCount val="1"/>
+                <c:pt idx="0">
+                  <c:v>Model 2 (Covariate adjusted)</c:v>
+                </c:pt>
+              </c:strCache>
+            </c:strRef>
+          </c:tx>
+          <c:spPr>
+            <a:solidFill>
+              <a:schemeClr val="accent2"/>
+            </a:solidFill>
+            <a:ln>
+              <a:noFill/>
+            </a:ln>
+            <a:effectLst/>
+          </c:spPr>
+          <c:invertIfNegative val="0"/>
+          <c:errBars>
+            <c:errBarType val="both"/>
+            <c:errValType val="cust"/>
+            <c:noEndCap val="0"/>
+            <c:plus>
+              <c:numRef>
+                <c:f>Sheet1!$F$11:$F$14</c:f>
+                <c:numCache>
+                  <c:formatCode>General</c:formatCode>
+                  <c:ptCount val="4"/>
+                  <c:pt idx="0">
+                    <c:v>2.8006347300000005</c:v>
+                  </c:pt>
+                  <c:pt idx="1">
+                    <c:v>2.0693622000000005</c:v>
+                  </c:pt>
+                  <c:pt idx="2">
+                    <c:v>1.1715301</c:v>
+                  </c:pt>
+                  <c:pt idx="3">
+                    <c:v>18.175431460000002</c:v>
+                  </c:pt>
+                </c:numCache>
+              </c:numRef>
+            </c:plus>
+            <c:minus>
+              <c:numRef>
+                <c:f>Sheet1!$E$11:$E$14</c:f>
+                <c:numCache>
+                  <c:formatCode>General</c:formatCode>
+                  <c:ptCount val="4"/>
+                  <c:pt idx="0">
+                    <c:v>1.8851888599999995</c:v>
+                  </c:pt>
+                  <c:pt idx="1">
+                    <c:v>1.5107420999999999</c:v>
+                  </c:pt>
+                  <c:pt idx="2">
+                    <c:v>0.93187160000000047</c:v>
+                  </c:pt>
+                  <c:pt idx="3">
+                    <c:v>10.182270469999999</c:v>
+                  </c:pt>
+                </c:numCache>
+              </c:numRef>
+            </c:minus>
+            <c:spPr>
+              <a:noFill/>
+              <a:ln w="9525" cap="flat" cmpd="sng" algn="ctr">
+                <a:solidFill>
+                  <a:schemeClr val="tx1">
+                    <a:lumMod val="65000"/>
+                    <a:lumOff val="35000"/>
+                  </a:schemeClr>
+                </a:solidFill>
+                <a:round/>
+              </a:ln>
+              <a:effectLst/>
+            </c:spPr>
+          </c:errBars>
+          <c:cat>
+            <c:strRef>
+              <c:f>Sheet1!$A$11:$A$13</c:f>
+              <c:strCache>
+                <c:ptCount val="3"/>
+                <c:pt idx="0">
+                  <c:v>Local government</c:v>
+                </c:pt>
+                <c:pt idx="1">
+                  <c:v>State government</c:v>
+                </c:pt>
+                <c:pt idx="2">
+                  <c:v>Federal government</c:v>
+                </c:pt>
+              </c:strCache>
+            </c:strRef>
+          </c:cat>
+          <c:val>
+            <c:numRef>
+              <c:f>Sheet1!$B$11:$B$13</c:f>
+              <c:numCache>
+                <c:formatCode>0.00</c:formatCode>
+                <c:ptCount val="3"/>
+                <c:pt idx="0">
+                  <c:v>5.7673812699999996</c:v>
+                </c:pt>
+                <c:pt idx="1">
+                  <c:v>5.5964207999999998</c:v>
+                </c:pt>
+                <c:pt idx="2">
+                  <c:v>4.5552976000000003</c:v>
+                </c:pt>
+              </c:numCache>
+            </c:numRef>
+          </c:val>
+        </c:ser>
+        <c:dLbls>
+          <c:showLegendKey val="0"/>
+          <c:showVal val="0"/>
+          <c:showCatName val="0"/>
+          <c:showSerName val="0"/>
+          <c:showPercent val="0"/>
+          <c:showBubbleSize val="0"/>
+        </c:dLbls>
+        <c:gapWidth val="219"/>
+        <c:overlap val="-27"/>
+        <c:axId val="495819816"/>
+        <c:axId val="495822952"/>
+      </c:barChart>
+      <c:catAx>
+        <c:axId val="495819816"/>
+        <c:scaling>
+          <c:orientation val="minMax"/>
+        </c:scaling>
+        <c:delete val="0"/>
+        <c:axPos val="b"/>
+        <c:numFmt formatCode="General" sourceLinked="1"/>
+        <c:majorTickMark val="none"/>
+        <c:minorTickMark val="none"/>
+        <c:tickLblPos val="nextTo"/>
+        <c:spPr>
+          <a:noFill/>
+          <a:ln w="9525" cap="flat" cmpd="sng" algn="ctr">
+            <a:solidFill>
+              <a:schemeClr val="tx1">
+                <a:lumMod val="15000"/>
+                <a:lumOff val="85000"/>
+              </a:schemeClr>
+            </a:solidFill>
+            <a:round/>
+          </a:ln>
+          <a:effectLst/>
+        </c:spPr>
+        <c:txPr>
+          <a:bodyPr rot="-60000000" spcFirstLastPara="1" vertOverflow="ellipsis" vert="horz" wrap="square" anchor="ctr" anchorCtr="1"/>
+          <a:lstStyle/>
+          <a:p>
+            <a:pPr>
+              <a:defRPr sz="1600" b="0" i="0" u="none" strike="noStrike" kern="1200" baseline="0">
+                <a:solidFill>
+                  <a:schemeClr val="tx1">
+                    <a:lumMod val="65000"/>
+                    <a:lumOff val="35000"/>
+                  </a:schemeClr>
+                </a:solidFill>
+                <a:latin typeface="+mn-lt"/>
+                <a:ea typeface="+mn-ea"/>
+                <a:cs typeface="+mn-cs"/>
+              </a:defRPr>
+            </a:pPr>
+            <a:endParaRPr lang="en-US"/>
+          </a:p>
+        </c:txPr>
+        <c:crossAx val="495822952"/>
+        <c:crosses val="autoZero"/>
+        <c:auto val="1"/>
+        <c:lblAlgn val="ctr"/>
+        <c:lblOffset val="100"/>
+        <c:noMultiLvlLbl val="0"/>
+      </c:catAx>
+      <c:valAx>
+        <c:axId val="495822952"/>
+        <c:scaling>
+          <c:orientation val="minMax"/>
+        </c:scaling>
+        <c:delete val="0"/>
+        <c:axPos val="l"/>
+        <c:majorGridlines>
+          <c:spPr>
+            <a:ln w="9525" cap="flat" cmpd="sng" algn="ctr">
+              <a:solidFill>
+                <a:schemeClr val="tx1">
+                  <a:lumMod val="15000"/>
+                  <a:lumOff val="85000"/>
+                </a:schemeClr>
+              </a:solidFill>
+              <a:round/>
+            </a:ln>
+            <a:effectLst/>
+          </c:spPr>
+        </c:majorGridlines>
+        <c:title>
+          <c:tx>
+            <c:rich>
+              <a:bodyPr rot="-5400000" spcFirstLastPara="1" vertOverflow="ellipsis" vert="horz" wrap="square" anchor="ctr" anchorCtr="1"/>
+              <a:lstStyle/>
+              <a:p>
+                <a:pPr>
+                  <a:defRPr sz="1600" b="0" i="0" u="none" strike="noStrike" kern="1200" baseline="0">
+                    <a:solidFill>
+                      <a:schemeClr val="tx1">
+                        <a:lumMod val="65000"/>
+                        <a:lumOff val="35000"/>
+                      </a:schemeClr>
+                    </a:solidFill>
+                    <a:latin typeface="+mn-lt"/>
+                    <a:ea typeface="+mn-ea"/>
+                    <a:cs typeface="+mn-cs"/>
+                  </a:defRPr>
+                </a:pPr>
+                <a:r>
+                  <a:rPr lang="en-US"/>
+                  <a:t>Odds ratio</a:t>
+                </a:r>
+              </a:p>
+            </c:rich>
+          </c:tx>
+          <c:layout/>
+          <c:overlay val="0"/>
+          <c:spPr>
+            <a:noFill/>
+            <a:ln>
+              <a:noFill/>
+            </a:ln>
+            <a:effectLst/>
+          </c:spPr>
+          <c:txPr>
+            <a:bodyPr rot="-5400000" spcFirstLastPara="1" vertOverflow="ellipsis" vert="horz" wrap="square" anchor="ctr" anchorCtr="1"/>
+            <a:lstStyle/>
+            <a:p>
+              <a:pPr>
+                <a:defRPr sz="1600" b="0" i="0" u="none" strike="noStrike" kern="1200" baseline="0">
+                  <a:solidFill>
+                    <a:schemeClr val="tx1">
+                      <a:lumMod val="65000"/>
+                      <a:lumOff val="35000"/>
+                    </a:schemeClr>
+                  </a:solidFill>
+                  <a:latin typeface="+mn-lt"/>
+                  <a:ea typeface="+mn-ea"/>
+                  <a:cs typeface="+mn-cs"/>
+                </a:defRPr>
+              </a:pPr>
+              <a:endParaRPr lang="en-US"/>
+            </a:p>
+          </c:txPr>
+        </c:title>
+        <c:numFmt formatCode="0" sourceLinked="0"/>
+        <c:majorTickMark val="none"/>
+        <c:minorTickMark val="none"/>
+        <c:tickLblPos val="nextTo"/>
+        <c:spPr>
+          <a:noFill/>
+          <a:ln>
+            <a:noFill/>
+          </a:ln>
+          <a:effectLst/>
+        </c:spPr>
+        <c:txPr>
+          <a:bodyPr rot="-60000000" spcFirstLastPara="1" vertOverflow="ellipsis" vert="horz" wrap="square" anchor="ctr" anchorCtr="1"/>
+          <a:lstStyle/>
+          <a:p>
+            <a:pPr>
+              <a:defRPr sz="1600" b="0" i="0" u="none" strike="noStrike" kern="1200" baseline="0">
+                <a:solidFill>
+                  <a:schemeClr val="tx1">
+                    <a:lumMod val="65000"/>
+                    <a:lumOff val="35000"/>
+                  </a:schemeClr>
+                </a:solidFill>
+                <a:latin typeface="+mn-lt"/>
+                <a:ea typeface="+mn-ea"/>
+                <a:cs typeface="+mn-cs"/>
+              </a:defRPr>
+            </a:pPr>
+            <a:endParaRPr lang="en-US"/>
+          </a:p>
+        </c:txPr>
+        <c:crossAx val="495819816"/>
+        <c:crosses val="autoZero"/>
+        <c:crossBetween val="between"/>
+      </c:valAx>
+      <c:spPr>
+        <a:noFill/>
+        <a:ln>
+          <a:noFill/>
+        </a:ln>
+        <a:effectLst/>
+      </c:spPr>
+    </c:plotArea>
+    <c:legend>
+      <c:legendPos val="b"/>
+      <c:layout/>
+      <c:overlay val="0"/>
+      <c:spPr>
+        <a:noFill/>
+        <a:ln>
+          <a:noFill/>
+        </a:ln>
+        <a:effectLst/>
+      </c:spPr>
+      <c:txPr>
+        <a:bodyPr rot="0" spcFirstLastPara="1" vertOverflow="ellipsis" vert="horz" wrap="square" anchor="ctr" anchorCtr="1"/>
+        <a:lstStyle/>
+        <a:p>
+          <a:pPr>
+            <a:defRPr sz="1600" b="0" i="0" u="none" strike="noStrike" kern="1200" baseline="0">
+              <a:solidFill>
+                <a:schemeClr val="tx1">
+                  <a:lumMod val="65000"/>
+                  <a:lumOff val="35000"/>
+                </a:schemeClr>
+              </a:solidFill>
+              <a:latin typeface="+mn-lt"/>
+              <a:ea typeface="+mn-ea"/>
+              <a:cs typeface="+mn-cs"/>
+            </a:defRPr>
+          </a:pPr>
+          <a:endParaRPr lang="en-US"/>
+        </a:p>
+      </c:txPr>
+    </c:legend>
+    <c:plotVisOnly val="1"/>
+    <c:dispBlanksAs val="gap"/>
+    <c:showDLblsOverMax val="0"/>
+  </c:chart>
+  <c:spPr>
+    <a:noFill/>
+    <a:ln>
+      <a:noFill/>
+    </a:ln>
+    <a:effectLst/>
+  </c:spPr>
+  <c:txPr>
+    <a:bodyPr/>
+    <a:lstStyle/>
+    <a:p>
+      <a:pPr>
+        <a:defRPr sz="1600"/>
+      </a:pPr>
+      <a:endParaRPr lang="en-US"/>
+    </a:p>
+  </c:txPr>
+  <c:externalData r:id="rId3">
+    <c:autoUpdate val="0"/>
+  </c:externalData>
+</c:chartSpace>
+</file>
+
+<file path=ppt/charts/colors1.xml><?xml version="1.0" encoding="utf-8"?>
+<cs:colorStyle xmlns:cs="http://schemas.microsoft.com/office/drawing/2012/chartStyle" xmlns:a="http://schemas.openxmlformats.org/drawingml/2006/main" meth="cycle" id="12">
+  <a:schemeClr val="accent2"/>
+  <a:schemeClr val="accent4"/>
+  <a:schemeClr val="accent6"/>
+  <cs:variation/>
+  <cs:variation>
+    <a:lumMod val="60000"/>
+  </cs:variation>
+  <cs:variation>
+    <a:lumMod val="80000"/>
+    <a:lumOff val="20000"/>
+  </cs:variation>
+  <cs:variation>
+    <a:lumMod val="80000"/>
+  </cs:variation>
+  <cs:variation>
+    <a:lumMod val="60000"/>
+    <a:lumOff val="40000"/>
+  </cs:variation>
+  <cs:variation>
+    <a:lumMod val="50000"/>
+  </cs:variation>
+  <cs:variation>
+    <a:lumMod val="70000"/>
+    <a:lumOff val="30000"/>
+  </cs:variation>
+  <cs:variation>
+    <a:lumMod val="70000"/>
+  </cs:variation>
+  <cs:variation>
+    <a:lumMod val="50000"/>
+    <a:lumOff val="50000"/>
+  </cs:variation>
+</cs:colorStyle>
+</file>
+
+<file path=ppt/charts/colors2.xml><?xml version="1.0" encoding="utf-8"?>
+<cs:colorStyle xmlns:cs="http://schemas.microsoft.com/office/drawing/2012/chartStyle" xmlns:a="http://schemas.openxmlformats.org/drawingml/2006/main" meth="cycle" id="12">
+  <a:schemeClr val="accent2"/>
+  <a:schemeClr val="accent4"/>
+  <a:schemeClr val="accent6"/>
+  <cs:variation/>
+  <cs:variation>
+    <a:lumMod val="60000"/>
+  </cs:variation>
+  <cs:variation>
+    <a:lumMod val="80000"/>
+    <a:lumOff val="20000"/>
+  </cs:variation>
+  <cs:variation>
+    <a:lumMod val="80000"/>
+  </cs:variation>
+  <cs:variation>
+    <a:lumMod val="60000"/>
+    <a:lumOff val="40000"/>
+  </cs:variation>
+  <cs:variation>
+    <a:lumMod val="50000"/>
+  </cs:variation>
+  <cs:variation>
+    <a:lumMod val="70000"/>
+    <a:lumOff val="30000"/>
+  </cs:variation>
+  <cs:variation>
+    <a:lumMod val="70000"/>
+  </cs:variation>
+  <cs:variation>
+    <a:lumMod val="50000"/>
+    <a:lumOff val="50000"/>
+  </cs:variation>
+</cs:colorStyle>
+</file>
+
+<file path=ppt/charts/style1.xml><?xml version="1.0" encoding="utf-8"?>
+<cs:chartStyle xmlns:cs="http://schemas.microsoft.com/office/drawing/2012/chartStyle" xmlns:a="http://schemas.openxmlformats.org/drawingml/2006/main" id="201">
+  <cs:axisTitle>
+    <cs:lnRef idx="0"/>
+    <cs:fillRef idx="0"/>
+    <cs:effectRef idx="0"/>
+    <cs:fontRef idx="minor">
+      <a:schemeClr val="tx1">
+        <a:lumMod val="65000"/>
+        <a:lumOff val="35000"/>
+      </a:schemeClr>
+    </cs:fontRef>
+    <cs:defRPr sz="1000" kern="1200"/>
+  </cs:axisTitle>
+  <cs:categoryAxis>
+    <cs:lnRef idx="0"/>
+    <cs:fillRef idx="0"/>
+    <cs:effectRef idx="0"/>
+    <cs:fontRef idx="minor">
+      <a:schemeClr val="tx1">
+        <a:lumMod val="65000"/>
+        <a:lumOff val="35000"/>
+      </a:schemeClr>
+    </cs:fontRef>
+    <cs:spPr>
+      <a:ln w="9525" cap="flat" cmpd="sng" algn="ctr">
+        <a:solidFill>
+          <a:schemeClr val="tx1">
+            <a:lumMod val="15000"/>
+            <a:lumOff val="85000"/>
+          </a:schemeClr>
+        </a:solidFill>
+        <a:round/>
+      </a:ln>
+    </cs:spPr>
+    <cs:defRPr sz="900" kern="1200"/>
+  </cs:categoryAxis>
+  <cs:chartArea mods="allowNoFillOverride allowNoLineOverride">
+    <cs:lnRef idx="0"/>
+    <cs:fillRef idx="0"/>
+    <cs:effectRef idx="0"/>
+    <cs:fontRef idx="minor">
+      <a:schemeClr val="tx1"/>
+    </cs:fontRef>
+    <cs:spPr>
+      <a:solidFill>
+        <a:schemeClr val="bg1"/>
+      </a:solidFill>
+      <a:ln w="9525" cap="flat" cmpd="sng" algn="ctr">
+        <a:solidFill>
+          <a:schemeClr val="tx1">
+            <a:lumMod val="15000"/>
+            <a:lumOff val="85000"/>
+          </a:schemeClr>
+        </a:solidFill>
+        <a:round/>
+      </a:ln>
+    </cs:spPr>
+    <cs:defRPr sz="1000" kern="1200"/>
+  </cs:chartArea>
+  <cs:dataLabel>
+    <cs:lnRef idx="0"/>
+    <cs:fillRef idx="0"/>
+    <cs:effectRef idx="0"/>
+    <cs:fontRef idx="minor">
+      <a:schemeClr val="tx1">
+        <a:lumMod val="75000"/>
+        <a:lumOff val="25000"/>
+      </a:schemeClr>
+    </cs:fontRef>
+    <cs:defRPr sz="900" kern="1200"/>
+  </cs:dataLabel>
+  <cs:dataLabelCallout>
+    <cs:lnRef idx="0"/>
+    <cs:fillRef idx="0"/>
+    <cs:effectRef idx="0"/>
+    <cs:fontRef idx="minor">
+      <a:schemeClr val="dk1">
+        <a:lumMod val="65000"/>
+        <a:lumOff val="35000"/>
+      </a:schemeClr>
+    </cs:fontRef>
+    <cs:spPr>
+      <a:solidFill>
+        <a:schemeClr val="lt1"/>
+      </a:solidFill>
+      <a:ln>
+        <a:solidFill>
+          <a:schemeClr val="dk1">
+            <a:lumMod val="25000"/>
+            <a:lumOff val="75000"/>
+          </a:schemeClr>
+        </a:solidFill>
+      </a:ln>
+    </cs:spPr>
+    <cs:defRPr sz="900" kern="1200"/>
+    <cs:bodyPr rot="0" spcFirstLastPara="1" vertOverflow="clip" horzOverflow="clip" vert="horz" wrap="square" lIns="36576" tIns="18288" rIns="36576" bIns="18288" anchor="ctr" anchorCtr="1">
+      <a:spAutoFit/>
+    </cs:bodyPr>
+  </cs:dataLabelCallout>
+  <cs:dataPoint>
+    <cs:lnRef idx="0"/>
+    <cs:fillRef idx="1">
+      <cs:styleClr val="auto"/>
+    </cs:fillRef>
+    <cs:effectRef idx="0"/>
+    <cs:fontRef idx="minor">
+      <a:schemeClr val="tx1"/>
+    </cs:fontRef>
+  </cs:dataPoint>
+  <cs:dataPoint3D>
+    <cs:lnRef idx="0"/>
+    <cs:fillRef idx="1">
+      <cs:styleClr val="auto"/>
+    </cs:fillRef>
+    <cs:effectRef idx="0"/>
+    <cs:fontRef idx="minor">
+      <a:schemeClr val="tx1"/>
+    </cs:fontRef>
+  </cs:dataPoint3D>
+  <cs:dataPointLine>
+    <cs:lnRef idx="0">
+      <cs:styleClr val="auto"/>
+    </cs:lnRef>
+    <cs:fillRef idx="1"/>
+    <cs:effectRef idx="0"/>
+    <cs:fontRef idx="minor">
+      <a:schemeClr val="tx1"/>
+    </cs:fontRef>
+    <cs:spPr>
+      <a:ln w="28575" cap="rnd">
+        <a:solidFill>
+          <a:schemeClr val="phClr"/>
+        </a:solidFill>
+        <a:round/>
+      </a:ln>
+    </cs:spPr>
+  </cs:dataPointLine>
+  <cs:dataPointMarker>
+    <cs:lnRef idx="0">
+      <cs:styleClr val="auto"/>
+    </cs:lnRef>
+    <cs:fillRef idx="1">
+      <cs:styleClr val="auto"/>
+    </cs:fillRef>
+    <cs:effectRef idx="0"/>
+    <cs:fontRef idx="minor">
+      <a:schemeClr val="tx1"/>
+    </cs:fontRef>
+    <cs:spPr>
+      <a:ln w="9525">
+        <a:solidFill>
+          <a:schemeClr val="phClr"/>
+        </a:solidFill>
+      </a:ln>
+    </cs:spPr>
+  </cs:dataPointMarker>
+  <cs:dataPointMarkerLayout symbol="circle" size="5"/>
+  <cs:dataPointWireframe>
+    <cs:lnRef idx="0">
+      <cs:styleClr val="auto"/>
+    </cs:lnRef>
+    <cs:fillRef idx="1"/>
+    <cs:effectRef idx="0"/>
+    <cs:fontRef idx="minor">
+      <a:schemeClr val="tx1"/>
+    </cs:fontRef>
+    <cs:spPr>
+      <a:ln w="9525" cap="rnd">
+        <a:solidFill>
+          <a:schemeClr val="phClr"/>
+        </a:solidFill>
+        <a:round/>
+      </a:ln>
+    </cs:spPr>
+  </cs:dataPointWireframe>
+  <cs:dataTable>
+    <cs:lnRef idx="0"/>
+    <cs:fillRef idx="0"/>
+    <cs:effectRef idx="0"/>
+    <cs:fontRef idx="minor">
+      <a:schemeClr val="tx1">
+        <a:lumMod val="65000"/>
+        <a:lumOff val="35000"/>
+      </a:schemeClr>
+    </cs:fontRef>
+    <cs:spPr>
+      <a:noFill/>
+      <a:ln w="9525" cap="flat" cmpd="sng" algn="ctr">
+        <a:solidFill>
+          <a:schemeClr val="tx1">
+            <a:lumMod val="15000"/>
+            <a:lumOff val="85000"/>
+          </a:schemeClr>
+        </a:solidFill>
+        <a:round/>
+      </a:ln>
+    </cs:spPr>
+    <cs:defRPr sz="900" kern="1200"/>
+  </cs:dataTable>
+  <cs:downBar>
+    <cs:lnRef idx="0"/>
+    <cs:fillRef idx="0"/>
+    <cs:effectRef idx="0"/>
+    <cs:fontRef idx="minor">
+      <a:schemeClr val="dk1"/>
+    </cs:fontRef>
+    <cs:spPr>
+      <a:solidFill>
+        <a:schemeClr val="dk1">
+          <a:lumMod val="65000"/>
+          <a:lumOff val="35000"/>
+        </a:schemeClr>
+      </a:solidFill>
+      <a:ln w="9525">
+        <a:solidFill>
+          <a:schemeClr val="tx1">
+            <a:lumMod val="65000"/>
+            <a:lumOff val="35000"/>
+          </a:schemeClr>
+        </a:solidFill>
+      </a:ln>
+    </cs:spPr>
+  </cs:downBar>
+  <cs:dropLine>
+    <cs:lnRef idx="0"/>
+    <cs:fillRef idx="0"/>
+    <cs:effectRef idx="0"/>
+    <cs:fontRef idx="minor">
+      <a:schemeClr val="tx1"/>
+    </cs:fontRef>
+    <cs:spPr>
+      <a:ln w="9525" cap="flat" cmpd="sng" algn="ctr">
+        <a:solidFill>
+          <a:schemeClr val="tx1">
+            <a:lumMod val="35000"/>
+            <a:lumOff val="65000"/>
+          </a:schemeClr>
+        </a:solidFill>
+        <a:round/>
+      </a:ln>
+    </cs:spPr>
+  </cs:dropLine>
+  <cs:errorBar>
+    <cs:lnRef idx="0"/>
+    <cs:fillRef idx="0"/>
+    <cs:effectRef idx="0"/>
+    <cs:fontRef idx="minor">
+      <a:schemeClr val="tx1"/>
+    </cs:fontRef>
+    <cs:spPr>
+      <a:ln w="9525" cap="flat" cmpd="sng" algn="ctr">
+        <a:solidFill>
+          <a:schemeClr val="tx1">
+            <a:lumMod val="65000"/>
+            <a:lumOff val="35000"/>
+          </a:schemeClr>
+        </a:solidFill>
+        <a:round/>
+      </a:ln>
+    </cs:spPr>
+  </cs:errorBar>
+  <cs:floor>
+    <cs:lnRef idx="0"/>
+    <cs:fillRef idx="0"/>
+    <cs:effectRef idx="0"/>
+    <cs:fontRef idx="minor">
+      <a:schemeClr val="tx1"/>
+    </cs:fontRef>
+    <cs:spPr>
+      <a:noFill/>
+      <a:ln>
+        <a:noFill/>
+      </a:ln>
+    </cs:spPr>
+  </cs:floor>
+  <cs:gridlineMajor>
+    <cs:lnRef idx="0"/>
+    <cs:fillRef idx="0"/>
+    <cs:effectRef idx="0"/>
+    <cs:fontRef idx="minor">
+      <a:schemeClr val="tx1"/>
+    </cs:fontRef>
+    <cs:spPr>
+      <a:ln w="9525" cap="flat" cmpd="sng" algn="ctr">
+        <a:solidFill>
+          <a:schemeClr val="tx1">
+            <a:lumMod val="15000"/>
+            <a:lumOff val="85000"/>
+          </a:schemeClr>
+        </a:solidFill>
+        <a:round/>
+      </a:ln>
+    </cs:spPr>
+  </cs:gridlineMajor>
+  <cs:gridlineMinor>
+    <cs:lnRef idx="0"/>
+    <cs:fillRef idx="0"/>
+    <cs:effectRef idx="0"/>
+    <cs:fontRef idx="minor">
+      <a:schemeClr val="tx1"/>
+    </cs:fontRef>
+    <cs:spPr>
+      <a:ln w="9525" cap="flat" cmpd="sng" algn="ctr">
+        <a:solidFill>
+          <a:schemeClr val="tx1">
+            <a:lumMod val="5000"/>
+            <a:lumOff val="95000"/>
+          </a:schemeClr>
+        </a:solidFill>
+        <a:round/>
+      </a:ln>
+    </cs:spPr>
+  </cs:gridlineMinor>
+  <cs:hiLoLine>
+    <cs:lnRef idx="0"/>
+    <cs:fillRef idx="0"/>
+    <cs:effectRef idx="0"/>
+    <cs:fontRef idx="minor">
+      <a:schemeClr val="tx1"/>
+    </cs:fontRef>
+    <cs:spPr>
+      <a:ln w="9525" cap="flat" cmpd="sng" algn="ctr">
+        <a:solidFill>
+          <a:schemeClr val="tx1">
+            <a:lumMod val="75000"/>
+            <a:lumOff val="25000"/>
+          </a:schemeClr>
+        </a:solidFill>
+        <a:round/>
+      </a:ln>
+    </cs:spPr>
+  </cs:hiLoLine>
+  <cs:leaderLine>
+    <cs:lnRef idx="0"/>
+    <cs:fillRef idx="0"/>
+    <cs:effectRef idx="0"/>
+    <cs:fontRef idx="minor">
+      <a:schemeClr val="tx1"/>
+    </cs:fontRef>
+    <cs:spPr>
+      <a:ln w="9525" cap="flat" cmpd="sng" algn="ctr">
+        <a:solidFill>
+          <a:schemeClr val="tx1">
+            <a:lumMod val="35000"/>
+            <a:lumOff val="65000"/>
+          </a:schemeClr>
+        </a:solidFill>
+        <a:round/>
+      </a:ln>
+    </cs:spPr>
+  </cs:leaderLine>
+  <cs:legend>
+    <cs:lnRef idx="0"/>
+    <cs:fillRef idx="0"/>
+    <cs:effectRef idx="0"/>
+    <cs:fontRef idx="minor">
+      <a:schemeClr val="tx1">
+        <a:lumMod val="65000"/>
+        <a:lumOff val="35000"/>
+      </a:schemeClr>
+    </cs:fontRef>
+    <cs:defRPr sz="900" kern="1200"/>
+  </cs:legend>
+  <cs:plotArea mods="allowNoFillOverride allowNoLineOverride">
+    <cs:lnRef idx="0"/>
+    <cs:fillRef idx="0"/>
+    <cs:effectRef idx="0"/>
+    <cs:fontRef idx="minor">
+      <a:schemeClr val="tx1"/>
+    </cs:fontRef>
+  </cs:plotArea>
+  <cs:plotArea3D mods="allowNoFillOverride allowNoLineOverride">
+    <cs:lnRef idx="0"/>
+    <cs:fillRef idx="0"/>
+    <cs:effectRef idx="0"/>
+    <cs:fontRef idx="minor">
+      <a:schemeClr val="tx1"/>
+    </cs:fontRef>
+  </cs:plotArea3D>
+  <cs:seriesAxis>
+    <cs:lnRef idx="0"/>
+    <cs:fillRef idx="0"/>
+    <cs:effectRef idx="0"/>
+    <cs:fontRef idx="minor">
+      <a:schemeClr val="tx1">
+        <a:lumMod val="65000"/>
+        <a:lumOff val="35000"/>
+      </a:schemeClr>
+    </cs:fontRef>
+    <cs:defRPr sz="900" kern="1200"/>
+  </cs:seriesAxis>
+  <cs:seriesLine>
+    <cs:lnRef idx="0"/>
+    <cs:fillRef idx="0"/>
+    <cs:effectRef idx="0"/>
+    <cs:fontRef idx="minor">
+      <a:schemeClr val="tx1"/>
+    </cs:fontRef>
+    <cs:spPr>
+      <a:ln w="9525" cap="flat" cmpd="sng" algn="ctr">
+        <a:solidFill>
+          <a:schemeClr val="tx1">
+            <a:lumMod val="35000"/>
+            <a:lumOff val="65000"/>
+          </a:schemeClr>
+        </a:solidFill>
+        <a:round/>
+      </a:ln>
+    </cs:spPr>
+  </cs:seriesLine>
+  <cs:title>
+    <cs:lnRef idx="0"/>
+    <cs:fillRef idx="0"/>
+    <cs:effectRef idx="0"/>
+    <cs:fontRef idx="minor">
+      <a:schemeClr val="tx1">
+        <a:lumMod val="65000"/>
+        <a:lumOff val="35000"/>
+      </a:schemeClr>
+    </cs:fontRef>
+    <cs:defRPr sz="1400" b="0" kern="1200" spc="0" baseline="0"/>
+  </cs:title>
+  <cs:trendline>
+    <cs:lnRef idx="0">
+      <cs:styleClr val="auto"/>
+    </cs:lnRef>
+    <cs:fillRef idx="0"/>
+    <cs:effectRef idx="0"/>
+    <cs:fontRef idx="minor">
+      <a:schemeClr val="tx1"/>
+    </cs:fontRef>
+    <cs:spPr>
+      <a:ln w="19050" cap="rnd">
+        <a:solidFill>
+          <a:schemeClr val="phClr"/>
+        </a:solidFill>
+        <a:prstDash val="sysDot"/>
+      </a:ln>
+    </cs:spPr>
+  </cs:trendline>
+  <cs:trendlineLabel>
+    <cs:lnRef idx="0"/>
+    <cs:fillRef idx="0"/>
+    <cs:effectRef idx="0"/>
+    <cs:fontRef idx="minor">
+      <a:schemeClr val="tx1">
+        <a:lumMod val="65000"/>
+        <a:lumOff val="35000"/>
+      </a:schemeClr>
+    </cs:fontRef>
+    <cs:defRPr sz="900" kern="1200"/>
+  </cs:trendlineLabel>
+  <cs:upBar>
+    <cs:lnRef idx="0"/>
+    <cs:fillRef idx="0"/>
+    <cs:effectRef idx="0"/>
+    <cs:fontRef idx="minor">
+      <a:schemeClr val="dk1"/>
+    </cs:fontRef>
+    <cs:spPr>
+      <a:solidFill>
+        <a:schemeClr val="lt1"/>
+      </a:solidFill>
+      <a:ln w="9525">
+        <a:solidFill>
+          <a:schemeClr val="tx1">
+            <a:lumMod val="15000"/>
+            <a:lumOff val="85000"/>
+          </a:schemeClr>
+        </a:solidFill>
+      </a:ln>
+    </cs:spPr>
+  </cs:upBar>
+  <cs:valueAxis>
+    <cs:lnRef idx="0"/>
+    <cs:fillRef idx="0"/>
+    <cs:effectRef idx="0"/>
+    <cs:fontRef idx="minor">
+      <a:schemeClr val="tx1">
+        <a:lumMod val="65000"/>
+        <a:lumOff val="35000"/>
+      </a:schemeClr>
+    </cs:fontRef>
+    <cs:defRPr sz="900" kern="1200"/>
+  </cs:valueAxis>
+  <cs:wall>
+    <cs:lnRef idx="0"/>
+    <cs:fillRef idx="0"/>
+    <cs:effectRef idx="0"/>
+    <cs:fontRef idx="minor">
+      <a:schemeClr val="tx1"/>
+    </cs:fontRef>
+    <cs:spPr>
+      <a:noFill/>
+      <a:ln>
+        <a:noFill/>
+      </a:ln>
+    </cs:spPr>
+  </cs:wall>
+</cs:chartStyle>
+</file>
+
+<file path=ppt/charts/style2.xml><?xml version="1.0" encoding="utf-8"?>
+<cs:chartStyle xmlns:cs="http://schemas.microsoft.com/office/drawing/2012/chartStyle" xmlns:a="http://schemas.openxmlformats.org/drawingml/2006/main" id="201">
+  <cs:axisTitle>
+    <cs:lnRef idx="0"/>
+    <cs:fillRef idx="0"/>
+    <cs:effectRef idx="0"/>
+    <cs:fontRef idx="minor">
+      <a:schemeClr val="tx1">
+        <a:lumMod val="65000"/>
+        <a:lumOff val="35000"/>
+      </a:schemeClr>
+    </cs:fontRef>
+    <cs:defRPr sz="1000" kern="1200"/>
+  </cs:axisTitle>
+  <cs:categoryAxis>
+    <cs:lnRef idx="0"/>
+    <cs:fillRef idx="0"/>
+    <cs:effectRef idx="0"/>
+    <cs:fontRef idx="minor">
+      <a:schemeClr val="tx1">
+        <a:lumMod val="65000"/>
+        <a:lumOff val="35000"/>
+      </a:schemeClr>
+    </cs:fontRef>
+    <cs:spPr>
+      <a:ln w="9525" cap="flat" cmpd="sng" algn="ctr">
+        <a:solidFill>
+          <a:schemeClr val="tx1">
+            <a:lumMod val="15000"/>
+            <a:lumOff val="85000"/>
+          </a:schemeClr>
+        </a:solidFill>
+        <a:round/>
+      </a:ln>
+    </cs:spPr>
+    <cs:defRPr sz="900" kern="1200"/>
+  </cs:categoryAxis>
+  <cs:chartArea mods="allowNoFillOverride allowNoLineOverride">
+    <cs:lnRef idx="0"/>
+    <cs:fillRef idx="0"/>
+    <cs:effectRef idx="0"/>
+    <cs:fontRef idx="minor">
+      <a:schemeClr val="tx1"/>
+    </cs:fontRef>
+    <cs:spPr>
+      <a:solidFill>
+        <a:schemeClr val="bg1"/>
+      </a:solidFill>
+      <a:ln w="9525" cap="flat" cmpd="sng" algn="ctr">
+        <a:solidFill>
+          <a:schemeClr val="tx1">
+            <a:lumMod val="15000"/>
+            <a:lumOff val="85000"/>
+          </a:schemeClr>
+        </a:solidFill>
+        <a:round/>
+      </a:ln>
+    </cs:spPr>
+    <cs:defRPr sz="1000" kern="1200"/>
+  </cs:chartArea>
+  <cs:dataLabel>
+    <cs:lnRef idx="0"/>
+    <cs:fillRef idx="0"/>
+    <cs:effectRef idx="0"/>
+    <cs:fontRef idx="minor">
+      <a:schemeClr val="tx1">
+        <a:lumMod val="75000"/>
+        <a:lumOff val="25000"/>
+      </a:schemeClr>
+    </cs:fontRef>
+    <cs:defRPr sz="900" kern="1200"/>
+  </cs:dataLabel>
+  <cs:dataLabelCallout>
+    <cs:lnRef idx="0"/>
+    <cs:fillRef idx="0"/>
+    <cs:effectRef idx="0"/>
+    <cs:fontRef idx="minor">
+      <a:schemeClr val="dk1">
+        <a:lumMod val="65000"/>
+        <a:lumOff val="35000"/>
+      </a:schemeClr>
+    </cs:fontRef>
+    <cs:spPr>
+      <a:solidFill>
+        <a:schemeClr val="lt1"/>
+      </a:solidFill>
+      <a:ln>
+        <a:solidFill>
+          <a:schemeClr val="dk1">
+            <a:lumMod val="25000"/>
+            <a:lumOff val="75000"/>
+          </a:schemeClr>
+        </a:solidFill>
+      </a:ln>
+    </cs:spPr>
+    <cs:defRPr sz="900" kern="1200"/>
+    <cs:bodyPr rot="0" spcFirstLastPara="1" vertOverflow="clip" horzOverflow="clip" vert="horz" wrap="square" lIns="36576" tIns="18288" rIns="36576" bIns="18288" anchor="ctr" anchorCtr="1">
+      <a:spAutoFit/>
+    </cs:bodyPr>
+  </cs:dataLabelCallout>
+  <cs:dataPoint>
+    <cs:lnRef idx="0"/>
+    <cs:fillRef idx="1">
+      <cs:styleClr val="auto"/>
+    </cs:fillRef>
+    <cs:effectRef idx="0"/>
+    <cs:fontRef idx="minor">
+      <a:schemeClr val="tx1"/>
+    </cs:fontRef>
+  </cs:dataPoint>
+  <cs:dataPoint3D>
+    <cs:lnRef idx="0"/>
+    <cs:fillRef idx="1">
+      <cs:styleClr val="auto"/>
+    </cs:fillRef>
+    <cs:effectRef idx="0"/>
+    <cs:fontRef idx="minor">
+      <a:schemeClr val="tx1"/>
+    </cs:fontRef>
+  </cs:dataPoint3D>
+  <cs:dataPointLine>
+    <cs:lnRef idx="0">
+      <cs:styleClr val="auto"/>
+    </cs:lnRef>
+    <cs:fillRef idx="1"/>
+    <cs:effectRef idx="0"/>
+    <cs:fontRef idx="minor">
+      <a:schemeClr val="tx1"/>
+    </cs:fontRef>
+    <cs:spPr>
+      <a:ln w="28575" cap="rnd">
+        <a:solidFill>
+          <a:schemeClr val="phClr"/>
+        </a:solidFill>
+        <a:round/>
+      </a:ln>
+    </cs:spPr>
+  </cs:dataPointLine>
+  <cs:dataPointMarker>
+    <cs:lnRef idx="0">
+      <cs:styleClr val="auto"/>
+    </cs:lnRef>
+    <cs:fillRef idx="1">
+      <cs:styleClr val="auto"/>
+    </cs:fillRef>
+    <cs:effectRef idx="0"/>
+    <cs:fontRef idx="minor">
+      <a:schemeClr val="tx1"/>
+    </cs:fontRef>
+    <cs:spPr>
+      <a:ln w="9525">
+        <a:solidFill>
+          <a:schemeClr val="phClr"/>
+        </a:solidFill>
+      </a:ln>
+    </cs:spPr>
+  </cs:dataPointMarker>
+  <cs:dataPointMarkerLayout symbol="circle" size="5"/>
+  <cs:dataPointWireframe>
+    <cs:lnRef idx="0">
+      <cs:styleClr val="auto"/>
+    </cs:lnRef>
+    <cs:fillRef idx="1"/>
+    <cs:effectRef idx="0"/>
+    <cs:fontRef idx="minor">
+      <a:schemeClr val="tx1"/>
+    </cs:fontRef>
+    <cs:spPr>
+      <a:ln w="9525" cap="rnd">
+        <a:solidFill>
+          <a:schemeClr val="phClr"/>
+        </a:solidFill>
+        <a:round/>
+      </a:ln>
+    </cs:spPr>
+  </cs:dataPointWireframe>
+  <cs:dataTable>
+    <cs:lnRef idx="0"/>
+    <cs:fillRef idx="0"/>
+    <cs:effectRef idx="0"/>
+    <cs:fontRef idx="minor">
+      <a:schemeClr val="tx1">
+        <a:lumMod val="65000"/>
+        <a:lumOff val="35000"/>
+      </a:schemeClr>
+    </cs:fontRef>
+    <cs:spPr>
+      <a:noFill/>
+      <a:ln w="9525" cap="flat" cmpd="sng" algn="ctr">
+        <a:solidFill>
+          <a:schemeClr val="tx1">
+            <a:lumMod val="15000"/>
+            <a:lumOff val="85000"/>
+          </a:schemeClr>
+        </a:solidFill>
+        <a:round/>
+      </a:ln>
+    </cs:spPr>
+    <cs:defRPr sz="900" kern="1200"/>
+  </cs:dataTable>
+  <cs:downBar>
+    <cs:lnRef idx="0"/>
+    <cs:fillRef idx="0"/>
+    <cs:effectRef idx="0"/>
+    <cs:fontRef idx="minor">
+      <a:schemeClr val="dk1"/>
+    </cs:fontRef>
+    <cs:spPr>
+      <a:solidFill>
+        <a:schemeClr val="dk1">
+          <a:lumMod val="65000"/>
+          <a:lumOff val="35000"/>
+        </a:schemeClr>
+      </a:solidFill>
+      <a:ln w="9525">
+        <a:solidFill>
+          <a:schemeClr val="tx1">
+            <a:lumMod val="65000"/>
+            <a:lumOff val="35000"/>
+          </a:schemeClr>
+        </a:solidFill>
+      </a:ln>
+    </cs:spPr>
+  </cs:downBar>
+  <cs:dropLine>
+    <cs:lnRef idx="0"/>
+    <cs:fillRef idx="0"/>
+    <cs:effectRef idx="0"/>
+    <cs:fontRef idx="minor">
+      <a:schemeClr val="tx1"/>
+    </cs:fontRef>
+    <cs:spPr>
+      <a:ln w="9525" cap="flat" cmpd="sng" algn="ctr">
+        <a:solidFill>
+          <a:schemeClr val="tx1">
+            <a:lumMod val="35000"/>
+            <a:lumOff val="65000"/>
+          </a:schemeClr>
+        </a:solidFill>
+        <a:round/>
+      </a:ln>
+    </cs:spPr>
+  </cs:dropLine>
+  <cs:errorBar>
+    <cs:lnRef idx="0"/>
+    <cs:fillRef idx="0"/>
+    <cs:effectRef idx="0"/>
+    <cs:fontRef idx="minor">
+      <a:schemeClr val="tx1"/>
+    </cs:fontRef>
+    <cs:spPr>
+      <a:ln w="9525" cap="flat" cmpd="sng" algn="ctr">
+        <a:solidFill>
+          <a:schemeClr val="tx1">
+            <a:lumMod val="65000"/>
+            <a:lumOff val="35000"/>
+          </a:schemeClr>
+        </a:solidFill>
+        <a:round/>
+      </a:ln>
+    </cs:spPr>
+  </cs:errorBar>
+  <cs:floor>
+    <cs:lnRef idx="0"/>
+    <cs:fillRef idx="0"/>
+    <cs:effectRef idx="0"/>
+    <cs:fontRef idx="minor">
+      <a:schemeClr val="tx1"/>
+    </cs:fontRef>
+    <cs:spPr>
+      <a:noFill/>
+      <a:ln>
+        <a:noFill/>
+      </a:ln>
+    </cs:spPr>
+  </cs:floor>
+  <cs:gridlineMajor>
+    <cs:lnRef idx="0"/>
+    <cs:fillRef idx="0"/>
+    <cs:effectRef idx="0"/>
+    <cs:fontRef idx="minor">
+      <a:schemeClr val="tx1"/>
+    </cs:fontRef>
+    <cs:spPr>
+      <a:ln w="9525" cap="flat" cmpd="sng" algn="ctr">
+        <a:solidFill>
+          <a:schemeClr val="tx1">
+            <a:lumMod val="15000"/>
+            <a:lumOff val="85000"/>
+          </a:schemeClr>
+        </a:solidFill>
+        <a:round/>
+      </a:ln>
+    </cs:spPr>
+  </cs:gridlineMajor>
+  <cs:gridlineMinor>
+    <cs:lnRef idx="0"/>
+    <cs:fillRef idx="0"/>
+    <cs:effectRef idx="0"/>
+    <cs:fontRef idx="minor">
+      <a:schemeClr val="tx1"/>
+    </cs:fontRef>
+    <cs:spPr>
+      <a:ln w="9525" cap="flat" cmpd="sng" algn="ctr">
+        <a:solidFill>
+          <a:schemeClr val="tx1">
+            <a:lumMod val="5000"/>
+            <a:lumOff val="95000"/>
+          </a:schemeClr>
+        </a:solidFill>
+        <a:round/>
+      </a:ln>
+    </cs:spPr>
+  </cs:gridlineMinor>
+  <cs:hiLoLine>
+    <cs:lnRef idx="0"/>
+    <cs:fillRef idx="0"/>
+    <cs:effectRef idx="0"/>
+    <cs:fontRef idx="minor">
+      <a:schemeClr val="tx1"/>
+    </cs:fontRef>
+    <cs:spPr>
+      <a:ln w="9525" cap="flat" cmpd="sng" algn="ctr">
+        <a:solidFill>
+          <a:schemeClr val="tx1">
+            <a:lumMod val="75000"/>
+            <a:lumOff val="25000"/>
+          </a:schemeClr>
+        </a:solidFill>
+        <a:round/>
+      </a:ln>
+    </cs:spPr>
+  </cs:hiLoLine>
+  <cs:leaderLine>
+    <cs:lnRef idx="0"/>
+    <cs:fillRef idx="0"/>
+    <cs:effectRef idx="0"/>
+    <cs:fontRef idx="minor">
+      <a:schemeClr val="tx1"/>
+    </cs:fontRef>
+    <cs:spPr>
+      <a:ln w="9525" cap="flat" cmpd="sng" algn="ctr">
+        <a:solidFill>
+          <a:schemeClr val="tx1">
+            <a:lumMod val="35000"/>
+            <a:lumOff val="65000"/>
+          </a:schemeClr>
+        </a:solidFill>
+        <a:round/>
+      </a:ln>
+    </cs:spPr>
+  </cs:leaderLine>
+  <cs:legend>
+    <cs:lnRef idx="0"/>
+    <cs:fillRef idx="0"/>
+    <cs:effectRef idx="0"/>
+    <cs:fontRef idx="minor">
+      <a:schemeClr val="tx1">
+        <a:lumMod val="65000"/>
+        <a:lumOff val="35000"/>
+      </a:schemeClr>
+    </cs:fontRef>
+    <cs:defRPr sz="900" kern="1200"/>
+  </cs:legend>
+  <cs:plotArea mods="allowNoFillOverride allowNoLineOverride">
+    <cs:lnRef idx="0"/>
+    <cs:fillRef idx="0"/>
+    <cs:effectRef idx="0"/>
+    <cs:fontRef idx="minor">
+      <a:schemeClr val="tx1"/>
+    </cs:fontRef>
+  </cs:plotArea>
+  <cs:plotArea3D mods="allowNoFillOverride allowNoLineOverride">
+    <cs:lnRef idx="0"/>
+    <cs:fillRef idx="0"/>
+    <cs:effectRef idx="0"/>
+    <cs:fontRef idx="minor">
+      <a:schemeClr val="tx1"/>
+    </cs:fontRef>
+  </cs:plotArea3D>
+  <cs:seriesAxis>
+    <cs:lnRef idx="0"/>
+    <cs:fillRef idx="0"/>
+    <cs:effectRef idx="0"/>
+    <cs:fontRef idx="minor">
+      <a:schemeClr val="tx1">
+        <a:lumMod val="65000"/>
+        <a:lumOff val="35000"/>
+      </a:schemeClr>
+    </cs:fontRef>
+    <cs:defRPr sz="900" kern="1200"/>
+  </cs:seriesAxis>
+  <cs:seriesLine>
+    <cs:lnRef idx="0"/>
+    <cs:fillRef idx="0"/>
+    <cs:effectRef idx="0"/>
+    <cs:fontRef idx="minor">
+      <a:schemeClr val="tx1"/>
+    </cs:fontRef>
+    <cs:spPr>
+      <a:ln w="9525" cap="flat" cmpd="sng" algn="ctr">
+        <a:solidFill>
+          <a:schemeClr val="tx1">
+            <a:lumMod val="35000"/>
+            <a:lumOff val="65000"/>
+          </a:schemeClr>
+        </a:solidFill>
+        <a:round/>
+      </a:ln>
+    </cs:spPr>
+  </cs:seriesLine>
+  <cs:title>
+    <cs:lnRef idx="0"/>
+    <cs:fillRef idx="0"/>
+    <cs:effectRef idx="0"/>
+    <cs:fontRef idx="minor">
+      <a:schemeClr val="tx1">
+        <a:lumMod val="65000"/>
+        <a:lumOff val="35000"/>
+      </a:schemeClr>
+    </cs:fontRef>
+    <cs:defRPr sz="1400" b="0" kern="1200" spc="0" baseline="0"/>
+  </cs:title>
+  <cs:trendline>
+    <cs:lnRef idx="0">
+      <cs:styleClr val="auto"/>
+    </cs:lnRef>
+    <cs:fillRef idx="0"/>
+    <cs:effectRef idx="0"/>
+    <cs:fontRef idx="minor">
+      <a:schemeClr val="tx1"/>
+    </cs:fontRef>
+    <cs:spPr>
+      <a:ln w="19050" cap="rnd">
+        <a:solidFill>
+          <a:schemeClr val="phClr"/>
+        </a:solidFill>
+        <a:prstDash val="sysDot"/>
+      </a:ln>
+    </cs:spPr>
+  </cs:trendline>
+  <cs:trendlineLabel>
+    <cs:lnRef idx="0"/>
+    <cs:fillRef idx="0"/>
+    <cs:effectRef idx="0"/>
+    <cs:fontRef idx="minor">
+      <a:schemeClr val="tx1">
+        <a:lumMod val="65000"/>
+        <a:lumOff val="35000"/>
+      </a:schemeClr>
+    </cs:fontRef>
+    <cs:defRPr sz="900" kern="1200"/>
+  </cs:trendlineLabel>
+  <cs:upBar>
+    <cs:lnRef idx="0"/>
+    <cs:fillRef idx="0"/>
+    <cs:effectRef idx="0"/>
+    <cs:fontRef idx="minor">
+      <a:schemeClr val="dk1"/>
+    </cs:fontRef>
+    <cs:spPr>
+      <a:solidFill>
+        <a:schemeClr val="lt1"/>
+      </a:solidFill>
+      <a:ln w="9525">
+        <a:solidFill>
+          <a:schemeClr val="tx1">
+            <a:lumMod val="15000"/>
+            <a:lumOff val="85000"/>
+          </a:schemeClr>
+        </a:solidFill>
+      </a:ln>
+    </cs:spPr>
+  </cs:upBar>
+  <cs:valueAxis>
+    <cs:lnRef idx="0"/>
+    <cs:fillRef idx="0"/>
+    <cs:effectRef idx="0"/>
+    <cs:fontRef idx="minor">
+      <a:schemeClr val="tx1">
+        <a:lumMod val="65000"/>
+        <a:lumOff val="35000"/>
+      </a:schemeClr>
+    </cs:fontRef>
+    <cs:defRPr sz="900" kern="1200"/>
+  </cs:valueAxis>
+  <cs:wall>
+    <cs:lnRef idx="0"/>
+    <cs:fillRef idx="0"/>
+    <cs:effectRef idx="0"/>
+    <cs:fontRef idx="minor">
+      <a:schemeClr val="tx1"/>
+    </cs:fontRef>
+    <cs:spPr>
+      <a:noFill/>
+      <a:ln>
+        <a:noFill/>
+      </a:ln>
+    </cs:spPr>
+  </cs:wall>
+</cs:chartStyle>
 </file>
 
 <file path=ppt/notesMasters/notesMaster1.xml><?xml version="1.0" encoding="utf-8"?>
@@ -3822,111 +5977,16 @@
         </p:nvSpPr>
         <p:spPr/>
         <p:txBody>
-          <a:bodyPr/>
+          <a:bodyPr>
+            <a:normAutofit/>
+          </a:bodyPr>
           <a:lstStyle/>
           <a:p>
             <a:r>
-              <a:rPr lang="en-US" dirty="0" smtClean="0"/>
+              <a:rPr lang="en-US" sz="3200" dirty="0" smtClean="0"/>
               <a:t>Results</a:t>
             </a:r>
-            <a:endParaRPr lang="en-US" dirty="0"/>
-          </a:p>
-        </p:txBody>
-      </p:sp>
-      <p:sp>
-        <p:nvSpPr>
-          <p:cNvPr id="3" name="Content Placeholder 2"/>
-          <p:cNvSpPr>
-            <a:spLocks noGrp="1"/>
-          </p:cNvSpPr>
-          <p:nvPr>
-            <p:ph idx="1"/>
-          </p:nvPr>
-        </p:nvSpPr>
-        <p:spPr/>
-        <p:txBody>
-          <a:bodyPr/>
-          <a:lstStyle/>
-          <a:p>
-            <a:r>
-              <a:rPr lang="en-US" b="1" dirty="0"/>
-              <a:t>Results. </a:t>
-            </a:r>
-            <a:r>
-              <a:rPr lang="en-US" dirty="0"/>
-              <a:t>After adjusting for covariates, the odds</a:t>
-            </a:r>
-            <a:r>
-              <a:rPr lang="en-US" b="1" dirty="0"/>
-              <a:t> </a:t>
-            </a:r>
-            <a:r>
-              <a:rPr lang="en-US" dirty="0"/>
-              <a:t>of believing any level of government could protect against future terrorism were 23.2 times higher among those who trust the government to be honest about terrorism than those who do not. The association was strongest at the local government level (OR=5.78, 95% CI [3.89-8.59]) compared to state (OR=5.58, 95% CI [4.07-7.63]) and federal (OR=4.56, 95% CI [3.62-5.73]). </a:t>
-            </a:r>
-          </a:p>
-          <a:p>
-            <a:endParaRPr lang="en-US" dirty="0"/>
-          </a:p>
-        </p:txBody>
-      </p:sp>
-    </p:spTree>
-    <p:extLst>
-      <p:ext uri="{BB962C8B-B14F-4D97-AF65-F5344CB8AC3E}">
-        <p14:creationId xmlns:p14="http://schemas.microsoft.com/office/powerpoint/2010/main" val="2043562801"/>
-      </p:ext>
-    </p:extLst>
-  </p:cSld>
-  <p:clrMapOvr>
-    <a:masterClrMapping/>
-  </p:clrMapOvr>
-  <p:timing>
-    <p:tnLst>
-      <p:par>
-        <p:cTn id="1" dur="indefinite" restart="never" nodeType="tmRoot"/>
-      </p:par>
-    </p:tnLst>
-  </p:timing>
-</p:sld>
-</file>
-
-<file path=ppt/slides/slide12.xml><?xml version="1.0" encoding="utf-8"?>
-<p:sld xmlns:a="http://schemas.openxmlformats.org/drawingml/2006/main" xmlns:r="http://schemas.openxmlformats.org/officeDocument/2006/relationships" xmlns:p="http://schemas.openxmlformats.org/presentationml/2006/main">
-  <p:cSld>
-    <p:spTree>
-      <p:nvGrpSpPr>
-        <p:cNvPr id="1" name=""/>
-        <p:cNvGrpSpPr/>
-        <p:nvPr/>
-      </p:nvGrpSpPr>
-      <p:grpSpPr>
-        <a:xfrm>
-          <a:off x="0" y="0"/>
-          <a:ext cx="0" cy="0"/>
-          <a:chOff x="0" y="0"/>
-          <a:chExt cx="0" cy="0"/>
-        </a:xfrm>
-      </p:grpSpPr>
-      <p:sp>
-        <p:nvSpPr>
-          <p:cNvPr id="2" name="Title 1"/>
-          <p:cNvSpPr>
-            <a:spLocks noGrp="1"/>
-          </p:cNvSpPr>
-          <p:nvPr>
-            <p:ph type="title"/>
-          </p:nvPr>
-        </p:nvSpPr>
-        <p:spPr/>
-        <p:txBody>
-          <a:bodyPr/>
-          <a:lstStyle/>
-          <a:p>
-            <a:r>
-              <a:rPr lang="en-US" dirty="0" smtClean="0"/>
-              <a:t>Results - Demographics</a:t>
-            </a:r>
-            <a:endParaRPr lang="en-US" dirty="0"/>
+            <a:endParaRPr lang="en-US" sz="3200" dirty="0"/>
           </a:p>
         </p:txBody>
       </p:sp>
@@ -3952,8 +6012,11 @@
           </a:bodyPr>
           <a:lstStyle/>
           <a:p>
-            <a:r>
-              <a:rPr lang="en-US" sz="2000" b="1" dirty="0">
+            <a:pPr marL="0" indent="0">
+              <a:buNone/>
+            </a:pPr>
+            <a:r>
+              <a:rPr lang="en-US" sz="2000" dirty="0">
                 <a:latin typeface="Calibri" panose="020F0502020204030204" pitchFamily="34" charset="0"/>
                 <a:ea typeface="SimSun" panose="02010600030101010101" pitchFamily="2" charset="-122"/>
                 <a:cs typeface="Times New Roman" panose="02020603050405020304" pitchFamily="18" charset="0"/>
@@ -3961,7 +6024,7 @@
               <a:t>Table 1. Characteristics of </a:t>
             </a:r>
             <a:r>
-              <a:rPr lang="en-US" sz="2000" b="1" dirty="0" smtClean="0">
+              <a:rPr lang="en-US" sz="2000" dirty="0" smtClean="0">
                 <a:latin typeface="Calibri" panose="020F0502020204030204" pitchFamily="34" charset="0"/>
                 <a:ea typeface="SimSun" panose="02010600030101010101" pitchFamily="2" charset="-122"/>
                 <a:cs typeface="Times New Roman" panose="02020603050405020304" pitchFamily="18" charset="0"/>
@@ -3969,13 +6032,52 @@
               <a:t>participants </a:t>
             </a:r>
             <a:r>
-              <a:rPr lang="en-US" sz="2000" b="1" dirty="0" smtClean="0"/>
+              <a:rPr lang="en-US" sz="2000" dirty="0" smtClean="0"/>
               <a:t>who do or do not trust </a:t>
             </a:r>
             <a:r>
-              <a:rPr lang="en-US" sz="2000" b="1" dirty="0"/>
+              <a:rPr lang="en-US" sz="2000" dirty="0"/>
               <a:t>that government can protect from terrorism </a:t>
             </a:r>
+            <a:endParaRPr lang="en-US" sz="2000" dirty="0" smtClean="0"/>
+          </a:p>
+          <a:p>
+            <a:endParaRPr lang="en-US" sz="2000" b="1" dirty="0"/>
+          </a:p>
+          <a:p>
+            <a:pPr marL="0" indent="0" algn="ctr" fontAlgn="ctr">
+              <a:buNone/>
+            </a:pPr>
+            <a:r>
+              <a:rPr lang="en-US" sz="2000" dirty="0"/>
+              <a:t>Age </a:t>
+            </a:r>
+            <a:endParaRPr lang="en-US" sz="2000" dirty="0" smtClean="0"/>
+          </a:p>
+          <a:p>
+            <a:pPr marL="0" indent="0" algn="ctr" fontAlgn="ctr">
+              <a:buNone/>
+            </a:pPr>
+            <a:r>
+              <a:rPr lang="en-US" sz="1600" dirty="0" smtClean="0"/>
+              <a:t>(Median [Range])</a:t>
+            </a:r>
+          </a:p>
+          <a:p>
+            <a:pPr fontAlgn="ctr"/>
+            <a:r>
+              <a:rPr lang="en-US" sz="2000" dirty="0" smtClean="0"/>
+              <a:t>Not trust government protection: 50 [18-98]</a:t>
+            </a:r>
+          </a:p>
+          <a:p>
+            <a:pPr fontAlgn="ctr"/>
+            <a:r>
+              <a:rPr lang="en-US" sz="2000" dirty="0" smtClean="0"/>
+              <a:t>Trust government protection: 46 [18-88]</a:t>
+            </a:r>
+          </a:p>
+          <a:p>
             <a:endParaRPr lang="en-US" sz="2000" dirty="0"/>
           </a:p>
         </p:txBody>
@@ -3989,23 +6091,23 @@
           <p:nvPr>
             <p:extLst>
               <p:ext uri="{D42A27DB-BD31-4B8C-83A1-F6EECF244321}">
-                <p14:modId xmlns:p14="http://schemas.microsoft.com/office/powerpoint/2010/main" val="182566436"/>
+                <p14:modId xmlns:p14="http://schemas.microsoft.com/office/powerpoint/2010/main" val="1447974678"/>
               </p:ext>
             </p:extLst>
           </p:nvPr>
         </p:nvGraphicFramePr>
         <p:xfrm>
-          <a:off x="6351372" y="601038"/>
-          <a:ext cx="5847837" cy="6070324"/>
+          <a:off x="4843851" y="489827"/>
+          <a:ext cx="6981567" cy="5926098"/>
         </p:xfrm>
         <a:graphic>
           <a:graphicData uri="http://schemas.openxmlformats.org/drawingml/2006/table">
             <a:tbl>
               <a:tblPr/>
               <a:tblGrid>
-                <a:gridCol w="1949279"/>
-                <a:gridCol w="1949279"/>
-                <a:gridCol w="1949279"/>
+                <a:gridCol w="2879122"/>
+                <a:gridCol w="1989438"/>
+                <a:gridCol w="2113007"/>
               </a:tblGrid>
               <a:tr h="430118">
                 <a:tc>
@@ -4013,7 +6115,7 @@
                     <a:bodyPr/>
                     <a:lstStyle/>
                     <a:p>
-                      <a:endParaRPr lang="en-US" sz="3600" dirty="0"/>
+                      <a:endParaRPr lang="en-US" sz="4400" dirty="0"/>
                     </a:p>
                   </a:txBody>
                   <a:tcPr marL="34263" marR="34263" marT="17131" marB="17131" anchor="ctr">
@@ -4050,44 +6152,36 @@
                     <a:p>
                       <a:pPr algn="ctr"/>
                       <a:r>
-                        <a:rPr lang="en-US" sz="1100" dirty="0" smtClean="0">
-                          <a:effectLst/>
-                        </a:rPr>
-                        <a:t>Does not trust in government protection from terrorism</a:t>
+                        <a:rPr lang="en-US" sz="1400" dirty="0" smtClean="0"/>
+                        <a:t>Not trust government protection</a:t>
                       </a:r>
                       <a:r>
-                        <a:rPr lang="en-US" sz="1100" dirty="0">
+                        <a:rPr lang="en-US" sz="1400" dirty="0" smtClean="0">
                           <a:effectLst/>
                         </a:rPr>
                         <a:t/>
                       </a:r>
                       <a:br>
-                        <a:rPr lang="en-US" sz="1100" dirty="0">
+                        <a:rPr lang="en-US" sz="1400" dirty="0" smtClean="0">
                           <a:effectLst/>
                         </a:rPr>
                       </a:br>
                       <a:r>
-                        <a:rPr lang="en-US" sz="1100" dirty="0">
+                        <a:rPr lang="en-US" sz="1400" dirty="0" smtClean="0">
                           <a:effectLst/>
                         </a:rPr>
-                        <a:t>(</a:t>
-                      </a:r>
-                      <a:r>
-                        <a:rPr lang="en-US" sz="1100" dirty="0" smtClean="0">
-                          <a:effectLst/>
-                        </a:rPr>
-                        <a:t>n=1741)</a:t>
+                        <a:t>(n=1741)</a:t>
                       </a:r>
                     </a:p>
                     <a:p>
                       <a:pPr algn="ctr"/>
                       <a:r>
-                        <a:rPr lang="en-US" sz="1100" dirty="0" smtClean="0">
+                        <a:rPr lang="en-US" sz="1400" dirty="0" smtClean="0">
                           <a:effectLst/>
                         </a:rPr>
                         <a:t>n (%)</a:t>
                       </a:r>
-                      <a:endParaRPr lang="en-US" sz="1100" dirty="0">
+                      <a:endParaRPr lang="en-US" sz="1400" dirty="0">
                         <a:effectLst/>
                       </a:endParaRPr>
                     </a:p>
@@ -4142,30 +6236,44 @@
                         <a:defRPr/>
                       </a:pPr>
                       <a:r>
-                        <a:rPr lang="en-US" sz="1100" dirty="0" smtClean="0">
+                        <a:rPr lang="en-US" sz="1400" dirty="0" smtClean="0">
                           <a:effectLst/>
                         </a:rPr>
-                        <a:t>Does trust in government protection from terrorism</a:t>
+                        <a:t>Trust government protection </a:t>
+                      </a:r>
+                    </a:p>
+                    <a:p>
+                      <a:pPr marL="0" marR="0" lvl="0" indent="0" algn="ctr" defTabSz="914400" rtl="0" eaLnBrk="1" fontAlgn="auto" latinLnBrk="0" hangingPunct="1">
+                        <a:lnSpc>
+                          <a:spcPct val="100000"/>
+                        </a:lnSpc>
+                        <a:spcBef>
+                          <a:spcPts val="0"/>
+                        </a:spcBef>
+                        <a:spcAft>
+                          <a:spcPts val="0"/>
+                        </a:spcAft>
+                        <a:buClrTx/>
+                        <a:buSzTx/>
+                        <a:buFontTx/>
+                        <a:buNone/>
+                        <a:tabLst/>
+                        <a:defRPr/>
+                      </a:pPr>
+                      <a:r>
+                        <a:rPr lang="en-US" sz="1400" dirty="0" smtClean="0">
+                          <a:effectLst/>
+                        </a:rPr>
+                        <a:t>(</a:t>
                       </a:r>
                       <a:r>
-                        <a:rPr lang="en-US" sz="1100" dirty="0">
+                        <a:rPr lang="en-US" sz="1400" dirty="0">
                           <a:effectLst/>
                         </a:rPr>
-                        <a:t/>
-                      </a:r>
-                      <a:br>
-                        <a:rPr lang="en-US" sz="1100" dirty="0">
-                          <a:effectLst/>
-                        </a:rPr>
-                      </a:br>
-                      <a:r>
-                        <a:rPr lang="en-US" sz="1100" dirty="0">
-                          <a:effectLst/>
-                        </a:rPr>
-                        <a:t>(n=288</a:t>
+                        <a:t>n=288</a:t>
                       </a:r>
                       <a:r>
-                        <a:rPr lang="en-US" sz="1100" dirty="0" smtClean="0">
+                        <a:rPr lang="en-US" sz="1400" dirty="0" smtClean="0">
                           <a:effectLst/>
                         </a:rPr>
                         <a:t>)</a:t>
@@ -4190,24 +6298,18 @@
                         <a:defRPr/>
                       </a:pPr>
                       <a:r>
-                        <a:rPr lang="en-US" sz="1100" dirty="0" smtClean="0">
+                        <a:rPr lang="en-US" sz="1400" baseline="0" dirty="0" smtClean="0">
                           <a:effectLst/>
                         </a:rPr>
-                        <a:t>N</a:t>
+                        <a:t>n </a:t>
                       </a:r>
                       <a:r>
-                        <a:rPr lang="en-US" sz="1100" baseline="0" dirty="0" smtClean="0">
-                          <a:effectLst/>
-                        </a:rPr>
-                        <a:t> </a:t>
-                      </a:r>
-                      <a:r>
-                        <a:rPr lang="en-US" sz="1100" dirty="0" smtClean="0">
+                        <a:rPr lang="en-US" sz="1400" dirty="0" smtClean="0">
                           <a:effectLst/>
                         </a:rPr>
                         <a:t>(%)</a:t>
                       </a:r>
-                      <a:endParaRPr lang="en-US" sz="1100" dirty="0">
+                      <a:endParaRPr lang="en-US" sz="1400" dirty="0">
                         <a:effectLst/>
                       </a:endParaRPr>
                     </a:p>
@@ -4240,7 +6342,7 @@
                   </a:tcPr>
                 </a:tc>
               </a:tr>
-              <a:tr h="171102">
+              <a:tr h="156356">
                 <a:tc>
                   <a:txBody>
                     <a:bodyPr/>
@@ -4248,17 +6350,17 @@
                     <a:p>
                       <a:pPr algn="l"/>
                       <a:r>
-                        <a:rPr lang="en-US" sz="1100" b="1" dirty="0" smtClean="0">
+                        <a:rPr lang="en-US" sz="1400" b="1" dirty="0" smtClean="0">
                           <a:effectLst/>
                         </a:rPr>
                         <a:t>Education</a:t>
                       </a:r>
-                      <a:endParaRPr lang="en-US" sz="1100" b="1" dirty="0">
+                      <a:endParaRPr lang="en-US" sz="1400" b="1" dirty="0">
                         <a:effectLst/>
                       </a:endParaRPr>
                     </a:p>
                   </a:txBody>
-                  <a:tcPr marL="34263" marR="34263" marT="17131" marB="17131" anchor="ctr">
+                  <a:tcPr marL="45720" marR="45720" anchor="ctr">
                     <a:lnL>
                       <a:noFill/>
                     </a:lnL>
@@ -4277,6 +6379,9 @@
                     <a:lnB>
                       <a:noFill/>
                     </a:lnB>
+                    <a:solidFill>
+                      <a:schemeClr val="bg2"/>
+                    </a:solidFill>
                   </a:tcPr>
                 </a:tc>
                 <a:tc>
@@ -4285,12 +6390,12 @@
                     <a:lstStyle/>
                     <a:p>
                       <a:pPr algn="ctr"/>
-                      <a:endParaRPr lang="en-US" sz="1100">
+                      <a:endParaRPr lang="en-US" sz="1400" dirty="0">
                         <a:effectLst/>
                       </a:endParaRPr>
                     </a:p>
                   </a:txBody>
-                  <a:tcPr marL="34263" marR="34263" marT="17131" marB="17131" anchor="ctr">
+                  <a:tcPr marL="45720" marR="45720" anchor="ctr">
                     <a:lnL>
                       <a:noFill/>
                     </a:lnL>
@@ -4309,6 +6414,9 @@
                     <a:lnB>
                       <a:noFill/>
                     </a:lnB>
+                    <a:solidFill>
+                      <a:schemeClr val="bg2"/>
+                    </a:solidFill>
                   </a:tcPr>
                 </a:tc>
                 <a:tc>
@@ -4317,12 +6425,12 @@
                     <a:lstStyle/>
                     <a:p>
                       <a:pPr algn="ctr"/>
-                      <a:endParaRPr lang="en-US" sz="1100">
+                      <a:endParaRPr lang="en-US" sz="1400" dirty="0">
                         <a:effectLst/>
                       </a:endParaRPr>
                     </a:p>
                   </a:txBody>
-                  <a:tcPr marL="34263" marR="34263" marT="17131" marB="17131" anchor="ctr">
+                  <a:tcPr marL="45720" marR="45720" anchor="ctr">
                     <a:lnL>
                       <a:noFill/>
                     </a:lnL>
@@ -4341,10 +6449,13 @@
                     <a:lnB>
                       <a:noFill/>
                     </a:lnB>
+                    <a:solidFill>
+                      <a:schemeClr val="bg2"/>
+                    </a:solidFill>
                   </a:tcPr>
                 </a:tc>
               </a:tr>
-              <a:tr h="430118">
+              <a:tr h="351086">
                 <a:tc>
                   <a:txBody>
                     <a:bodyPr/>
@@ -4352,20 +6463,17 @@
                     <a:p>
                       <a:pPr algn="l"/>
                       <a:r>
-                        <a:rPr lang="en-US" sz="1100" dirty="0" smtClean="0">
+                        <a:rPr lang="en-US" sz="1400" dirty="0" smtClean="0">
                           <a:effectLst/>
                         </a:rPr>
-                        <a:t>HIGH </a:t>
+                        <a:t>High school diploma/GED</a:t>
                       </a:r>
-                      <a:r>
-                        <a:rPr lang="en-US" sz="1100" dirty="0">
-                          <a:effectLst/>
-                        </a:rPr>
-                        <a:t>SCHOOL DIPLOMA/GED (OR EQUIVALENT)</a:t>
-                      </a:r>
+                      <a:endParaRPr lang="en-US" sz="1400" dirty="0">
+                        <a:effectLst/>
+                      </a:endParaRPr>
                     </a:p>
                   </a:txBody>
-                  <a:tcPr marL="34263" marR="34263" marT="17131" marB="17131" anchor="ctr">
+                  <a:tcPr marL="45720" marR="45720" anchor="ctr">
                     <a:lnL>
                       <a:noFill/>
                     </a:lnL>
@@ -4387,14 +6495,14 @@
                     <a:p>
                       <a:pPr algn="ctr"/>
                       <a:r>
-                        <a:rPr lang="en-US" sz="1100">
+                        <a:rPr lang="en-US" sz="1400" b="1" dirty="0">
                           <a:effectLst/>
                         </a:rPr>
                         <a:t>546 (31.4%)</a:t>
                       </a:r>
                     </a:p>
                   </a:txBody>
-                  <a:tcPr marL="34263" marR="34263" marT="17131" marB="17131" anchor="ctr">
+                  <a:tcPr marL="45720" marR="45720" anchor="ctr">
                     <a:lnL>
                       <a:noFill/>
                     </a:lnL>
@@ -4416,13 +6524,435 @@
                     <a:p>
                       <a:pPr algn="ctr"/>
                       <a:r>
-                        <a:rPr lang="en-US" sz="1100">
+                        <a:rPr lang="en-US" sz="1400" b="1" dirty="0">
                           <a:effectLst/>
                         </a:rPr>
                         <a:t>103 (35.8%)</a:t>
                       </a:r>
                     </a:p>
                   </a:txBody>
+                  <a:tcPr marL="45720" marR="45720" anchor="ctr">
+                    <a:lnL>
+                      <a:noFill/>
+                    </a:lnL>
+                    <a:lnR>
+                      <a:noFill/>
+                    </a:lnR>
+                    <a:lnT>
+                      <a:noFill/>
+                    </a:lnT>
+                    <a:lnB>
+                      <a:noFill/>
+                    </a:lnB>
+                  </a:tcPr>
+                </a:tc>
+              </a:tr>
+              <a:tr h="351086">
+                <a:tc>
+                  <a:txBody>
+                    <a:bodyPr/>
+                    <a:lstStyle/>
+                    <a:p>
+                      <a:pPr algn="l"/>
+                      <a:r>
+                        <a:rPr lang="en-US" sz="1400" dirty="0" smtClean="0">
+                          <a:effectLst/>
+                        </a:rPr>
+                        <a:t>Junior college degree</a:t>
+                      </a:r>
+                      <a:endParaRPr lang="en-US" sz="1400" dirty="0">
+                        <a:effectLst/>
+                      </a:endParaRPr>
+                    </a:p>
+                  </a:txBody>
+                  <a:tcPr marL="45720" marR="45720" anchor="ctr">
+                    <a:lnL>
+                      <a:noFill/>
+                    </a:lnL>
+                    <a:lnR>
+                      <a:noFill/>
+                    </a:lnR>
+                    <a:lnT>
+                      <a:noFill/>
+                    </a:lnT>
+                    <a:lnB>
+                      <a:noFill/>
+                    </a:lnB>
+                  </a:tcPr>
+                </a:tc>
+                <a:tc>
+                  <a:txBody>
+                    <a:bodyPr/>
+                    <a:lstStyle/>
+                    <a:p>
+                      <a:pPr algn="ctr"/>
+                      <a:r>
+                        <a:rPr lang="en-US" sz="1400" dirty="0">
+                          <a:effectLst/>
+                        </a:rPr>
+                        <a:t>160 (9.2%)</a:t>
+                      </a:r>
+                    </a:p>
+                  </a:txBody>
+                  <a:tcPr marL="45720" marR="45720" anchor="ctr">
+                    <a:lnL>
+                      <a:noFill/>
+                    </a:lnL>
+                    <a:lnR>
+                      <a:noFill/>
+                    </a:lnR>
+                    <a:lnT>
+                      <a:noFill/>
+                    </a:lnT>
+                    <a:lnB>
+                      <a:noFill/>
+                    </a:lnB>
+                  </a:tcPr>
+                </a:tc>
+                <a:tc>
+                  <a:txBody>
+                    <a:bodyPr/>
+                    <a:lstStyle/>
+                    <a:p>
+                      <a:pPr algn="ctr"/>
+                      <a:r>
+                        <a:rPr lang="en-US" sz="1400">
+                          <a:effectLst/>
+                        </a:rPr>
+                        <a:t>30 (10.4%)</a:t>
+                      </a:r>
+                    </a:p>
+                  </a:txBody>
+                  <a:tcPr marL="45720" marR="45720" anchor="ctr">
+                    <a:lnL>
+                      <a:noFill/>
+                    </a:lnL>
+                    <a:lnR>
+                      <a:noFill/>
+                    </a:lnR>
+                    <a:lnT>
+                      <a:noFill/>
+                    </a:lnT>
+                    <a:lnB>
+                      <a:noFill/>
+                    </a:lnB>
+                  </a:tcPr>
+                </a:tc>
+              </a:tr>
+              <a:tr h="351086">
+                <a:tc>
+                  <a:txBody>
+                    <a:bodyPr/>
+                    <a:lstStyle/>
+                    <a:p>
+                      <a:pPr algn="l"/>
+                      <a:r>
+                        <a:rPr lang="en-US" sz="1400" dirty="0" smtClean="0">
+                          <a:effectLst/>
+                        </a:rPr>
+                        <a:t>Bachelors degree</a:t>
+                      </a:r>
+                      <a:endParaRPr lang="en-US" sz="1400" dirty="0">
+                        <a:effectLst/>
+                      </a:endParaRPr>
+                    </a:p>
+                  </a:txBody>
+                  <a:tcPr marL="45720" marR="45720" anchor="ctr">
+                    <a:lnL>
+                      <a:noFill/>
+                    </a:lnL>
+                    <a:lnR>
+                      <a:noFill/>
+                    </a:lnR>
+                    <a:lnT>
+                      <a:noFill/>
+                    </a:lnT>
+                    <a:lnB>
+                      <a:noFill/>
+                    </a:lnB>
+                  </a:tcPr>
+                </a:tc>
+                <a:tc>
+                  <a:txBody>
+                    <a:bodyPr/>
+                    <a:lstStyle/>
+                    <a:p>
+                      <a:pPr algn="ctr"/>
+                      <a:r>
+                        <a:rPr lang="en-US" sz="1400" dirty="0">
+                          <a:effectLst/>
+                        </a:rPr>
+                        <a:t>403 (23.1%)</a:t>
+                      </a:r>
+                    </a:p>
+                  </a:txBody>
+                  <a:tcPr marL="45720" marR="45720" anchor="ctr">
+                    <a:lnL>
+                      <a:noFill/>
+                    </a:lnL>
+                    <a:lnR>
+                      <a:noFill/>
+                    </a:lnR>
+                    <a:lnT>
+                      <a:noFill/>
+                    </a:lnT>
+                    <a:lnB>
+                      <a:noFill/>
+                    </a:lnB>
+                  </a:tcPr>
+                </a:tc>
+                <a:tc>
+                  <a:txBody>
+                    <a:bodyPr/>
+                    <a:lstStyle/>
+                    <a:p>
+                      <a:pPr algn="ctr"/>
+                      <a:r>
+                        <a:rPr lang="en-US" sz="1400" dirty="0">
+                          <a:effectLst/>
+                        </a:rPr>
+                        <a:t>53 (18.4%)</a:t>
+                      </a:r>
+                    </a:p>
+                  </a:txBody>
+                  <a:tcPr marL="45720" marR="45720" anchor="ctr">
+                    <a:lnL>
+                      <a:noFill/>
+                    </a:lnL>
+                    <a:lnR>
+                      <a:noFill/>
+                    </a:lnR>
+                    <a:lnT>
+                      <a:noFill/>
+                    </a:lnT>
+                    <a:lnB>
+                      <a:noFill/>
+                    </a:lnB>
+                  </a:tcPr>
+                </a:tc>
+              </a:tr>
+              <a:tr h="351086">
+                <a:tc>
+                  <a:txBody>
+                    <a:bodyPr/>
+                    <a:lstStyle/>
+                    <a:p>
+                      <a:pPr algn="l"/>
+                      <a:r>
+                        <a:rPr lang="en-US" sz="1400" dirty="0" smtClean="0">
+                          <a:effectLst/>
+                        </a:rPr>
+                        <a:t>Post-graduate degree</a:t>
+                      </a:r>
+                      <a:endParaRPr lang="en-US" sz="1400" dirty="0">
+                        <a:effectLst/>
+                      </a:endParaRPr>
+                    </a:p>
+                  </a:txBody>
+                  <a:tcPr marL="45720" marR="45720" anchor="ctr">
+                    <a:lnL>
+                      <a:noFill/>
+                    </a:lnL>
+                    <a:lnR>
+                      <a:noFill/>
+                    </a:lnR>
+                    <a:lnT>
+                      <a:noFill/>
+                    </a:lnT>
+                    <a:lnB>
+                      <a:noFill/>
+                    </a:lnB>
+                  </a:tcPr>
+                </a:tc>
+                <a:tc>
+                  <a:txBody>
+                    <a:bodyPr/>
+                    <a:lstStyle/>
+                    <a:p>
+                      <a:pPr algn="ctr"/>
+                      <a:r>
+                        <a:rPr lang="en-US" sz="1400" dirty="0" smtClean="0">
+                          <a:effectLst/>
+                        </a:rPr>
+                        <a:t>330 (19%)</a:t>
+                      </a:r>
+                      <a:endParaRPr lang="en-US" sz="1400" dirty="0">
+                        <a:effectLst/>
+                      </a:endParaRPr>
+                    </a:p>
+                  </a:txBody>
+                  <a:tcPr marL="45720" marR="45720" anchor="ctr">
+                    <a:lnL>
+                      <a:noFill/>
+                    </a:lnL>
+                    <a:lnR>
+                      <a:noFill/>
+                    </a:lnR>
+                    <a:lnT>
+                      <a:noFill/>
+                    </a:lnT>
+                    <a:lnB>
+                      <a:noFill/>
+                    </a:lnB>
+                  </a:tcPr>
+                </a:tc>
+                <a:tc>
+                  <a:txBody>
+                    <a:bodyPr/>
+                    <a:lstStyle/>
+                    <a:p>
+                      <a:pPr algn="ctr"/>
+                      <a:r>
+                        <a:rPr lang="en-US" sz="1400" dirty="0" smtClean="0">
+                          <a:effectLst/>
+                        </a:rPr>
+                        <a:t>27 (9.3%)</a:t>
+                      </a:r>
+                      <a:endParaRPr lang="en-US" sz="1400" dirty="0">
+                        <a:effectLst/>
+                      </a:endParaRPr>
+                    </a:p>
+                  </a:txBody>
+                  <a:tcPr marL="45720" marR="45720" anchor="ctr">
+                    <a:lnL>
+                      <a:noFill/>
+                    </a:lnL>
+                    <a:lnR>
+                      <a:noFill/>
+                    </a:lnR>
+                    <a:lnT>
+                      <a:noFill/>
+                    </a:lnT>
+                    <a:lnB>
+                      <a:noFill/>
+                    </a:lnB>
+                  </a:tcPr>
+                </a:tc>
+              </a:tr>
+              <a:tr h="0">
+                <a:tc>
+                  <a:txBody>
+                    <a:bodyPr/>
+                    <a:lstStyle/>
+                    <a:p>
+                      <a:pPr marL="0" marR="0" lvl="0" indent="0" algn="l" defTabSz="914400" rtl="0" eaLnBrk="1" fontAlgn="auto" latinLnBrk="0" hangingPunct="1">
+                        <a:lnSpc>
+                          <a:spcPct val="100000"/>
+                        </a:lnSpc>
+                        <a:spcBef>
+                          <a:spcPts val="0"/>
+                        </a:spcBef>
+                        <a:spcAft>
+                          <a:spcPts val="0"/>
+                        </a:spcAft>
+                        <a:buClrTx/>
+                        <a:buSzTx/>
+                        <a:buFontTx/>
+                        <a:buNone/>
+                        <a:tabLst/>
+                        <a:defRPr/>
+                      </a:pPr>
+                      <a:r>
+                        <a:rPr lang="en-US" sz="1400" dirty="0" smtClean="0">
+                          <a:effectLst/>
+                        </a:rPr>
+                        <a:t>None/Other</a:t>
+                      </a:r>
+                    </a:p>
+                  </a:txBody>
+                  <a:tcPr marL="45720" marR="45720" anchor="ctr">
+                    <a:lnL>
+                      <a:noFill/>
+                    </a:lnL>
+                    <a:lnR>
+                      <a:noFill/>
+                    </a:lnR>
+                    <a:lnT>
+                      <a:noFill/>
+                    </a:lnT>
+                    <a:lnB>
+                      <a:noFill/>
+                    </a:lnB>
+                  </a:tcPr>
+                </a:tc>
+                <a:tc>
+                  <a:txBody>
+                    <a:bodyPr/>
+                    <a:lstStyle/>
+                    <a:p>
+                      <a:pPr algn="ctr"/>
+                      <a:r>
+                        <a:rPr lang="en-US" sz="1400" dirty="0" smtClean="0">
+                          <a:effectLst/>
+                        </a:rPr>
+                        <a:t>305 (17.4%)</a:t>
+                      </a:r>
+                      <a:endParaRPr lang="en-US" sz="1400" dirty="0">
+                        <a:effectLst/>
+                      </a:endParaRPr>
+                    </a:p>
+                  </a:txBody>
+                  <a:tcPr marL="45720" marR="45720" anchor="ctr">
+                    <a:lnL>
+                      <a:noFill/>
+                    </a:lnL>
+                    <a:lnR>
+                      <a:noFill/>
+                    </a:lnR>
+                    <a:lnT>
+                      <a:noFill/>
+                    </a:lnT>
+                    <a:lnB>
+                      <a:noFill/>
+                    </a:lnB>
+                  </a:tcPr>
+                </a:tc>
+                <a:tc>
+                  <a:txBody>
+                    <a:bodyPr/>
+                    <a:lstStyle/>
+                    <a:p>
+                      <a:pPr algn="ctr"/>
+                      <a:r>
+                        <a:rPr lang="en-US" sz="1400" dirty="0" smtClean="0">
+                          <a:effectLst/>
+                        </a:rPr>
+                        <a:t>75 (26.1%)</a:t>
+                      </a:r>
+                      <a:endParaRPr lang="en-US" sz="1400" dirty="0">
+                        <a:effectLst/>
+                      </a:endParaRPr>
+                    </a:p>
+                  </a:txBody>
+                  <a:tcPr marL="45720" marR="45720" anchor="ctr">
+                    <a:lnL>
+                      <a:noFill/>
+                    </a:lnL>
+                    <a:lnR>
+                      <a:noFill/>
+                    </a:lnR>
+                    <a:lnT>
+                      <a:noFill/>
+                    </a:lnT>
+                    <a:lnB>
+                      <a:noFill/>
+                    </a:lnB>
+                  </a:tcPr>
+                </a:tc>
+              </a:tr>
+              <a:tr h="171102">
+                <a:tc>
+                  <a:txBody>
+                    <a:bodyPr/>
+                    <a:lstStyle/>
+                    <a:p>
+                      <a:r>
+                        <a:rPr lang="en-US" sz="1400" b="1" dirty="0" smtClean="0"/>
+                        <a:t>Belief of information received</a:t>
+                      </a:r>
+                      <a:endParaRPr lang="en-US" sz="1400" b="1" dirty="0"/>
+                    </a:p>
+                  </a:txBody>
                   <a:tcPr marL="34263" marR="34263" marT="17131" marB="17131" anchor="ctr">
                     <a:lnL>
                       <a:noFill/>
@@ -4436,6 +6966,67 @@
                     <a:lnB>
                       <a:noFill/>
                     </a:lnB>
+                    <a:solidFill>
+                      <a:schemeClr val="bg2"/>
+                    </a:solidFill>
+                  </a:tcPr>
+                </a:tc>
+                <a:tc>
+                  <a:txBody>
+                    <a:bodyPr/>
+                    <a:lstStyle/>
+                    <a:p>
+                      <a:pPr algn="ctr"/>
+                      <a:endParaRPr lang="en-US" sz="1400" dirty="0">
+                        <a:effectLst/>
+                      </a:endParaRPr>
+                    </a:p>
+                  </a:txBody>
+                  <a:tcPr marL="34263" marR="34263" marT="17131" marB="17131" anchor="ctr">
+                    <a:lnL>
+                      <a:noFill/>
+                    </a:lnL>
+                    <a:lnR>
+                      <a:noFill/>
+                    </a:lnR>
+                    <a:lnT>
+                      <a:noFill/>
+                    </a:lnT>
+                    <a:lnB>
+                      <a:noFill/>
+                    </a:lnB>
+                    <a:solidFill>
+                      <a:schemeClr val="bg2"/>
+                    </a:solidFill>
+                  </a:tcPr>
+                </a:tc>
+                <a:tc>
+                  <a:txBody>
+                    <a:bodyPr/>
+                    <a:lstStyle/>
+                    <a:p>
+                      <a:pPr algn="ctr"/>
+                      <a:endParaRPr lang="en-US" sz="1400" dirty="0">
+                        <a:effectLst/>
+                      </a:endParaRPr>
+                    </a:p>
+                  </a:txBody>
+                  <a:tcPr marL="34263" marR="34263" marT="17131" marB="17131" anchor="ctr">
+                    <a:lnL>
+                      <a:noFill/>
+                    </a:lnL>
+                    <a:lnR>
+                      <a:noFill/>
+                    </a:lnR>
+                    <a:lnT>
+                      <a:noFill/>
+                    </a:lnT>
+                    <a:lnB>
+                      <a:noFill/>
+                    </a:lnB>
+                    <a:solidFill>
+                      <a:schemeClr val="bg2"/>
+                    </a:solidFill>
                   </a:tcPr>
                 </a:tc>
               </a:tr>
@@ -4447,16 +7038,28 @@
                     <a:p>
                       <a:pPr algn="l"/>
                       <a:r>
-                        <a:rPr lang="en-US" sz="1100" dirty="0" smtClean="0">
+                        <a:rPr lang="en-US" sz="1400" dirty="0" smtClean="0">
                           <a:effectLst/>
                         </a:rPr>
-                        <a:t>JUNIOR </a:t>
+                        <a:t>1</a:t>
                       </a:r>
                       <a:r>
-                        <a:rPr lang="en-US" sz="1100" dirty="0">
+                        <a:rPr lang="en-US" sz="1400" baseline="0" dirty="0" smtClean="0">
                           <a:effectLst/>
                         </a:rPr>
-                        <a:t>COLLEGE DEGREE (A.A.)</a:t>
+                        <a:t> - </a:t>
+                      </a:r>
+                      <a:r>
+                        <a:rPr lang="en-US" sz="1400" dirty="0" smtClean="0">
+                          <a:effectLst/>
+                        </a:rPr>
+                        <a:t>Did </a:t>
+                      </a:r>
+                      <a:r>
+                        <a:rPr lang="en-US" sz="1400" dirty="0">
+                          <a:effectLst/>
+                        </a:rPr>
+                        <a:t>not believe any of it</a:t>
                       </a:r>
                     </a:p>
                   </a:txBody>
@@ -4482,10 +7085,10 @@
                     <a:p>
                       <a:pPr algn="ctr"/>
                       <a:r>
-                        <a:rPr lang="en-US" sz="1100">
+                        <a:rPr lang="en-US" sz="1400">
                           <a:effectLst/>
                         </a:rPr>
-                        <a:t>160 (9.2%)</a:t>
+                        <a:t>102 (5.9%)</a:t>
                       </a:r>
                     </a:p>
                   </a:txBody>
@@ -4511,200 +7114,10 @@
                     <a:p>
                       <a:pPr algn="ctr"/>
                       <a:r>
-                        <a:rPr lang="en-US" sz="1100">
+                        <a:rPr lang="en-US" sz="1400">
                           <a:effectLst/>
                         </a:rPr>
-                        <a:t>30 (10.4%)</a:t>
-                      </a:r>
-                    </a:p>
-                  </a:txBody>
-                  <a:tcPr marL="34263" marR="34263" marT="17131" marB="17131" anchor="ctr">
-                    <a:lnL>
-                      <a:noFill/>
-                    </a:lnL>
-                    <a:lnR>
-                      <a:noFill/>
-                    </a:lnR>
-                    <a:lnT>
-                      <a:noFill/>
-                    </a:lnT>
-                    <a:lnB>
-                      <a:noFill/>
-                    </a:lnB>
-                  </a:tcPr>
-                </a:tc>
-              </a:tr>
-              <a:tr h="300610">
-                <a:tc>
-                  <a:txBody>
-                    <a:bodyPr/>
-                    <a:lstStyle/>
-                    <a:p>
-                      <a:pPr algn="l"/>
-                      <a:r>
-                        <a:rPr lang="en-US" sz="1100" dirty="0" smtClean="0">
-                          <a:effectLst/>
-                        </a:rPr>
-                        <a:t>BACHELORS </a:t>
-                      </a:r>
-                      <a:r>
-                        <a:rPr lang="en-US" sz="1100" dirty="0">
-                          <a:effectLst/>
-                        </a:rPr>
-                        <a:t>DEGREE (B.A.,B.S.)</a:t>
-                      </a:r>
-                    </a:p>
-                  </a:txBody>
-                  <a:tcPr marL="34263" marR="34263" marT="17131" marB="17131" anchor="ctr">
-                    <a:lnL>
-                      <a:noFill/>
-                    </a:lnL>
-                    <a:lnR>
-                      <a:noFill/>
-                    </a:lnR>
-                    <a:lnT>
-                      <a:noFill/>
-                    </a:lnT>
-                    <a:lnB>
-                      <a:noFill/>
-                    </a:lnB>
-                  </a:tcPr>
-                </a:tc>
-                <a:tc>
-                  <a:txBody>
-                    <a:bodyPr/>
-                    <a:lstStyle/>
-                    <a:p>
-                      <a:pPr algn="ctr"/>
-                      <a:r>
-                        <a:rPr lang="en-US" sz="1100">
-                          <a:effectLst/>
-                        </a:rPr>
-                        <a:t>403 (23.1%)</a:t>
-                      </a:r>
-                    </a:p>
-                  </a:txBody>
-                  <a:tcPr marL="34263" marR="34263" marT="17131" marB="17131" anchor="ctr">
-                    <a:lnL>
-                      <a:noFill/>
-                    </a:lnL>
-                    <a:lnR>
-                      <a:noFill/>
-                    </a:lnR>
-                    <a:lnT>
-                      <a:noFill/>
-                    </a:lnT>
-                    <a:lnB>
-                      <a:noFill/>
-                    </a:lnB>
-                  </a:tcPr>
-                </a:tc>
-                <a:tc>
-                  <a:txBody>
-                    <a:bodyPr/>
-                    <a:lstStyle/>
-                    <a:p>
-                      <a:pPr algn="ctr"/>
-                      <a:r>
-                        <a:rPr lang="en-US" sz="1100" dirty="0">
-                          <a:effectLst/>
-                        </a:rPr>
-                        <a:t>53 (18.4%)</a:t>
-                      </a:r>
-                    </a:p>
-                  </a:txBody>
-                  <a:tcPr marL="34263" marR="34263" marT="17131" marB="17131" anchor="ctr">
-                    <a:lnL>
-                      <a:noFill/>
-                    </a:lnL>
-                    <a:lnR>
-                      <a:noFill/>
-                    </a:lnR>
-                    <a:lnT>
-                      <a:noFill/>
-                    </a:lnT>
-                    <a:lnB>
-                      <a:noFill/>
-                    </a:lnB>
-                  </a:tcPr>
-                </a:tc>
-              </a:tr>
-              <a:tr h="300610">
-                <a:tc>
-                  <a:txBody>
-                    <a:bodyPr/>
-                    <a:lstStyle/>
-                    <a:p>
-                      <a:pPr algn="l"/>
-                      <a:r>
-                        <a:rPr lang="en-US" sz="1100" dirty="0" smtClean="0">
-                          <a:effectLst/>
-                        </a:rPr>
-                        <a:t>MASTERS </a:t>
-                      </a:r>
-                      <a:r>
-                        <a:rPr lang="en-US" sz="1100" dirty="0">
-                          <a:effectLst/>
-                        </a:rPr>
-                        <a:t>DEGREE (M.A., M.S.)</a:t>
-                      </a:r>
-                    </a:p>
-                  </a:txBody>
-                  <a:tcPr marL="34263" marR="34263" marT="17131" marB="17131" anchor="ctr">
-                    <a:lnL>
-                      <a:noFill/>
-                    </a:lnL>
-                    <a:lnR>
-                      <a:noFill/>
-                    </a:lnR>
-                    <a:lnT>
-                      <a:noFill/>
-                    </a:lnT>
-                    <a:lnB>
-                      <a:noFill/>
-                    </a:lnB>
-                  </a:tcPr>
-                </a:tc>
-                <a:tc>
-                  <a:txBody>
-                    <a:bodyPr/>
-                    <a:lstStyle/>
-                    <a:p>
-                      <a:pPr algn="ctr"/>
-                      <a:r>
-                        <a:rPr lang="en-US" sz="1100">
-                          <a:effectLst/>
-                        </a:rPr>
-                        <a:t>247 (14.2%)</a:t>
-                      </a:r>
-                    </a:p>
-                  </a:txBody>
-                  <a:tcPr marL="34263" marR="34263" marT="17131" marB="17131" anchor="ctr">
-                    <a:lnL>
-                      <a:noFill/>
-                    </a:lnL>
-                    <a:lnR>
-                      <a:noFill/>
-                    </a:lnR>
-                    <a:lnT>
-                      <a:noFill/>
-                    </a:lnT>
-                    <a:lnB>
-                      <a:noFill/>
-                    </a:lnB>
-                  </a:tcPr>
-                </a:tc>
-                <a:tc>
-                  <a:txBody>
-                    <a:bodyPr/>
-                    <a:lstStyle/>
-                    <a:p>
-                      <a:pPr algn="ctr"/>
-                      <a:r>
-                        <a:rPr lang="en-US" sz="1100">
-                          <a:effectLst/>
-                        </a:rPr>
-                        <a:t>24 (8.3%)</a:t>
+                        <a:t>6 (2.1%)</a:t>
                       </a:r>
                     </a:p>
                   </a:txBody>
@@ -4732,17 +7145,14 @@
                     <a:p>
                       <a:pPr algn="l"/>
                       <a:r>
-                        <a:rPr lang="en-US" sz="1100" dirty="0" smtClean="0">
+                        <a:rPr lang="en-US" sz="1400" dirty="0" smtClean="0">
                           <a:effectLst/>
                         </a:rPr>
-                        <a:t>DOCTORATE </a:t>
+                        <a:t>2</a:t>
                       </a:r>
-                      <a:r>
-                        <a:rPr lang="en-US" sz="1100" dirty="0">
-                          <a:effectLst/>
-                        </a:rPr>
-                        <a:t>(PH.D.)</a:t>
-                      </a:r>
+                      <a:endParaRPr lang="en-US" sz="1400" dirty="0">
+                        <a:effectLst/>
+                      </a:endParaRPr>
                     </a:p>
                   </a:txBody>
                   <a:tcPr marL="34263" marR="34263" marT="17131" marB="17131" anchor="ctr">
@@ -4767,10 +7177,10 @@
                     <a:p>
                       <a:pPr algn="ctr"/>
                       <a:r>
-                        <a:rPr lang="en-US" sz="1100">
+                        <a:rPr lang="en-US" sz="1400" dirty="0">
                           <a:effectLst/>
                         </a:rPr>
-                        <a:t>45 (2.6%)</a:t>
+                        <a:t>294 (16.9%)</a:t>
                       </a:r>
                     </a:p>
                   </a:txBody>
@@ -4796,105 +7206,10 @@
                     <a:p>
                       <a:pPr algn="ctr"/>
                       <a:r>
-                        <a:rPr lang="en-US" sz="1100">
+                        <a:rPr lang="en-US" sz="1400">
                           <a:effectLst/>
                         </a:rPr>
-                        <a:t>1 (0.3%)</a:t>
-                      </a:r>
-                    </a:p>
-                  </a:txBody>
-                  <a:tcPr marL="34263" marR="34263" marT="17131" marB="17131" anchor="ctr">
-                    <a:lnL>
-                      <a:noFill/>
-                    </a:lnL>
-                    <a:lnR>
-                      <a:noFill/>
-                    </a:lnR>
-                    <a:lnT>
-                      <a:noFill/>
-                    </a:lnT>
-                    <a:lnB>
-                      <a:noFill/>
-                    </a:lnB>
-                  </a:tcPr>
-                </a:tc>
-              </a:tr>
-              <a:tr h="300610">
-                <a:tc>
-                  <a:txBody>
-                    <a:bodyPr/>
-                    <a:lstStyle/>
-                    <a:p>
-                      <a:pPr algn="l"/>
-                      <a:r>
-                        <a:rPr lang="fr-FR" sz="1100" dirty="0" smtClean="0">
-                          <a:effectLst/>
-                        </a:rPr>
-                        <a:t>PROFESSIONAL </a:t>
-                      </a:r>
-                      <a:r>
-                        <a:rPr lang="fr-FR" sz="1100" dirty="0">
-                          <a:effectLst/>
-                        </a:rPr>
-                        <a:t>(M.D., J.D., ETC.)</a:t>
-                      </a:r>
-                    </a:p>
-                  </a:txBody>
-                  <a:tcPr marL="34263" marR="34263" marT="17131" marB="17131" anchor="ctr">
-                    <a:lnL>
-                      <a:noFill/>
-                    </a:lnL>
-                    <a:lnR>
-                      <a:noFill/>
-                    </a:lnR>
-                    <a:lnT>
-                      <a:noFill/>
-                    </a:lnT>
-                    <a:lnB>
-                      <a:noFill/>
-                    </a:lnB>
-                  </a:tcPr>
-                </a:tc>
-                <a:tc>
-                  <a:txBody>
-                    <a:bodyPr/>
-                    <a:lstStyle/>
-                    <a:p>
-                      <a:pPr algn="ctr"/>
-                      <a:r>
-                        <a:rPr lang="en-US" sz="1100">
-                          <a:effectLst/>
-                        </a:rPr>
-                        <a:t>38 (2.2%)</a:t>
-                      </a:r>
-                    </a:p>
-                  </a:txBody>
-                  <a:tcPr marL="34263" marR="34263" marT="17131" marB="17131" anchor="ctr">
-                    <a:lnL>
-                      <a:noFill/>
-                    </a:lnL>
-                    <a:lnR>
-                      <a:noFill/>
-                    </a:lnR>
-                    <a:lnT>
-                      <a:noFill/>
-                    </a:lnT>
-                    <a:lnB>
-                      <a:noFill/>
-                    </a:lnB>
-                  </a:tcPr>
-                </a:tc>
-                <a:tc>
-                  <a:txBody>
-                    <a:bodyPr/>
-                    <a:lstStyle/>
-                    <a:p>
-                      <a:pPr algn="ctr"/>
-                      <a:r>
-                        <a:rPr lang="en-US" sz="1100">
-                          <a:effectLst/>
-                        </a:rPr>
-                        <a:t>2 (0.7%)</a:t>
+                        <a:t>16 (5.6%)</a:t>
                       </a:r>
                     </a:p>
                   </a:txBody>
@@ -4922,12 +7237,12 @@
                     <a:p>
                       <a:pPr algn="l"/>
                       <a:r>
-                        <a:rPr lang="en-US" sz="1100" dirty="0" smtClean="0">
+                        <a:rPr lang="en-US" sz="1400" dirty="0" smtClean="0">
                           <a:effectLst/>
                         </a:rPr>
-                        <a:t>NONE</a:t>
+                        <a:t>3</a:t>
                       </a:r>
-                      <a:endParaRPr lang="en-US" sz="1100" dirty="0">
+                      <a:endParaRPr lang="en-US" sz="1400" dirty="0">
                         <a:effectLst/>
                       </a:endParaRPr>
                     </a:p>
@@ -4954,10 +7269,10 @@
                     <a:p>
                       <a:pPr algn="ctr"/>
                       <a:r>
-                        <a:rPr lang="en-US" sz="1100">
+                        <a:rPr lang="en-US" sz="1400" b="1" dirty="0">
                           <a:effectLst/>
                         </a:rPr>
-                        <a:t>156 (9.0%)</a:t>
+                        <a:t>738 (42.4%)</a:t>
                       </a:r>
                     </a:p>
                   </a:txBody>
@@ -4983,10 +7298,10 @@
                     <a:p>
                       <a:pPr algn="ctr"/>
                       <a:r>
-                        <a:rPr lang="en-US" sz="1100">
+                        <a:rPr lang="en-US" sz="1400">
                           <a:effectLst/>
                         </a:rPr>
-                        <a:t>46 (16.0%)</a:t>
+                        <a:t>74 (25.7%)</a:t>
                       </a:r>
                     </a:p>
                   </a:txBody>
@@ -5014,12 +7329,12 @@
                     <a:p>
                       <a:pPr algn="l"/>
                       <a:r>
-                        <a:rPr lang="en-US" sz="1100" dirty="0" smtClean="0">
+                        <a:rPr lang="en-US" sz="1400" dirty="0" smtClean="0">
                           <a:effectLst/>
                         </a:rPr>
-                        <a:t>OTHER</a:t>
+                        <a:t>4</a:t>
                       </a:r>
-                      <a:endParaRPr lang="en-US" sz="1100" dirty="0">
+                      <a:endParaRPr lang="en-US" sz="1400" dirty="0">
                         <a:effectLst/>
                       </a:endParaRPr>
                     </a:p>
@@ -5046,10 +7361,10 @@
                     <a:p>
                       <a:pPr algn="ctr"/>
                       <a:r>
-                        <a:rPr lang="en-US" sz="1100">
+                        <a:rPr lang="en-US" sz="1400">
                           <a:effectLst/>
                         </a:rPr>
-                        <a:t>146 (8.4%)</a:t>
+                        <a:t>395 (22.7%)</a:t>
                       </a:r>
                     </a:p>
                   </a:txBody>
@@ -5075,91 +7390,11 @@
                     <a:p>
                       <a:pPr algn="ctr"/>
                       <a:r>
-                        <a:rPr lang="en-US" sz="1100">
+                        <a:rPr lang="en-US" sz="1400" b="1" dirty="0">
                           <a:effectLst/>
                         </a:rPr>
-                        <a:t>29 (10.1%)</a:t>
+                        <a:t>102 (35.4%)</a:t>
                       </a:r>
-                    </a:p>
-                  </a:txBody>
-                  <a:tcPr marL="34263" marR="34263" marT="17131" marB="17131" anchor="ctr">
-                    <a:lnL>
-                      <a:noFill/>
-                    </a:lnL>
-                    <a:lnR>
-                      <a:noFill/>
-                    </a:lnR>
-                    <a:lnT>
-                      <a:noFill/>
-                    </a:lnT>
-                    <a:lnB>
-                      <a:noFill/>
-                    </a:lnB>
-                  </a:tcPr>
-                </a:tc>
-              </a:tr>
-              <a:tr h="171102">
-                <a:tc>
-                  <a:txBody>
-                    <a:bodyPr/>
-                    <a:lstStyle/>
-                    <a:p>
-                      <a:pPr algn="l"/>
-                      <a:endParaRPr lang="en-US" sz="1100" b="1" dirty="0">
-                        <a:effectLst/>
-                      </a:endParaRPr>
-                    </a:p>
-                  </a:txBody>
-                  <a:tcPr marL="34263" marR="34263" marT="17131" marB="17131" anchor="ctr">
-                    <a:lnL>
-                      <a:noFill/>
-                    </a:lnL>
-                    <a:lnR>
-                      <a:noFill/>
-                    </a:lnR>
-                    <a:lnT>
-                      <a:noFill/>
-                    </a:lnT>
-                    <a:lnB>
-                      <a:noFill/>
-                    </a:lnB>
-                  </a:tcPr>
-                </a:tc>
-                <a:tc>
-                  <a:txBody>
-                    <a:bodyPr/>
-                    <a:lstStyle/>
-                    <a:p>
-                      <a:pPr algn="ctr"/>
-                      <a:endParaRPr lang="en-US" sz="1100">
-                        <a:effectLst/>
-                      </a:endParaRPr>
-                    </a:p>
-                  </a:txBody>
-                  <a:tcPr marL="34263" marR="34263" marT="17131" marB="17131" anchor="ctr">
-                    <a:lnL>
-                      <a:noFill/>
-                    </a:lnL>
-                    <a:lnR>
-                      <a:noFill/>
-                    </a:lnR>
-                    <a:lnT>
-                      <a:noFill/>
-                    </a:lnT>
-                    <a:lnB>
-                      <a:noFill/>
-                    </a:lnB>
-                  </a:tcPr>
-                </a:tc>
-                <a:tc>
-                  <a:txBody>
-                    <a:bodyPr/>
-                    <a:lstStyle/>
-                    <a:p>
-                      <a:pPr algn="ctr"/>
-                      <a:endParaRPr lang="en-US" sz="1100">
-                        <a:effectLst/>
-                      </a:endParaRPr>
                     </a:p>
                   </a:txBody>
                   <a:tcPr marL="34263" marR="34263" marT="17131" marB="17131" anchor="ctr">
@@ -5186,22 +7421,16 @@
                     <a:p>
                       <a:pPr algn="l"/>
                       <a:r>
-                        <a:rPr lang="en-US" sz="1100" b="1" dirty="0" smtClean="0">
+                        <a:rPr lang="en-US" sz="1400" dirty="0" smtClean="0">
                           <a:effectLst/>
                         </a:rPr>
-                        <a:t>Age </a:t>
+                        <a:t>5 - </a:t>
                       </a:r>
                       <a:r>
-                        <a:rPr lang="en-US" sz="1100" dirty="0" smtClean="0">
+                        <a:rPr lang="en-US" sz="1400" dirty="0">
                           <a:effectLst/>
                         </a:rPr>
-                        <a:t>Median </a:t>
-                      </a:r>
-                      <a:r>
-                        <a:rPr lang="en-US" sz="1100" dirty="0">
-                          <a:effectLst/>
-                        </a:rPr>
-                        <a:t>[Min, Max]</a:t>
+                        <a:t>Believed all of it</a:t>
                       </a:r>
                     </a:p>
                   </a:txBody>
@@ -5227,10 +7456,10 @@
                     <a:p>
                       <a:pPr algn="ctr"/>
                       <a:r>
-                        <a:rPr lang="en-US" sz="1100" dirty="0">
+                        <a:rPr lang="en-US" sz="1400">
                           <a:effectLst/>
                         </a:rPr>
-                        <a:t>50.0 [18.0, 98.0]</a:t>
+                        <a:t>212 (12.2%)</a:t>
                       </a:r>
                     </a:p>
                   </a:txBody>
@@ -5256,10 +7485,22 @@
                     <a:p>
                       <a:pPr algn="ctr"/>
                       <a:r>
-                        <a:rPr lang="en-US" sz="1100" dirty="0">
+                        <a:rPr lang="en-US" sz="1400" dirty="0">
                           <a:effectLst/>
                         </a:rPr>
-                        <a:t>46.0 [18.0, 88.0]</a:t>
+                        <a:t>90 (</a:t>
+                      </a:r>
+                      <a:r>
+                        <a:rPr lang="en-US" sz="1400" b="0" dirty="0">
+                          <a:effectLst/>
+                        </a:rPr>
+                        <a:t>31.2%</a:t>
+                      </a:r>
+                      <a:r>
+                        <a:rPr lang="en-US" sz="1400" dirty="0">
+                          <a:effectLst/>
+                        </a:rPr>
+                        <a:t>)</a:t>
                       </a:r>
                     </a:p>
                   </a:txBody>
@@ -5286,10 +7527,10 @@
                     <a:lstStyle/>
                     <a:p>
                       <a:r>
-                        <a:rPr lang="en-US" sz="1100" b="1" dirty="0" smtClean="0"/>
-                        <a:t>Belief of information received</a:t>
+                        <a:rPr lang="en-US" sz="1400" b="1" dirty="0" smtClean="0"/>
+                        <a:t>Perceived risk of terrorism</a:t>
                       </a:r>
-                      <a:endParaRPr lang="en-US" sz="1100" b="1" dirty="0"/>
+                      <a:endParaRPr lang="en-US" sz="1400" b="1" dirty="0"/>
                     </a:p>
                   </a:txBody>
                   <a:tcPr marL="34263" marR="34263" marT="17131" marB="17131" anchor="ctr">
@@ -5305,6 +7546,9 @@
                     <a:lnB>
                       <a:noFill/>
                     </a:lnB>
+                    <a:solidFill>
+                      <a:schemeClr val="bg2"/>
+                    </a:solidFill>
                   </a:tcPr>
                 </a:tc>
                 <a:tc>
@@ -5313,7 +7557,7 @@
                     <a:lstStyle/>
                     <a:p>
                       <a:pPr algn="ctr"/>
-                      <a:endParaRPr lang="en-US" sz="1100">
+                      <a:endParaRPr lang="en-US" sz="1400" dirty="0">
                         <a:effectLst/>
                       </a:endParaRPr>
                     </a:p>
@@ -5331,6 +7575,9 @@
                     <a:lnB>
                       <a:noFill/>
                     </a:lnB>
+                    <a:solidFill>
+                      <a:schemeClr val="bg2"/>
+                    </a:solidFill>
                   </a:tcPr>
                 </a:tc>
                 <a:tc>
@@ -5339,7 +7586,7 @@
                     <a:lstStyle/>
                     <a:p>
                       <a:pPr algn="ctr"/>
-                      <a:endParaRPr lang="en-US" sz="1100">
+                      <a:endParaRPr lang="en-US" sz="1400" dirty="0">
                         <a:effectLst/>
                       </a:endParaRPr>
                     </a:p>
@@ -5357,10 +7604,13 @@
                     <a:lnB>
                       <a:noFill/>
                     </a:lnB>
+                    <a:solidFill>
+                      <a:schemeClr val="bg2"/>
+                    </a:solidFill>
                   </a:tcPr>
                 </a:tc>
               </a:tr>
-              <a:tr h="300610">
+              <a:tr h="171102">
                 <a:tc>
                   <a:txBody>
                     <a:bodyPr/>
@@ -5368,28 +7618,28 @@
                     <a:p>
                       <a:pPr algn="l"/>
                       <a:r>
-                        <a:rPr lang="en-US" sz="1100" dirty="0" smtClean="0">
+                        <a:rPr lang="en-US" sz="1400" dirty="0" smtClean="0">
                           <a:effectLst/>
                         </a:rPr>
                         <a:t>1</a:t>
                       </a:r>
                       <a:r>
-                        <a:rPr lang="en-US" sz="1100" baseline="0" dirty="0" smtClean="0">
+                        <a:rPr lang="en-US" sz="1400" baseline="0" dirty="0" smtClean="0">
                           <a:effectLst/>
                         </a:rPr>
                         <a:t> - </a:t>
                       </a:r>
                       <a:r>
-                        <a:rPr lang="en-US" sz="1100" dirty="0" smtClean="0">
+                        <a:rPr lang="en-US" sz="1400" dirty="0" smtClean="0">
                           <a:effectLst/>
                         </a:rPr>
-                        <a:t>Did </a:t>
+                        <a:t>Not </a:t>
                       </a:r>
                       <a:r>
-                        <a:rPr lang="en-US" sz="1100" dirty="0">
+                        <a:rPr lang="en-US" sz="1400" dirty="0">
                           <a:effectLst/>
                         </a:rPr>
-                        <a:t>not believe any of it</a:t>
+                        <a:t>at all likely</a:t>
                       </a:r>
                     </a:p>
                   </a:txBody>
@@ -5415,10 +7665,10 @@
                     <a:p>
                       <a:pPr algn="ctr"/>
                       <a:r>
-                        <a:rPr lang="en-US" sz="1100">
+                        <a:rPr lang="en-US" sz="1400" b="1" dirty="0">
                           <a:effectLst/>
                         </a:rPr>
-                        <a:t>102 (5.9%)</a:t>
+                        <a:t>521 (29.9%)</a:t>
                       </a:r>
                     </a:p>
                   </a:txBody>
@@ -5444,10 +7694,10 @@
                     <a:p>
                       <a:pPr algn="ctr"/>
                       <a:r>
-                        <a:rPr lang="en-US" sz="1100">
+                        <a:rPr lang="en-US" sz="1400" b="1" dirty="0">
                           <a:effectLst/>
                         </a:rPr>
-                        <a:t>6 (2.1%)</a:t>
+                        <a:t>97 (33.7%)</a:t>
                       </a:r>
                     </a:p>
                   </a:txBody>
@@ -5475,12 +7725,12 @@
                     <a:p>
                       <a:pPr algn="l"/>
                       <a:r>
-                        <a:rPr lang="en-US" sz="1100" dirty="0" smtClean="0">
+                        <a:rPr lang="en-US" sz="1400" dirty="0" smtClean="0">
                           <a:effectLst/>
                         </a:rPr>
                         <a:t>2</a:t>
                       </a:r>
-                      <a:endParaRPr lang="en-US" sz="1100" dirty="0">
+                      <a:endParaRPr lang="en-US" sz="1400" dirty="0">
                         <a:effectLst/>
                       </a:endParaRPr>
                     </a:p>
@@ -5507,10 +7757,10 @@
                     <a:p>
                       <a:pPr algn="ctr"/>
                       <a:r>
-                        <a:rPr lang="en-US" sz="1100">
+                        <a:rPr lang="en-US" sz="1400">
                           <a:effectLst/>
                         </a:rPr>
-                        <a:t>294 (16.9%)</a:t>
+                        <a:t>416 (23.9%)</a:t>
                       </a:r>
                     </a:p>
                   </a:txBody>
@@ -5536,10 +7786,10 @@
                     <a:p>
                       <a:pPr algn="ctr"/>
                       <a:r>
-                        <a:rPr lang="en-US" sz="1100">
+                        <a:rPr lang="en-US" sz="1400">
                           <a:effectLst/>
                         </a:rPr>
-                        <a:t>16 (5.6%)</a:t>
+                        <a:t>52 (18.1%)</a:t>
                       </a:r>
                     </a:p>
                   </a:txBody>
@@ -5567,12 +7817,12 @@
                     <a:p>
                       <a:pPr algn="l"/>
                       <a:r>
-                        <a:rPr lang="en-US" sz="1100" dirty="0" smtClean="0">
+                        <a:rPr lang="en-US" sz="1400" dirty="0" smtClean="0">
                           <a:effectLst/>
                         </a:rPr>
                         <a:t>3</a:t>
                       </a:r>
-                      <a:endParaRPr lang="en-US" sz="1100" dirty="0">
+                      <a:endParaRPr lang="en-US" sz="1400" dirty="0">
                         <a:effectLst/>
                       </a:endParaRPr>
                     </a:p>
@@ -5599,10 +7849,10 @@
                     <a:p>
                       <a:pPr algn="ctr"/>
                       <a:r>
-                        <a:rPr lang="en-US" sz="1100">
+                        <a:rPr lang="en-US" sz="1400">
                           <a:effectLst/>
                         </a:rPr>
-                        <a:t>738 (42.4%)</a:t>
+                        <a:t>370 (21.3%)</a:t>
                       </a:r>
                     </a:p>
                   </a:txBody>
@@ -5628,10 +7878,10 @@
                     <a:p>
                       <a:pPr algn="ctr"/>
                       <a:r>
-                        <a:rPr lang="en-US" sz="1100">
+                        <a:rPr lang="en-US" sz="1400">
                           <a:effectLst/>
                         </a:rPr>
-                        <a:t>74 (25.7%)</a:t>
+                        <a:t>71 (24.7%)</a:t>
                       </a:r>
                     </a:p>
                   </a:txBody>
@@ -5659,12 +7909,12 @@
                     <a:p>
                       <a:pPr algn="l"/>
                       <a:r>
-                        <a:rPr lang="en-US" sz="1100" dirty="0" smtClean="0">
+                        <a:rPr lang="en-US" sz="1400" dirty="0" smtClean="0">
                           <a:effectLst/>
                         </a:rPr>
                         <a:t>4</a:t>
                       </a:r>
-                      <a:endParaRPr lang="en-US" sz="1100" dirty="0">
+                      <a:endParaRPr lang="en-US" sz="1400" dirty="0">
                         <a:effectLst/>
                       </a:endParaRPr>
                     </a:p>
@@ -5691,10 +7941,10 @@
                     <a:p>
                       <a:pPr algn="ctr"/>
                       <a:r>
-                        <a:rPr lang="en-US" sz="1100">
+                        <a:rPr lang="en-US" sz="1400">
                           <a:effectLst/>
                         </a:rPr>
-                        <a:t>395 (22.7%)</a:t>
+                        <a:t>182 (10.5%)</a:t>
                       </a:r>
                     </a:p>
                   </a:txBody>
@@ -5720,10 +7970,10 @@
                     <a:p>
                       <a:pPr algn="ctr"/>
                       <a:r>
-                        <a:rPr lang="en-US" sz="1100">
+                        <a:rPr lang="en-US" sz="1400">
                           <a:effectLst/>
                         </a:rPr>
-                        <a:t>102 (35.4%)</a:t>
+                        <a:t>30 (10.4%)</a:t>
                       </a:r>
                     </a:p>
                   </a:txBody>
@@ -5751,572 +8001,13 @@
                     <a:p>
                       <a:pPr algn="l"/>
                       <a:r>
-                        <a:rPr lang="en-US" sz="1100" dirty="0" smtClean="0">
+                        <a:rPr lang="en-US" sz="1400" dirty="0" smtClean="0">
                           <a:effectLst/>
                         </a:rPr>
                         <a:t>5 - </a:t>
                       </a:r>
                       <a:r>
-                        <a:rPr lang="en-US" sz="1100" dirty="0">
-                          <a:effectLst/>
-                        </a:rPr>
-                        <a:t>Believed all of it</a:t>
-                      </a:r>
-                    </a:p>
-                  </a:txBody>
-                  <a:tcPr marL="34263" marR="34263" marT="17131" marB="17131" anchor="ctr">
-                    <a:lnL>
-                      <a:noFill/>
-                    </a:lnL>
-                    <a:lnR>
-                      <a:noFill/>
-                    </a:lnR>
-                    <a:lnT>
-                      <a:noFill/>
-                    </a:lnT>
-                    <a:lnB>
-                      <a:noFill/>
-                    </a:lnB>
-                  </a:tcPr>
-                </a:tc>
-                <a:tc>
-                  <a:txBody>
-                    <a:bodyPr/>
-                    <a:lstStyle/>
-                    <a:p>
-                      <a:pPr algn="ctr"/>
-                      <a:r>
-                        <a:rPr lang="en-US" sz="1100">
-                          <a:effectLst/>
-                        </a:rPr>
-                        <a:t>212 (12.2%)</a:t>
-                      </a:r>
-                    </a:p>
-                  </a:txBody>
-                  <a:tcPr marL="34263" marR="34263" marT="17131" marB="17131" anchor="ctr">
-                    <a:lnL>
-                      <a:noFill/>
-                    </a:lnL>
-                    <a:lnR>
-                      <a:noFill/>
-                    </a:lnR>
-                    <a:lnT>
-                      <a:noFill/>
-                    </a:lnT>
-                    <a:lnB>
-                      <a:noFill/>
-                    </a:lnB>
-                  </a:tcPr>
-                </a:tc>
-                <a:tc>
-                  <a:txBody>
-                    <a:bodyPr/>
-                    <a:lstStyle/>
-                    <a:p>
-                      <a:pPr algn="ctr"/>
-                      <a:r>
-                        <a:rPr lang="en-US" sz="1100">
-                          <a:effectLst/>
-                        </a:rPr>
-                        <a:t>90 (31.2%)</a:t>
-                      </a:r>
-                    </a:p>
-                  </a:txBody>
-                  <a:tcPr marL="34263" marR="34263" marT="17131" marB="17131" anchor="ctr">
-                    <a:lnL>
-                      <a:noFill/>
-                    </a:lnL>
-                    <a:lnR>
-                      <a:noFill/>
-                    </a:lnR>
-                    <a:lnT>
-                      <a:noFill/>
-                    </a:lnT>
-                    <a:lnB>
-                      <a:noFill/>
-                    </a:lnB>
-                  </a:tcPr>
-                </a:tc>
-              </a:tr>
-              <a:tr h="171102">
-                <a:tc>
-                  <a:txBody>
-                    <a:bodyPr/>
-                    <a:lstStyle/>
-                    <a:p>
-                      <a:r>
-                        <a:rPr lang="en-US" sz="1100" b="1" dirty="0" smtClean="0"/>
-                        <a:t>Perceived risk of terrorism</a:t>
-                      </a:r>
-                      <a:endParaRPr lang="en-US" sz="1100" b="1" dirty="0"/>
-                    </a:p>
-                  </a:txBody>
-                  <a:tcPr marL="34263" marR="34263" marT="17131" marB="17131" anchor="ctr">
-                    <a:lnL>
-                      <a:noFill/>
-                    </a:lnL>
-                    <a:lnR>
-                      <a:noFill/>
-                    </a:lnR>
-                    <a:lnT>
-                      <a:noFill/>
-                    </a:lnT>
-                    <a:lnB>
-                      <a:noFill/>
-                    </a:lnB>
-                  </a:tcPr>
-                </a:tc>
-                <a:tc>
-                  <a:txBody>
-                    <a:bodyPr/>
-                    <a:lstStyle/>
-                    <a:p>
-                      <a:pPr algn="ctr"/>
-                      <a:endParaRPr lang="en-US" sz="1100">
-                        <a:effectLst/>
-                      </a:endParaRPr>
-                    </a:p>
-                  </a:txBody>
-                  <a:tcPr marL="34263" marR="34263" marT="17131" marB="17131" anchor="ctr">
-                    <a:lnL>
-                      <a:noFill/>
-                    </a:lnL>
-                    <a:lnR>
-                      <a:noFill/>
-                    </a:lnR>
-                    <a:lnT>
-                      <a:noFill/>
-                    </a:lnT>
-                    <a:lnB>
-                      <a:noFill/>
-                    </a:lnB>
-                  </a:tcPr>
-                </a:tc>
-                <a:tc>
-                  <a:txBody>
-                    <a:bodyPr/>
-                    <a:lstStyle/>
-                    <a:p>
-                      <a:pPr algn="ctr"/>
-                      <a:endParaRPr lang="en-US" sz="1100">
-                        <a:effectLst/>
-                      </a:endParaRPr>
-                    </a:p>
-                  </a:txBody>
-                  <a:tcPr marL="34263" marR="34263" marT="17131" marB="17131" anchor="ctr">
-                    <a:lnL>
-                      <a:noFill/>
-                    </a:lnL>
-                    <a:lnR>
-                      <a:noFill/>
-                    </a:lnR>
-                    <a:lnT>
-                      <a:noFill/>
-                    </a:lnT>
-                    <a:lnB>
-                      <a:noFill/>
-                    </a:lnB>
-                  </a:tcPr>
-                </a:tc>
-              </a:tr>
-              <a:tr h="171102">
-                <a:tc>
-                  <a:txBody>
-                    <a:bodyPr/>
-                    <a:lstStyle/>
-                    <a:p>
-                      <a:pPr algn="l"/>
-                      <a:r>
-                        <a:rPr lang="en-US" sz="1100" dirty="0" smtClean="0">
-                          <a:effectLst/>
-                        </a:rPr>
-                        <a:t>1</a:t>
-                      </a:r>
-                      <a:r>
-                        <a:rPr lang="en-US" sz="1100" baseline="0" dirty="0" smtClean="0">
-                          <a:effectLst/>
-                        </a:rPr>
-                        <a:t> - </a:t>
-                      </a:r>
-                      <a:r>
-                        <a:rPr lang="en-US" sz="1100" dirty="0" smtClean="0">
-                          <a:effectLst/>
-                        </a:rPr>
-                        <a:t>Not </a:t>
-                      </a:r>
-                      <a:r>
-                        <a:rPr lang="en-US" sz="1100" dirty="0">
-                          <a:effectLst/>
-                        </a:rPr>
-                        <a:t>at all likely</a:t>
-                      </a:r>
-                    </a:p>
-                  </a:txBody>
-                  <a:tcPr marL="34263" marR="34263" marT="17131" marB="17131" anchor="ctr">
-                    <a:lnL>
-                      <a:noFill/>
-                    </a:lnL>
-                    <a:lnR>
-                      <a:noFill/>
-                    </a:lnR>
-                    <a:lnT>
-                      <a:noFill/>
-                    </a:lnT>
-                    <a:lnB>
-                      <a:noFill/>
-                    </a:lnB>
-                  </a:tcPr>
-                </a:tc>
-                <a:tc>
-                  <a:txBody>
-                    <a:bodyPr/>
-                    <a:lstStyle/>
-                    <a:p>
-                      <a:pPr algn="ctr"/>
-                      <a:r>
-                        <a:rPr lang="en-US" sz="1100">
-                          <a:effectLst/>
-                        </a:rPr>
-                        <a:t>521 (29.9%)</a:t>
-                      </a:r>
-                    </a:p>
-                  </a:txBody>
-                  <a:tcPr marL="34263" marR="34263" marT="17131" marB="17131" anchor="ctr">
-                    <a:lnL>
-                      <a:noFill/>
-                    </a:lnL>
-                    <a:lnR>
-                      <a:noFill/>
-                    </a:lnR>
-                    <a:lnT>
-                      <a:noFill/>
-                    </a:lnT>
-                    <a:lnB>
-                      <a:noFill/>
-                    </a:lnB>
-                  </a:tcPr>
-                </a:tc>
-                <a:tc>
-                  <a:txBody>
-                    <a:bodyPr/>
-                    <a:lstStyle/>
-                    <a:p>
-                      <a:pPr algn="ctr"/>
-                      <a:r>
-                        <a:rPr lang="en-US" sz="1100">
-                          <a:effectLst/>
-                        </a:rPr>
-                        <a:t>97 (33.7%)</a:t>
-                      </a:r>
-                    </a:p>
-                  </a:txBody>
-                  <a:tcPr marL="34263" marR="34263" marT="17131" marB="17131" anchor="ctr">
-                    <a:lnL>
-                      <a:noFill/>
-                    </a:lnL>
-                    <a:lnR>
-                      <a:noFill/>
-                    </a:lnR>
-                    <a:lnT>
-                      <a:noFill/>
-                    </a:lnT>
-                    <a:lnB>
-                      <a:noFill/>
-                    </a:lnB>
-                  </a:tcPr>
-                </a:tc>
-              </a:tr>
-              <a:tr h="171102">
-                <a:tc>
-                  <a:txBody>
-                    <a:bodyPr/>
-                    <a:lstStyle/>
-                    <a:p>
-                      <a:pPr algn="l"/>
-                      <a:r>
-                        <a:rPr lang="en-US" sz="1100" dirty="0" smtClean="0">
-                          <a:effectLst/>
-                        </a:rPr>
-                        <a:t>2</a:t>
-                      </a:r>
-                      <a:endParaRPr lang="en-US" sz="1100" dirty="0">
-                        <a:effectLst/>
-                      </a:endParaRPr>
-                    </a:p>
-                  </a:txBody>
-                  <a:tcPr marL="34263" marR="34263" marT="17131" marB="17131" anchor="ctr">
-                    <a:lnL>
-                      <a:noFill/>
-                    </a:lnL>
-                    <a:lnR>
-                      <a:noFill/>
-                    </a:lnR>
-                    <a:lnT>
-                      <a:noFill/>
-                    </a:lnT>
-                    <a:lnB>
-                      <a:noFill/>
-                    </a:lnB>
-                  </a:tcPr>
-                </a:tc>
-                <a:tc>
-                  <a:txBody>
-                    <a:bodyPr/>
-                    <a:lstStyle/>
-                    <a:p>
-                      <a:pPr algn="ctr"/>
-                      <a:r>
-                        <a:rPr lang="en-US" sz="1100">
-                          <a:effectLst/>
-                        </a:rPr>
-                        <a:t>416 (23.9%)</a:t>
-                      </a:r>
-                    </a:p>
-                  </a:txBody>
-                  <a:tcPr marL="34263" marR="34263" marT="17131" marB="17131" anchor="ctr">
-                    <a:lnL>
-                      <a:noFill/>
-                    </a:lnL>
-                    <a:lnR>
-                      <a:noFill/>
-                    </a:lnR>
-                    <a:lnT>
-                      <a:noFill/>
-                    </a:lnT>
-                    <a:lnB>
-                      <a:noFill/>
-                    </a:lnB>
-                  </a:tcPr>
-                </a:tc>
-                <a:tc>
-                  <a:txBody>
-                    <a:bodyPr/>
-                    <a:lstStyle/>
-                    <a:p>
-                      <a:pPr algn="ctr"/>
-                      <a:r>
-                        <a:rPr lang="en-US" sz="1100">
-                          <a:effectLst/>
-                        </a:rPr>
-                        <a:t>52 (18.1%)</a:t>
-                      </a:r>
-                    </a:p>
-                  </a:txBody>
-                  <a:tcPr marL="34263" marR="34263" marT="17131" marB="17131" anchor="ctr">
-                    <a:lnL>
-                      <a:noFill/>
-                    </a:lnL>
-                    <a:lnR>
-                      <a:noFill/>
-                    </a:lnR>
-                    <a:lnT>
-                      <a:noFill/>
-                    </a:lnT>
-                    <a:lnB>
-                      <a:noFill/>
-                    </a:lnB>
-                  </a:tcPr>
-                </a:tc>
-              </a:tr>
-              <a:tr h="171102">
-                <a:tc>
-                  <a:txBody>
-                    <a:bodyPr/>
-                    <a:lstStyle/>
-                    <a:p>
-                      <a:pPr algn="l"/>
-                      <a:r>
-                        <a:rPr lang="en-US" sz="1100" dirty="0" smtClean="0">
-                          <a:effectLst/>
-                        </a:rPr>
-                        <a:t>3</a:t>
-                      </a:r>
-                      <a:endParaRPr lang="en-US" sz="1100" dirty="0">
-                        <a:effectLst/>
-                      </a:endParaRPr>
-                    </a:p>
-                  </a:txBody>
-                  <a:tcPr marL="34263" marR="34263" marT="17131" marB="17131" anchor="ctr">
-                    <a:lnL>
-                      <a:noFill/>
-                    </a:lnL>
-                    <a:lnR>
-                      <a:noFill/>
-                    </a:lnR>
-                    <a:lnT>
-                      <a:noFill/>
-                    </a:lnT>
-                    <a:lnB>
-                      <a:noFill/>
-                    </a:lnB>
-                  </a:tcPr>
-                </a:tc>
-                <a:tc>
-                  <a:txBody>
-                    <a:bodyPr/>
-                    <a:lstStyle/>
-                    <a:p>
-                      <a:pPr algn="ctr"/>
-                      <a:r>
-                        <a:rPr lang="en-US" sz="1100">
-                          <a:effectLst/>
-                        </a:rPr>
-                        <a:t>370 (21.3%)</a:t>
-                      </a:r>
-                    </a:p>
-                  </a:txBody>
-                  <a:tcPr marL="34263" marR="34263" marT="17131" marB="17131" anchor="ctr">
-                    <a:lnL>
-                      <a:noFill/>
-                    </a:lnL>
-                    <a:lnR>
-                      <a:noFill/>
-                    </a:lnR>
-                    <a:lnT>
-                      <a:noFill/>
-                    </a:lnT>
-                    <a:lnB>
-                      <a:noFill/>
-                    </a:lnB>
-                  </a:tcPr>
-                </a:tc>
-                <a:tc>
-                  <a:txBody>
-                    <a:bodyPr/>
-                    <a:lstStyle/>
-                    <a:p>
-                      <a:pPr algn="ctr"/>
-                      <a:r>
-                        <a:rPr lang="en-US" sz="1100">
-                          <a:effectLst/>
-                        </a:rPr>
-                        <a:t>71 (24.7%)</a:t>
-                      </a:r>
-                    </a:p>
-                  </a:txBody>
-                  <a:tcPr marL="34263" marR="34263" marT="17131" marB="17131" anchor="ctr">
-                    <a:lnL>
-                      <a:noFill/>
-                    </a:lnL>
-                    <a:lnR>
-                      <a:noFill/>
-                    </a:lnR>
-                    <a:lnT>
-                      <a:noFill/>
-                    </a:lnT>
-                    <a:lnB>
-                      <a:noFill/>
-                    </a:lnB>
-                  </a:tcPr>
-                </a:tc>
-              </a:tr>
-              <a:tr h="171102">
-                <a:tc>
-                  <a:txBody>
-                    <a:bodyPr/>
-                    <a:lstStyle/>
-                    <a:p>
-                      <a:pPr algn="l"/>
-                      <a:r>
-                        <a:rPr lang="en-US" sz="1100" dirty="0" smtClean="0">
-                          <a:effectLst/>
-                        </a:rPr>
-                        <a:t>4</a:t>
-                      </a:r>
-                      <a:endParaRPr lang="en-US" sz="1100" dirty="0">
-                        <a:effectLst/>
-                      </a:endParaRPr>
-                    </a:p>
-                  </a:txBody>
-                  <a:tcPr marL="34263" marR="34263" marT="17131" marB="17131" anchor="ctr">
-                    <a:lnL>
-                      <a:noFill/>
-                    </a:lnL>
-                    <a:lnR>
-                      <a:noFill/>
-                    </a:lnR>
-                    <a:lnT>
-                      <a:noFill/>
-                    </a:lnT>
-                    <a:lnB>
-                      <a:noFill/>
-                    </a:lnB>
-                  </a:tcPr>
-                </a:tc>
-                <a:tc>
-                  <a:txBody>
-                    <a:bodyPr/>
-                    <a:lstStyle/>
-                    <a:p>
-                      <a:pPr algn="ctr"/>
-                      <a:r>
-                        <a:rPr lang="en-US" sz="1100">
-                          <a:effectLst/>
-                        </a:rPr>
-                        <a:t>182 (10.5%)</a:t>
-                      </a:r>
-                    </a:p>
-                  </a:txBody>
-                  <a:tcPr marL="34263" marR="34263" marT="17131" marB="17131" anchor="ctr">
-                    <a:lnL>
-                      <a:noFill/>
-                    </a:lnL>
-                    <a:lnR>
-                      <a:noFill/>
-                    </a:lnR>
-                    <a:lnT>
-                      <a:noFill/>
-                    </a:lnT>
-                    <a:lnB>
-                      <a:noFill/>
-                    </a:lnB>
-                  </a:tcPr>
-                </a:tc>
-                <a:tc>
-                  <a:txBody>
-                    <a:bodyPr/>
-                    <a:lstStyle/>
-                    <a:p>
-                      <a:pPr algn="ctr"/>
-                      <a:r>
-                        <a:rPr lang="en-US" sz="1100">
-                          <a:effectLst/>
-                        </a:rPr>
-                        <a:t>30 (10.4%)</a:t>
-                      </a:r>
-                    </a:p>
-                  </a:txBody>
-                  <a:tcPr marL="34263" marR="34263" marT="17131" marB="17131" anchor="ctr">
-                    <a:lnL>
-                      <a:noFill/>
-                    </a:lnL>
-                    <a:lnR>
-                      <a:noFill/>
-                    </a:lnR>
-                    <a:lnT>
-                      <a:noFill/>
-                    </a:lnT>
-                    <a:lnB>
-                      <a:noFill/>
-                    </a:lnB>
-                  </a:tcPr>
-                </a:tc>
-              </a:tr>
-              <a:tr h="171102">
-                <a:tc>
-                  <a:txBody>
-                    <a:bodyPr/>
-                    <a:lstStyle/>
-                    <a:p>
-                      <a:pPr algn="l"/>
-                      <a:r>
-                        <a:rPr lang="en-US" sz="1100" dirty="0" smtClean="0">
-                          <a:effectLst/>
-                        </a:rPr>
-                        <a:t>5 - </a:t>
-                      </a:r>
-                      <a:r>
-                        <a:rPr lang="en-US" sz="1100" dirty="0">
+                        <a:rPr lang="en-US" sz="1400" dirty="0">
                           <a:effectLst/>
                         </a:rPr>
                         <a:t>Definitely will occur</a:t>
@@ -6351,7 +8042,7 @@
                     <a:p>
                       <a:pPr algn="ctr"/>
                       <a:r>
-                        <a:rPr lang="en-US" sz="1100">
+                        <a:rPr lang="en-US" sz="1400">
                           <a:effectLst/>
                         </a:rPr>
                         <a:t>252 (14.5%)</a:t>
@@ -6386,7 +8077,7 @@
                     <a:p>
                       <a:pPr algn="ctr"/>
                       <a:r>
-                        <a:rPr lang="en-US" sz="1100" dirty="0">
+                        <a:rPr lang="en-US" sz="1400" dirty="0">
                           <a:effectLst/>
                         </a:rPr>
                         <a:t>38 (13.2%)</a:t>
@@ -6439,7 +8130,883 @@
 </p:sld>
 </file>
 
+<file path=ppt/slides/slide12.xml><?xml version="1.0" encoding="utf-8"?>
+<p:sld xmlns:a="http://schemas.openxmlformats.org/drawingml/2006/main" xmlns:r="http://schemas.openxmlformats.org/officeDocument/2006/relationships" xmlns:p="http://schemas.openxmlformats.org/presentationml/2006/main">
+  <p:cSld>
+    <p:spTree>
+      <p:nvGrpSpPr>
+        <p:cNvPr id="1" name=""/>
+        <p:cNvGrpSpPr/>
+        <p:nvPr/>
+      </p:nvGrpSpPr>
+      <p:grpSpPr>
+        <a:xfrm>
+          <a:off x="0" y="0"/>
+          <a:ext cx="0" cy="0"/>
+          <a:chOff x="0" y="0"/>
+          <a:chExt cx="0" cy="0"/>
+        </a:xfrm>
+      </p:grpSpPr>
+      <p:graphicFrame>
+        <p:nvGraphicFramePr>
+          <p:cNvPr id="4" name="Chart 3"/>
+          <p:cNvGraphicFramePr>
+            <a:graphicFrameLocks/>
+          </p:cNvGraphicFramePr>
+          <p:nvPr>
+            <p:extLst>
+              <p:ext uri="{D42A27DB-BD31-4B8C-83A1-F6EECF244321}">
+                <p14:modId xmlns:p14="http://schemas.microsoft.com/office/powerpoint/2010/main" val="4229425700"/>
+              </p:ext>
+            </p:extLst>
+          </p:nvPr>
+        </p:nvGraphicFramePr>
+        <p:xfrm>
+          <a:off x="605481" y="154458"/>
+          <a:ext cx="11219935" cy="5331942"/>
+        </p:xfrm>
+        <a:graphic>
+          <a:graphicData uri="http://schemas.openxmlformats.org/drawingml/2006/chart">
+            <c:chart xmlns:c="http://schemas.openxmlformats.org/drawingml/2006/chart" xmlns:r="http://schemas.openxmlformats.org/officeDocument/2006/relationships" r:id="rId2"/>
+          </a:graphicData>
+        </a:graphic>
+      </p:graphicFrame>
+      <p:graphicFrame>
+        <p:nvGraphicFramePr>
+          <p:cNvPr id="5" name="Table 4"/>
+          <p:cNvGraphicFramePr>
+            <a:graphicFrameLocks noGrp="1"/>
+          </p:cNvGraphicFramePr>
+          <p:nvPr>
+            <p:extLst>
+              <p:ext uri="{D42A27DB-BD31-4B8C-83A1-F6EECF244321}">
+                <p14:modId xmlns:p14="http://schemas.microsoft.com/office/powerpoint/2010/main" val="1851082204"/>
+              </p:ext>
+            </p:extLst>
+          </p:nvPr>
+        </p:nvGraphicFramePr>
+        <p:xfrm>
+          <a:off x="2829039" y="5622326"/>
+          <a:ext cx="6616301" cy="902843"/>
+        </p:xfrm>
+        <a:graphic>
+          <a:graphicData uri="http://schemas.openxmlformats.org/drawingml/2006/table">
+            <a:tbl>
+              <a:tblPr firstRow="1" firstCol="1" bandRow="1">
+                <a:tableStyleId>{0E3FDE45-AF77-4B5C-9715-49D594BDF05E}</a:tableStyleId>
+              </a:tblPr>
+              <a:tblGrid>
+                <a:gridCol w="2254365"/>
+                <a:gridCol w="2180968"/>
+                <a:gridCol w="2180968"/>
+              </a:tblGrid>
+              <a:tr h="0">
+                <a:tc>
+                  <a:txBody>
+                    <a:bodyPr/>
+                    <a:lstStyle/>
+                    <a:p>
+                      <a:pPr marL="0" marR="0">
+                        <a:lnSpc>
+                          <a:spcPct val="107000"/>
+                        </a:lnSpc>
+                        <a:spcBef>
+                          <a:spcPts val="0"/>
+                        </a:spcBef>
+                        <a:spcAft>
+                          <a:spcPts val="0"/>
+                        </a:spcAft>
+                      </a:pPr>
+                      <a:endParaRPr lang="en-US" sz="1600" dirty="0">
+                        <a:effectLst/>
+                        <a:latin typeface="Calibri" panose="020F0502020204030204" pitchFamily="34" charset="0"/>
+                        <a:ea typeface="SimSun" panose="02010600030101010101" pitchFamily="2" charset="-122"/>
+                        <a:cs typeface="Times New Roman" panose="02020603050405020304" pitchFamily="18" charset="0"/>
+                      </a:endParaRPr>
+                    </a:p>
+                  </a:txBody>
+                  <a:tcPr marL="68580" marR="68580" marT="0" marB="0"/>
+                </a:tc>
+                <a:tc>
+                  <a:txBody>
+                    <a:bodyPr/>
+                    <a:lstStyle/>
+                    <a:p>
+                      <a:pPr marL="0" marR="0" algn="ctr">
+                        <a:lnSpc>
+                          <a:spcPct val="107000"/>
+                        </a:lnSpc>
+                        <a:spcBef>
+                          <a:spcPts val="0"/>
+                        </a:spcBef>
+                        <a:spcAft>
+                          <a:spcPts val="0"/>
+                        </a:spcAft>
+                      </a:pPr>
+                      <a:r>
+                        <a:rPr lang="en-US" sz="1600" dirty="0">
+                          <a:effectLst/>
+                        </a:rPr>
+                        <a:t>Model 1</a:t>
+                      </a:r>
+                    </a:p>
+                    <a:p>
+                      <a:pPr marL="0" marR="0" algn="ctr">
+                        <a:lnSpc>
+                          <a:spcPct val="107000"/>
+                        </a:lnSpc>
+                        <a:spcBef>
+                          <a:spcPts val="0"/>
+                        </a:spcBef>
+                        <a:spcAft>
+                          <a:spcPts val="0"/>
+                        </a:spcAft>
+                      </a:pPr>
+                      <a:r>
+                        <a:rPr lang="en-US" sz="1600" dirty="0">
+                          <a:effectLst/>
+                        </a:rPr>
+                        <a:t>OR (95% CI)</a:t>
+                      </a:r>
+                      <a:endParaRPr lang="en-US" sz="1600" dirty="0">
+                        <a:effectLst/>
+                        <a:latin typeface="Calibri" panose="020F0502020204030204" pitchFamily="34" charset="0"/>
+                        <a:ea typeface="SimSun" panose="02010600030101010101" pitchFamily="2" charset="-122"/>
+                        <a:cs typeface="Times New Roman" panose="02020603050405020304" pitchFamily="18" charset="0"/>
+                      </a:endParaRPr>
+                    </a:p>
+                  </a:txBody>
+                  <a:tcPr marL="68580" marR="68580" marT="0" marB="0"/>
+                </a:tc>
+                <a:tc>
+                  <a:txBody>
+                    <a:bodyPr/>
+                    <a:lstStyle/>
+                    <a:p>
+                      <a:pPr marL="0" marR="0" algn="ctr">
+                        <a:lnSpc>
+                          <a:spcPct val="107000"/>
+                        </a:lnSpc>
+                        <a:spcBef>
+                          <a:spcPts val="0"/>
+                        </a:spcBef>
+                        <a:spcAft>
+                          <a:spcPts val="0"/>
+                        </a:spcAft>
+                      </a:pPr>
+                      <a:r>
+                        <a:rPr lang="en-US" sz="1600" dirty="0">
+                          <a:effectLst/>
+                        </a:rPr>
+                        <a:t>Model 2</a:t>
+                      </a:r>
+                    </a:p>
+                    <a:p>
+                      <a:pPr marL="0" marR="0" algn="ctr">
+                        <a:lnSpc>
+                          <a:spcPct val="107000"/>
+                        </a:lnSpc>
+                        <a:spcBef>
+                          <a:spcPts val="0"/>
+                        </a:spcBef>
+                        <a:spcAft>
+                          <a:spcPts val="0"/>
+                        </a:spcAft>
+                      </a:pPr>
+                      <a:r>
+                        <a:rPr lang="en-US" sz="1600" dirty="0">
+                          <a:effectLst/>
+                        </a:rPr>
+                        <a:t>OR (95% CI)</a:t>
+                      </a:r>
+                      <a:endParaRPr lang="en-US" sz="1600" dirty="0">
+                        <a:effectLst/>
+                        <a:latin typeface="Calibri" panose="020F0502020204030204" pitchFamily="34" charset="0"/>
+                        <a:ea typeface="SimSun" panose="02010600030101010101" pitchFamily="2" charset="-122"/>
+                        <a:cs typeface="Times New Roman" panose="02020603050405020304" pitchFamily="18" charset="0"/>
+                      </a:endParaRPr>
+                    </a:p>
+                  </a:txBody>
+                  <a:tcPr marL="68580" marR="68580" marT="0" marB="0"/>
+                </a:tc>
+              </a:tr>
+              <a:tr h="381000">
+                <a:tc>
+                  <a:txBody>
+                    <a:bodyPr/>
+                    <a:lstStyle/>
+                    <a:p>
+                      <a:pPr marL="0" marR="0">
+                        <a:lnSpc>
+                          <a:spcPct val="107000"/>
+                        </a:lnSpc>
+                        <a:spcBef>
+                          <a:spcPts val="0"/>
+                        </a:spcBef>
+                        <a:spcAft>
+                          <a:spcPts val="0"/>
+                        </a:spcAft>
+                      </a:pPr>
+                      <a:r>
+                        <a:rPr lang="en-US" sz="1600" dirty="0" smtClean="0">
+                          <a:effectLst/>
+                        </a:rPr>
+                        <a:t>All government</a:t>
+                      </a:r>
+                      <a:r>
+                        <a:rPr lang="en-US" sz="1600" baseline="0" dirty="0" smtClean="0">
+                          <a:effectLst/>
+                        </a:rPr>
+                        <a:t> trust </a:t>
+                      </a:r>
+                      <a:endParaRPr lang="en-US" sz="1600" dirty="0">
+                        <a:effectLst/>
+                        <a:latin typeface="Calibri" panose="020F0502020204030204" pitchFamily="34" charset="0"/>
+                        <a:ea typeface="SimSun" panose="02010600030101010101" pitchFamily="2" charset="-122"/>
+                        <a:cs typeface="Times New Roman" panose="02020603050405020304" pitchFamily="18" charset="0"/>
+                      </a:endParaRPr>
+                    </a:p>
+                  </a:txBody>
+                  <a:tcPr marL="68580" marR="68580" marT="0" marB="0"/>
+                </a:tc>
+                <a:tc>
+                  <a:txBody>
+                    <a:bodyPr/>
+                    <a:lstStyle/>
+                    <a:p>
+                      <a:pPr marL="0" marR="0" algn="ctr">
+                        <a:lnSpc>
+                          <a:spcPct val="107000"/>
+                        </a:lnSpc>
+                        <a:spcBef>
+                          <a:spcPts val="0"/>
+                        </a:spcBef>
+                        <a:spcAft>
+                          <a:spcPts val="0"/>
+                        </a:spcAft>
+                      </a:pPr>
+                      <a:r>
+                        <a:rPr lang="en-US" sz="1600" baseline="0" dirty="0" smtClean="0">
+                          <a:effectLst/>
+                        </a:rPr>
+                        <a:t>25.29 (14.38-44.46)</a:t>
+                      </a:r>
+                      <a:endParaRPr lang="en-US" sz="1600" dirty="0">
+                        <a:effectLst/>
+                        <a:latin typeface="Calibri" panose="020F0502020204030204" pitchFamily="34" charset="0"/>
+                        <a:ea typeface="SimSun" panose="02010600030101010101" pitchFamily="2" charset="-122"/>
+                        <a:cs typeface="Times New Roman" panose="02020603050405020304" pitchFamily="18" charset="0"/>
+                      </a:endParaRPr>
+                    </a:p>
+                  </a:txBody>
+                  <a:tcPr marL="68580" marR="68580" marT="0" marB="0"/>
+                </a:tc>
+                <a:tc>
+                  <a:txBody>
+                    <a:bodyPr/>
+                    <a:lstStyle/>
+                    <a:p>
+                      <a:pPr marL="0" marR="0" algn="ctr">
+                        <a:lnSpc>
+                          <a:spcPct val="107000"/>
+                        </a:lnSpc>
+                        <a:spcBef>
+                          <a:spcPts val="300"/>
+                        </a:spcBef>
+                        <a:spcAft>
+                          <a:spcPts val="300"/>
+                        </a:spcAft>
+                      </a:pPr>
+                      <a:r>
+                        <a:rPr lang="en-US" sz="1600" dirty="0" smtClean="0">
+                          <a:effectLst/>
+                        </a:rPr>
+                        <a:t>23.15 (12.97-41.33)</a:t>
+                      </a:r>
+                      <a:endParaRPr lang="en-US" sz="1600" dirty="0">
+                        <a:effectLst/>
+                        <a:latin typeface="Calibri" panose="020F0502020204030204" pitchFamily="34" charset="0"/>
+                        <a:ea typeface="SimSun" panose="02010600030101010101" pitchFamily="2" charset="-122"/>
+                        <a:cs typeface="Times New Roman" panose="02020603050405020304" pitchFamily="18" charset="0"/>
+                      </a:endParaRPr>
+                    </a:p>
+                  </a:txBody>
+                  <a:tcPr marL="68580" marR="68580" marT="0" marB="0"/>
+                </a:tc>
+              </a:tr>
+            </a:tbl>
+          </a:graphicData>
+        </a:graphic>
+      </p:graphicFrame>
+    </p:spTree>
+    <p:extLst>
+      <p:ext uri="{BB962C8B-B14F-4D97-AF65-F5344CB8AC3E}">
+        <p14:creationId xmlns:p14="http://schemas.microsoft.com/office/powerpoint/2010/main" val="331676464"/>
+      </p:ext>
+    </p:extLst>
+  </p:cSld>
+  <p:clrMapOvr>
+    <a:masterClrMapping/>
+  </p:clrMapOvr>
+  <p:timing>
+    <p:tnLst>
+      <p:par>
+        <p:cTn id="1" dur="indefinite" restart="never" nodeType="tmRoot"/>
+      </p:par>
+    </p:tnLst>
+  </p:timing>
+</p:sld>
+</file>
+
 <file path=ppt/slides/slide13.xml><?xml version="1.0" encoding="utf-8"?>
+<p:sld xmlns:a="http://schemas.openxmlformats.org/drawingml/2006/main" xmlns:r="http://schemas.openxmlformats.org/officeDocument/2006/relationships" xmlns:p="http://schemas.openxmlformats.org/presentationml/2006/main">
+  <p:cSld>
+    <p:spTree>
+      <p:nvGrpSpPr>
+        <p:cNvPr id="1" name=""/>
+        <p:cNvGrpSpPr/>
+        <p:nvPr/>
+      </p:nvGrpSpPr>
+      <p:grpSpPr>
+        <a:xfrm>
+          <a:off x="0" y="0"/>
+          <a:ext cx="0" cy="0"/>
+          <a:chOff x="0" y="0"/>
+          <a:chExt cx="0" cy="0"/>
+        </a:xfrm>
+      </p:grpSpPr>
+      <p:graphicFrame>
+        <p:nvGraphicFramePr>
+          <p:cNvPr id="6" name="Chart 5"/>
+          <p:cNvGraphicFramePr>
+            <a:graphicFrameLocks/>
+          </p:cNvGraphicFramePr>
+          <p:nvPr>
+            <p:extLst>
+              <p:ext uri="{D42A27DB-BD31-4B8C-83A1-F6EECF244321}">
+                <p14:modId xmlns:p14="http://schemas.microsoft.com/office/powerpoint/2010/main" val="2393730739"/>
+              </p:ext>
+            </p:extLst>
+          </p:nvPr>
+        </p:nvGraphicFramePr>
+        <p:xfrm>
+          <a:off x="869091" y="154458"/>
+          <a:ext cx="10251989" cy="4714103"/>
+        </p:xfrm>
+        <a:graphic>
+          <a:graphicData uri="http://schemas.openxmlformats.org/drawingml/2006/chart">
+            <c:chart xmlns:c="http://schemas.openxmlformats.org/drawingml/2006/chart" xmlns:r="http://schemas.openxmlformats.org/officeDocument/2006/relationships" r:id="rId2"/>
+          </a:graphicData>
+        </a:graphic>
+      </p:graphicFrame>
+      <p:graphicFrame>
+        <p:nvGraphicFramePr>
+          <p:cNvPr id="7" name="Table 6"/>
+          <p:cNvGraphicFramePr>
+            <a:graphicFrameLocks noGrp="1"/>
+          </p:cNvGraphicFramePr>
+          <p:nvPr>
+            <p:extLst>
+              <p:ext uri="{D42A27DB-BD31-4B8C-83A1-F6EECF244321}">
+                <p14:modId xmlns:p14="http://schemas.microsoft.com/office/powerpoint/2010/main" val="167981362"/>
+              </p:ext>
+            </p:extLst>
+          </p:nvPr>
+        </p:nvGraphicFramePr>
+        <p:xfrm>
+          <a:off x="2829038" y="4860326"/>
+          <a:ext cx="6616301" cy="1664843"/>
+        </p:xfrm>
+        <a:graphic>
+          <a:graphicData uri="http://schemas.openxmlformats.org/drawingml/2006/table">
+            <a:tbl>
+              <a:tblPr firstRow="1" firstCol="1" bandRow="1">
+                <a:tableStyleId>{0E3FDE45-AF77-4B5C-9715-49D594BDF05E}</a:tableStyleId>
+              </a:tblPr>
+              <a:tblGrid>
+                <a:gridCol w="2483251"/>
+                <a:gridCol w="2066525"/>
+                <a:gridCol w="2066525"/>
+              </a:tblGrid>
+              <a:tr h="0">
+                <a:tc>
+                  <a:txBody>
+                    <a:bodyPr/>
+                    <a:lstStyle/>
+                    <a:p>
+                      <a:pPr marL="0" marR="0">
+                        <a:lnSpc>
+                          <a:spcPct val="107000"/>
+                        </a:lnSpc>
+                        <a:spcBef>
+                          <a:spcPts val="0"/>
+                        </a:spcBef>
+                        <a:spcAft>
+                          <a:spcPts val="0"/>
+                        </a:spcAft>
+                      </a:pPr>
+                      <a:endParaRPr lang="en-US" sz="1600" dirty="0">
+                        <a:effectLst/>
+                        <a:latin typeface="Calibri" panose="020F0502020204030204" pitchFamily="34" charset="0"/>
+                        <a:ea typeface="SimSun" panose="02010600030101010101" pitchFamily="2" charset="-122"/>
+                        <a:cs typeface="Times New Roman" panose="02020603050405020304" pitchFamily="18" charset="0"/>
+                      </a:endParaRPr>
+                    </a:p>
+                  </a:txBody>
+                  <a:tcPr marL="68580" marR="68580" marT="0" marB="0"/>
+                </a:tc>
+                <a:tc>
+                  <a:txBody>
+                    <a:bodyPr/>
+                    <a:lstStyle/>
+                    <a:p>
+                      <a:pPr marL="0" marR="0" algn="ctr">
+                        <a:lnSpc>
+                          <a:spcPct val="107000"/>
+                        </a:lnSpc>
+                        <a:spcBef>
+                          <a:spcPts val="0"/>
+                        </a:spcBef>
+                        <a:spcAft>
+                          <a:spcPts val="0"/>
+                        </a:spcAft>
+                      </a:pPr>
+                      <a:r>
+                        <a:rPr lang="en-US" sz="1600" dirty="0">
+                          <a:effectLst/>
+                        </a:rPr>
+                        <a:t>Model 1</a:t>
+                      </a:r>
+                    </a:p>
+                    <a:p>
+                      <a:pPr marL="0" marR="0" algn="ctr">
+                        <a:lnSpc>
+                          <a:spcPct val="107000"/>
+                        </a:lnSpc>
+                        <a:spcBef>
+                          <a:spcPts val="0"/>
+                        </a:spcBef>
+                        <a:spcAft>
+                          <a:spcPts val="0"/>
+                        </a:spcAft>
+                      </a:pPr>
+                      <a:r>
+                        <a:rPr lang="en-US" sz="1600" dirty="0">
+                          <a:effectLst/>
+                        </a:rPr>
+                        <a:t>OR (95% CI)</a:t>
+                      </a:r>
+                      <a:endParaRPr lang="en-US" sz="1600" dirty="0">
+                        <a:effectLst/>
+                        <a:latin typeface="Calibri" panose="020F0502020204030204" pitchFamily="34" charset="0"/>
+                        <a:ea typeface="SimSun" panose="02010600030101010101" pitchFamily="2" charset="-122"/>
+                        <a:cs typeface="Times New Roman" panose="02020603050405020304" pitchFamily="18" charset="0"/>
+                      </a:endParaRPr>
+                    </a:p>
+                  </a:txBody>
+                  <a:tcPr marL="68580" marR="68580" marT="0" marB="0"/>
+                </a:tc>
+                <a:tc>
+                  <a:txBody>
+                    <a:bodyPr/>
+                    <a:lstStyle/>
+                    <a:p>
+                      <a:pPr marL="0" marR="0" algn="ctr">
+                        <a:lnSpc>
+                          <a:spcPct val="107000"/>
+                        </a:lnSpc>
+                        <a:spcBef>
+                          <a:spcPts val="0"/>
+                        </a:spcBef>
+                        <a:spcAft>
+                          <a:spcPts val="0"/>
+                        </a:spcAft>
+                      </a:pPr>
+                      <a:r>
+                        <a:rPr lang="en-US" sz="1600" dirty="0">
+                          <a:effectLst/>
+                        </a:rPr>
+                        <a:t>Model 2</a:t>
+                      </a:r>
+                    </a:p>
+                    <a:p>
+                      <a:pPr marL="0" marR="0" algn="ctr">
+                        <a:lnSpc>
+                          <a:spcPct val="107000"/>
+                        </a:lnSpc>
+                        <a:spcBef>
+                          <a:spcPts val="0"/>
+                        </a:spcBef>
+                        <a:spcAft>
+                          <a:spcPts val="0"/>
+                        </a:spcAft>
+                      </a:pPr>
+                      <a:r>
+                        <a:rPr lang="en-US" sz="1600" dirty="0">
+                          <a:effectLst/>
+                        </a:rPr>
+                        <a:t>OR (95% CI)</a:t>
+                      </a:r>
+                      <a:endParaRPr lang="en-US" sz="1600" dirty="0">
+                        <a:effectLst/>
+                        <a:latin typeface="Calibri" panose="020F0502020204030204" pitchFamily="34" charset="0"/>
+                        <a:ea typeface="SimSun" panose="02010600030101010101" pitchFamily="2" charset="-122"/>
+                        <a:cs typeface="Times New Roman" panose="02020603050405020304" pitchFamily="18" charset="0"/>
+                      </a:endParaRPr>
+                    </a:p>
+                  </a:txBody>
+                  <a:tcPr marL="68580" marR="68580" marT="0" marB="0"/>
+                </a:tc>
+              </a:tr>
+              <a:tr h="381000">
+                <a:tc>
+                  <a:txBody>
+                    <a:bodyPr/>
+                    <a:lstStyle/>
+                    <a:p>
+                      <a:pPr marL="0" marR="0">
+                        <a:lnSpc>
+                          <a:spcPct val="107000"/>
+                        </a:lnSpc>
+                        <a:spcBef>
+                          <a:spcPts val="0"/>
+                        </a:spcBef>
+                        <a:spcAft>
+                          <a:spcPts val="0"/>
+                        </a:spcAft>
+                      </a:pPr>
+                      <a:r>
+                        <a:rPr lang="en-US" sz="1600" dirty="0" smtClean="0">
+                          <a:effectLst/>
+                        </a:rPr>
+                        <a:t>Local government</a:t>
+                      </a:r>
+                      <a:r>
+                        <a:rPr lang="en-US" sz="1600" baseline="0" dirty="0" smtClean="0">
+                          <a:effectLst/>
+                        </a:rPr>
+                        <a:t> trust </a:t>
+                      </a:r>
+                      <a:endParaRPr lang="en-US" sz="1600" dirty="0">
+                        <a:effectLst/>
+                        <a:latin typeface="Calibri" panose="020F0502020204030204" pitchFamily="34" charset="0"/>
+                        <a:ea typeface="SimSun" panose="02010600030101010101" pitchFamily="2" charset="-122"/>
+                        <a:cs typeface="Times New Roman" panose="02020603050405020304" pitchFamily="18" charset="0"/>
+                      </a:endParaRPr>
+                    </a:p>
+                  </a:txBody>
+                  <a:tcPr marL="68580" marR="68580" marT="0" marB="0"/>
+                </a:tc>
+                <a:tc>
+                  <a:txBody>
+                    <a:bodyPr/>
+                    <a:lstStyle/>
+                    <a:p>
+                      <a:pPr marL="0" marR="0" algn="ctr">
+                        <a:lnSpc>
+                          <a:spcPct val="107000"/>
+                        </a:lnSpc>
+                        <a:spcBef>
+                          <a:spcPts val="0"/>
+                        </a:spcBef>
+                        <a:spcAft>
+                          <a:spcPts val="0"/>
+                        </a:spcAft>
+                      </a:pPr>
+                      <a:r>
+                        <a:rPr lang="en-US" sz="1600" dirty="0" smtClean="0">
+                          <a:effectLst/>
+                        </a:rPr>
+                        <a:t>6.05</a:t>
+                      </a:r>
+                      <a:r>
+                        <a:rPr lang="en-US" sz="1600" baseline="0" dirty="0" smtClean="0">
+                          <a:effectLst/>
+                        </a:rPr>
+                        <a:t> (4.14-8.83)</a:t>
+                      </a:r>
+                      <a:endParaRPr lang="en-US" sz="1600" dirty="0">
+                        <a:effectLst/>
+                        <a:latin typeface="Calibri" panose="020F0502020204030204" pitchFamily="34" charset="0"/>
+                        <a:ea typeface="SimSun" panose="02010600030101010101" pitchFamily="2" charset="-122"/>
+                        <a:cs typeface="Times New Roman" panose="02020603050405020304" pitchFamily="18" charset="0"/>
+                      </a:endParaRPr>
+                    </a:p>
+                  </a:txBody>
+                  <a:tcPr marL="68580" marR="68580" marT="0" marB="0"/>
+                </a:tc>
+                <a:tc>
+                  <a:txBody>
+                    <a:bodyPr/>
+                    <a:lstStyle/>
+                    <a:p>
+                      <a:pPr marL="0" marR="0" algn="ctr">
+                        <a:lnSpc>
+                          <a:spcPct val="107000"/>
+                        </a:lnSpc>
+                        <a:spcBef>
+                          <a:spcPts val="300"/>
+                        </a:spcBef>
+                        <a:spcAft>
+                          <a:spcPts val="300"/>
+                        </a:spcAft>
+                      </a:pPr>
+                      <a:r>
+                        <a:rPr lang="en-US" sz="1600" dirty="0" smtClean="0">
+                          <a:effectLst/>
+                        </a:rPr>
+                        <a:t>5.77 (3.88-8.57)</a:t>
+                      </a:r>
+                      <a:endParaRPr lang="en-US" sz="1600" dirty="0">
+                        <a:effectLst/>
+                        <a:latin typeface="Calibri" panose="020F0502020204030204" pitchFamily="34" charset="0"/>
+                        <a:ea typeface="SimSun" panose="02010600030101010101" pitchFamily="2" charset="-122"/>
+                        <a:cs typeface="Times New Roman" panose="02020603050405020304" pitchFamily="18" charset="0"/>
+                      </a:endParaRPr>
+                    </a:p>
+                  </a:txBody>
+                  <a:tcPr marL="68580" marR="68580" marT="0" marB="0"/>
+                </a:tc>
+              </a:tr>
+              <a:tr h="381000">
+                <a:tc>
+                  <a:txBody>
+                    <a:bodyPr/>
+                    <a:lstStyle/>
+                    <a:p>
+                      <a:pPr marL="0" marR="0">
+                        <a:lnSpc>
+                          <a:spcPct val="107000"/>
+                        </a:lnSpc>
+                        <a:spcBef>
+                          <a:spcPts val="0"/>
+                        </a:spcBef>
+                        <a:spcAft>
+                          <a:spcPts val="0"/>
+                        </a:spcAft>
+                      </a:pPr>
+                      <a:r>
+                        <a:rPr lang="en-US" sz="1600" dirty="0" smtClean="0">
+                          <a:effectLst/>
+                        </a:rPr>
+                        <a:t>State government</a:t>
+                      </a:r>
+                      <a:r>
+                        <a:rPr lang="en-US" sz="1600" baseline="0" dirty="0" smtClean="0">
+                          <a:effectLst/>
+                        </a:rPr>
+                        <a:t> trust </a:t>
+                      </a:r>
+                      <a:endParaRPr lang="en-US" sz="1600" dirty="0">
+                        <a:effectLst/>
+                        <a:latin typeface="Calibri" panose="020F0502020204030204" pitchFamily="34" charset="0"/>
+                        <a:ea typeface="SimSun" panose="02010600030101010101" pitchFamily="2" charset="-122"/>
+                        <a:cs typeface="Times New Roman" panose="02020603050405020304" pitchFamily="18" charset="0"/>
+                      </a:endParaRPr>
+                    </a:p>
+                  </a:txBody>
+                  <a:tcPr marL="68580" marR="68580" marT="0" marB="0"/>
+                </a:tc>
+                <a:tc>
+                  <a:txBody>
+                    <a:bodyPr/>
+                    <a:lstStyle/>
+                    <a:p>
+                      <a:pPr marL="0" marR="0" algn="ctr">
+                        <a:lnSpc>
+                          <a:spcPct val="107000"/>
+                        </a:lnSpc>
+                        <a:spcBef>
+                          <a:spcPts val="0"/>
+                        </a:spcBef>
+                        <a:spcAft>
+                          <a:spcPts val="0"/>
+                        </a:spcAft>
+                      </a:pPr>
+                      <a:r>
+                        <a:rPr lang="en-US" sz="1600" dirty="0" smtClean="0">
+                          <a:effectLst/>
+                        </a:rPr>
+                        <a:t>5.66</a:t>
+                      </a:r>
+                      <a:r>
+                        <a:rPr lang="en-US" sz="1600" baseline="0" dirty="0" smtClean="0">
+                          <a:effectLst/>
+                        </a:rPr>
+                        <a:t> (4.21-7.59)</a:t>
+                      </a:r>
+                      <a:endParaRPr lang="en-US" sz="1600" dirty="0">
+                        <a:effectLst/>
+                        <a:latin typeface="Calibri" panose="020F0502020204030204" pitchFamily="34" charset="0"/>
+                        <a:ea typeface="SimSun" panose="02010600030101010101" pitchFamily="2" charset="-122"/>
+                        <a:cs typeface="Times New Roman" panose="02020603050405020304" pitchFamily="18" charset="0"/>
+                      </a:endParaRPr>
+                    </a:p>
+                  </a:txBody>
+                  <a:tcPr marL="68580" marR="68580" marT="0" marB="0"/>
+                </a:tc>
+                <a:tc>
+                  <a:txBody>
+                    <a:bodyPr/>
+                    <a:lstStyle/>
+                    <a:p>
+                      <a:pPr marL="0" marR="0" algn="ctr">
+                        <a:lnSpc>
+                          <a:spcPct val="107000"/>
+                        </a:lnSpc>
+                        <a:spcBef>
+                          <a:spcPts val="300"/>
+                        </a:spcBef>
+                        <a:spcAft>
+                          <a:spcPts val="300"/>
+                        </a:spcAft>
+                      </a:pPr>
+                      <a:r>
+                        <a:rPr lang="en-US" sz="1600" dirty="0" smtClean="0">
+                          <a:effectLst/>
+                        </a:rPr>
+                        <a:t>5.60(4.09-7.67)</a:t>
+                      </a:r>
+                      <a:endParaRPr lang="en-US" sz="1600" dirty="0">
+                        <a:effectLst/>
+                        <a:latin typeface="Calibri" panose="020F0502020204030204" pitchFamily="34" charset="0"/>
+                        <a:ea typeface="SimSun" panose="02010600030101010101" pitchFamily="2" charset="-122"/>
+                        <a:cs typeface="Times New Roman" panose="02020603050405020304" pitchFamily="18" charset="0"/>
+                      </a:endParaRPr>
+                    </a:p>
+                  </a:txBody>
+                  <a:tcPr marL="68580" marR="68580" marT="0" marB="0"/>
+                </a:tc>
+              </a:tr>
+              <a:tr h="381000">
+                <a:tc>
+                  <a:txBody>
+                    <a:bodyPr/>
+                    <a:lstStyle/>
+                    <a:p>
+                      <a:pPr marL="0" marR="0">
+                        <a:lnSpc>
+                          <a:spcPct val="107000"/>
+                        </a:lnSpc>
+                        <a:spcBef>
+                          <a:spcPts val="0"/>
+                        </a:spcBef>
+                        <a:spcAft>
+                          <a:spcPts val="0"/>
+                        </a:spcAft>
+                      </a:pPr>
+                      <a:r>
+                        <a:rPr lang="en-US" sz="1600" dirty="0" smtClean="0">
+                          <a:effectLst/>
+                        </a:rPr>
+                        <a:t>Federal government</a:t>
+                      </a:r>
+                      <a:r>
+                        <a:rPr lang="en-US" sz="1600" baseline="0" dirty="0" smtClean="0">
+                          <a:effectLst/>
+                        </a:rPr>
+                        <a:t> trust </a:t>
+                      </a:r>
+                      <a:endParaRPr lang="en-US" sz="1600" dirty="0">
+                        <a:effectLst/>
+                        <a:latin typeface="Calibri" panose="020F0502020204030204" pitchFamily="34" charset="0"/>
+                        <a:ea typeface="SimSun" panose="02010600030101010101" pitchFamily="2" charset="-122"/>
+                        <a:cs typeface="Times New Roman" panose="02020603050405020304" pitchFamily="18" charset="0"/>
+                      </a:endParaRPr>
+                    </a:p>
+                  </a:txBody>
+                  <a:tcPr marL="68580" marR="68580" marT="0" marB="0"/>
+                </a:tc>
+                <a:tc>
+                  <a:txBody>
+                    <a:bodyPr/>
+                    <a:lstStyle/>
+                    <a:p>
+                      <a:pPr marL="0" marR="0" algn="ctr">
+                        <a:lnSpc>
+                          <a:spcPct val="107000"/>
+                        </a:lnSpc>
+                        <a:spcBef>
+                          <a:spcPts val="0"/>
+                        </a:spcBef>
+                        <a:spcAft>
+                          <a:spcPts val="0"/>
+                        </a:spcAft>
+                      </a:pPr>
+                      <a:r>
+                        <a:rPr lang="en-US" sz="1600" dirty="0" smtClean="0">
+                          <a:effectLst/>
+                        </a:rPr>
+                        <a:t>5.33(4.30-6.61)</a:t>
+                      </a:r>
+                      <a:endParaRPr lang="en-US" sz="1600" dirty="0">
+                        <a:effectLst/>
+                        <a:latin typeface="Calibri" panose="020F0502020204030204" pitchFamily="34" charset="0"/>
+                        <a:ea typeface="SimSun" panose="02010600030101010101" pitchFamily="2" charset="-122"/>
+                        <a:cs typeface="Times New Roman" panose="02020603050405020304" pitchFamily="18" charset="0"/>
+                      </a:endParaRPr>
+                    </a:p>
+                  </a:txBody>
+                  <a:tcPr marL="68580" marR="68580" marT="0" marB="0"/>
+                </a:tc>
+                <a:tc>
+                  <a:txBody>
+                    <a:bodyPr/>
+                    <a:lstStyle/>
+                    <a:p>
+                      <a:pPr marL="0" marR="0" algn="ctr">
+                        <a:lnSpc>
+                          <a:spcPct val="107000"/>
+                        </a:lnSpc>
+                        <a:spcBef>
+                          <a:spcPts val="300"/>
+                        </a:spcBef>
+                        <a:spcAft>
+                          <a:spcPts val="300"/>
+                        </a:spcAft>
+                      </a:pPr>
+                      <a:r>
+                        <a:rPr lang="en-US" sz="1600" dirty="0" smtClean="0">
+                          <a:effectLst/>
+                        </a:rPr>
+                        <a:t>4.56(3.62-5.73)</a:t>
+                      </a:r>
+                      <a:endParaRPr lang="en-US" sz="1600" dirty="0">
+                        <a:effectLst/>
+                        <a:latin typeface="Calibri" panose="020F0502020204030204" pitchFamily="34" charset="0"/>
+                        <a:ea typeface="SimSun" panose="02010600030101010101" pitchFamily="2" charset="-122"/>
+                        <a:cs typeface="Times New Roman" panose="02020603050405020304" pitchFamily="18" charset="0"/>
+                      </a:endParaRPr>
+                    </a:p>
+                  </a:txBody>
+                  <a:tcPr marL="68580" marR="68580" marT="0" marB="0"/>
+                </a:tc>
+              </a:tr>
+            </a:tbl>
+          </a:graphicData>
+        </a:graphic>
+      </p:graphicFrame>
+    </p:spTree>
+    <p:extLst>
+      <p:ext uri="{BB962C8B-B14F-4D97-AF65-F5344CB8AC3E}">
+        <p14:creationId xmlns:p14="http://schemas.microsoft.com/office/powerpoint/2010/main" val="2237672380"/>
+      </p:ext>
+    </p:extLst>
+  </p:cSld>
+  <p:clrMapOvr>
+    <a:masterClrMapping/>
+  </p:clrMapOvr>
+  <p:timing>
+    <p:tnLst>
+      <p:par>
+        <p:cTn id="1" dur="indefinite" restart="never" nodeType="tmRoot"/>
+      </p:par>
+    </p:tnLst>
+  </p:timing>
+</p:sld>
+</file>
+
+<file path=ppt/slides/slide14.xml><?xml version="1.0" encoding="utf-8"?>
 <p:sld xmlns:a="http://schemas.openxmlformats.org/drawingml/2006/main" xmlns:r="http://schemas.openxmlformats.org/officeDocument/2006/relationships" xmlns:p="http://schemas.openxmlformats.org/presentationml/2006/main">
   <p:cSld>
     <p:spTree>
@@ -6764,7 +9331,7 @@
             </a:r>
             <a:r>
               <a:rPr lang="en-US" sz="2000" dirty="0" smtClean="0"/>
-              <a:t>he National Consortium for the Study of Terrorism and  Responses to Terrorism (START)</a:t>
+              <a:t>he National Consortium for the Study of Terrorism and Responses to Terrorism (START)</a:t>
             </a:r>
           </a:p>
           <a:p>
@@ -8019,7 +10586,18 @@
             <a:pPr lvl="2"/>
             <a:r>
               <a:rPr lang="en-US" sz="1600" dirty="0"/>
-              <a:t>State: </a:t>
+              <a:t>Local: Mayor, Local Fire Department, Local Police Department, County/City Health Department</a:t>
+            </a:r>
+          </a:p>
+          <a:p>
+            <a:pPr lvl="2"/>
+            <a:r>
+              <a:rPr lang="en-US" sz="1600" dirty="0" smtClean="0"/>
+              <a:t>State</a:t>
+            </a:r>
+            <a:r>
+              <a:rPr lang="en-US" sz="1600" dirty="0"/>
+              <a:t>: </a:t>
             </a:r>
             <a:r>
               <a:rPr lang="en-US" sz="1600" dirty="0" smtClean="0"/>
@@ -8038,22 +10616,11 @@
             <a:pPr lvl="2"/>
             <a:r>
               <a:rPr lang="en-US" sz="1600" dirty="0" smtClean="0"/>
-              <a:t>Local</a:t>
+              <a:t>Federal</a:t>
             </a:r>
             <a:r>
               <a:rPr lang="en-US" sz="1600" dirty="0"/>
-              <a:t>: Mayor, Local Fire Department, Local Police Department, County/City Health </a:t>
-            </a:r>
-            <a:r>
-              <a:rPr lang="en-US" sz="1600" dirty="0" smtClean="0"/>
-              <a:t>Department</a:t>
-            </a:r>
-          </a:p>
-          <a:p>
-            <a:pPr lvl="2"/>
-            <a:r>
-              <a:rPr lang="en-US" sz="1600" dirty="0"/>
-              <a:t>Federal: President of the United States, Department of Homeland Security, Centers for Disease Control, Federal Emergency Management </a:t>
+              <a:t>: President of the United States, Department of Homeland Security, Centers for Disease Control, Federal Emergency Management </a:t>
             </a:r>
             <a:r>
               <a:rPr lang="en-US" sz="1600" dirty="0" smtClean="0"/>
